--- a/AI presentation.pptx
+++ b/AI presentation.pptx
@@ -5,7 +5,7 @@
     <p:sldMasterId id="2147483942" r:id="rId1"/>
   </p:sldMasterIdLst>
   <p:notesMasterIdLst>
-    <p:notesMasterId r:id="rId20"/>
+    <p:notesMasterId r:id="rId23"/>
   </p:notesMasterIdLst>
   <p:sldIdLst>
     <p:sldId id="256" r:id="rId2"/>
@@ -15,39 +15,42 @@
     <p:sldId id="260" r:id="rId6"/>
     <p:sldId id="261" r:id="rId7"/>
     <p:sldId id="262" r:id="rId8"/>
-    <p:sldId id="267" r:id="rId9"/>
-    <p:sldId id="263" r:id="rId10"/>
-    <p:sldId id="264" r:id="rId11"/>
-    <p:sldId id="265" r:id="rId12"/>
-    <p:sldId id="266" r:id="rId13"/>
-    <p:sldId id="269" r:id="rId14"/>
-    <p:sldId id="270" r:id="rId15"/>
-    <p:sldId id="271" r:id="rId16"/>
-    <p:sldId id="272" r:id="rId17"/>
-    <p:sldId id="273" r:id="rId18"/>
-    <p:sldId id="274" r:id="rId19"/>
+    <p:sldId id="276" r:id="rId9"/>
+    <p:sldId id="275" r:id="rId10"/>
+    <p:sldId id="277" r:id="rId11"/>
+    <p:sldId id="267" r:id="rId12"/>
+    <p:sldId id="263" r:id="rId13"/>
+    <p:sldId id="264" r:id="rId14"/>
+    <p:sldId id="265" r:id="rId15"/>
+    <p:sldId id="266" r:id="rId16"/>
+    <p:sldId id="269" r:id="rId17"/>
+    <p:sldId id="270" r:id="rId18"/>
+    <p:sldId id="271" r:id="rId19"/>
+    <p:sldId id="272" r:id="rId20"/>
+    <p:sldId id="273" r:id="rId21"/>
+    <p:sldId id="274" r:id="rId22"/>
   </p:sldIdLst>
   <p:sldSz cx="9144000" cy="5143500" type="screen16x9"/>
   <p:notesSz cx="6858000" cy="9144000"/>
   <p:embeddedFontLst>
     <p:embeddedFont>
       <p:font typeface="Calibri" panose="020F0502020204030204" pitchFamily="34" charset="0"/>
-      <p:regular r:id="rId21"/>
-      <p:bold r:id="rId22"/>
-      <p:italic r:id="rId23"/>
-      <p:boldItalic r:id="rId24"/>
+      <p:regular r:id="rId24"/>
+      <p:bold r:id="rId25"/>
+      <p:italic r:id="rId26"/>
+      <p:boldItalic r:id="rId27"/>
     </p:embeddedFont>
     <p:embeddedFont>
       <p:font typeface="Calibri Light" panose="020F0302020204030204" pitchFamily="34" charset="0"/>
-      <p:regular r:id="rId25"/>
-      <p:italic r:id="rId26"/>
+      <p:regular r:id="rId28"/>
+      <p:italic r:id="rId29"/>
     </p:embeddedFont>
     <p:embeddedFont>
       <p:font typeface="Georgia" panose="02040502050405020303" pitchFamily="18" charset="0"/>
-      <p:regular r:id="rId27"/>
-      <p:bold r:id="rId28"/>
-      <p:italic r:id="rId29"/>
-      <p:boldItalic r:id="rId30"/>
+      <p:regular r:id="rId30"/>
+      <p:bold r:id="rId31"/>
+      <p:italic r:id="rId32"/>
+      <p:boldItalic r:id="rId33"/>
     </p:embeddedFont>
   </p:embeddedFontLst>
   <p:defaultTextStyle>
@@ -20803,208 +20806,6 @@
 </file>
 
 <file path=ppt/slides/slide10.xml><?xml version="1.0" encoding="utf-8"?>
-<p:sld xmlns:a="http://schemas.openxmlformats.org/drawingml/2006/main" xmlns:r="http://schemas.openxmlformats.org/officeDocument/2006/relationships" xmlns:p="http://schemas.openxmlformats.org/presentationml/2006/main" show="0">
-  <p:cSld>
-    <p:bg>
-      <p:bgPr>
-        <a:solidFill>
-          <a:schemeClr val="bg2"/>
-        </a:solidFill>
-        <a:effectLst/>
-      </p:bgPr>
-    </p:bg>
-    <p:spTree>
-      <p:nvGrpSpPr>
-        <p:cNvPr id="1" name=""/>
-        <p:cNvGrpSpPr/>
-        <p:nvPr/>
-      </p:nvGrpSpPr>
-      <p:grpSpPr>
-        <a:xfrm>
-          <a:off x="0" y="0"/>
-          <a:ext cx="0" cy="0"/>
-          <a:chOff x="0" y="0"/>
-          <a:chExt cx="0" cy="0"/>
-        </a:xfrm>
-      </p:grpSpPr>
-      <p:sp>
-        <p:nvSpPr>
-          <p:cNvPr id="2" name="Title 1">
-            <a:extLst>
-              <a:ext uri="{FF2B5EF4-FFF2-40B4-BE49-F238E27FC236}">
-                <a16:creationId xmlns:a16="http://schemas.microsoft.com/office/drawing/2014/main" id="{633E3164-BFCC-CB7A-F4F5-89FAD72A260C}"/>
-              </a:ext>
-            </a:extLst>
-          </p:cNvPr>
-          <p:cNvSpPr>
-            <a:spLocks noGrp="1"/>
-          </p:cNvSpPr>
-          <p:nvPr>
-            <p:ph type="title"/>
-          </p:nvPr>
-        </p:nvSpPr>
-        <p:spPr>
-          <a:xfrm>
-            <a:off x="272015" y="719864"/>
-            <a:ext cx="2441018" cy="3703771"/>
-          </a:xfrm>
-        </p:spPr>
-        <p:txBody>
-          <a:bodyPr vert="horz" lIns="91440" tIns="45720" rIns="91440" bIns="45720" rtlCol="0" anchor="ctr">
-            <a:normAutofit/>
-          </a:bodyPr>
-          <a:lstStyle/>
-          <a:p>
-            <a:pPr algn="r" defTabSz="914400"/>
-            <a:r>
-              <a:rPr lang="en-US" sz="2800" spc="-50" dirty="0" err="1">
-                <a:solidFill>
-                  <a:schemeClr val="tx1">
-                    <a:lumMod val="75000"/>
-                    <a:lumOff val="25000"/>
-                  </a:schemeClr>
-                </a:solidFill>
-              </a:rPr>
-              <a:t>Fastai</a:t>
-            </a:r>
-            <a:r>
-              <a:rPr lang="en-US" sz="2800" spc="-50" dirty="0">
-                <a:solidFill>
-                  <a:schemeClr val="tx1">
-                    <a:lumMod val="75000"/>
-                    <a:lumOff val="25000"/>
-                  </a:schemeClr>
-                </a:solidFill>
-              </a:rPr>
-              <a:t> and tools used for the implementation</a:t>
-            </a:r>
-          </a:p>
-        </p:txBody>
-      </p:sp>
-      <p:sp>
-        <p:nvSpPr>
-          <p:cNvPr id="3" name="Content Placeholder 2">
-            <a:extLst>
-              <a:ext uri="{FF2B5EF4-FFF2-40B4-BE49-F238E27FC236}">
-                <a16:creationId xmlns:a16="http://schemas.microsoft.com/office/drawing/2014/main" id="{26323AB5-EB8C-763D-77D0-FBE2F506F5BB}"/>
-              </a:ext>
-            </a:extLst>
-          </p:cNvPr>
-          <p:cNvSpPr>
-            <a:spLocks noGrp="1"/>
-          </p:cNvSpPr>
-          <p:nvPr>
-            <p:ph idx="1"/>
-          </p:nvPr>
-        </p:nvSpPr>
-        <p:spPr>
-          <a:xfrm>
-            <a:off x="3851161" y="722630"/>
-            <a:ext cx="4601323" cy="3704138"/>
-          </a:xfrm>
-        </p:spPr>
-        <p:txBody>
-          <a:bodyPr vert="horz" lIns="0" tIns="45720" rIns="0" bIns="45720" rtlCol="0" anchor="ctr">
-            <a:normAutofit/>
-          </a:bodyPr>
-          <a:lstStyle/>
-          <a:p>
-            <a:pPr marL="0" lvl="0" indent="0" defTabSz="914400">
-              <a:spcBef>
-                <a:spcPts val="900"/>
-              </a:spcBef>
-              <a:spcAft>
-                <a:spcPts val="0"/>
-              </a:spcAft>
-              <a:buFont typeface="Calibri" panose="020F0502020204030204" pitchFamily="34" charset="0"/>
-              <a:buNone/>
-            </a:pPr>
-            <a:r>
-              <a:rPr lang="en-US" sz="900" b="1"/>
-              <a:t>What is fast AI? </a:t>
-            </a:r>
-            <a:r>
-              <a:rPr lang="en-US" sz="900"/>
-              <a:t>Fastai is a comprehensive deep learning library that offers practitioners a range of high-level components to achieve exceptional outcomes in traditional deep learning domains. Additionally, it equips researchers with versatile low-level components that can be flexibly combined and customized to construct novel methodologies.</a:t>
-            </a:r>
-          </a:p>
-          <a:p>
-            <a:pPr marL="0" lvl="0" indent="0" defTabSz="914400">
-              <a:spcBef>
-                <a:spcPts val="900"/>
-              </a:spcBef>
-              <a:spcAft>
-                <a:spcPts val="0"/>
-              </a:spcAft>
-              <a:buFont typeface="Calibri" panose="020F0502020204030204" pitchFamily="34" charset="0"/>
-              <a:buNone/>
-            </a:pPr>
-            <a:r>
-              <a:rPr lang="en-US" sz="900" b="1"/>
-              <a:t>Dataloaders: </a:t>
-            </a:r>
-            <a:r>
-              <a:rPr lang="en-US" sz="900"/>
-              <a:t>DataLoaders extend PyTorch's DataLoader Class by providing enhanced functionality and flexibility. They offer a range of capabilities to assist in exploring, cleaning, modifying, and preparing data throughout the entire process of building a deep learning model. DataLoaders are indispensable when constructing a fastai model, as they facilitate the efficient handling and transformation of data at various stages, ensuring optimal utilization within the model.</a:t>
-            </a:r>
-          </a:p>
-          <a:p>
-            <a:pPr marL="0" lvl="0" indent="0" defTabSz="914400">
-              <a:spcBef>
-                <a:spcPts val="900"/>
-              </a:spcBef>
-              <a:spcAft>
-                <a:spcPts val="0"/>
-              </a:spcAft>
-              <a:buFont typeface="Calibri" panose="020F0502020204030204" pitchFamily="34" charset="0"/>
-              <a:buNone/>
-            </a:pPr>
-            <a:r>
-              <a:rPr lang="en-US" sz="900" b="1"/>
-              <a:t>Learner:</a:t>
-            </a:r>
-            <a:r>
-              <a:rPr lang="en-US" sz="900"/>
-              <a:t> The integration of the model, DataLoader, and loss function within a unified framework enables the generation of weights or embedding vectors for the features, while also learning biases associated with each feature. By combining these components, the system is able to optimize and extract meaningful representations from the input data. The model leverages the DataLoader to efficiently process and transform the data, while the loss function guides the learning process by quantifying the discrepancy between predicted and actual outcomes.</a:t>
-            </a:r>
-          </a:p>
-          <a:p>
-            <a:pPr marL="0" lvl="0" indent="0" defTabSz="914400">
-              <a:spcBef>
-                <a:spcPts val="900"/>
-              </a:spcBef>
-              <a:spcAft>
-                <a:spcPts val="0"/>
-              </a:spcAft>
-              <a:buSzPct val="91666"/>
-              <a:buFont typeface="Calibri" panose="020F0502020204030204" pitchFamily="34" charset="0"/>
-              <a:buNone/>
-            </a:pPr>
-            <a:r>
-              <a:rPr lang="en-US" sz="900" b="1"/>
-              <a:t>MSE Loss function</a:t>
-            </a:r>
-            <a:r>
-              <a:rPr lang="en-US" sz="900"/>
-              <a:t>:The Mean Squared Error (MSE) loss function is defined as the average of the squared differences between the actual and predicted values. It serves as a widely utilized loss function in regression tasks. By computing the squared differences and taking their average, the MSE loss effectively quantifies the overall magnitude of the prediction errors. This makes it a popular choice for regression problems, as it provides a measure of how well the model fits the data and enables the optimization process to minimize the discrepancy between predicted and actual values.</a:t>
-            </a:r>
-          </a:p>
-        </p:txBody>
-      </p:sp>
-    </p:spTree>
-    <p:extLst>
-      <p:ext uri="{BB962C8B-B14F-4D97-AF65-F5344CB8AC3E}">
-        <p14:creationId xmlns:p14="http://schemas.microsoft.com/office/powerpoint/2010/main" val="2692118514"/>
-      </p:ext>
-    </p:extLst>
-  </p:cSld>
-  <p:clrMapOvr>
-    <a:masterClrMapping/>
-  </p:clrMapOvr>
-</p:sld>
-</file>
-
-<file path=ppt/slides/slide11.xml><?xml version="1.0" encoding="utf-8"?>
 <p:sld xmlns:a="http://schemas.openxmlformats.org/drawingml/2006/main" xmlns:r="http://schemas.openxmlformats.org/officeDocument/2006/relationships" xmlns:p="http://schemas.openxmlformats.org/presentationml/2006/main">
   <p:cSld>
     <p:bg>
@@ -21034,209 +20835,7 @@
           <p:cNvPr id="2" name="Title 1">
             <a:extLst>
               <a:ext uri="{FF2B5EF4-FFF2-40B4-BE49-F238E27FC236}">
-                <a16:creationId xmlns:a16="http://schemas.microsoft.com/office/drawing/2014/main" id="{5124D36D-2164-E0C3-AE24-DE8EB9B0A036}"/>
-              </a:ext>
-            </a:extLst>
-          </p:cNvPr>
-          <p:cNvSpPr>
-            <a:spLocks noGrp="1"/>
-          </p:cNvSpPr>
-          <p:nvPr>
-            <p:ph type="title"/>
-          </p:nvPr>
-        </p:nvSpPr>
-        <p:spPr/>
-        <p:txBody>
-          <a:bodyPr/>
-          <a:lstStyle/>
-          <a:p>
-            <a:r>
-              <a:rPr lang="en-US"/>
-              <a:t>Choosing a Learning rate</a:t>
-            </a:r>
-            <a:endParaRPr lang="en-US" dirty="0"/>
-          </a:p>
-        </p:txBody>
-      </p:sp>
-      <p:pic>
-        <p:nvPicPr>
-          <p:cNvPr id="5" name="Google Shape;189;g22182353c72_0_6">
-            <a:extLst>
-              <a:ext uri="{FF2B5EF4-FFF2-40B4-BE49-F238E27FC236}">
-                <a16:creationId xmlns:a16="http://schemas.microsoft.com/office/drawing/2014/main" id="{52C936F6-A732-0996-C469-DF09E0395F43}"/>
-              </a:ext>
-            </a:extLst>
-          </p:cNvPr>
-          <p:cNvPicPr preferRelativeResize="0"/>
-          <p:nvPr/>
-        </p:nvPicPr>
-        <p:blipFill>
-          <a:blip r:embed="rId2">
-            <a:alphaModFix/>
-          </a:blip>
-          <a:stretch>
-            <a:fillRect/>
-          </a:stretch>
-        </p:blipFill>
-        <p:spPr>
-          <a:xfrm>
-            <a:off x="3591173" y="619326"/>
-            <a:ext cx="4869300" cy="3672023"/>
-          </a:xfrm>
-          <a:prstGeom prst="rect">
-            <a:avLst/>
-          </a:prstGeom>
-          <a:noFill/>
-          <a:ln>
-            <a:noFill/>
-          </a:ln>
-        </p:spPr>
-      </p:pic>
-    </p:spTree>
-    <p:extLst>
-      <p:ext uri="{BB962C8B-B14F-4D97-AF65-F5344CB8AC3E}">
-        <p14:creationId xmlns:p14="http://schemas.microsoft.com/office/powerpoint/2010/main" val="3583180840"/>
-      </p:ext>
-    </p:extLst>
-  </p:cSld>
-  <p:clrMapOvr>
-    <a:masterClrMapping/>
-  </p:clrMapOvr>
-</p:sld>
-</file>
-
-<file path=ppt/slides/slide12.xml><?xml version="1.0" encoding="utf-8"?>
-<p:sld xmlns:a="http://schemas.openxmlformats.org/drawingml/2006/main" xmlns:r="http://schemas.openxmlformats.org/officeDocument/2006/relationships" xmlns:p="http://schemas.openxmlformats.org/presentationml/2006/main">
-  <p:cSld>
-    <p:bg>
-      <p:bgPr>
-        <a:solidFill>
-          <a:schemeClr val="bg2"/>
-        </a:solidFill>
-        <a:effectLst/>
-      </p:bgPr>
-    </p:bg>
-    <p:spTree>
-      <p:nvGrpSpPr>
-        <p:cNvPr id="1" name=""/>
-        <p:cNvGrpSpPr/>
-        <p:nvPr/>
-      </p:nvGrpSpPr>
-      <p:grpSpPr>
-        <a:xfrm>
-          <a:off x="0" y="0"/>
-          <a:ext cx="0" cy="0"/>
-          <a:chOff x="0" y="0"/>
-          <a:chExt cx="0" cy="0"/>
-        </a:xfrm>
-      </p:grpSpPr>
-      <p:sp>
-        <p:nvSpPr>
-          <p:cNvPr id="2" name="Title 1">
-            <a:extLst>
-              <a:ext uri="{FF2B5EF4-FFF2-40B4-BE49-F238E27FC236}">
-                <a16:creationId xmlns:a16="http://schemas.microsoft.com/office/drawing/2014/main" id="{26C6556F-865F-7C51-F9E9-FA6FEA15A510}"/>
-              </a:ext>
-            </a:extLst>
-          </p:cNvPr>
-          <p:cNvSpPr>
-            <a:spLocks noGrp="1"/>
-          </p:cNvSpPr>
-          <p:nvPr>
-            <p:ph type="title"/>
-          </p:nvPr>
-        </p:nvSpPr>
-        <p:spPr/>
-        <p:txBody>
-          <a:bodyPr/>
-          <a:lstStyle/>
-          <a:p>
-            <a:r>
-              <a:rPr lang="en-US"/>
-              <a:t>Model training</a:t>
-            </a:r>
-            <a:endParaRPr lang="en-US" dirty="0"/>
-          </a:p>
-        </p:txBody>
-      </p:sp>
-      <p:pic>
-        <p:nvPicPr>
-          <p:cNvPr id="5" name="Google Shape;197;g22182353c72_0_13">
-            <a:extLst>
-              <a:ext uri="{FF2B5EF4-FFF2-40B4-BE49-F238E27FC236}">
-                <a16:creationId xmlns:a16="http://schemas.microsoft.com/office/drawing/2014/main" id="{74DAC59A-7C21-7B49-2267-6EAEEFE3AC6B}"/>
-              </a:ext>
-            </a:extLst>
-          </p:cNvPr>
-          <p:cNvPicPr preferRelativeResize="0"/>
-          <p:nvPr/>
-        </p:nvPicPr>
-        <p:blipFill>
-          <a:blip r:embed="rId2">
-            <a:alphaModFix/>
-          </a:blip>
-          <a:stretch>
-            <a:fillRect/>
-          </a:stretch>
-        </p:blipFill>
-        <p:spPr>
-          <a:xfrm>
-            <a:off x="3480874" y="555028"/>
-            <a:ext cx="5078335" cy="4033443"/>
-          </a:xfrm>
-          <a:prstGeom prst="rect">
-            <a:avLst/>
-          </a:prstGeom>
-          <a:noFill/>
-          <a:ln>
-            <a:noFill/>
-          </a:ln>
-        </p:spPr>
-      </p:pic>
-    </p:spTree>
-    <p:extLst>
-      <p:ext uri="{BB962C8B-B14F-4D97-AF65-F5344CB8AC3E}">
-        <p14:creationId xmlns:p14="http://schemas.microsoft.com/office/powerpoint/2010/main" val="3556147711"/>
-      </p:ext>
-    </p:extLst>
-  </p:cSld>
-  <p:clrMapOvr>
-    <a:masterClrMapping/>
-  </p:clrMapOvr>
-</p:sld>
-</file>
-
-<file path=ppt/slides/slide13.xml><?xml version="1.0" encoding="utf-8"?>
-<p:sld xmlns:a="http://schemas.openxmlformats.org/drawingml/2006/main" xmlns:r="http://schemas.openxmlformats.org/officeDocument/2006/relationships" xmlns:p="http://schemas.openxmlformats.org/presentationml/2006/main">
-  <p:cSld>
-    <p:bg>
-      <p:bgPr>
-        <a:solidFill>
-          <a:schemeClr val="bg2"/>
-        </a:solidFill>
-        <a:effectLst/>
-      </p:bgPr>
-    </p:bg>
-    <p:spTree>
-      <p:nvGrpSpPr>
-        <p:cNvPr id="1" name=""/>
-        <p:cNvGrpSpPr/>
-        <p:nvPr/>
-      </p:nvGrpSpPr>
-      <p:grpSpPr>
-        <a:xfrm>
-          <a:off x="0" y="0"/>
-          <a:ext cx="0" cy="0"/>
-          <a:chOff x="0" y="0"/>
-          <a:chExt cx="0" cy="0"/>
-        </a:xfrm>
-      </p:grpSpPr>
-      <p:sp>
-        <p:nvSpPr>
-          <p:cNvPr id="2" name="Title 1">
-            <a:extLst>
-              <a:ext uri="{FF2B5EF4-FFF2-40B4-BE49-F238E27FC236}">
-                <a16:creationId xmlns:a16="http://schemas.microsoft.com/office/drawing/2014/main" id="{70F26971-A1AD-A6F4-8035-FDFF02703864}"/>
+                <a16:creationId xmlns:a16="http://schemas.microsoft.com/office/drawing/2014/main" id="{59740E80-5AAE-04A4-FEFA-93FC7E318C58}"/>
               </a:ext>
             </a:extLst>
           </p:cNvPr>
@@ -21249,8 +20848,8 @@
         </p:nvSpPr>
         <p:spPr>
           <a:xfrm>
-            <a:off x="822960" y="3806189"/>
-            <a:ext cx="7585234" cy="983777"/>
+            <a:off x="822960" y="3806190"/>
+            <a:ext cx="7585234" cy="967196"/>
           </a:xfrm>
         </p:spPr>
         <p:txBody>
@@ -21259,2527 +20858,17 @@
           <a:p>
             <a:r>
               <a:rPr lang="en-US" dirty="0"/>
-              <a:t>Test predicted and actual value</a:t>
+              <a:t>Predictions</a:t>
             </a:r>
           </a:p>
         </p:txBody>
       </p:sp>
       <p:pic>
         <p:nvPicPr>
-          <p:cNvPr id="5" name="Google Shape;205;g22182353c72_0_20">
+          <p:cNvPr id="6" name="Picture 5">
             <a:extLst>
               <a:ext uri="{FF2B5EF4-FFF2-40B4-BE49-F238E27FC236}">
-                <a16:creationId xmlns:a16="http://schemas.microsoft.com/office/drawing/2014/main" id="{CAAB7AFA-DB76-32C2-917E-60365BCC0267}"/>
-              </a:ext>
-            </a:extLst>
-          </p:cNvPr>
-          <p:cNvPicPr preferRelativeResize="0"/>
-          <p:nvPr/>
-        </p:nvPicPr>
-        <p:blipFill>
-          <a:blip r:embed="rId2">
-            <a:alphaModFix/>
-          </a:blip>
-          <a:stretch>
-            <a:fillRect/>
-          </a:stretch>
-        </p:blipFill>
-        <p:spPr>
-          <a:xfrm>
-            <a:off x="513403" y="455472"/>
-            <a:ext cx="4475269" cy="2802850"/>
-          </a:xfrm>
-          <a:prstGeom prst="rect">
-            <a:avLst/>
-          </a:prstGeom>
-          <a:noFill/>
-          <a:ln>
-            <a:noFill/>
-          </a:ln>
-        </p:spPr>
-      </p:pic>
-      <p:pic>
-        <p:nvPicPr>
-          <p:cNvPr id="6" name="Google Shape;206;g22182353c72_0_20">
-            <a:extLst>
-              <a:ext uri="{FF2B5EF4-FFF2-40B4-BE49-F238E27FC236}">
-                <a16:creationId xmlns:a16="http://schemas.microsoft.com/office/drawing/2014/main" id="{595CC5B6-6977-1F14-5981-E914CEDC9BCF}"/>
-              </a:ext>
-            </a:extLst>
-          </p:cNvPr>
-          <p:cNvPicPr preferRelativeResize="0"/>
-          <p:nvPr/>
-        </p:nvPicPr>
-        <p:blipFill>
-          <a:blip r:embed="rId3">
-            <a:alphaModFix/>
-          </a:blip>
-          <a:stretch>
-            <a:fillRect/>
-          </a:stretch>
-        </p:blipFill>
-        <p:spPr>
-          <a:xfrm>
-            <a:off x="6813570" y="398322"/>
-            <a:ext cx="967123" cy="2917150"/>
-          </a:xfrm>
-          <a:prstGeom prst="rect">
-            <a:avLst/>
-          </a:prstGeom>
-          <a:noFill/>
-          <a:ln>
-            <a:noFill/>
-          </a:ln>
-        </p:spPr>
-      </p:pic>
-    </p:spTree>
-    <p:extLst>
-      <p:ext uri="{BB962C8B-B14F-4D97-AF65-F5344CB8AC3E}">
-        <p14:creationId xmlns:p14="http://schemas.microsoft.com/office/powerpoint/2010/main" val="676433920"/>
-      </p:ext>
-    </p:extLst>
-  </p:cSld>
-  <p:clrMapOvr>
-    <a:masterClrMapping/>
-  </p:clrMapOvr>
-</p:sld>
-</file>
-
-<file path=ppt/slides/slide14.xml><?xml version="1.0" encoding="utf-8"?>
-<p:sld xmlns:a="http://schemas.openxmlformats.org/drawingml/2006/main" xmlns:r="http://schemas.openxmlformats.org/officeDocument/2006/relationships" xmlns:p="http://schemas.openxmlformats.org/presentationml/2006/main">
-  <p:cSld>
-    <p:bg>
-      <p:bgPr>
-        <a:solidFill>
-          <a:schemeClr val="bg2"/>
-        </a:solidFill>
-        <a:effectLst/>
-      </p:bgPr>
-    </p:bg>
-    <p:spTree>
-      <p:nvGrpSpPr>
-        <p:cNvPr id="1" name=""/>
-        <p:cNvGrpSpPr/>
-        <p:nvPr/>
-      </p:nvGrpSpPr>
-      <p:grpSpPr>
-        <a:xfrm>
-          <a:off x="0" y="0"/>
-          <a:ext cx="0" cy="0"/>
-          <a:chOff x="0" y="0"/>
-          <a:chExt cx="0" cy="0"/>
-        </a:xfrm>
-      </p:grpSpPr>
-      <p:sp>
-        <p:nvSpPr>
-          <p:cNvPr id="2" name="Title 1">
-            <a:extLst>
-              <a:ext uri="{FF2B5EF4-FFF2-40B4-BE49-F238E27FC236}">
-                <a16:creationId xmlns:a16="http://schemas.microsoft.com/office/drawing/2014/main" id="{D7A33DAA-BC8A-1FFD-C424-C48DEB36B72E}"/>
-              </a:ext>
-            </a:extLst>
-          </p:cNvPr>
-          <p:cNvSpPr>
-            <a:spLocks noGrp="1"/>
-          </p:cNvSpPr>
-          <p:nvPr>
-            <p:ph type="title"/>
-          </p:nvPr>
-        </p:nvSpPr>
-        <p:spPr/>
-        <p:txBody>
-          <a:bodyPr/>
-          <a:lstStyle/>
-          <a:p>
-            <a:r>
-              <a:rPr lang="en-US" dirty="0"/>
-              <a:t>Dimension Reduction Methods</a:t>
-            </a:r>
-          </a:p>
-        </p:txBody>
-      </p:sp>
-      <p:sp>
-        <p:nvSpPr>
-          <p:cNvPr id="5" name="Google Shape;212;g22182353c72_0_41">
-            <a:extLst>
-              <a:ext uri="{FF2B5EF4-FFF2-40B4-BE49-F238E27FC236}">
-                <a16:creationId xmlns:a16="http://schemas.microsoft.com/office/drawing/2014/main" id="{CA7C3FD4-3CAA-83D8-5591-A85422AE2873}"/>
-              </a:ext>
-            </a:extLst>
-          </p:cNvPr>
-          <p:cNvSpPr txBox="1">
-            <a:spLocks/>
-          </p:cNvSpPr>
-          <p:nvPr/>
-        </p:nvSpPr>
-        <p:spPr>
-          <a:xfrm>
-            <a:off x="3600450" y="500665"/>
-            <a:ext cx="5455118" cy="1766862"/>
-          </a:xfrm>
-          <a:prstGeom prst="rect">
-            <a:avLst/>
-          </a:prstGeom>
-        </p:spPr>
-        <p:txBody>
-          <a:bodyPr spcFirstLastPara="1" vert="horz" wrap="square" lIns="0" tIns="45700" rIns="0" bIns="45700" rtlCol="0" anchor="t" anchorCtr="0">
-            <a:normAutofit/>
-          </a:bodyPr>
-          <a:lstStyle>
-            <a:lvl1pPr marL="68580" indent="-68580" algn="l" defTabSz="685800" rtl="0" eaLnBrk="1" latinLnBrk="0" hangingPunct="1">
-              <a:lnSpc>
-                <a:spcPct val="90000"/>
-              </a:lnSpc>
-              <a:spcBef>
-                <a:spcPts val="900"/>
-              </a:spcBef>
-              <a:spcAft>
-                <a:spcPts val="150"/>
-              </a:spcAft>
-              <a:buClr>
-                <a:schemeClr val="accent1"/>
-              </a:buClr>
-              <a:buSzPct val="100000"/>
-              <a:buFont typeface="Calibri" panose="020F0502020204030204" pitchFamily="34" charset="0"/>
-              <a:buChar char=" "/>
-              <a:defRPr sz="1500" kern="1200">
-                <a:solidFill>
-                  <a:schemeClr val="tx1">
-                    <a:lumMod val="75000"/>
-                    <a:lumOff val="25000"/>
-                  </a:schemeClr>
-                </a:solidFill>
-                <a:latin typeface="+mn-lt"/>
-                <a:ea typeface="+mn-ea"/>
-                <a:cs typeface="+mn-cs"/>
-              </a:defRPr>
-            </a:lvl1pPr>
-            <a:lvl2pPr marL="288036" indent="-137160" algn="l" defTabSz="685800" rtl="0" eaLnBrk="1" latinLnBrk="0" hangingPunct="1">
-              <a:lnSpc>
-                <a:spcPct val="90000"/>
-              </a:lnSpc>
-              <a:spcBef>
-                <a:spcPts val="150"/>
-              </a:spcBef>
-              <a:spcAft>
-                <a:spcPts val="300"/>
-              </a:spcAft>
-              <a:buClr>
-                <a:schemeClr val="accent1"/>
-              </a:buClr>
-              <a:buFont typeface="Calibri" pitchFamily="34" charset="0"/>
-              <a:buChar char="◦"/>
-              <a:defRPr sz="1350" kern="1200">
-                <a:solidFill>
-                  <a:schemeClr val="tx1">
-                    <a:lumMod val="75000"/>
-                    <a:lumOff val="25000"/>
-                  </a:schemeClr>
-                </a:solidFill>
-                <a:latin typeface="+mn-lt"/>
-                <a:ea typeface="+mn-ea"/>
-                <a:cs typeface="+mn-cs"/>
-              </a:defRPr>
-            </a:lvl2pPr>
-            <a:lvl3pPr marL="425196" indent="-137160" algn="l" defTabSz="685800" rtl="0" eaLnBrk="1" latinLnBrk="0" hangingPunct="1">
-              <a:lnSpc>
-                <a:spcPct val="90000"/>
-              </a:lnSpc>
-              <a:spcBef>
-                <a:spcPts val="150"/>
-              </a:spcBef>
-              <a:spcAft>
-                <a:spcPts val="300"/>
-              </a:spcAft>
-              <a:buClr>
-                <a:schemeClr val="accent1"/>
-              </a:buClr>
-              <a:buFont typeface="Calibri" pitchFamily="34" charset="0"/>
-              <a:buChar char="◦"/>
-              <a:defRPr sz="1050" kern="1200">
-                <a:solidFill>
-                  <a:schemeClr val="tx1">
-                    <a:lumMod val="75000"/>
-                    <a:lumOff val="25000"/>
-                  </a:schemeClr>
-                </a:solidFill>
-                <a:latin typeface="+mn-lt"/>
-                <a:ea typeface="+mn-ea"/>
-                <a:cs typeface="+mn-cs"/>
-              </a:defRPr>
-            </a:lvl3pPr>
-            <a:lvl4pPr marL="562356" indent="-137160" algn="l" defTabSz="685800" rtl="0" eaLnBrk="1" latinLnBrk="0" hangingPunct="1">
-              <a:lnSpc>
-                <a:spcPct val="90000"/>
-              </a:lnSpc>
-              <a:spcBef>
-                <a:spcPts val="150"/>
-              </a:spcBef>
-              <a:spcAft>
-                <a:spcPts val="300"/>
-              </a:spcAft>
-              <a:buClr>
-                <a:schemeClr val="accent1"/>
-              </a:buClr>
-              <a:buFont typeface="Calibri" pitchFamily="34" charset="0"/>
-              <a:buChar char="◦"/>
-              <a:defRPr sz="1050" kern="1200">
-                <a:solidFill>
-                  <a:schemeClr val="tx1">
-                    <a:lumMod val="75000"/>
-                    <a:lumOff val="25000"/>
-                  </a:schemeClr>
-                </a:solidFill>
-                <a:latin typeface="+mn-lt"/>
-                <a:ea typeface="+mn-ea"/>
-                <a:cs typeface="+mn-cs"/>
-              </a:defRPr>
-            </a:lvl4pPr>
-            <a:lvl5pPr marL="699516" indent="-137160" algn="l" defTabSz="685800" rtl="0" eaLnBrk="1" latinLnBrk="0" hangingPunct="1">
-              <a:lnSpc>
-                <a:spcPct val="90000"/>
-              </a:lnSpc>
-              <a:spcBef>
-                <a:spcPts val="150"/>
-              </a:spcBef>
-              <a:spcAft>
-                <a:spcPts val="300"/>
-              </a:spcAft>
-              <a:buClr>
-                <a:schemeClr val="accent1"/>
-              </a:buClr>
-              <a:buFont typeface="Calibri" pitchFamily="34" charset="0"/>
-              <a:buChar char="◦"/>
-              <a:defRPr sz="1050" kern="1200">
-                <a:solidFill>
-                  <a:schemeClr val="tx1">
-                    <a:lumMod val="75000"/>
-                    <a:lumOff val="25000"/>
-                  </a:schemeClr>
-                </a:solidFill>
-                <a:latin typeface="+mn-lt"/>
-                <a:ea typeface="+mn-ea"/>
-                <a:cs typeface="+mn-cs"/>
-              </a:defRPr>
-            </a:lvl5pPr>
-            <a:lvl6pPr marL="825000" indent="-171450" algn="l" defTabSz="685800" rtl="0" eaLnBrk="1" latinLnBrk="0" hangingPunct="1">
-              <a:lnSpc>
-                <a:spcPct val="90000"/>
-              </a:lnSpc>
-              <a:spcBef>
-                <a:spcPts val="150"/>
-              </a:spcBef>
-              <a:spcAft>
-                <a:spcPts val="300"/>
-              </a:spcAft>
-              <a:buClr>
-                <a:schemeClr val="accent1"/>
-              </a:buClr>
-              <a:buFont typeface="Calibri" pitchFamily="34" charset="0"/>
-              <a:buChar char="◦"/>
-              <a:defRPr sz="1050" kern="1200">
-                <a:solidFill>
-                  <a:schemeClr val="tx1">
-                    <a:lumMod val="75000"/>
-                    <a:lumOff val="25000"/>
-                  </a:schemeClr>
-                </a:solidFill>
-                <a:latin typeface="+mn-lt"/>
-                <a:ea typeface="+mn-ea"/>
-                <a:cs typeface="+mn-cs"/>
-              </a:defRPr>
-            </a:lvl6pPr>
-            <a:lvl7pPr marL="975000" indent="-171450" algn="l" defTabSz="685800" rtl="0" eaLnBrk="1" latinLnBrk="0" hangingPunct="1">
-              <a:lnSpc>
-                <a:spcPct val="90000"/>
-              </a:lnSpc>
-              <a:spcBef>
-                <a:spcPts val="150"/>
-              </a:spcBef>
-              <a:spcAft>
-                <a:spcPts val="300"/>
-              </a:spcAft>
-              <a:buClr>
-                <a:schemeClr val="accent1"/>
-              </a:buClr>
-              <a:buFont typeface="Calibri" pitchFamily="34" charset="0"/>
-              <a:buChar char="◦"/>
-              <a:defRPr sz="1050" kern="1200">
-                <a:solidFill>
-                  <a:schemeClr val="tx1">
-                    <a:lumMod val="75000"/>
-                    <a:lumOff val="25000"/>
-                  </a:schemeClr>
-                </a:solidFill>
-                <a:latin typeface="+mn-lt"/>
-                <a:ea typeface="+mn-ea"/>
-                <a:cs typeface="+mn-cs"/>
-              </a:defRPr>
-            </a:lvl7pPr>
-            <a:lvl8pPr marL="1125000" indent="-171450" algn="l" defTabSz="685800" rtl="0" eaLnBrk="1" latinLnBrk="0" hangingPunct="1">
-              <a:lnSpc>
-                <a:spcPct val="90000"/>
-              </a:lnSpc>
-              <a:spcBef>
-                <a:spcPts val="150"/>
-              </a:spcBef>
-              <a:spcAft>
-                <a:spcPts val="300"/>
-              </a:spcAft>
-              <a:buClr>
-                <a:schemeClr val="accent1"/>
-              </a:buClr>
-              <a:buFont typeface="Calibri" pitchFamily="34" charset="0"/>
-              <a:buChar char="◦"/>
-              <a:defRPr sz="1050" kern="1200">
-                <a:solidFill>
-                  <a:schemeClr val="tx1">
-                    <a:lumMod val="75000"/>
-                    <a:lumOff val="25000"/>
-                  </a:schemeClr>
-                </a:solidFill>
-                <a:latin typeface="+mn-lt"/>
-                <a:ea typeface="+mn-ea"/>
-                <a:cs typeface="+mn-cs"/>
-              </a:defRPr>
-            </a:lvl8pPr>
-            <a:lvl9pPr marL="1275000" indent="-171450" algn="l" defTabSz="685800" rtl="0" eaLnBrk="1" latinLnBrk="0" hangingPunct="1">
-              <a:lnSpc>
-                <a:spcPct val="90000"/>
-              </a:lnSpc>
-              <a:spcBef>
-                <a:spcPts val="150"/>
-              </a:spcBef>
-              <a:spcAft>
-                <a:spcPts val="300"/>
-              </a:spcAft>
-              <a:buClr>
-                <a:schemeClr val="accent1"/>
-              </a:buClr>
-              <a:buFont typeface="Calibri" pitchFamily="34" charset="0"/>
-              <a:buChar char="◦"/>
-              <a:defRPr sz="1050" kern="1200">
-                <a:solidFill>
-                  <a:schemeClr val="tx1">
-                    <a:lumMod val="75000"/>
-                    <a:lumOff val="25000"/>
-                  </a:schemeClr>
-                </a:solidFill>
-                <a:latin typeface="+mn-lt"/>
-                <a:ea typeface="+mn-ea"/>
-                <a:cs typeface="+mn-cs"/>
-              </a:defRPr>
-            </a:lvl9pPr>
-          </a:lstStyle>
-          <a:p>
-            <a:pPr marL="457200" indent="-342900">
-              <a:spcAft>
-                <a:spcPts val="0"/>
-              </a:spcAft>
-              <a:buClr>
-                <a:srgbClr val="292929"/>
-              </a:buClr>
-              <a:buSzPts val="1800"/>
-              <a:buFont typeface="Georgia"/>
-              <a:buAutoNum type="arabicPeriod"/>
-            </a:pPr>
-            <a:r>
-              <a:rPr lang="en-US" sz="1600" dirty="0">
-                <a:solidFill>
-                  <a:srgbClr val="292929"/>
-                </a:solidFill>
-                <a:latin typeface="Georgia"/>
-                <a:ea typeface="Georgia"/>
-                <a:cs typeface="Georgia"/>
-                <a:sym typeface="Georgia"/>
-              </a:rPr>
-              <a:t>t-Distributed Stochastic Neighbor Embedding (TSNE)</a:t>
-            </a:r>
-          </a:p>
-          <a:p>
-            <a:pPr marL="457200" indent="-342900">
-              <a:spcAft>
-                <a:spcPts val="0"/>
-              </a:spcAft>
-              <a:buClr>
-                <a:srgbClr val="292929"/>
-              </a:buClr>
-              <a:buSzPts val="1800"/>
-              <a:buFont typeface="Georgia"/>
-              <a:buAutoNum type="arabicPeriod"/>
-            </a:pPr>
-            <a:endParaRPr lang="en-US" sz="1600" dirty="0">
-              <a:solidFill>
-                <a:srgbClr val="292929"/>
-              </a:solidFill>
-              <a:latin typeface="Georgia"/>
-              <a:ea typeface="Georgia"/>
-              <a:cs typeface="Georgia"/>
-              <a:sym typeface="Georgia"/>
-            </a:endParaRPr>
-          </a:p>
-          <a:p>
-            <a:pPr marL="457200" indent="-342900">
-              <a:spcBef>
-                <a:spcPts val="0"/>
-              </a:spcBef>
-              <a:spcAft>
-                <a:spcPts val="0"/>
-              </a:spcAft>
-              <a:buClr>
-                <a:srgbClr val="292929"/>
-              </a:buClr>
-              <a:buSzPts val="1800"/>
-              <a:buFont typeface="Georgia"/>
-              <a:buAutoNum type="arabicPeriod"/>
-            </a:pPr>
-            <a:r>
-              <a:rPr lang="en-US" sz="1600" dirty="0">
-                <a:solidFill>
-                  <a:srgbClr val="292929"/>
-                </a:solidFill>
-                <a:latin typeface="Georgia"/>
-                <a:ea typeface="Georgia"/>
-                <a:cs typeface="Georgia"/>
-                <a:sym typeface="Georgia"/>
-              </a:rPr>
-              <a:t>Principal component analysis-PCA</a:t>
-            </a:r>
-          </a:p>
-          <a:p>
-            <a:pPr marL="457200" indent="-342900">
-              <a:spcBef>
-                <a:spcPts val="0"/>
-              </a:spcBef>
-              <a:spcAft>
-                <a:spcPts val="0"/>
-              </a:spcAft>
-              <a:buClr>
-                <a:srgbClr val="292929"/>
-              </a:buClr>
-              <a:buSzPts val="1800"/>
-              <a:buFont typeface="Georgia"/>
-              <a:buAutoNum type="arabicPeriod"/>
-            </a:pPr>
-            <a:endParaRPr lang="en-US" sz="1600" dirty="0">
-              <a:solidFill>
-                <a:srgbClr val="292929"/>
-              </a:solidFill>
-              <a:latin typeface="Georgia"/>
-              <a:ea typeface="Georgia"/>
-              <a:cs typeface="Georgia"/>
-              <a:sym typeface="Georgia"/>
-            </a:endParaRPr>
-          </a:p>
-          <a:p>
-            <a:pPr marL="457200" indent="-342900">
-              <a:spcBef>
-                <a:spcPts val="0"/>
-              </a:spcBef>
-              <a:spcAft>
-                <a:spcPts val="0"/>
-              </a:spcAft>
-              <a:buClr>
-                <a:srgbClr val="292929"/>
-              </a:buClr>
-              <a:buSzPts val="1800"/>
-              <a:buFont typeface="Georgia"/>
-              <a:buAutoNum type="arabicPeriod"/>
-            </a:pPr>
-            <a:r>
-              <a:rPr lang="en-US" sz="1600" dirty="0">
-                <a:solidFill>
-                  <a:srgbClr val="292929"/>
-                </a:solidFill>
-                <a:latin typeface="Georgia"/>
-                <a:ea typeface="Georgia"/>
-                <a:cs typeface="Georgia"/>
-                <a:sym typeface="Georgia"/>
-              </a:rPr>
-              <a:t>Uniform Manifold Approximation and Projection, UMAP</a:t>
-            </a:r>
-          </a:p>
-        </p:txBody>
-      </p:sp>
-      <p:sp>
-        <p:nvSpPr>
-          <p:cNvPr id="6" name="TextBox 5">
-            <a:extLst>
-              <a:ext uri="{FF2B5EF4-FFF2-40B4-BE49-F238E27FC236}">
-                <a16:creationId xmlns:a16="http://schemas.microsoft.com/office/drawing/2014/main" id="{17F2E3FE-FB68-5F90-B43D-D389EC22FF3C}"/>
-              </a:ext>
-            </a:extLst>
-          </p:cNvPr>
-          <p:cNvSpPr txBox="1"/>
-          <p:nvPr/>
-        </p:nvSpPr>
-        <p:spPr>
-          <a:xfrm>
-            <a:off x="7398328" y="2224401"/>
-            <a:ext cx="948229" cy="369332"/>
-          </a:xfrm>
-          <a:prstGeom prst="rect">
-            <a:avLst/>
-          </a:prstGeom>
-          <a:noFill/>
-        </p:spPr>
-        <p:txBody>
-          <a:bodyPr wrap="square" rtlCol="0">
-            <a:spAutoFit/>
-          </a:bodyPr>
-          <a:lstStyle/>
-          <a:p>
-            <a:r>
-              <a:rPr lang="en-US" dirty="0">
-                <a:hlinkClick r:id="rId2"/>
-              </a:rPr>
-              <a:t>Source</a:t>
-            </a:r>
-            <a:endParaRPr lang="en-US" dirty="0"/>
-          </a:p>
-        </p:txBody>
-      </p:sp>
-    </p:spTree>
-    <p:extLst>
-      <p:ext uri="{BB962C8B-B14F-4D97-AF65-F5344CB8AC3E}">
-        <p14:creationId xmlns:p14="http://schemas.microsoft.com/office/powerpoint/2010/main" val="4254735555"/>
-      </p:ext>
-    </p:extLst>
-  </p:cSld>
-  <p:clrMapOvr>
-    <a:masterClrMapping/>
-  </p:clrMapOvr>
-</p:sld>
-</file>
-
-<file path=ppt/slides/slide15.xml><?xml version="1.0" encoding="utf-8"?>
-<p:sld xmlns:a="http://schemas.openxmlformats.org/drawingml/2006/main" xmlns:r="http://schemas.openxmlformats.org/officeDocument/2006/relationships" xmlns:p="http://schemas.openxmlformats.org/presentationml/2006/main" show="0">
-  <p:cSld>
-    <p:bg>
-      <p:bgPr>
-        <a:solidFill>
-          <a:schemeClr val="bg1"/>
-        </a:solidFill>
-        <a:effectLst/>
-      </p:bgPr>
-    </p:bg>
-    <p:spTree>
-      <p:nvGrpSpPr>
-        <p:cNvPr id="1" name=""/>
-        <p:cNvGrpSpPr/>
-        <p:nvPr/>
-      </p:nvGrpSpPr>
-      <p:grpSpPr>
-        <a:xfrm>
-          <a:off x="0" y="0"/>
-          <a:ext cx="0" cy="0"/>
-          <a:chOff x="0" y="0"/>
-          <a:chExt cx="0" cy="0"/>
-        </a:xfrm>
-      </p:grpSpPr>
-      <p:sp>
-        <p:nvSpPr>
-          <p:cNvPr id="8" name="Rectangle 7">
-            <a:extLst>
-              <a:ext uri="{FF2B5EF4-FFF2-40B4-BE49-F238E27FC236}">
-                <a16:creationId xmlns:a16="http://schemas.microsoft.com/office/drawing/2014/main" id="{13FE9996-7EAC-4679-B37D-C1045F42F954}"/>
-              </a:ext>
-              <a:ext uri="{C183D7F6-B498-43B3-948B-1728B52AA6E4}">
-                <adec:decorative xmlns:adec="http://schemas.microsoft.com/office/drawing/2017/decorative" val="1"/>
-              </a:ext>
-            </a:extLst>
-          </p:cNvPr>
-          <p:cNvSpPr>
-            <a:spLocks noGrp="1" noRot="1" noChangeAspect="1" noMove="1" noResize="1" noEditPoints="1" noAdjustHandles="1" noChangeArrowheads="1" noChangeShapeType="1" noTextEdit="1"/>
-          </p:cNvSpPr>
-          <p:nvPr>
-            <p:extLst>
-              <p:ext uri="{386F3935-93C4-4BCD-93E2-E3B085C9AB24}">
-                <p16:designElem xmlns:p16="http://schemas.microsoft.com/office/powerpoint/2015/main" val="1"/>
-              </p:ext>
-            </p:extLst>
-          </p:nvPr>
-        </p:nvSpPr>
-        <p:spPr>
-          <a:xfrm>
-            <a:off x="0" y="4800600"/>
-            <a:ext cx="9144000" cy="342900"/>
-          </a:xfrm>
-          <a:prstGeom prst="rect">
-            <a:avLst/>
-          </a:prstGeom>
-          <a:solidFill>
-            <a:schemeClr val="accent2"/>
-          </a:solidFill>
-          <a:ln>
-            <a:noFill/>
-          </a:ln>
-        </p:spPr>
-        <p:style>
-          <a:lnRef idx="2">
-            <a:schemeClr val="accent1">
-              <a:shade val="50000"/>
-            </a:schemeClr>
-          </a:lnRef>
-          <a:fillRef idx="1">
-            <a:schemeClr val="accent1"/>
-          </a:fillRef>
-          <a:effectRef idx="0">
-            <a:schemeClr val="accent1"/>
-          </a:effectRef>
-          <a:fontRef idx="minor">
-            <a:schemeClr val="lt1"/>
-          </a:fontRef>
-        </p:style>
-      </p:sp>
-      <p:sp>
-        <p:nvSpPr>
-          <p:cNvPr id="10" name="Rectangle 9">
-            <a:extLst>
-              <a:ext uri="{FF2B5EF4-FFF2-40B4-BE49-F238E27FC236}">
-                <a16:creationId xmlns:a16="http://schemas.microsoft.com/office/drawing/2014/main" id="{761DF1FE-5CC8-43D2-A76C-93C76EEDE1E9}"/>
-              </a:ext>
-              <a:ext uri="{C183D7F6-B498-43B3-948B-1728B52AA6E4}">
-                <adec:decorative xmlns:adec="http://schemas.microsoft.com/office/drawing/2017/decorative" val="1"/>
-              </a:ext>
-            </a:extLst>
-          </p:cNvPr>
-          <p:cNvSpPr>
-            <a:spLocks noGrp="1" noRot="1" noChangeAspect="1" noMove="1" noResize="1" noEditPoints="1" noAdjustHandles="1" noChangeArrowheads="1" noChangeShapeType="1" noTextEdit="1"/>
-          </p:cNvSpPr>
-          <p:nvPr>
-            <p:extLst>
-              <p:ext uri="{386F3935-93C4-4BCD-93E2-E3B085C9AB24}">
-                <p16:designElem xmlns:p16="http://schemas.microsoft.com/office/powerpoint/2015/main" val="1"/>
-              </p:ext>
-            </p:extLst>
-          </p:nvPr>
-        </p:nvSpPr>
-        <p:spPr>
-          <a:xfrm>
-            <a:off x="0" y="4750737"/>
-            <a:ext cx="9144000" cy="49498"/>
-          </a:xfrm>
-          <a:prstGeom prst="rect">
-            <a:avLst/>
-          </a:prstGeom>
-          <a:solidFill>
-            <a:schemeClr val="accent1"/>
-          </a:solidFill>
-          <a:ln>
-            <a:noFill/>
-          </a:ln>
-        </p:spPr>
-        <p:style>
-          <a:lnRef idx="2">
-            <a:schemeClr val="accent1">
-              <a:shade val="50000"/>
-            </a:schemeClr>
-          </a:lnRef>
-          <a:fillRef idx="1">
-            <a:schemeClr val="accent1"/>
-          </a:fillRef>
-          <a:effectRef idx="0">
-            <a:schemeClr val="accent1"/>
-          </a:effectRef>
-          <a:fontRef idx="minor">
-            <a:schemeClr val="lt1"/>
-          </a:fontRef>
-        </p:style>
-      </p:sp>
-      <p:cxnSp>
-        <p:nvCxnSpPr>
-          <p:cNvPr id="12" name="Straight Connector 11">
-            <a:extLst>
-              <a:ext uri="{FF2B5EF4-FFF2-40B4-BE49-F238E27FC236}">
-                <a16:creationId xmlns:a16="http://schemas.microsoft.com/office/drawing/2014/main" id="{E161BEBD-A23C-409E-ABC7-73F9EDC02F20}"/>
-              </a:ext>
-              <a:ext uri="{C183D7F6-B498-43B3-948B-1728B52AA6E4}">
-                <adec:decorative xmlns:adec="http://schemas.microsoft.com/office/drawing/2017/decorative" val="1"/>
-              </a:ext>
-            </a:extLst>
-          </p:cNvPr>
-          <p:cNvCxnSpPr>
-            <a:cxnSpLocks noGrp="1" noRot="1" noChangeAspect="1" noMove="1" noResize="1" noEditPoints="1" noAdjustHandles="1" noChangeArrowheads="1" noChangeShapeType="1"/>
-          </p:cNvCxnSpPr>
-          <p:nvPr>
-            <p:extLst>
-              <p:ext uri="{386F3935-93C4-4BCD-93E2-E3B085C9AB24}">
-                <p16:designElem xmlns:p16="http://schemas.microsoft.com/office/powerpoint/2015/main" val="1"/>
-              </p:ext>
-            </p:extLst>
-          </p:nvPr>
-        </p:nvCxnSpPr>
-        <p:spPr>
-          <a:xfrm>
-            <a:off x="895149" y="1303383"/>
-            <a:ext cx="7475220" cy="0"/>
-          </a:xfrm>
-          <a:prstGeom prst="line">
-            <a:avLst/>
-          </a:prstGeom>
-          <a:ln w="6350">
-            <a:solidFill>
-              <a:schemeClr val="tx1">
-                <a:lumMod val="50000"/>
-                <a:lumOff val="50000"/>
-              </a:schemeClr>
-            </a:solidFill>
-          </a:ln>
-        </p:spPr>
-        <p:style>
-          <a:lnRef idx="1">
-            <a:schemeClr val="accent1"/>
-          </a:lnRef>
-          <a:fillRef idx="0">
-            <a:schemeClr val="accent1"/>
-          </a:fillRef>
-          <a:effectRef idx="0">
-            <a:schemeClr val="accent1"/>
-          </a:effectRef>
-          <a:fontRef idx="minor">
-            <a:schemeClr val="tx1"/>
-          </a:fontRef>
-        </p:style>
-      </p:cxnSp>
-      <p:sp useBgFill="1">
-        <p:nvSpPr>
-          <p:cNvPr id="14" name="Rectangle 13">
-            <a:extLst>
-              <a:ext uri="{FF2B5EF4-FFF2-40B4-BE49-F238E27FC236}">
-                <a16:creationId xmlns:a16="http://schemas.microsoft.com/office/drawing/2014/main" id="{35230A27-1553-42F8-99D7-829868E13715}"/>
-              </a:ext>
-              <a:ext uri="{C183D7F6-B498-43B3-948B-1728B52AA6E4}">
-                <adec:decorative xmlns:adec="http://schemas.microsoft.com/office/drawing/2017/decorative" val="1"/>
-              </a:ext>
-            </a:extLst>
-          </p:cNvPr>
-          <p:cNvSpPr>
-            <a:spLocks noGrp="1" noRot="1" noChangeAspect="1" noMove="1" noResize="1" noEditPoints="1" noAdjustHandles="1" noChangeArrowheads="1" noChangeShapeType="1" noTextEdit="1"/>
-          </p:cNvSpPr>
-          <p:nvPr>
-            <p:extLst>
-              <p:ext uri="{386F3935-93C4-4BCD-93E2-E3B085C9AB24}">
-                <p16:designElem xmlns:p16="http://schemas.microsoft.com/office/powerpoint/2015/main" val="1"/>
-              </p:ext>
-            </p:extLst>
-          </p:nvPr>
-        </p:nvSpPr>
-        <p:spPr>
-          <a:xfrm>
-            <a:off x="0" y="0"/>
-            <a:ext cx="9141714" cy="5143500"/>
-          </a:xfrm>
-          <a:prstGeom prst="rect">
-            <a:avLst/>
-          </a:prstGeom>
-          <a:ln>
-            <a:noFill/>
-          </a:ln>
-        </p:spPr>
-        <p:style>
-          <a:lnRef idx="2">
-            <a:schemeClr val="accent1">
-              <a:shade val="50000"/>
-            </a:schemeClr>
-          </a:lnRef>
-          <a:fillRef idx="1">
-            <a:schemeClr val="accent1"/>
-          </a:fillRef>
-          <a:effectRef idx="0">
-            <a:schemeClr val="accent1"/>
-          </a:effectRef>
-          <a:fontRef idx="minor">
-            <a:schemeClr val="lt1"/>
-          </a:fontRef>
-        </p:style>
-        <p:txBody>
-          <a:bodyPr rtlCol="0" anchor="ctr"/>
-          <a:lstStyle/>
-          <a:p>
-            <a:pPr algn="ctr"/>
-            <a:endParaRPr lang="en-US"/>
-          </a:p>
-        </p:txBody>
-      </p:sp>
-      <p:sp>
-        <p:nvSpPr>
-          <p:cNvPr id="16" name="Rectangle 15">
-            <a:extLst>
-              <a:ext uri="{FF2B5EF4-FFF2-40B4-BE49-F238E27FC236}">
-                <a16:creationId xmlns:a16="http://schemas.microsoft.com/office/drawing/2014/main" id="{A772232D-B4D6-429F-B3D1-2D9891B85E08}"/>
-              </a:ext>
-              <a:ext uri="{C183D7F6-B498-43B3-948B-1728B52AA6E4}">
-                <adec:decorative xmlns:adec="http://schemas.microsoft.com/office/drawing/2017/decorative" val="1"/>
-              </a:ext>
-            </a:extLst>
-          </p:cNvPr>
-          <p:cNvSpPr>
-            <a:spLocks noGrp="1" noRot="1" noChangeAspect="1" noMove="1" noResize="1" noEditPoints="1" noAdjustHandles="1" noChangeArrowheads="1" noChangeShapeType="1" noTextEdit="1"/>
-          </p:cNvSpPr>
-          <p:nvPr>
-            <p:extLst>
-              <p:ext uri="{386F3935-93C4-4BCD-93E2-E3B085C9AB24}">
-                <p16:designElem xmlns:p16="http://schemas.microsoft.com/office/powerpoint/2015/main" val="1"/>
-              </p:ext>
-            </p:extLst>
-          </p:nvPr>
-        </p:nvSpPr>
-        <p:spPr bwMode="ltGray">
-          <a:xfrm>
-            <a:off x="241173" y="240030"/>
-            <a:ext cx="8661654" cy="4663440"/>
-          </a:xfrm>
-          <a:prstGeom prst="rect">
-            <a:avLst/>
-          </a:prstGeom>
-          <a:solidFill>
-            <a:schemeClr val="bg2"/>
-          </a:solidFill>
-          <a:ln w="127000" cap="sq" cmpd="thinThick">
-            <a:noFill/>
-          </a:ln>
-        </p:spPr>
-        <p:style>
-          <a:lnRef idx="2">
-            <a:schemeClr val="accent1">
-              <a:shade val="50000"/>
-            </a:schemeClr>
-          </a:lnRef>
-          <a:fillRef idx="1">
-            <a:schemeClr val="accent1"/>
-          </a:fillRef>
-          <a:effectRef idx="0">
-            <a:schemeClr val="accent1"/>
-          </a:effectRef>
-          <a:fontRef idx="minor">
-            <a:schemeClr val="lt1"/>
-          </a:fontRef>
-        </p:style>
-        <p:txBody>
-          <a:bodyPr rtlCol="0" anchor="ctr"/>
-          <a:lstStyle/>
-          <a:p>
-            <a:pPr algn="ctr"/>
-            <a:endParaRPr lang="en-US"/>
-          </a:p>
-        </p:txBody>
-      </p:sp>
-      <p:sp>
-        <p:nvSpPr>
-          <p:cNvPr id="2" name="Title 1">
-            <a:extLst>
-              <a:ext uri="{FF2B5EF4-FFF2-40B4-BE49-F238E27FC236}">
-                <a16:creationId xmlns:a16="http://schemas.microsoft.com/office/drawing/2014/main" id="{8A0E41C7-9591-12A5-C45E-2D219ED31C68}"/>
-              </a:ext>
-            </a:extLst>
-          </p:cNvPr>
-          <p:cNvSpPr>
-            <a:spLocks noGrp="1"/>
-          </p:cNvSpPr>
-          <p:nvPr>
-            <p:ph type="title"/>
-          </p:nvPr>
-        </p:nvSpPr>
-        <p:spPr>
-          <a:xfrm>
-            <a:off x="723772" y="722997"/>
-            <a:ext cx="2441018" cy="3703771"/>
-          </a:xfrm>
-        </p:spPr>
-        <p:txBody>
-          <a:bodyPr vert="horz" lIns="91440" tIns="45720" rIns="91440" bIns="45720" rtlCol="0" anchor="ctr">
-            <a:normAutofit/>
-          </a:bodyPr>
-          <a:lstStyle/>
-          <a:p>
-            <a:pPr algn="r" defTabSz="914400"/>
-            <a:r>
-              <a:rPr lang="en-US" sz="3300" spc="-50">
-                <a:solidFill>
-                  <a:schemeClr val="tx1">
-                    <a:lumMod val="75000"/>
-                    <a:lumOff val="25000"/>
-                  </a:schemeClr>
-                </a:solidFill>
-              </a:rPr>
-              <a:t>Dimension Reduction Methods</a:t>
-            </a:r>
-          </a:p>
-        </p:txBody>
-      </p:sp>
-      <p:cxnSp>
-        <p:nvCxnSpPr>
-          <p:cNvPr id="18" name="Straight Connector 17">
-            <a:extLst>
-              <a:ext uri="{FF2B5EF4-FFF2-40B4-BE49-F238E27FC236}">
-                <a16:creationId xmlns:a16="http://schemas.microsoft.com/office/drawing/2014/main" id="{02CC3441-26B3-4381-B3DF-8AE3C288BC0D}"/>
-              </a:ext>
-              <a:ext uri="{C183D7F6-B498-43B3-948B-1728B52AA6E4}">
-                <adec:decorative xmlns:adec="http://schemas.microsoft.com/office/drawing/2017/decorative" val="1"/>
-              </a:ext>
-            </a:extLst>
-          </p:cNvPr>
-          <p:cNvCxnSpPr>
-            <a:cxnSpLocks noGrp="1" noRot="1" noChangeAspect="1" noMove="1" noResize="1" noEditPoints="1" noAdjustHandles="1" noChangeArrowheads="1" noChangeShapeType="1"/>
-          </p:cNvCxnSpPr>
-          <p:nvPr>
-            <p:extLst>
-              <p:ext uri="{386F3935-93C4-4BCD-93E2-E3B085C9AB24}">
-                <p16:designElem xmlns:p16="http://schemas.microsoft.com/office/powerpoint/2015/main" val="1"/>
-              </p:ext>
-            </p:extLst>
-          </p:nvPr>
-        </p:nvCxnSpPr>
-        <p:spPr>
-          <a:xfrm>
-            <a:off x="3487688" y="1543049"/>
-            <a:ext cx="0" cy="2057400"/>
-          </a:xfrm>
-          <a:prstGeom prst="line">
-            <a:avLst/>
-          </a:prstGeom>
-          <a:ln w="19050">
-            <a:solidFill>
-              <a:schemeClr val="tx2"/>
-            </a:solidFill>
-          </a:ln>
-        </p:spPr>
-        <p:style>
-          <a:lnRef idx="1">
-            <a:schemeClr val="accent1"/>
-          </a:lnRef>
-          <a:fillRef idx="0">
-            <a:schemeClr val="accent1"/>
-          </a:fillRef>
-          <a:effectRef idx="0">
-            <a:schemeClr val="accent1"/>
-          </a:effectRef>
-          <a:fontRef idx="minor">
-            <a:schemeClr val="tx1"/>
-          </a:fontRef>
-        </p:style>
-      </p:cxnSp>
-      <p:sp>
-        <p:nvSpPr>
-          <p:cNvPr id="3" name="Content Placeholder 2">
-            <a:extLst>
-              <a:ext uri="{FF2B5EF4-FFF2-40B4-BE49-F238E27FC236}">
-                <a16:creationId xmlns:a16="http://schemas.microsoft.com/office/drawing/2014/main" id="{FCDFAEFD-E312-6DD9-ED25-96DF83B74A65}"/>
-              </a:ext>
-            </a:extLst>
-          </p:cNvPr>
-          <p:cNvSpPr>
-            <a:spLocks noGrp="1"/>
-          </p:cNvSpPr>
-          <p:nvPr>
-            <p:ph idx="1"/>
-          </p:nvPr>
-        </p:nvSpPr>
-        <p:spPr>
-          <a:xfrm>
-            <a:off x="3609764" y="457200"/>
-            <a:ext cx="5225891" cy="4237074"/>
-          </a:xfrm>
-        </p:spPr>
-        <p:txBody>
-          <a:bodyPr vert="horz" lIns="0" tIns="45720" rIns="0" bIns="45720" rtlCol="0" anchor="ctr">
-            <a:normAutofit/>
-          </a:bodyPr>
-          <a:lstStyle/>
-          <a:p>
-            <a:pPr defTabSz="914400">
-              <a:spcAft>
-                <a:spcPts val="0"/>
-              </a:spcAft>
-              <a:buSzPts val="1100"/>
-              <a:buFont typeface="Wingdings" panose="05000000000000000000" pitchFamily="2" charset="2"/>
-              <a:buChar char="§"/>
-            </a:pPr>
-            <a:r>
-              <a:rPr lang="en-US" sz="1100" b="1" dirty="0"/>
-              <a:t>TSNE (t-distributed Stochastic Neighbor Embedding)</a:t>
-            </a:r>
-            <a:r>
-              <a:rPr lang="en-US" sz="1100" dirty="0"/>
-              <a:t> is a manifold learning technique that aims to map high-dimensional data onto a lower-dimensional manifold. By doing so, it generates an embedding that preserves the local structure of the data. TSNE is primarily employed for visualization purposes due to its ability to reveal patterns and clusters within the data. Furthermore, TSNE does not support transforming new data points into the embedding space.</a:t>
-            </a:r>
-          </a:p>
-          <a:p>
-            <a:pPr defTabSz="914400">
-              <a:spcAft>
-                <a:spcPts val="0"/>
-              </a:spcAft>
-              <a:buFont typeface="Wingdings" panose="05000000000000000000" pitchFamily="2" charset="2"/>
-              <a:buChar char="§"/>
-            </a:pPr>
-            <a:r>
-              <a:rPr lang="en-US" sz="1100" dirty="0"/>
-              <a:t>A promising alternative to TSNE is </a:t>
-            </a:r>
-            <a:r>
-              <a:rPr lang="en-US" sz="1100" b="1" dirty="0"/>
-              <a:t>UMAP</a:t>
-            </a:r>
-            <a:r>
-              <a:rPr lang="en-US" sz="1100" dirty="0"/>
-              <a:t> </a:t>
-            </a:r>
-            <a:r>
-              <a:rPr lang="en-US" sz="1100" b="1" dirty="0"/>
-              <a:t>(Uniform Manifold Approximation and Projection)</a:t>
-            </a:r>
-            <a:r>
-              <a:rPr lang="en-US" sz="1100" dirty="0"/>
-              <a:t>. UMAP not only provides visualization capabilities but also supports the transformation of new data into the embedding space. This flexibility makes UMAP a powerful tool for both visualization and subsequent analysis or prediction tasks involving unseen data.</a:t>
-            </a:r>
-          </a:p>
-          <a:p>
-            <a:pPr defTabSz="914400">
-              <a:spcAft>
-                <a:spcPts val="0"/>
-              </a:spcAft>
-              <a:buFont typeface="Wingdings" panose="05000000000000000000" pitchFamily="2" charset="2"/>
-              <a:buChar char="§"/>
-            </a:pPr>
-            <a:r>
-              <a:rPr lang="en-US" sz="1100" b="1" dirty="0"/>
-              <a:t>Principal Component Analysis</a:t>
-            </a:r>
-            <a:r>
-              <a:rPr lang="en-US" sz="1100" dirty="0"/>
-              <a:t> (PCA) is a popular approach used to analyze extensive datasets that have a high number of dimensions or features per observation. The main goal of PCA is to increase data interpretability while preserving as much relevant information as possible. By reducing the dataset's dimensionality, PCA enables the visualization of complex, multidimensional data. It achieves this by identifying the principal components that capture the most significant variations in the data. These components provide a concise summary of the dataset, allowing analysts to gain insights into its underlying patterns and structures.</a:t>
-            </a:r>
-          </a:p>
-        </p:txBody>
-      </p:sp>
-    </p:spTree>
-    <p:extLst>
-      <p:ext uri="{BB962C8B-B14F-4D97-AF65-F5344CB8AC3E}">
-        <p14:creationId xmlns:p14="http://schemas.microsoft.com/office/powerpoint/2010/main" val="1603560098"/>
-      </p:ext>
-    </p:extLst>
-  </p:cSld>
-  <p:clrMapOvr>
-    <a:masterClrMapping/>
-  </p:clrMapOvr>
-</p:sld>
-</file>
-
-<file path=ppt/slides/slide16.xml><?xml version="1.0" encoding="utf-8"?>
-<p:sld xmlns:a="http://schemas.openxmlformats.org/drawingml/2006/main" xmlns:r="http://schemas.openxmlformats.org/officeDocument/2006/relationships" xmlns:p="http://schemas.openxmlformats.org/presentationml/2006/main">
-  <p:cSld>
-    <p:spTree>
-      <p:nvGrpSpPr>
-        <p:cNvPr id="1" name=""/>
-        <p:cNvGrpSpPr/>
-        <p:nvPr/>
-      </p:nvGrpSpPr>
-      <p:grpSpPr>
-        <a:xfrm>
-          <a:off x="0" y="0"/>
-          <a:ext cx="0" cy="0"/>
-          <a:chOff x="0" y="0"/>
-          <a:chExt cx="0" cy="0"/>
-        </a:xfrm>
-      </p:grpSpPr>
-      <p:sp>
-        <p:nvSpPr>
-          <p:cNvPr id="2" name="Title 1">
-            <a:extLst>
-              <a:ext uri="{FF2B5EF4-FFF2-40B4-BE49-F238E27FC236}">
-                <a16:creationId xmlns:a16="http://schemas.microsoft.com/office/drawing/2014/main" id="{64127C17-CD83-9607-44FF-76653F1130EA}"/>
-              </a:ext>
-            </a:extLst>
-          </p:cNvPr>
-          <p:cNvSpPr>
-            <a:spLocks noGrp="1"/>
-          </p:cNvSpPr>
-          <p:nvPr>
-            <p:ph type="title"/>
-          </p:nvPr>
-        </p:nvSpPr>
-        <p:spPr/>
-        <p:txBody>
-          <a:bodyPr/>
-          <a:lstStyle/>
-          <a:p>
-            <a:r>
-              <a:rPr lang="en-US" dirty="0"/>
-              <a:t>2D Embedding</a:t>
-            </a:r>
-          </a:p>
-        </p:txBody>
-      </p:sp>
-      <p:pic>
-        <p:nvPicPr>
-          <p:cNvPr id="5" name="Google Shape;228;g22182353c72_0_59">
-            <a:extLst>
-              <a:ext uri="{FF2B5EF4-FFF2-40B4-BE49-F238E27FC236}">
-                <a16:creationId xmlns:a16="http://schemas.microsoft.com/office/drawing/2014/main" id="{CFBBA614-8CDD-F131-8D49-4A1B790E84DC}"/>
-              </a:ext>
-            </a:extLst>
-          </p:cNvPr>
-          <p:cNvPicPr preferRelativeResize="0"/>
-          <p:nvPr/>
-        </p:nvPicPr>
-        <p:blipFill>
-          <a:blip r:embed="rId2">
-            <a:alphaModFix/>
-          </a:blip>
-          <a:stretch>
-            <a:fillRect/>
-          </a:stretch>
-        </p:blipFill>
-        <p:spPr>
-          <a:xfrm>
-            <a:off x="3319000" y="145600"/>
-            <a:ext cx="5442225" cy="4761950"/>
-          </a:xfrm>
-          <a:prstGeom prst="rect">
-            <a:avLst/>
-          </a:prstGeom>
-          <a:noFill/>
-          <a:ln>
-            <a:noFill/>
-          </a:ln>
-        </p:spPr>
-      </p:pic>
-    </p:spTree>
-    <p:extLst>
-      <p:ext uri="{BB962C8B-B14F-4D97-AF65-F5344CB8AC3E}">
-        <p14:creationId xmlns:p14="http://schemas.microsoft.com/office/powerpoint/2010/main" val="992965195"/>
-      </p:ext>
-    </p:extLst>
-  </p:cSld>
-  <p:clrMapOvr>
-    <a:masterClrMapping/>
-  </p:clrMapOvr>
-</p:sld>
-</file>
-
-<file path=ppt/slides/slide17.xml><?xml version="1.0" encoding="utf-8"?>
-<p:sld xmlns:a="http://schemas.openxmlformats.org/drawingml/2006/main" xmlns:r="http://schemas.openxmlformats.org/officeDocument/2006/relationships" xmlns:p="http://schemas.openxmlformats.org/presentationml/2006/main">
-  <p:cSld>
-    <p:bg>
-      <p:bgPr>
-        <a:solidFill>
-          <a:schemeClr val="bg1"/>
-        </a:solidFill>
-        <a:effectLst/>
-      </p:bgPr>
-    </p:bg>
-    <p:spTree>
-      <p:nvGrpSpPr>
-        <p:cNvPr id="1" name=""/>
-        <p:cNvGrpSpPr/>
-        <p:nvPr/>
-      </p:nvGrpSpPr>
-      <p:grpSpPr>
-        <a:xfrm>
-          <a:off x="0" y="0"/>
-          <a:ext cx="0" cy="0"/>
-          <a:chOff x="0" y="0"/>
-          <a:chExt cx="0" cy="0"/>
-        </a:xfrm>
-      </p:grpSpPr>
-      <p:sp>
-        <p:nvSpPr>
-          <p:cNvPr id="8" name="Rectangle 7">
-            <a:extLst>
-              <a:ext uri="{FF2B5EF4-FFF2-40B4-BE49-F238E27FC236}">
-                <a16:creationId xmlns:a16="http://schemas.microsoft.com/office/drawing/2014/main" id="{13FE9996-7EAC-4679-B37D-C1045F42F954}"/>
-              </a:ext>
-              <a:ext uri="{C183D7F6-B498-43B3-948B-1728B52AA6E4}">
-                <adec:decorative xmlns:adec="http://schemas.microsoft.com/office/drawing/2017/decorative" val="1"/>
-              </a:ext>
-            </a:extLst>
-          </p:cNvPr>
-          <p:cNvSpPr>
-            <a:spLocks noGrp="1" noRot="1" noChangeAspect="1" noMove="1" noResize="1" noEditPoints="1" noAdjustHandles="1" noChangeArrowheads="1" noChangeShapeType="1" noTextEdit="1"/>
-          </p:cNvSpPr>
-          <p:nvPr>
-            <p:extLst>
-              <p:ext uri="{386F3935-93C4-4BCD-93E2-E3B085C9AB24}">
-                <p16:designElem xmlns:p16="http://schemas.microsoft.com/office/powerpoint/2015/main" val="1"/>
-              </p:ext>
-            </p:extLst>
-          </p:nvPr>
-        </p:nvSpPr>
-        <p:spPr>
-          <a:xfrm>
-            <a:off x="0" y="4800600"/>
-            <a:ext cx="9144000" cy="342900"/>
-          </a:xfrm>
-          <a:prstGeom prst="rect">
-            <a:avLst/>
-          </a:prstGeom>
-          <a:solidFill>
-            <a:schemeClr val="accent2"/>
-          </a:solidFill>
-          <a:ln>
-            <a:noFill/>
-          </a:ln>
-        </p:spPr>
-        <p:style>
-          <a:lnRef idx="2">
-            <a:schemeClr val="accent1">
-              <a:shade val="50000"/>
-            </a:schemeClr>
-          </a:lnRef>
-          <a:fillRef idx="1">
-            <a:schemeClr val="accent1"/>
-          </a:fillRef>
-          <a:effectRef idx="0">
-            <a:schemeClr val="accent1"/>
-          </a:effectRef>
-          <a:fontRef idx="minor">
-            <a:schemeClr val="lt1"/>
-          </a:fontRef>
-        </p:style>
-      </p:sp>
-      <p:sp>
-        <p:nvSpPr>
-          <p:cNvPr id="10" name="Rectangle 9">
-            <a:extLst>
-              <a:ext uri="{FF2B5EF4-FFF2-40B4-BE49-F238E27FC236}">
-                <a16:creationId xmlns:a16="http://schemas.microsoft.com/office/drawing/2014/main" id="{761DF1FE-5CC8-43D2-A76C-93C76EEDE1E9}"/>
-              </a:ext>
-              <a:ext uri="{C183D7F6-B498-43B3-948B-1728B52AA6E4}">
-                <adec:decorative xmlns:adec="http://schemas.microsoft.com/office/drawing/2017/decorative" val="1"/>
-              </a:ext>
-            </a:extLst>
-          </p:cNvPr>
-          <p:cNvSpPr>
-            <a:spLocks noGrp="1" noRot="1" noChangeAspect="1" noMove="1" noResize="1" noEditPoints="1" noAdjustHandles="1" noChangeArrowheads="1" noChangeShapeType="1" noTextEdit="1"/>
-          </p:cNvSpPr>
-          <p:nvPr>
-            <p:extLst>
-              <p:ext uri="{386F3935-93C4-4BCD-93E2-E3B085C9AB24}">
-                <p16:designElem xmlns:p16="http://schemas.microsoft.com/office/powerpoint/2015/main" val="1"/>
-              </p:ext>
-            </p:extLst>
-          </p:nvPr>
-        </p:nvSpPr>
-        <p:spPr>
-          <a:xfrm>
-            <a:off x="0" y="4750737"/>
-            <a:ext cx="9144000" cy="49498"/>
-          </a:xfrm>
-          <a:prstGeom prst="rect">
-            <a:avLst/>
-          </a:prstGeom>
-          <a:solidFill>
-            <a:schemeClr val="accent1"/>
-          </a:solidFill>
-          <a:ln>
-            <a:noFill/>
-          </a:ln>
-        </p:spPr>
-        <p:style>
-          <a:lnRef idx="2">
-            <a:schemeClr val="accent1">
-              <a:shade val="50000"/>
-            </a:schemeClr>
-          </a:lnRef>
-          <a:fillRef idx="1">
-            <a:schemeClr val="accent1"/>
-          </a:fillRef>
-          <a:effectRef idx="0">
-            <a:schemeClr val="accent1"/>
-          </a:effectRef>
-          <a:fontRef idx="minor">
-            <a:schemeClr val="lt1"/>
-          </a:fontRef>
-        </p:style>
-      </p:sp>
-      <p:cxnSp>
-        <p:nvCxnSpPr>
-          <p:cNvPr id="12" name="Straight Connector 11">
-            <a:extLst>
-              <a:ext uri="{FF2B5EF4-FFF2-40B4-BE49-F238E27FC236}">
-                <a16:creationId xmlns:a16="http://schemas.microsoft.com/office/drawing/2014/main" id="{E161BEBD-A23C-409E-ABC7-73F9EDC02F20}"/>
-              </a:ext>
-              <a:ext uri="{C183D7F6-B498-43B3-948B-1728B52AA6E4}">
-                <adec:decorative xmlns:adec="http://schemas.microsoft.com/office/drawing/2017/decorative" val="1"/>
-              </a:ext>
-            </a:extLst>
-          </p:cNvPr>
-          <p:cNvCxnSpPr>
-            <a:cxnSpLocks noGrp="1" noRot="1" noChangeAspect="1" noMove="1" noResize="1" noEditPoints="1" noAdjustHandles="1" noChangeArrowheads="1" noChangeShapeType="1"/>
-          </p:cNvCxnSpPr>
-          <p:nvPr>
-            <p:extLst>
-              <p:ext uri="{386F3935-93C4-4BCD-93E2-E3B085C9AB24}">
-                <p16:designElem xmlns:p16="http://schemas.microsoft.com/office/powerpoint/2015/main" val="1"/>
-              </p:ext>
-            </p:extLst>
-          </p:nvPr>
-        </p:nvCxnSpPr>
-        <p:spPr>
-          <a:xfrm>
-            <a:off x="895149" y="1303383"/>
-            <a:ext cx="7475220" cy="0"/>
-          </a:xfrm>
-          <a:prstGeom prst="line">
-            <a:avLst/>
-          </a:prstGeom>
-          <a:ln w="6350">
-            <a:solidFill>
-              <a:schemeClr val="tx1">
-                <a:lumMod val="50000"/>
-                <a:lumOff val="50000"/>
-              </a:schemeClr>
-            </a:solidFill>
-          </a:ln>
-        </p:spPr>
-        <p:style>
-          <a:lnRef idx="1">
-            <a:schemeClr val="accent1"/>
-          </a:lnRef>
-          <a:fillRef idx="0">
-            <a:schemeClr val="accent1"/>
-          </a:fillRef>
-          <a:effectRef idx="0">
-            <a:schemeClr val="accent1"/>
-          </a:effectRef>
-          <a:fontRef idx="minor">
-            <a:schemeClr val="tx1"/>
-          </a:fontRef>
-        </p:style>
-      </p:cxnSp>
-      <p:sp useBgFill="1">
-        <p:nvSpPr>
-          <p:cNvPr id="14" name="Rectangle 13">
-            <a:extLst>
-              <a:ext uri="{FF2B5EF4-FFF2-40B4-BE49-F238E27FC236}">
-                <a16:creationId xmlns:a16="http://schemas.microsoft.com/office/drawing/2014/main" id="{35230A27-1553-42F8-99D7-829868E13715}"/>
-              </a:ext>
-              <a:ext uri="{C183D7F6-B498-43B3-948B-1728B52AA6E4}">
-                <adec:decorative xmlns:adec="http://schemas.microsoft.com/office/drawing/2017/decorative" val="1"/>
-              </a:ext>
-            </a:extLst>
-          </p:cNvPr>
-          <p:cNvSpPr>
-            <a:spLocks noGrp="1" noRot="1" noChangeAspect="1" noMove="1" noResize="1" noEditPoints="1" noAdjustHandles="1" noChangeArrowheads="1" noChangeShapeType="1" noTextEdit="1"/>
-          </p:cNvSpPr>
-          <p:nvPr>
-            <p:extLst>
-              <p:ext uri="{386F3935-93C4-4BCD-93E2-E3B085C9AB24}">
-                <p16:designElem xmlns:p16="http://schemas.microsoft.com/office/powerpoint/2015/main" val="1"/>
-              </p:ext>
-            </p:extLst>
-          </p:nvPr>
-        </p:nvSpPr>
-        <p:spPr>
-          <a:xfrm>
-            <a:off x="0" y="0"/>
-            <a:ext cx="9141714" cy="5143500"/>
-          </a:xfrm>
-          <a:prstGeom prst="rect">
-            <a:avLst/>
-          </a:prstGeom>
-          <a:ln>
-            <a:noFill/>
-          </a:ln>
-        </p:spPr>
-        <p:style>
-          <a:lnRef idx="2">
-            <a:schemeClr val="accent1">
-              <a:shade val="50000"/>
-            </a:schemeClr>
-          </a:lnRef>
-          <a:fillRef idx="1">
-            <a:schemeClr val="accent1"/>
-          </a:fillRef>
-          <a:effectRef idx="0">
-            <a:schemeClr val="accent1"/>
-          </a:effectRef>
-          <a:fontRef idx="minor">
-            <a:schemeClr val="lt1"/>
-          </a:fontRef>
-        </p:style>
-        <p:txBody>
-          <a:bodyPr rtlCol="0" anchor="ctr"/>
-          <a:lstStyle/>
-          <a:p>
-            <a:pPr algn="ctr"/>
-            <a:endParaRPr lang="en-US"/>
-          </a:p>
-        </p:txBody>
-      </p:sp>
-      <p:sp>
-        <p:nvSpPr>
-          <p:cNvPr id="16" name="Rectangle 15">
-            <a:extLst>
-              <a:ext uri="{FF2B5EF4-FFF2-40B4-BE49-F238E27FC236}">
-                <a16:creationId xmlns:a16="http://schemas.microsoft.com/office/drawing/2014/main" id="{A772232D-B4D6-429F-B3D1-2D9891B85E08}"/>
-              </a:ext>
-              <a:ext uri="{C183D7F6-B498-43B3-948B-1728B52AA6E4}">
-                <adec:decorative xmlns:adec="http://schemas.microsoft.com/office/drawing/2017/decorative" val="1"/>
-              </a:ext>
-            </a:extLst>
-          </p:cNvPr>
-          <p:cNvSpPr>
-            <a:spLocks noGrp="1" noRot="1" noChangeAspect="1" noMove="1" noResize="1" noEditPoints="1" noAdjustHandles="1" noChangeArrowheads="1" noChangeShapeType="1" noTextEdit="1"/>
-          </p:cNvSpPr>
-          <p:nvPr>
-            <p:extLst>
-              <p:ext uri="{386F3935-93C4-4BCD-93E2-E3B085C9AB24}">
-                <p16:designElem xmlns:p16="http://schemas.microsoft.com/office/powerpoint/2015/main" val="1"/>
-              </p:ext>
-            </p:extLst>
-          </p:nvPr>
-        </p:nvSpPr>
-        <p:spPr bwMode="ltGray">
-          <a:xfrm>
-            <a:off x="241173" y="240030"/>
-            <a:ext cx="8661654" cy="4663440"/>
-          </a:xfrm>
-          <a:prstGeom prst="rect">
-            <a:avLst/>
-          </a:prstGeom>
-          <a:solidFill>
-            <a:schemeClr val="bg2"/>
-          </a:solidFill>
-          <a:ln w="127000" cap="sq" cmpd="thinThick">
-            <a:noFill/>
-          </a:ln>
-        </p:spPr>
-        <p:style>
-          <a:lnRef idx="2">
-            <a:schemeClr val="accent1">
-              <a:shade val="50000"/>
-            </a:schemeClr>
-          </a:lnRef>
-          <a:fillRef idx="1">
-            <a:schemeClr val="accent1"/>
-          </a:fillRef>
-          <a:effectRef idx="0">
-            <a:schemeClr val="accent1"/>
-          </a:effectRef>
-          <a:fontRef idx="minor">
-            <a:schemeClr val="lt1"/>
-          </a:fontRef>
-        </p:style>
-        <p:txBody>
-          <a:bodyPr rtlCol="0" anchor="ctr"/>
-          <a:lstStyle/>
-          <a:p>
-            <a:pPr algn="ctr"/>
-            <a:endParaRPr lang="en-US"/>
-          </a:p>
-        </p:txBody>
-      </p:sp>
-      <p:sp>
-        <p:nvSpPr>
-          <p:cNvPr id="2" name="Title 1">
-            <a:extLst>
-              <a:ext uri="{FF2B5EF4-FFF2-40B4-BE49-F238E27FC236}">
-                <a16:creationId xmlns:a16="http://schemas.microsoft.com/office/drawing/2014/main" id="{F0D848F9-C491-D870-62D2-82F0B538FA1D}"/>
-              </a:ext>
-            </a:extLst>
-          </p:cNvPr>
-          <p:cNvSpPr>
-            <a:spLocks noGrp="1"/>
-          </p:cNvSpPr>
-          <p:nvPr>
-            <p:ph type="title"/>
-          </p:nvPr>
-        </p:nvSpPr>
-        <p:spPr>
-          <a:xfrm>
-            <a:off x="723772" y="722997"/>
-            <a:ext cx="2441018" cy="3703771"/>
-          </a:xfrm>
-        </p:spPr>
-        <p:txBody>
-          <a:bodyPr vert="horz" lIns="91440" tIns="45720" rIns="91440" bIns="45720" rtlCol="0" anchor="ctr">
-            <a:normAutofit/>
-          </a:bodyPr>
-          <a:lstStyle/>
-          <a:p>
-            <a:pPr algn="r" defTabSz="914400"/>
-            <a:r>
-              <a:rPr lang="en-US" sz="3300" spc="-50">
-                <a:solidFill>
-                  <a:schemeClr val="tx1">
-                    <a:lumMod val="75000"/>
-                    <a:lumOff val="25000"/>
-                  </a:schemeClr>
-                </a:solidFill>
-              </a:rPr>
-              <a:t>Future scope</a:t>
-            </a:r>
-          </a:p>
-        </p:txBody>
-      </p:sp>
-      <p:cxnSp>
-        <p:nvCxnSpPr>
-          <p:cNvPr id="18" name="Straight Connector 17">
-            <a:extLst>
-              <a:ext uri="{FF2B5EF4-FFF2-40B4-BE49-F238E27FC236}">
-                <a16:creationId xmlns:a16="http://schemas.microsoft.com/office/drawing/2014/main" id="{02CC3441-26B3-4381-B3DF-8AE3C288BC0D}"/>
-              </a:ext>
-              <a:ext uri="{C183D7F6-B498-43B3-948B-1728B52AA6E4}">
-                <adec:decorative xmlns:adec="http://schemas.microsoft.com/office/drawing/2017/decorative" val="1"/>
-              </a:ext>
-            </a:extLst>
-          </p:cNvPr>
-          <p:cNvCxnSpPr>
-            <a:cxnSpLocks noGrp="1" noRot="1" noChangeAspect="1" noMove="1" noResize="1" noEditPoints="1" noAdjustHandles="1" noChangeArrowheads="1" noChangeShapeType="1"/>
-          </p:cNvCxnSpPr>
-          <p:nvPr>
-            <p:extLst>
-              <p:ext uri="{386F3935-93C4-4BCD-93E2-E3B085C9AB24}">
-                <p16:designElem xmlns:p16="http://schemas.microsoft.com/office/powerpoint/2015/main" val="1"/>
-              </p:ext>
-            </p:extLst>
-          </p:nvPr>
-        </p:nvCxnSpPr>
-        <p:spPr>
-          <a:xfrm>
-            <a:off x="3487688" y="1543049"/>
-            <a:ext cx="0" cy="2057400"/>
-          </a:xfrm>
-          <a:prstGeom prst="line">
-            <a:avLst/>
-          </a:prstGeom>
-          <a:ln w="19050">
-            <a:solidFill>
-              <a:schemeClr val="tx2"/>
-            </a:solidFill>
-          </a:ln>
-        </p:spPr>
-        <p:style>
-          <a:lnRef idx="1">
-            <a:schemeClr val="accent1"/>
-          </a:lnRef>
-          <a:fillRef idx="0">
-            <a:schemeClr val="accent1"/>
-          </a:fillRef>
-          <a:effectRef idx="0">
-            <a:schemeClr val="accent1"/>
-          </a:effectRef>
-          <a:fontRef idx="minor">
-            <a:schemeClr val="tx1"/>
-          </a:fontRef>
-        </p:style>
-      </p:cxnSp>
-      <p:sp>
-        <p:nvSpPr>
-          <p:cNvPr id="3" name="Content Placeholder 2">
-            <a:extLst>
-              <a:ext uri="{FF2B5EF4-FFF2-40B4-BE49-F238E27FC236}">
-                <a16:creationId xmlns:a16="http://schemas.microsoft.com/office/drawing/2014/main" id="{E643B1F0-2C51-6452-E291-45A5C37CAB49}"/>
-              </a:ext>
-            </a:extLst>
-          </p:cNvPr>
-          <p:cNvSpPr>
-            <a:spLocks noGrp="1"/>
-          </p:cNvSpPr>
-          <p:nvPr>
-            <p:ph idx="1"/>
-          </p:nvPr>
-        </p:nvSpPr>
-        <p:spPr>
-          <a:xfrm>
-            <a:off x="3851161" y="722630"/>
-            <a:ext cx="4601323" cy="3704138"/>
-          </a:xfrm>
-        </p:spPr>
-        <p:txBody>
-          <a:bodyPr vert="horz" lIns="0" tIns="45720" rIns="0" bIns="45720" rtlCol="0" anchor="ctr">
-            <a:normAutofit/>
-          </a:bodyPr>
-          <a:lstStyle/>
-          <a:p>
-            <a:pPr marL="285750" indent="-285750" defTabSz="914400">
-              <a:buFont typeface="Calibri" panose="020F0502020204030204" pitchFamily="34" charset="0"/>
-              <a:buChar char="§"/>
-            </a:pPr>
-            <a:r>
-              <a:rPr lang="en-US" sz="1600" dirty="0"/>
-              <a:t>Incorporate into real world applications</a:t>
-            </a:r>
-          </a:p>
-          <a:p>
-            <a:pPr marL="285750" indent="-285750" defTabSz="914400">
-              <a:buFont typeface="Calibri" panose="020F0502020204030204" pitchFamily="34" charset="0"/>
-              <a:buChar char="§"/>
-            </a:pPr>
-            <a:endParaRPr lang="en-US" sz="1600" dirty="0"/>
-          </a:p>
-          <a:p>
-            <a:pPr marL="285750" indent="-285750" defTabSz="914400">
-              <a:buFont typeface="Calibri" panose="020F0502020204030204" pitchFamily="34" charset="0"/>
-              <a:buChar char="§"/>
-            </a:pPr>
-            <a:r>
-              <a:rPr lang="en-US" sz="1600" dirty="0"/>
-              <a:t>Test for a larger data set</a:t>
-            </a:r>
-          </a:p>
-          <a:p>
-            <a:pPr marL="285750" indent="-285750" defTabSz="914400">
-              <a:buFont typeface="Calibri" panose="020F0502020204030204" pitchFamily="34" charset="0"/>
-              <a:buChar char="§"/>
-            </a:pPr>
-            <a:endParaRPr lang="en-US" sz="1600" dirty="0"/>
-          </a:p>
-          <a:p>
-            <a:pPr marL="285750" indent="-285750" defTabSz="914400">
-              <a:buFont typeface="Calibri" panose="020F0502020204030204" pitchFamily="34" charset="0"/>
-              <a:buChar char="§"/>
-            </a:pPr>
-            <a:r>
-              <a:rPr lang="en-US" sz="1600" dirty="0"/>
-              <a:t>Use a content-based recommendation for initial recommendation in addition to collaborative filtering</a:t>
-            </a:r>
-          </a:p>
-        </p:txBody>
-      </p:sp>
-    </p:spTree>
-    <p:extLst>
-      <p:ext uri="{BB962C8B-B14F-4D97-AF65-F5344CB8AC3E}">
-        <p14:creationId xmlns:p14="http://schemas.microsoft.com/office/powerpoint/2010/main" val="2762033965"/>
-      </p:ext>
-    </p:extLst>
-  </p:cSld>
-  <p:clrMapOvr>
-    <a:masterClrMapping/>
-  </p:clrMapOvr>
-</p:sld>
-</file>
-
-<file path=ppt/slides/slide18.xml><?xml version="1.0" encoding="utf-8"?>
-<p:sld xmlns:a="http://schemas.openxmlformats.org/drawingml/2006/main" xmlns:r="http://schemas.openxmlformats.org/officeDocument/2006/relationships" xmlns:p="http://schemas.openxmlformats.org/presentationml/2006/main">
-  <p:cSld>
-    <p:bg>
-      <p:bgPr>
-        <a:solidFill>
-          <a:schemeClr val="bg2"/>
-        </a:solidFill>
-        <a:effectLst/>
-      </p:bgPr>
-    </p:bg>
-    <p:spTree>
-      <p:nvGrpSpPr>
-        <p:cNvPr id="1" name=""/>
-        <p:cNvGrpSpPr/>
-        <p:nvPr/>
-      </p:nvGrpSpPr>
-      <p:grpSpPr>
-        <a:xfrm>
-          <a:off x="0" y="0"/>
-          <a:ext cx="0" cy="0"/>
-          <a:chOff x="0" y="0"/>
-          <a:chExt cx="0" cy="0"/>
-        </a:xfrm>
-      </p:grpSpPr>
-      <p:sp>
-        <p:nvSpPr>
-          <p:cNvPr id="2" name="Title 1">
-            <a:extLst>
-              <a:ext uri="{FF2B5EF4-FFF2-40B4-BE49-F238E27FC236}">
-                <a16:creationId xmlns:a16="http://schemas.microsoft.com/office/drawing/2014/main" id="{2490FF43-6810-CE67-EA03-DF1E320B182F}"/>
-              </a:ext>
-            </a:extLst>
-          </p:cNvPr>
-          <p:cNvSpPr>
-            <a:spLocks noGrp="1"/>
-          </p:cNvSpPr>
-          <p:nvPr>
-            <p:ph type="title"/>
-          </p:nvPr>
-        </p:nvSpPr>
-        <p:spPr/>
-        <p:txBody>
-          <a:bodyPr/>
-          <a:lstStyle/>
-          <a:p>
-            <a:r>
-              <a:rPr lang="en-US"/>
-              <a:t>Sources</a:t>
-            </a:r>
-            <a:endParaRPr lang="en-US" dirty="0"/>
-          </a:p>
-        </p:txBody>
-      </p:sp>
-      <p:sp>
-        <p:nvSpPr>
-          <p:cNvPr id="3" name="Content Placeholder 2">
-            <a:extLst>
-              <a:ext uri="{FF2B5EF4-FFF2-40B4-BE49-F238E27FC236}">
-                <a16:creationId xmlns:a16="http://schemas.microsoft.com/office/drawing/2014/main" id="{6F8359AB-B1CC-4F84-1775-9CE52A822AE6}"/>
-              </a:ext>
-            </a:extLst>
-          </p:cNvPr>
-          <p:cNvSpPr>
-            <a:spLocks noGrp="1"/>
-          </p:cNvSpPr>
-          <p:nvPr>
-            <p:ph idx="1"/>
-          </p:nvPr>
-        </p:nvSpPr>
-        <p:spPr/>
-        <p:txBody>
-          <a:bodyPr/>
-          <a:lstStyle/>
-          <a:p>
-            <a:pPr>
-              <a:spcBef>
-                <a:spcPts val="900"/>
-              </a:spcBef>
-              <a:buFont typeface="+mj-lt"/>
-              <a:buAutoNum type="arabicPeriod"/>
-            </a:pPr>
-            <a:r>
-              <a:rPr lang="en-US" sz="1600" u="sng">
-                <a:hlinkClick r:id="rId2"/>
-              </a:rPr>
-              <a:t>fastai - Collaborative filtering tutorial</a:t>
-            </a:r>
-            <a:endParaRPr lang="en-US" sz="1600" u="sng">
-              <a:hlinkClick r:id="rId3"/>
-            </a:endParaRPr>
-          </a:p>
-          <a:p>
-            <a:pPr lvl="0" rtl="0">
-              <a:spcBef>
-                <a:spcPts val="900"/>
-              </a:spcBef>
-              <a:spcAft>
-                <a:spcPts val="0"/>
-              </a:spcAft>
-              <a:buSzPts val="1800"/>
-              <a:buFont typeface="+mj-lt"/>
-              <a:buAutoNum type="arabicPeriod"/>
-            </a:pPr>
-            <a:r>
-              <a:rPr lang="en-US" sz="1600" u="sng">
-                <a:hlinkClick r:id="rId3"/>
-              </a:rPr>
-              <a:t>Interactive Analysis of Sentence Embeddings (amitness.com)</a:t>
-            </a:r>
-            <a:endParaRPr lang="en-US" sz="1600"/>
-          </a:p>
-          <a:p>
-            <a:pPr lvl="0" rtl="0">
-              <a:spcBef>
-                <a:spcPts val="900"/>
-              </a:spcBef>
-              <a:spcAft>
-                <a:spcPts val="0"/>
-              </a:spcAft>
-              <a:buSzPts val="1800"/>
-              <a:buFont typeface="+mj-lt"/>
-              <a:buAutoNum type="arabicPeriod"/>
-            </a:pPr>
-            <a:r>
-              <a:rPr lang="en-US" sz="1600" u="sng">
-                <a:hlinkClick r:id="rId4"/>
-              </a:rPr>
-              <a:t>Neural Network Embeddings Explained | by Will Koehrsen | Towards Data Science</a:t>
-            </a:r>
-            <a:endParaRPr lang="en-US" sz="1600" u="sng"/>
-          </a:p>
-          <a:p>
-            <a:pPr lvl="0" rtl="0">
-              <a:spcBef>
-                <a:spcPts val="900"/>
-              </a:spcBef>
-              <a:spcAft>
-                <a:spcPts val="0"/>
-              </a:spcAft>
-              <a:buSzPts val="1800"/>
-              <a:buFont typeface="+mj-lt"/>
-              <a:buAutoNum type="arabicPeriod"/>
-            </a:pPr>
-            <a:r>
-              <a:rPr lang="en-US" sz="1600"/>
-              <a:t>F. Maxwell Harper and Joseph A. Konstan. 2015 </a:t>
-            </a:r>
-          </a:p>
-          <a:p>
-            <a:pPr marL="596900" lvl="1" indent="0">
-              <a:spcBef>
-                <a:spcPts val="900"/>
-              </a:spcBef>
-              <a:buSzPts val="1800"/>
-              <a:buNone/>
-            </a:pPr>
-            <a:r>
-              <a:rPr lang="en-US" sz="1200"/>
-              <a:t>[The MovieLens Datasets: History and Context. ACM Transactions on Interactive Intelligent Systems (TiiS) 5, 4, Article 19 (December 2015), 19 pages. DOI=http://dx.doi.org/10.1145/2827872]</a:t>
-            </a:r>
-            <a:endParaRPr lang="en-US" sz="1200" dirty="0"/>
-          </a:p>
-        </p:txBody>
-      </p:sp>
-    </p:spTree>
-    <p:extLst>
-      <p:ext uri="{BB962C8B-B14F-4D97-AF65-F5344CB8AC3E}">
-        <p14:creationId xmlns:p14="http://schemas.microsoft.com/office/powerpoint/2010/main" val="3709891408"/>
-      </p:ext>
-    </p:extLst>
-  </p:cSld>
-  <p:clrMapOvr>
-    <a:masterClrMapping/>
-  </p:clrMapOvr>
-</p:sld>
-</file>
-
-<file path=ppt/slides/slide2.xml><?xml version="1.0" encoding="utf-8"?>
-<p:sld xmlns:a="http://schemas.openxmlformats.org/drawingml/2006/main" xmlns:r="http://schemas.openxmlformats.org/officeDocument/2006/relationships" xmlns:p="http://schemas.openxmlformats.org/presentationml/2006/main">
-  <p:cSld>
-    <p:bg>
-      <p:bgPr>
-        <a:solidFill>
-          <a:schemeClr val="bg2"/>
-        </a:solidFill>
-        <a:effectLst/>
-      </p:bgPr>
-    </p:bg>
-    <p:spTree>
-      <p:nvGrpSpPr>
-        <p:cNvPr id="1" name="Shape 71"/>
-        <p:cNvGrpSpPr/>
-        <p:nvPr/>
-      </p:nvGrpSpPr>
-      <p:grpSpPr>
-        <a:xfrm>
-          <a:off x="0" y="0"/>
-          <a:ext cx="0" cy="0"/>
-          <a:chOff x="0" y="0"/>
-          <a:chExt cx="0" cy="0"/>
-        </a:xfrm>
-      </p:grpSpPr>
-      <p:sp>
-        <p:nvSpPr>
-          <p:cNvPr id="72" name="Google Shape;72;p14"/>
-          <p:cNvSpPr txBox="1">
-            <a:spLocks noGrp="1"/>
-          </p:cNvSpPr>
-          <p:nvPr>
-            <p:ph type="title"/>
-          </p:nvPr>
-        </p:nvSpPr>
-        <p:spPr>
-          <a:xfrm>
-            <a:off x="822960" y="214952"/>
-            <a:ext cx="7543800" cy="1088068"/>
-          </a:xfrm>
-          <a:prstGeom prst="rect">
-            <a:avLst/>
-          </a:prstGeom>
-        </p:spPr>
-        <p:txBody>
-          <a:bodyPr spcFirstLastPara="1" vert="horz" lIns="91440" tIns="45720" rIns="91440" bIns="45720" rtlCol="0" anchor="b" anchorCtr="0">
-            <a:normAutofit/>
-          </a:bodyPr>
-          <a:lstStyle/>
-          <a:p>
-            <a:pPr lvl="0" indent="0" defTabSz="914400">
-              <a:spcBef>
-                <a:spcPct val="0"/>
-              </a:spcBef>
-              <a:spcAft>
-                <a:spcPts val="0"/>
-              </a:spcAft>
-            </a:pPr>
-            <a:r>
-              <a:rPr lang="en-US" sz="3700" spc="-50"/>
-              <a:t>What is a  Recommendation System?</a:t>
-            </a:r>
-          </a:p>
-        </p:txBody>
-      </p:sp>
-      <p:graphicFrame>
-        <p:nvGraphicFramePr>
-          <p:cNvPr id="94" name="Google Shape;73;p14">
-            <a:extLst>
-              <a:ext uri="{FF2B5EF4-FFF2-40B4-BE49-F238E27FC236}">
-                <a16:creationId xmlns:a16="http://schemas.microsoft.com/office/drawing/2014/main" id="{2C154B7D-024E-CF9C-7833-5841E78FA9CF}"/>
-              </a:ext>
-            </a:extLst>
-          </p:cNvPr>
-          <p:cNvGraphicFramePr/>
-          <p:nvPr>
-            <p:extLst>
-              <p:ext uri="{D42A27DB-BD31-4B8C-83A1-F6EECF244321}">
-                <p14:modId xmlns:p14="http://schemas.microsoft.com/office/powerpoint/2010/main" val="2232766396"/>
-              </p:ext>
-            </p:extLst>
-          </p:nvPr>
-        </p:nvGraphicFramePr>
-        <p:xfrm>
-          <a:off x="822722" y="1573886"/>
-          <a:ext cx="7543800" cy="2839560"/>
-        </p:xfrm>
-        <a:graphic>
-          <a:graphicData uri="http://schemas.openxmlformats.org/drawingml/2006/diagram">
-            <dgm:relIds xmlns:dgm="http://schemas.openxmlformats.org/drawingml/2006/diagram" xmlns:r="http://schemas.openxmlformats.org/officeDocument/2006/relationships" r:dm="rId3" r:lo="rId4" r:qs="rId5" r:cs="rId6"/>
-          </a:graphicData>
-        </a:graphic>
-      </p:graphicFrame>
-    </p:spTree>
-  </p:cSld>
-  <p:clrMapOvr>
-    <a:masterClrMapping/>
-  </p:clrMapOvr>
-</p:sld>
-</file>
-
-<file path=ppt/slides/slide3.xml><?xml version="1.0" encoding="utf-8"?>
-<p:sld xmlns:a="http://schemas.openxmlformats.org/drawingml/2006/main" xmlns:r="http://schemas.openxmlformats.org/officeDocument/2006/relationships" xmlns:p="http://schemas.openxmlformats.org/presentationml/2006/main">
-  <p:cSld>
-    <p:bg>
-      <p:bgPr>
-        <a:solidFill>
-          <a:schemeClr val="bg1"/>
-        </a:solidFill>
-        <a:effectLst/>
-      </p:bgPr>
-    </p:bg>
-    <p:spTree>
-      <p:nvGrpSpPr>
-        <p:cNvPr id="1" name=""/>
-        <p:cNvGrpSpPr/>
-        <p:nvPr/>
-      </p:nvGrpSpPr>
-      <p:grpSpPr>
-        <a:xfrm>
-          <a:off x="0" y="0"/>
-          <a:ext cx="0" cy="0"/>
-          <a:chOff x="0" y="0"/>
-          <a:chExt cx="0" cy="0"/>
-        </a:xfrm>
-      </p:grpSpPr>
-      <p:sp>
-        <p:nvSpPr>
-          <p:cNvPr id="2" name="Title 1">
-            <a:extLst>
-              <a:ext uri="{FF2B5EF4-FFF2-40B4-BE49-F238E27FC236}">
-                <a16:creationId xmlns:a16="http://schemas.microsoft.com/office/drawing/2014/main" id="{54CB1485-0B7B-8E40-DEC0-F0C65965A415}"/>
-              </a:ext>
-            </a:extLst>
-          </p:cNvPr>
-          <p:cNvSpPr>
-            <a:spLocks noGrp="1"/>
-          </p:cNvSpPr>
-          <p:nvPr>
-            <p:ph type="title"/>
-          </p:nvPr>
-        </p:nvSpPr>
-        <p:spPr>
-          <a:xfrm>
-            <a:off x="369277" y="387626"/>
-            <a:ext cx="2313633" cy="1577906"/>
-          </a:xfrm>
-        </p:spPr>
-        <p:txBody>
-          <a:bodyPr vert="horz" lIns="91440" tIns="45720" rIns="91440" bIns="45720" rtlCol="0" anchor="b">
-            <a:normAutofit/>
-          </a:bodyPr>
-          <a:lstStyle/>
-          <a:p>
-            <a:pPr defTabSz="914400"/>
-            <a:r>
-              <a:rPr lang="en-US" spc="-50"/>
-              <a:t>What is Collaborative Filtering?</a:t>
-            </a:r>
-          </a:p>
-        </p:txBody>
-      </p:sp>
-      <p:sp>
-        <p:nvSpPr>
-          <p:cNvPr id="3" name="Content Placeholder 2">
-            <a:extLst>
-              <a:ext uri="{FF2B5EF4-FFF2-40B4-BE49-F238E27FC236}">
-                <a16:creationId xmlns:a16="http://schemas.microsoft.com/office/drawing/2014/main" id="{A9B10A7F-2D3F-DA8A-6273-50B2F4F48773}"/>
-              </a:ext>
-            </a:extLst>
-          </p:cNvPr>
-          <p:cNvSpPr>
-            <a:spLocks noGrp="1"/>
-          </p:cNvSpPr>
-          <p:nvPr>
-            <p:ph idx="1"/>
-          </p:nvPr>
-        </p:nvSpPr>
-        <p:spPr>
-          <a:xfrm>
-            <a:off x="369278" y="2232559"/>
-            <a:ext cx="2313633" cy="2259430"/>
-          </a:xfrm>
-        </p:spPr>
-        <p:txBody>
-          <a:bodyPr vert="horz" lIns="0" tIns="45720" rIns="0" bIns="45720" rtlCol="0">
-            <a:normAutofit/>
-          </a:bodyPr>
-          <a:lstStyle/>
-          <a:p>
-            <a:pPr defTabSz="914400">
-              <a:buFont typeface="Calibri" panose="020F0502020204030204" pitchFamily="34" charset="0"/>
-              <a:buChar char="•"/>
-            </a:pPr>
-            <a:r>
-              <a:rPr lang="en-US" sz="1100" dirty="0">
-                <a:solidFill>
-                  <a:srgbClr val="FFFFFF"/>
-                </a:solidFill>
-              </a:rPr>
-              <a:t>Finds similar patterns among users</a:t>
-            </a:r>
-          </a:p>
-          <a:p>
-            <a:pPr defTabSz="914400">
-              <a:buFont typeface="Calibri" panose="020F0502020204030204" pitchFamily="34" charset="0"/>
-              <a:buChar char="•"/>
-            </a:pPr>
-            <a:r>
-              <a:rPr lang="en-US" sz="1100" dirty="0">
-                <a:solidFill>
-                  <a:srgbClr val="FFFFFF"/>
-                </a:solidFill>
-              </a:rPr>
-              <a:t>Filters out items that users like based on the ratings or reactions of similar users</a:t>
-            </a:r>
-          </a:p>
-          <a:p>
-            <a:pPr defTabSz="914400">
-              <a:buFont typeface="Calibri" panose="020F0502020204030204" pitchFamily="34" charset="0"/>
-              <a:buChar char="•"/>
-            </a:pPr>
-            <a:endParaRPr lang="en-US" sz="1100" dirty="0">
-              <a:solidFill>
-                <a:srgbClr val="FFFFFF"/>
-              </a:solidFill>
-            </a:endParaRPr>
-          </a:p>
-        </p:txBody>
-      </p:sp>
-      <p:pic>
-        <p:nvPicPr>
-          <p:cNvPr id="1028" name="Picture 4" descr="Diagram&#10;&#10;Description automatically generated">
-            <a:extLst>
-              <a:ext uri="{FF2B5EF4-FFF2-40B4-BE49-F238E27FC236}">
-                <a16:creationId xmlns:a16="http://schemas.microsoft.com/office/drawing/2014/main" id="{D576E11C-FE44-1437-AD47-367084DB2C8B}"/>
-              </a:ext>
-            </a:extLst>
-          </p:cNvPr>
-          <p:cNvPicPr>
-            <a:picLocks noChangeAspect="1" noChangeArrowheads="1"/>
-          </p:cNvPicPr>
-          <p:nvPr/>
-        </p:nvPicPr>
-        <p:blipFill>
-          <a:blip r:embed="rId2">
-            <a:extLst>
-              <a:ext uri="{28A0092B-C50C-407E-A947-70E740481C1C}">
-                <a14:useLocalDpi xmlns:a14="http://schemas.microsoft.com/office/drawing/2010/main" val="0"/>
-              </a:ext>
-            </a:extLst>
-          </a:blip>
-          <a:stretch>
-            <a:fillRect/>
-          </a:stretch>
-        </p:blipFill>
-        <p:spPr bwMode="auto">
-          <a:xfrm>
-            <a:off x="3556512" y="659789"/>
-            <a:ext cx="5098562" cy="3823921"/>
-          </a:xfrm>
-          <a:prstGeom prst="rect">
-            <a:avLst/>
-          </a:prstGeom>
-          <a:noFill/>
-          <a:extLst>
-            <a:ext uri="{909E8E84-426E-40DD-AFC4-6F175D3DCCD1}">
-              <a14:hiddenFill xmlns:a14="http://schemas.microsoft.com/office/drawing/2010/main">
-                <a:solidFill>
-                  <a:srgbClr val="FFFFFF"/>
-                </a:solidFill>
-              </a14:hiddenFill>
-            </a:ext>
-          </a:extLst>
-        </p:spPr>
-      </p:pic>
-    </p:spTree>
-    <p:extLst>
-      <p:ext uri="{BB962C8B-B14F-4D97-AF65-F5344CB8AC3E}">
-        <p14:creationId xmlns:p14="http://schemas.microsoft.com/office/powerpoint/2010/main" val="1801948430"/>
-      </p:ext>
-    </p:extLst>
-  </p:cSld>
-  <p:clrMapOvr>
-    <a:masterClrMapping/>
-  </p:clrMapOvr>
-</p:sld>
-</file>
-
-<file path=ppt/slides/slide4.xml><?xml version="1.0" encoding="utf-8"?>
-<p:sld xmlns:a="http://schemas.openxmlformats.org/drawingml/2006/main" xmlns:r="http://schemas.openxmlformats.org/officeDocument/2006/relationships" xmlns:p="http://schemas.openxmlformats.org/presentationml/2006/main">
-  <p:cSld>
-    <p:bg>
-      <p:bgPr>
-        <a:solidFill>
-          <a:schemeClr val="bg2"/>
-        </a:solidFill>
-        <a:effectLst/>
-      </p:bgPr>
-    </p:bg>
-    <p:spTree>
-      <p:nvGrpSpPr>
-        <p:cNvPr id="1" name=""/>
-        <p:cNvGrpSpPr/>
-        <p:nvPr/>
-      </p:nvGrpSpPr>
-      <p:grpSpPr>
-        <a:xfrm>
-          <a:off x="0" y="0"/>
-          <a:ext cx="0" cy="0"/>
-          <a:chOff x="0" y="0"/>
-          <a:chExt cx="0" cy="0"/>
-        </a:xfrm>
-      </p:grpSpPr>
-      <p:sp>
-        <p:nvSpPr>
-          <p:cNvPr id="2" name="Title 1">
-            <a:extLst>
-              <a:ext uri="{FF2B5EF4-FFF2-40B4-BE49-F238E27FC236}">
-                <a16:creationId xmlns:a16="http://schemas.microsoft.com/office/drawing/2014/main" id="{BFC84122-605C-6865-9B64-D0F483028C6E}"/>
-              </a:ext>
-            </a:extLst>
-          </p:cNvPr>
-          <p:cNvSpPr>
-            <a:spLocks noGrp="1"/>
-          </p:cNvSpPr>
-          <p:nvPr>
-            <p:ph type="title"/>
-          </p:nvPr>
-        </p:nvSpPr>
-        <p:spPr>
-          <a:xfrm>
-            <a:off x="3886200" y="476209"/>
-            <a:ext cx="4776107" cy="1088068"/>
-          </a:xfrm>
-        </p:spPr>
-        <p:txBody>
-          <a:bodyPr vert="horz" lIns="91440" tIns="45720" rIns="91440" bIns="45720" rtlCol="0" anchor="b">
-            <a:normAutofit/>
-          </a:bodyPr>
-          <a:lstStyle/>
-          <a:p>
-            <a:pPr defTabSz="914400"/>
-            <a:r>
-              <a:rPr lang="en-US" sz="3700" kern="1200" spc="-50" baseline="0" dirty="0">
-                <a:solidFill>
-                  <a:schemeClr val="tx1">
-                    <a:lumMod val="75000"/>
-                    <a:lumOff val="25000"/>
-                  </a:schemeClr>
-                </a:solidFill>
-                <a:latin typeface="+mj-lt"/>
-                <a:ea typeface="+mj-ea"/>
-                <a:cs typeface="+mj-cs"/>
-              </a:rPr>
-              <a:t>Types of Collaborative Filtering</a:t>
-            </a:r>
-          </a:p>
-        </p:txBody>
-      </p:sp>
-      <p:pic>
-        <p:nvPicPr>
-          <p:cNvPr id="5" name="Picture 4" descr="Web of wires showing connections between groups and singles">
-            <a:extLst>
-              <a:ext uri="{FF2B5EF4-FFF2-40B4-BE49-F238E27FC236}">
-                <a16:creationId xmlns:a16="http://schemas.microsoft.com/office/drawing/2014/main" id="{A710DCAE-AA2A-AC6A-692D-41A9D0326F7F}"/>
-              </a:ext>
-            </a:extLst>
-          </p:cNvPr>
-          <p:cNvPicPr>
-            <a:picLocks noChangeAspect="1"/>
-          </p:cNvPicPr>
-          <p:nvPr/>
-        </p:nvPicPr>
-        <p:blipFill rotWithShape="1">
-          <a:blip r:embed="rId3"/>
-          <a:srcRect l="35090" r="19689" b="-1"/>
-          <a:stretch/>
-        </p:blipFill>
-        <p:spPr>
-          <a:xfrm>
-            <a:off x="20" y="-9096"/>
-            <a:ext cx="3490702" cy="5152595"/>
-          </a:xfrm>
-          <a:prstGeom prst="rect">
-            <a:avLst/>
-          </a:prstGeom>
-        </p:spPr>
-      </p:pic>
-      <p:graphicFrame>
-        <p:nvGraphicFramePr>
-          <p:cNvPr id="64" name="TextBox 5">
-            <a:extLst>
-              <a:ext uri="{FF2B5EF4-FFF2-40B4-BE49-F238E27FC236}">
-                <a16:creationId xmlns:a16="http://schemas.microsoft.com/office/drawing/2014/main" id="{89C5C6B1-80B3-D711-B0E5-972BBE7D7E5C}"/>
-              </a:ext>
-            </a:extLst>
-          </p:cNvPr>
-          <p:cNvGraphicFramePr/>
-          <p:nvPr>
-            <p:extLst>
-              <p:ext uri="{D42A27DB-BD31-4B8C-83A1-F6EECF244321}">
-                <p14:modId xmlns:p14="http://schemas.microsoft.com/office/powerpoint/2010/main" val="1686193256"/>
-              </p:ext>
-            </p:extLst>
-          </p:nvPr>
-        </p:nvGraphicFramePr>
-        <p:xfrm>
-          <a:off x="3886200" y="1649185"/>
-          <a:ext cx="4776107" cy="1233151"/>
-        </p:xfrm>
-        <a:graphic>
-          <a:graphicData uri="http://schemas.openxmlformats.org/drawingml/2006/diagram">
-            <dgm:relIds xmlns:dgm="http://schemas.openxmlformats.org/drawingml/2006/diagram" xmlns:r="http://schemas.openxmlformats.org/officeDocument/2006/relationships" r:dm="rId4" r:lo="rId5" r:qs="rId6" r:cs="rId7"/>
-          </a:graphicData>
-        </a:graphic>
-      </p:graphicFrame>
-      <p:sp>
-        <p:nvSpPr>
-          <p:cNvPr id="8" name="TextBox 7">
-            <a:extLst>
-              <a:ext uri="{FF2B5EF4-FFF2-40B4-BE49-F238E27FC236}">
-                <a16:creationId xmlns:a16="http://schemas.microsoft.com/office/drawing/2014/main" id="{009BB209-9E73-D341-7F85-3FB4F8F6FB31}"/>
-              </a:ext>
-            </a:extLst>
-          </p:cNvPr>
-          <p:cNvSpPr txBox="1"/>
-          <p:nvPr/>
-        </p:nvSpPr>
-        <p:spPr>
-          <a:xfrm>
-            <a:off x="4174841" y="2720109"/>
-            <a:ext cx="1828800" cy="1384995"/>
-          </a:xfrm>
-          <a:prstGeom prst="rect">
-            <a:avLst/>
-          </a:prstGeom>
-          <a:noFill/>
-        </p:spPr>
-        <p:txBody>
-          <a:bodyPr wrap="square" rtlCol="0">
-            <a:spAutoFit/>
-          </a:bodyPr>
-          <a:lstStyle/>
-          <a:p>
-            <a:pPr marL="285750" indent="-285750">
-              <a:buFont typeface="Arial" panose="020B0604020202020204" pitchFamily="34" charset="0"/>
-              <a:buChar char="•"/>
-            </a:pPr>
-            <a:r>
-              <a:rPr lang="en-US" sz="1200" dirty="0"/>
-              <a:t>Find users sharing similar rating patterns with test user</a:t>
-            </a:r>
-          </a:p>
-          <a:p>
-            <a:pPr marL="285750" indent="-285750">
-              <a:buFont typeface="Arial" panose="020B0604020202020204" pitchFamily="34" charset="0"/>
-              <a:buChar char="•"/>
-            </a:pPr>
-            <a:endParaRPr lang="en-US" sz="1200" dirty="0"/>
-          </a:p>
-          <a:p>
-            <a:pPr marL="285750" indent="-285750">
-              <a:buFont typeface="Arial" panose="020B0604020202020204" pitchFamily="34" charset="0"/>
-              <a:buChar char="•"/>
-            </a:pPr>
-            <a:r>
-              <a:rPr lang="en-US" sz="1200" dirty="0"/>
-              <a:t>Ratings from these users used to calculate a prediction</a:t>
-            </a:r>
-          </a:p>
-        </p:txBody>
-      </p:sp>
-      <p:sp>
-        <p:nvSpPr>
-          <p:cNvPr id="19" name="TextBox 18">
-            <a:extLst>
-              <a:ext uri="{FF2B5EF4-FFF2-40B4-BE49-F238E27FC236}">
-                <a16:creationId xmlns:a16="http://schemas.microsoft.com/office/drawing/2014/main" id="{961FC4E9-0EA1-D466-ED78-9D67DE195686}"/>
-              </a:ext>
-            </a:extLst>
-          </p:cNvPr>
-          <p:cNvSpPr txBox="1"/>
-          <p:nvPr/>
-        </p:nvSpPr>
-        <p:spPr>
-          <a:xfrm>
-            <a:off x="6158803" y="2715698"/>
-            <a:ext cx="1828800" cy="1384995"/>
-          </a:xfrm>
-          <a:prstGeom prst="rect">
-            <a:avLst/>
-          </a:prstGeom>
-          <a:noFill/>
-        </p:spPr>
-        <p:txBody>
-          <a:bodyPr wrap="square" rtlCol="0">
-            <a:spAutoFit/>
-          </a:bodyPr>
-          <a:lstStyle/>
-          <a:p>
-            <a:pPr marL="285750" indent="-285750">
-              <a:buFont typeface="Arial" panose="020B0604020202020204" pitchFamily="34" charset="0"/>
-              <a:buChar char="•"/>
-            </a:pPr>
-            <a:r>
-              <a:rPr lang="en-US" sz="1200" dirty="0"/>
-              <a:t>Relationships among items found using item-item matrix</a:t>
-            </a:r>
-          </a:p>
-          <a:p>
-            <a:pPr marL="285750" indent="-285750">
-              <a:buFont typeface="Arial" panose="020B0604020202020204" pitchFamily="34" charset="0"/>
-              <a:buChar char="•"/>
-            </a:pPr>
-            <a:endParaRPr lang="en-US" sz="1200" dirty="0"/>
-          </a:p>
-          <a:p>
-            <a:pPr marL="285750" indent="-285750">
-              <a:buFont typeface="Arial" panose="020B0604020202020204" pitchFamily="34" charset="0"/>
-              <a:buChar char="•"/>
-            </a:pPr>
-            <a:r>
-              <a:rPr lang="en-US" sz="1200" dirty="0"/>
-              <a:t>Match user’s data with this matrix to get preferences</a:t>
-            </a:r>
-          </a:p>
-        </p:txBody>
-      </p:sp>
-    </p:spTree>
-    <p:extLst>
-      <p:ext uri="{BB962C8B-B14F-4D97-AF65-F5344CB8AC3E}">
-        <p14:creationId xmlns:p14="http://schemas.microsoft.com/office/powerpoint/2010/main" val="1653081275"/>
-      </p:ext>
-    </p:extLst>
-  </p:cSld>
-  <p:clrMapOvr>
-    <a:masterClrMapping/>
-  </p:clrMapOvr>
-</p:sld>
-</file>
-
-<file path=ppt/slides/slide5.xml><?xml version="1.0" encoding="utf-8"?>
-<p:sld xmlns:a="http://schemas.openxmlformats.org/drawingml/2006/main" xmlns:r="http://schemas.openxmlformats.org/officeDocument/2006/relationships" xmlns:p="http://schemas.openxmlformats.org/presentationml/2006/main">
-  <p:cSld>
-    <p:spTree>
-      <p:nvGrpSpPr>
-        <p:cNvPr id="1" name=""/>
-        <p:cNvGrpSpPr/>
-        <p:nvPr/>
-      </p:nvGrpSpPr>
-      <p:grpSpPr>
-        <a:xfrm>
-          <a:off x="0" y="0"/>
-          <a:ext cx="0" cy="0"/>
-          <a:chOff x="0" y="0"/>
-          <a:chExt cx="0" cy="0"/>
-        </a:xfrm>
-      </p:grpSpPr>
-      <p:sp>
-        <p:nvSpPr>
-          <p:cNvPr id="2" name="Title 1">
-            <a:extLst>
-              <a:ext uri="{FF2B5EF4-FFF2-40B4-BE49-F238E27FC236}">
-                <a16:creationId xmlns:a16="http://schemas.microsoft.com/office/drawing/2014/main" id="{5976DC7F-4D9E-9430-EE24-1B07D72BF950}"/>
-              </a:ext>
-            </a:extLst>
-          </p:cNvPr>
-          <p:cNvSpPr>
-            <a:spLocks noGrp="1"/>
-          </p:cNvSpPr>
-          <p:nvPr>
-            <p:ph type="title"/>
-          </p:nvPr>
-        </p:nvSpPr>
-        <p:spPr/>
-        <p:txBody>
-          <a:bodyPr/>
-          <a:lstStyle/>
-          <a:p>
-            <a:r>
-              <a:rPr lang="en-US"/>
-              <a:t>Similarity Check</a:t>
-            </a:r>
-            <a:endParaRPr lang="en-US" dirty="0"/>
-          </a:p>
-        </p:txBody>
-      </p:sp>
-      <p:sp>
-        <p:nvSpPr>
-          <p:cNvPr id="3" name="Content Placeholder 2">
-            <a:extLst>
-              <a:ext uri="{FF2B5EF4-FFF2-40B4-BE49-F238E27FC236}">
-                <a16:creationId xmlns:a16="http://schemas.microsoft.com/office/drawing/2014/main" id="{5239537E-F7C5-1675-AD44-81AB76B07562}"/>
-              </a:ext>
-            </a:extLst>
-          </p:cNvPr>
-          <p:cNvSpPr>
-            <a:spLocks noGrp="1"/>
-          </p:cNvSpPr>
-          <p:nvPr>
-            <p:ph idx="1"/>
-          </p:nvPr>
-        </p:nvSpPr>
-        <p:spPr>
-          <a:xfrm>
-            <a:off x="3600450" y="548640"/>
-            <a:ext cx="4869180" cy="291539"/>
-          </a:xfrm>
-        </p:spPr>
-        <p:txBody>
-          <a:bodyPr>
-            <a:normAutofit fontScale="92500" lnSpcReduction="10000"/>
-          </a:bodyPr>
-          <a:lstStyle/>
-          <a:p>
-            <a:pPr marL="0" indent="0">
-              <a:buNone/>
-            </a:pPr>
-            <a:r>
-              <a:rPr lang="en-US" dirty="0"/>
-              <a:t>Similarity can be computed as follows</a:t>
-            </a:r>
-          </a:p>
-          <a:p>
-            <a:pPr marL="219456" lvl="1" indent="0">
-              <a:buNone/>
-            </a:pPr>
-            <a:endParaRPr lang="en-US" dirty="0"/>
-          </a:p>
-          <a:p>
-            <a:pPr marL="0" indent="0">
-              <a:buNone/>
-            </a:pPr>
-            <a:endParaRPr lang="en-US" dirty="0"/>
-          </a:p>
-          <a:p>
-            <a:pPr marL="219456" lvl="1" indent="0">
-              <a:buNone/>
-            </a:pPr>
-            <a:endParaRPr lang="en-US" dirty="0"/>
-          </a:p>
-        </p:txBody>
-      </p:sp>
-      <p:pic>
-        <p:nvPicPr>
-          <p:cNvPr id="7" name="Picture 6">
-            <a:extLst>
-              <a:ext uri="{FF2B5EF4-FFF2-40B4-BE49-F238E27FC236}">
-                <a16:creationId xmlns:a16="http://schemas.microsoft.com/office/drawing/2014/main" id="{F0F14C5A-6A95-A7CD-1A45-458B3028C926}"/>
+                <a16:creationId xmlns:a16="http://schemas.microsoft.com/office/drawing/2014/main" id="{AD54B37D-2641-C92F-D0D6-B4DCFF1AFC4D}"/>
               </a:ext>
             </a:extLst>
           </p:cNvPr>
@@ -23796,124 +20885,21 @@
         </p:blipFill>
         <p:spPr>
           <a:xfrm>
-            <a:off x="3777499" y="3020293"/>
-            <a:ext cx="4515082" cy="1023264"/>
+            <a:off x="173349" y="528108"/>
+            <a:ext cx="8797302" cy="2639191"/>
           </a:xfrm>
           <a:prstGeom prst="rect">
             <a:avLst/>
           </a:prstGeom>
+          <a:effectLst>
+            <a:softEdge rad="25400"/>
+          </a:effectLst>
         </p:spPr>
       </p:pic>
-      <p:pic>
-        <p:nvPicPr>
-          <p:cNvPr id="9" name="Picture 8">
-            <a:extLst>
-              <a:ext uri="{FF2B5EF4-FFF2-40B4-BE49-F238E27FC236}">
-                <a16:creationId xmlns:a16="http://schemas.microsoft.com/office/drawing/2014/main" id="{94DE456E-B999-8567-F8C7-13488F84A2A5}"/>
-              </a:ext>
-            </a:extLst>
-          </p:cNvPr>
-          <p:cNvPicPr>
-            <a:picLocks noChangeAspect="1"/>
-          </p:cNvPicPr>
-          <p:nvPr/>
-        </p:nvPicPr>
-        <p:blipFill>
-          <a:blip r:embed="rId3"/>
-          <a:stretch>
-            <a:fillRect/>
-          </a:stretch>
-        </p:blipFill>
-        <p:spPr>
-          <a:xfrm>
-            <a:off x="3777499" y="840179"/>
-            <a:ext cx="4515082" cy="1930499"/>
-          </a:xfrm>
-          <a:prstGeom prst="rect">
-            <a:avLst/>
-          </a:prstGeom>
-        </p:spPr>
-      </p:pic>
-      <p:sp>
-        <p:nvSpPr>
-          <p:cNvPr id="12" name="TextBox 11">
-            <a:extLst>
-              <a:ext uri="{FF2B5EF4-FFF2-40B4-BE49-F238E27FC236}">
-                <a16:creationId xmlns:a16="http://schemas.microsoft.com/office/drawing/2014/main" id="{77AC52F6-A6FB-15AC-3E1C-51F2B228B4A5}"/>
-              </a:ext>
-            </a:extLst>
-          </p:cNvPr>
-          <p:cNvSpPr txBox="1"/>
-          <p:nvPr/>
-        </p:nvSpPr>
-        <p:spPr>
-          <a:xfrm>
-            <a:off x="7707745" y="2632178"/>
-            <a:ext cx="632691" cy="276999"/>
-          </a:xfrm>
-          <a:prstGeom prst="rect">
-            <a:avLst/>
-          </a:prstGeom>
-          <a:noFill/>
-        </p:spPr>
-        <p:txBody>
-          <a:bodyPr wrap="square" rtlCol="0">
-            <a:spAutoFit/>
-          </a:bodyPr>
-          <a:lstStyle/>
-          <a:p>
-            <a:r>
-              <a:rPr lang="en-US" sz="1200" dirty="0">
-                <a:hlinkClick r:id="rId4"/>
-              </a:rPr>
-              <a:t>Source</a:t>
-            </a:r>
-            <a:endParaRPr lang="en-US" sz="1200" dirty="0"/>
-          </a:p>
-        </p:txBody>
-      </p:sp>
-      <p:sp>
-        <p:nvSpPr>
-          <p:cNvPr id="13" name="TextBox 12">
-            <a:extLst>
-              <a:ext uri="{FF2B5EF4-FFF2-40B4-BE49-F238E27FC236}">
-                <a16:creationId xmlns:a16="http://schemas.microsoft.com/office/drawing/2014/main" id="{58063B4A-B163-D0FD-32FF-22AF1841F76D}"/>
-              </a:ext>
-            </a:extLst>
-          </p:cNvPr>
-          <p:cNvSpPr txBox="1"/>
-          <p:nvPr/>
-        </p:nvSpPr>
-        <p:spPr>
-          <a:xfrm>
-            <a:off x="7707745" y="4202548"/>
-            <a:ext cx="720437" cy="276999"/>
-          </a:xfrm>
-          <a:prstGeom prst="rect">
-            <a:avLst/>
-          </a:prstGeom>
-          <a:noFill/>
-        </p:spPr>
-        <p:txBody>
-          <a:bodyPr wrap="square" rtlCol="0">
-            <a:spAutoFit/>
-          </a:bodyPr>
-          <a:lstStyle/>
-          <a:p>
-            <a:r>
-              <a:rPr lang="en-US" sz="1200" dirty="0">
-                <a:hlinkClick r:id="rId5"/>
-              </a:rPr>
-              <a:t>Source</a:t>
-            </a:r>
-            <a:endParaRPr lang="en-US" sz="1200" dirty="0"/>
-          </a:p>
-        </p:txBody>
-      </p:sp>
     </p:spTree>
     <p:extLst>
       <p:ext uri="{BB962C8B-B14F-4D97-AF65-F5344CB8AC3E}">
-        <p14:creationId xmlns:p14="http://schemas.microsoft.com/office/powerpoint/2010/main" val="2801971242"/>
+        <p14:creationId xmlns:p14="http://schemas.microsoft.com/office/powerpoint/2010/main" val="4246901363"/>
       </p:ext>
     </p:extLst>
   </p:cSld>
@@ -23923,201 +20909,7 @@
 </p:sld>
 </file>
 
-<file path=ppt/slides/slide6.xml><?xml version="1.0" encoding="utf-8"?>
-<p:sld xmlns:a="http://schemas.openxmlformats.org/drawingml/2006/main" xmlns:r="http://schemas.openxmlformats.org/officeDocument/2006/relationships" xmlns:p="http://schemas.openxmlformats.org/presentationml/2006/main">
-  <p:cSld>
-    <p:bg>
-      <p:bgPr>
-        <a:solidFill>
-          <a:schemeClr val="bg2"/>
-        </a:solidFill>
-        <a:effectLst/>
-      </p:bgPr>
-    </p:bg>
-    <p:spTree>
-      <p:nvGrpSpPr>
-        <p:cNvPr id="1" name=""/>
-        <p:cNvGrpSpPr/>
-        <p:nvPr/>
-      </p:nvGrpSpPr>
-      <p:grpSpPr>
-        <a:xfrm>
-          <a:off x="0" y="0"/>
-          <a:ext cx="0" cy="0"/>
-          <a:chOff x="0" y="0"/>
-          <a:chExt cx="0" cy="0"/>
-        </a:xfrm>
-      </p:grpSpPr>
-      <p:sp>
-        <p:nvSpPr>
-          <p:cNvPr id="2" name="Title 1">
-            <a:extLst>
-              <a:ext uri="{FF2B5EF4-FFF2-40B4-BE49-F238E27FC236}">
-                <a16:creationId xmlns:a16="http://schemas.microsoft.com/office/drawing/2014/main" id="{F793AF8A-0C65-6E6E-EAB1-D92FDA7C45DE}"/>
-              </a:ext>
-            </a:extLst>
-          </p:cNvPr>
-          <p:cNvSpPr>
-            <a:spLocks noGrp="1"/>
-          </p:cNvSpPr>
-          <p:nvPr>
-            <p:ph type="title"/>
-          </p:nvPr>
-        </p:nvSpPr>
-        <p:spPr/>
-        <p:txBody>
-          <a:bodyPr/>
-          <a:lstStyle/>
-          <a:p>
-            <a:r>
-              <a:rPr lang="en-US" dirty="0"/>
-              <a:t>PyTorch</a:t>
-            </a:r>
-          </a:p>
-        </p:txBody>
-      </p:sp>
-      <p:graphicFrame>
-        <p:nvGraphicFramePr>
-          <p:cNvPr id="5" name="Content Placeholder 2">
-            <a:extLst>
-              <a:ext uri="{FF2B5EF4-FFF2-40B4-BE49-F238E27FC236}">
-                <a16:creationId xmlns:a16="http://schemas.microsoft.com/office/drawing/2014/main" id="{B7F29E0A-FB63-2ECC-5595-3A2AAE215CDB}"/>
-              </a:ext>
-            </a:extLst>
-          </p:cNvPr>
-          <p:cNvGraphicFramePr>
-            <a:graphicFrameLocks noGrp="1"/>
-          </p:cNvGraphicFramePr>
-          <p:nvPr>
-            <p:ph idx="1"/>
-          </p:nvPr>
-        </p:nvGraphicFramePr>
-        <p:xfrm>
-          <a:off x="3600450" y="549275"/>
-          <a:ext cx="4868863" cy="3943350"/>
-        </p:xfrm>
-        <a:graphic>
-          <a:graphicData uri="http://schemas.openxmlformats.org/drawingml/2006/diagram">
-            <dgm:relIds xmlns:dgm="http://schemas.openxmlformats.org/drawingml/2006/diagram" xmlns:r="http://schemas.openxmlformats.org/officeDocument/2006/relationships" r:dm="rId2" r:lo="rId3" r:qs="rId4" r:cs="rId5"/>
-          </a:graphicData>
-        </a:graphic>
-      </p:graphicFrame>
-    </p:spTree>
-    <p:extLst>
-      <p:ext uri="{BB962C8B-B14F-4D97-AF65-F5344CB8AC3E}">
-        <p14:creationId xmlns:p14="http://schemas.microsoft.com/office/powerpoint/2010/main" val="2029485356"/>
-      </p:ext>
-    </p:extLst>
-  </p:cSld>
-  <p:clrMapOvr>
-    <a:masterClrMapping/>
-  </p:clrMapOvr>
-</p:sld>
-</file>
-
-<file path=ppt/slides/slide7.xml><?xml version="1.0" encoding="utf-8"?>
-<p:sld xmlns:a="http://schemas.openxmlformats.org/drawingml/2006/main" xmlns:r="http://schemas.openxmlformats.org/officeDocument/2006/relationships" xmlns:p="http://schemas.openxmlformats.org/presentationml/2006/main">
-  <p:cSld>
-    <p:bg>
-      <p:bgPr>
-        <a:solidFill>
-          <a:schemeClr val="bg2"/>
-        </a:solidFill>
-        <a:effectLst/>
-      </p:bgPr>
-    </p:bg>
-    <p:spTree>
-      <p:nvGrpSpPr>
-        <p:cNvPr id="1" name=""/>
-        <p:cNvGrpSpPr/>
-        <p:nvPr/>
-      </p:nvGrpSpPr>
-      <p:grpSpPr>
-        <a:xfrm>
-          <a:off x="0" y="0"/>
-          <a:ext cx="0" cy="0"/>
-          <a:chOff x="0" y="0"/>
-          <a:chExt cx="0" cy="0"/>
-        </a:xfrm>
-      </p:grpSpPr>
-      <p:sp>
-        <p:nvSpPr>
-          <p:cNvPr id="2" name="Title 1">
-            <a:extLst>
-              <a:ext uri="{FF2B5EF4-FFF2-40B4-BE49-F238E27FC236}">
-                <a16:creationId xmlns:a16="http://schemas.microsoft.com/office/drawing/2014/main" id="{2233451B-A843-8374-77D9-F5A7B47BBE2E}"/>
-              </a:ext>
-            </a:extLst>
-          </p:cNvPr>
-          <p:cNvSpPr>
-            <a:spLocks noGrp="1"/>
-          </p:cNvSpPr>
-          <p:nvPr>
-            <p:ph type="title"/>
-          </p:nvPr>
-        </p:nvSpPr>
-        <p:spPr>
-          <a:xfrm>
-            <a:off x="342900" y="445769"/>
-            <a:ext cx="2400300" cy="1589219"/>
-          </a:xfrm>
-        </p:spPr>
-        <p:txBody>
-          <a:bodyPr/>
-          <a:lstStyle/>
-          <a:p>
-            <a:r>
-              <a:rPr lang="en-US" dirty="0"/>
-              <a:t>Embeddings</a:t>
-            </a:r>
-          </a:p>
-        </p:txBody>
-      </p:sp>
-      <p:graphicFrame>
-        <p:nvGraphicFramePr>
-          <p:cNvPr id="5" name="Content Placeholder 2">
-            <a:extLst>
-              <a:ext uri="{FF2B5EF4-FFF2-40B4-BE49-F238E27FC236}">
-                <a16:creationId xmlns:a16="http://schemas.microsoft.com/office/drawing/2014/main" id="{FF9F9BC3-6410-7D9A-97A6-369573E0C42E}"/>
-              </a:ext>
-            </a:extLst>
-          </p:cNvPr>
-          <p:cNvGraphicFramePr>
-            <a:graphicFrameLocks noGrp="1"/>
-          </p:cNvGraphicFramePr>
-          <p:nvPr>
-            <p:ph idx="1"/>
-            <p:extLst>
-              <p:ext uri="{D42A27DB-BD31-4B8C-83A1-F6EECF244321}">
-                <p14:modId xmlns:p14="http://schemas.microsoft.com/office/powerpoint/2010/main" val="3610537543"/>
-              </p:ext>
-            </p:extLst>
-          </p:nvPr>
-        </p:nvGraphicFramePr>
-        <p:xfrm>
-          <a:off x="3600450" y="549275"/>
-          <a:ext cx="4868863" cy="3943350"/>
-        </p:xfrm>
-        <a:graphic>
-          <a:graphicData uri="http://schemas.openxmlformats.org/drawingml/2006/diagram">
-            <dgm:relIds xmlns:dgm="http://schemas.openxmlformats.org/drawingml/2006/diagram" xmlns:r="http://schemas.openxmlformats.org/officeDocument/2006/relationships" r:dm="rId2" r:lo="rId3" r:qs="rId4" r:cs="rId5"/>
-          </a:graphicData>
-        </a:graphic>
-      </p:graphicFrame>
-    </p:spTree>
-    <p:extLst>
-      <p:ext uri="{BB962C8B-B14F-4D97-AF65-F5344CB8AC3E}">
-        <p14:creationId xmlns:p14="http://schemas.microsoft.com/office/powerpoint/2010/main" val="1362124502"/>
-      </p:ext>
-    </p:extLst>
-  </p:cSld>
-  <p:clrMapOvr>
-    <a:masterClrMapping/>
-  </p:clrMapOvr>
-</p:sld>
-</file>
-
-<file path=ppt/slides/slide8.xml><?xml version="1.0" encoding="utf-8"?>
+<file path=ppt/slides/slide11.xml><?xml version="1.0" encoding="utf-8"?>
 <p:sld xmlns:a="http://schemas.openxmlformats.org/drawingml/2006/main" xmlns:r="http://schemas.openxmlformats.org/officeDocument/2006/relationships" xmlns:p="http://schemas.openxmlformats.org/presentationml/2006/main">
   <p:cSld>
     <p:bg>
@@ -24677,7 +21469,7 @@
 </p:sld>
 </file>
 
-<file path=ppt/slides/slide9.xml><?xml version="1.0" encoding="utf-8"?>
+<file path=ppt/slides/slide12.xml><?xml version="1.0" encoding="utf-8"?>
 <p:sld xmlns:a="http://schemas.openxmlformats.org/drawingml/2006/main" xmlns:r="http://schemas.openxmlformats.org/officeDocument/2006/relationships" xmlns:p="http://schemas.openxmlformats.org/presentationml/2006/main">
   <p:cSld>
     <p:bg>
@@ -24761,6 +21553,4464 @@
     <p:extLst>
       <p:ext uri="{BB962C8B-B14F-4D97-AF65-F5344CB8AC3E}">
         <p14:creationId xmlns:p14="http://schemas.microsoft.com/office/powerpoint/2010/main" val="3757345770"/>
+      </p:ext>
+    </p:extLst>
+  </p:cSld>
+  <p:clrMapOvr>
+    <a:masterClrMapping/>
+  </p:clrMapOvr>
+</p:sld>
+</file>
+
+<file path=ppt/slides/slide13.xml><?xml version="1.0" encoding="utf-8"?>
+<p:sld xmlns:a="http://schemas.openxmlformats.org/drawingml/2006/main" xmlns:r="http://schemas.openxmlformats.org/officeDocument/2006/relationships" xmlns:p="http://schemas.openxmlformats.org/presentationml/2006/main" show="0">
+  <p:cSld>
+    <p:bg>
+      <p:bgPr>
+        <a:solidFill>
+          <a:schemeClr val="bg2"/>
+        </a:solidFill>
+        <a:effectLst/>
+      </p:bgPr>
+    </p:bg>
+    <p:spTree>
+      <p:nvGrpSpPr>
+        <p:cNvPr id="1" name=""/>
+        <p:cNvGrpSpPr/>
+        <p:nvPr/>
+      </p:nvGrpSpPr>
+      <p:grpSpPr>
+        <a:xfrm>
+          <a:off x="0" y="0"/>
+          <a:ext cx="0" cy="0"/>
+          <a:chOff x="0" y="0"/>
+          <a:chExt cx="0" cy="0"/>
+        </a:xfrm>
+      </p:grpSpPr>
+      <p:sp>
+        <p:nvSpPr>
+          <p:cNvPr id="2" name="Title 1">
+            <a:extLst>
+              <a:ext uri="{FF2B5EF4-FFF2-40B4-BE49-F238E27FC236}">
+                <a16:creationId xmlns:a16="http://schemas.microsoft.com/office/drawing/2014/main" id="{633E3164-BFCC-CB7A-F4F5-89FAD72A260C}"/>
+              </a:ext>
+            </a:extLst>
+          </p:cNvPr>
+          <p:cNvSpPr>
+            <a:spLocks noGrp="1"/>
+          </p:cNvSpPr>
+          <p:nvPr>
+            <p:ph type="title"/>
+          </p:nvPr>
+        </p:nvSpPr>
+        <p:spPr>
+          <a:xfrm>
+            <a:off x="272015" y="719864"/>
+            <a:ext cx="2441018" cy="3703771"/>
+          </a:xfrm>
+        </p:spPr>
+        <p:txBody>
+          <a:bodyPr vert="horz" lIns="91440" tIns="45720" rIns="91440" bIns="45720" rtlCol="0" anchor="ctr">
+            <a:normAutofit/>
+          </a:bodyPr>
+          <a:lstStyle/>
+          <a:p>
+            <a:pPr algn="r" defTabSz="914400"/>
+            <a:r>
+              <a:rPr lang="en-US" sz="2800" spc="-50" dirty="0" err="1">
+                <a:solidFill>
+                  <a:schemeClr val="bg1"/>
+                </a:solidFill>
+              </a:rPr>
+              <a:t>Fastai</a:t>
+            </a:r>
+            <a:r>
+              <a:rPr lang="en-US" sz="2800" spc="-50" dirty="0">
+                <a:solidFill>
+                  <a:schemeClr val="bg1"/>
+                </a:solidFill>
+              </a:rPr>
+              <a:t> and tools used for the implementation</a:t>
+            </a:r>
+          </a:p>
+        </p:txBody>
+      </p:sp>
+      <p:sp>
+        <p:nvSpPr>
+          <p:cNvPr id="3" name="Content Placeholder 2">
+            <a:extLst>
+              <a:ext uri="{FF2B5EF4-FFF2-40B4-BE49-F238E27FC236}">
+                <a16:creationId xmlns:a16="http://schemas.microsoft.com/office/drawing/2014/main" id="{26323AB5-EB8C-763D-77D0-FBE2F506F5BB}"/>
+              </a:ext>
+            </a:extLst>
+          </p:cNvPr>
+          <p:cNvSpPr>
+            <a:spLocks noGrp="1"/>
+          </p:cNvSpPr>
+          <p:nvPr>
+            <p:ph idx="1"/>
+          </p:nvPr>
+        </p:nvSpPr>
+        <p:spPr>
+          <a:xfrm>
+            <a:off x="3851161" y="722630"/>
+            <a:ext cx="4601323" cy="3704138"/>
+          </a:xfrm>
+        </p:spPr>
+        <p:txBody>
+          <a:bodyPr vert="horz" lIns="0" tIns="45720" rIns="0" bIns="45720" rtlCol="0" anchor="ctr">
+            <a:normAutofit/>
+          </a:bodyPr>
+          <a:lstStyle/>
+          <a:p>
+            <a:pPr marL="0" lvl="0" indent="0" defTabSz="914400">
+              <a:spcBef>
+                <a:spcPts val="900"/>
+              </a:spcBef>
+              <a:spcAft>
+                <a:spcPts val="0"/>
+              </a:spcAft>
+              <a:buFont typeface="Calibri" panose="020F0502020204030204" pitchFamily="34" charset="0"/>
+              <a:buNone/>
+            </a:pPr>
+            <a:r>
+              <a:rPr lang="en-US" sz="900" b="1"/>
+              <a:t>What is fast AI? </a:t>
+            </a:r>
+            <a:r>
+              <a:rPr lang="en-US" sz="900"/>
+              <a:t>Fastai is a comprehensive deep learning library that offers practitioners a range of high-level components to achieve exceptional outcomes in traditional deep learning domains. Additionally, it equips researchers with versatile low-level components that can be flexibly combined and customized to construct novel methodologies.</a:t>
+            </a:r>
+          </a:p>
+          <a:p>
+            <a:pPr marL="0" lvl="0" indent="0" defTabSz="914400">
+              <a:spcBef>
+                <a:spcPts val="900"/>
+              </a:spcBef>
+              <a:spcAft>
+                <a:spcPts val="0"/>
+              </a:spcAft>
+              <a:buFont typeface="Calibri" panose="020F0502020204030204" pitchFamily="34" charset="0"/>
+              <a:buNone/>
+            </a:pPr>
+            <a:r>
+              <a:rPr lang="en-US" sz="900" b="1"/>
+              <a:t>Dataloaders: </a:t>
+            </a:r>
+            <a:r>
+              <a:rPr lang="en-US" sz="900"/>
+              <a:t>DataLoaders extend PyTorch's DataLoader Class by providing enhanced functionality and flexibility. They offer a range of capabilities to assist in exploring, cleaning, modifying, and preparing data throughout the entire process of building a deep learning model. DataLoaders are indispensable when constructing a fastai model, as they facilitate the efficient handling and transformation of data at various stages, ensuring optimal utilization within the model.</a:t>
+            </a:r>
+          </a:p>
+          <a:p>
+            <a:pPr marL="0" lvl="0" indent="0" defTabSz="914400">
+              <a:spcBef>
+                <a:spcPts val="900"/>
+              </a:spcBef>
+              <a:spcAft>
+                <a:spcPts val="0"/>
+              </a:spcAft>
+              <a:buFont typeface="Calibri" panose="020F0502020204030204" pitchFamily="34" charset="0"/>
+              <a:buNone/>
+            </a:pPr>
+            <a:r>
+              <a:rPr lang="en-US" sz="900" b="1"/>
+              <a:t>Learner:</a:t>
+            </a:r>
+            <a:r>
+              <a:rPr lang="en-US" sz="900"/>
+              <a:t> The integration of the model, DataLoader, and loss function within a unified framework enables the generation of weights or embedding vectors for the features, while also learning biases associated with each feature. By combining these components, the system is able to optimize and extract meaningful representations from the input data. The model leverages the DataLoader to efficiently process and transform the data, while the loss function guides the learning process by quantifying the discrepancy between predicted and actual outcomes.</a:t>
+            </a:r>
+          </a:p>
+          <a:p>
+            <a:pPr marL="0" lvl="0" indent="0" defTabSz="914400">
+              <a:spcBef>
+                <a:spcPts val="900"/>
+              </a:spcBef>
+              <a:spcAft>
+                <a:spcPts val="0"/>
+              </a:spcAft>
+              <a:buSzPct val="91666"/>
+              <a:buFont typeface="Calibri" panose="020F0502020204030204" pitchFamily="34" charset="0"/>
+              <a:buNone/>
+            </a:pPr>
+            <a:r>
+              <a:rPr lang="en-US" sz="900" b="1"/>
+              <a:t>MSE Loss function</a:t>
+            </a:r>
+            <a:r>
+              <a:rPr lang="en-US" sz="900"/>
+              <a:t>:The Mean Squared Error (MSE) loss function is defined as the average of the squared differences between the actual and predicted values. It serves as a widely utilized loss function in regression tasks. By computing the squared differences and taking their average, the MSE loss effectively quantifies the overall magnitude of the prediction errors. This makes it a popular choice for regression problems, as it provides a measure of how well the model fits the data and enables the optimization process to minimize the discrepancy between predicted and actual values.</a:t>
+            </a:r>
+          </a:p>
+        </p:txBody>
+      </p:sp>
+    </p:spTree>
+    <p:extLst>
+      <p:ext uri="{BB962C8B-B14F-4D97-AF65-F5344CB8AC3E}">
+        <p14:creationId xmlns:p14="http://schemas.microsoft.com/office/powerpoint/2010/main" val="2692118514"/>
+      </p:ext>
+    </p:extLst>
+  </p:cSld>
+  <p:clrMapOvr>
+    <a:masterClrMapping/>
+  </p:clrMapOvr>
+</p:sld>
+</file>
+
+<file path=ppt/slides/slide14.xml><?xml version="1.0" encoding="utf-8"?>
+<p:sld xmlns:a="http://schemas.openxmlformats.org/drawingml/2006/main" xmlns:r="http://schemas.openxmlformats.org/officeDocument/2006/relationships" xmlns:p="http://schemas.openxmlformats.org/presentationml/2006/main">
+  <p:cSld>
+    <p:bg>
+      <p:bgPr>
+        <a:solidFill>
+          <a:schemeClr val="bg2"/>
+        </a:solidFill>
+        <a:effectLst/>
+      </p:bgPr>
+    </p:bg>
+    <p:spTree>
+      <p:nvGrpSpPr>
+        <p:cNvPr id="1" name=""/>
+        <p:cNvGrpSpPr/>
+        <p:nvPr/>
+      </p:nvGrpSpPr>
+      <p:grpSpPr>
+        <a:xfrm>
+          <a:off x="0" y="0"/>
+          <a:ext cx="0" cy="0"/>
+          <a:chOff x="0" y="0"/>
+          <a:chExt cx="0" cy="0"/>
+        </a:xfrm>
+      </p:grpSpPr>
+      <p:sp>
+        <p:nvSpPr>
+          <p:cNvPr id="2" name="Title 1">
+            <a:extLst>
+              <a:ext uri="{FF2B5EF4-FFF2-40B4-BE49-F238E27FC236}">
+                <a16:creationId xmlns:a16="http://schemas.microsoft.com/office/drawing/2014/main" id="{5124D36D-2164-E0C3-AE24-DE8EB9B0A036}"/>
+              </a:ext>
+            </a:extLst>
+          </p:cNvPr>
+          <p:cNvSpPr>
+            <a:spLocks noGrp="1"/>
+          </p:cNvSpPr>
+          <p:nvPr>
+            <p:ph type="title"/>
+          </p:nvPr>
+        </p:nvSpPr>
+        <p:spPr/>
+        <p:txBody>
+          <a:bodyPr/>
+          <a:lstStyle/>
+          <a:p>
+            <a:r>
+              <a:rPr lang="en-US"/>
+              <a:t>Choosing a Learning rate</a:t>
+            </a:r>
+            <a:endParaRPr lang="en-US" dirty="0"/>
+          </a:p>
+        </p:txBody>
+      </p:sp>
+      <p:pic>
+        <p:nvPicPr>
+          <p:cNvPr id="5" name="Google Shape;189;g22182353c72_0_6">
+            <a:extLst>
+              <a:ext uri="{FF2B5EF4-FFF2-40B4-BE49-F238E27FC236}">
+                <a16:creationId xmlns:a16="http://schemas.microsoft.com/office/drawing/2014/main" id="{52C936F6-A732-0996-C469-DF09E0395F43}"/>
+              </a:ext>
+            </a:extLst>
+          </p:cNvPr>
+          <p:cNvPicPr preferRelativeResize="0"/>
+          <p:nvPr/>
+        </p:nvPicPr>
+        <p:blipFill>
+          <a:blip r:embed="rId2">
+            <a:alphaModFix/>
+          </a:blip>
+          <a:stretch>
+            <a:fillRect/>
+          </a:stretch>
+        </p:blipFill>
+        <p:spPr>
+          <a:xfrm>
+            <a:off x="3591173" y="619326"/>
+            <a:ext cx="4869300" cy="3672023"/>
+          </a:xfrm>
+          <a:prstGeom prst="rect">
+            <a:avLst/>
+          </a:prstGeom>
+          <a:noFill/>
+          <a:ln>
+            <a:noFill/>
+          </a:ln>
+          <a:effectLst>
+            <a:softEdge rad="38100"/>
+          </a:effectLst>
+        </p:spPr>
+      </p:pic>
+    </p:spTree>
+    <p:extLst>
+      <p:ext uri="{BB962C8B-B14F-4D97-AF65-F5344CB8AC3E}">
+        <p14:creationId xmlns:p14="http://schemas.microsoft.com/office/powerpoint/2010/main" val="3583180840"/>
+      </p:ext>
+    </p:extLst>
+  </p:cSld>
+  <p:clrMapOvr>
+    <a:masterClrMapping/>
+  </p:clrMapOvr>
+</p:sld>
+</file>
+
+<file path=ppt/slides/slide15.xml><?xml version="1.0" encoding="utf-8"?>
+<p:sld xmlns:a="http://schemas.openxmlformats.org/drawingml/2006/main" xmlns:r="http://schemas.openxmlformats.org/officeDocument/2006/relationships" xmlns:p="http://schemas.openxmlformats.org/presentationml/2006/main">
+  <p:cSld>
+    <p:bg>
+      <p:bgPr>
+        <a:solidFill>
+          <a:schemeClr val="bg2"/>
+        </a:solidFill>
+        <a:effectLst/>
+      </p:bgPr>
+    </p:bg>
+    <p:spTree>
+      <p:nvGrpSpPr>
+        <p:cNvPr id="1" name=""/>
+        <p:cNvGrpSpPr/>
+        <p:nvPr/>
+      </p:nvGrpSpPr>
+      <p:grpSpPr>
+        <a:xfrm>
+          <a:off x="0" y="0"/>
+          <a:ext cx="0" cy="0"/>
+          <a:chOff x="0" y="0"/>
+          <a:chExt cx="0" cy="0"/>
+        </a:xfrm>
+      </p:grpSpPr>
+      <p:sp>
+        <p:nvSpPr>
+          <p:cNvPr id="2" name="Title 1">
+            <a:extLst>
+              <a:ext uri="{FF2B5EF4-FFF2-40B4-BE49-F238E27FC236}">
+                <a16:creationId xmlns:a16="http://schemas.microsoft.com/office/drawing/2014/main" id="{26C6556F-865F-7C51-F9E9-FA6FEA15A510}"/>
+              </a:ext>
+            </a:extLst>
+          </p:cNvPr>
+          <p:cNvSpPr>
+            <a:spLocks noGrp="1"/>
+          </p:cNvSpPr>
+          <p:nvPr>
+            <p:ph type="title"/>
+          </p:nvPr>
+        </p:nvSpPr>
+        <p:spPr/>
+        <p:txBody>
+          <a:bodyPr/>
+          <a:lstStyle/>
+          <a:p>
+            <a:r>
+              <a:rPr lang="en-US"/>
+              <a:t>Model training</a:t>
+            </a:r>
+            <a:endParaRPr lang="en-US" dirty="0"/>
+          </a:p>
+        </p:txBody>
+      </p:sp>
+      <p:pic>
+        <p:nvPicPr>
+          <p:cNvPr id="5" name="Google Shape;197;g22182353c72_0_13">
+            <a:extLst>
+              <a:ext uri="{FF2B5EF4-FFF2-40B4-BE49-F238E27FC236}">
+                <a16:creationId xmlns:a16="http://schemas.microsoft.com/office/drawing/2014/main" id="{74DAC59A-7C21-7B49-2267-6EAEEFE3AC6B}"/>
+              </a:ext>
+            </a:extLst>
+          </p:cNvPr>
+          <p:cNvPicPr preferRelativeResize="0"/>
+          <p:nvPr/>
+        </p:nvPicPr>
+        <p:blipFill>
+          <a:blip r:embed="rId2">
+            <a:alphaModFix/>
+          </a:blip>
+          <a:stretch>
+            <a:fillRect/>
+          </a:stretch>
+        </p:blipFill>
+        <p:spPr>
+          <a:xfrm>
+            <a:off x="3480874" y="555028"/>
+            <a:ext cx="5078335" cy="4033443"/>
+          </a:xfrm>
+          <a:prstGeom prst="rect">
+            <a:avLst/>
+          </a:prstGeom>
+          <a:noFill/>
+          <a:ln>
+            <a:noFill/>
+          </a:ln>
+          <a:effectLst>
+            <a:softEdge rad="38100"/>
+          </a:effectLst>
+        </p:spPr>
+      </p:pic>
+    </p:spTree>
+    <p:extLst>
+      <p:ext uri="{BB962C8B-B14F-4D97-AF65-F5344CB8AC3E}">
+        <p14:creationId xmlns:p14="http://schemas.microsoft.com/office/powerpoint/2010/main" val="3556147711"/>
+      </p:ext>
+    </p:extLst>
+  </p:cSld>
+  <p:clrMapOvr>
+    <a:masterClrMapping/>
+  </p:clrMapOvr>
+</p:sld>
+</file>
+
+<file path=ppt/slides/slide16.xml><?xml version="1.0" encoding="utf-8"?>
+<p:sld xmlns:a="http://schemas.openxmlformats.org/drawingml/2006/main" xmlns:r="http://schemas.openxmlformats.org/officeDocument/2006/relationships" xmlns:p="http://schemas.openxmlformats.org/presentationml/2006/main">
+  <p:cSld>
+    <p:bg>
+      <p:bgPr>
+        <a:solidFill>
+          <a:schemeClr val="bg2"/>
+        </a:solidFill>
+        <a:effectLst/>
+      </p:bgPr>
+    </p:bg>
+    <p:spTree>
+      <p:nvGrpSpPr>
+        <p:cNvPr id="1" name=""/>
+        <p:cNvGrpSpPr/>
+        <p:nvPr/>
+      </p:nvGrpSpPr>
+      <p:grpSpPr>
+        <a:xfrm>
+          <a:off x="0" y="0"/>
+          <a:ext cx="0" cy="0"/>
+          <a:chOff x="0" y="0"/>
+          <a:chExt cx="0" cy="0"/>
+        </a:xfrm>
+      </p:grpSpPr>
+      <p:sp>
+        <p:nvSpPr>
+          <p:cNvPr id="2" name="Title 1">
+            <a:extLst>
+              <a:ext uri="{FF2B5EF4-FFF2-40B4-BE49-F238E27FC236}">
+                <a16:creationId xmlns:a16="http://schemas.microsoft.com/office/drawing/2014/main" id="{70F26971-A1AD-A6F4-8035-FDFF02703864}"/>
+              </a:ext>
+            </a:extLst>
+          </p:cNvPr>
+          <p:cNvSpPr>
+            <a:spLocks noGrp="1"/>
+          </p:cNvSpPr>
+          <p:nvPr>
+            <p:ph type="title"/>
+          </p:nvPr>
+        </p:nvSpPr>
+        <p:spPr>
+          <a:xfrm>
+            <a:off x="822960" y="3806189"/>
+            <a:ext cx="7585234" cy="983777"/>
+          </a:xfrm>
+        </p:spPr>
+        <p:txBody>
+          <a:bodyPr/>
+          <a:lstStyle/>
+          <a:p>
+            <a:r>
+              <a:rPr lang="en-US" dirty="0"/>
+              <a:t>Test predicted and actual value</a:t>
+            </a:r>
+          </a:p>
+        </p:txBody>
+      </p:sp>
+      <p:pic>
+        <p:nvPicPr>
+          <p:cNvPr id="5" name="Google Shape;205;g22182353c72_0_20">
+            <a:extLst>
+              <a:ext uri="{FF2B5EF4-FFF2-40B4-BE49-F238E27FC236}">
+                <a16:creationId xmlns:a16="http://schemas.microsoft.com/office/drawing/2014/main" id="{CAAB7AFA-DB76-32C2-917E-60365BCC0267}"/>
+              </a:ext>
+            </a:extLst>
+          </p:cNvPr>
+          <p:cNvPicPr preferRelativeResize="0"/>
+          <p:nvPr/>
+        </p:nvPicPr>
+        <p:blipFill>
+          <a:blip r:embed="rId2">
+            <a:alphaModFix/>
+          </a:blip>
+          <a:stretch>
+            <a:fillRect/>
+          </a:stretch>
+        </p:blipFill>
+        <p:spPr>
+          <a:xfrm>
+            <a:off x="513403" y="455472"/>
+            <a:ext cx="4475269" cy="2802850"/>
+          </a:xfrm>
+          <a:prstGeom prst="rect">
+            <a:avLst/>
+          </a:prstGeom>
+          <a:noFill/>
+          <a:ln>
+            <a:noFill/>
+          </a:ln>
+          <a:effectLst>
+            <a:softEdge rad="38100"/>
+          </a:effectLst>
+        </p:spPr>
+      </p:pic>
+      <p:pic>
+        <p:nvPicPr>
+          <p:cNvPr id="6" name="Google Shape;206;g22182353c72_0_20">
+            <a:extLst>
+              <a:ext uri="{FF2B5EF4-FFF2-40B4-BE49-F238E27FC236}">
+                <a16:creationId xmlns:a16="http://schemas.microsoft.com/office/drawing/2014/main" id="{595CC5B6-6977-1F14-5981-E914CEDC9BCF}"/>
+              </a:ext>
+            </a:extLst>
+          </p:cNvPr>
+          <p:cNvPicPr preferRelativeResize="0"/>
+          <p:nvPr/>
+        </p:nvPicPr>
+        <p:blipFill>
+          <a:blip r:embed="rId3">
+            <a:alphaModFix/>
+          </a:blip>
+          <a:stretch>
+            <a:fillRect/>
+          </a:stretch>
+        </p:blipFill>
+        <p:spPr>
+          <a:xfrm>
+            <a:off x="6813570" y="398322"/>
+            <a:ext cx="967123" cy="2917150"/>
+          </a:xfrm>
+          <a:prstGeom prst="rect">
+            <a:avLst/>
+          </a:prstGeom>
+          <a:noFill/>
+          <a:ln>
+            <a:noFill/>
+          </a:ln>
+          <a:effectLst>
+            <a:softEdge rad="38100"/>
+          </a:effectLst>
+        </p:spPr>
+      </p:pic>
+    </p:spTree>
+    <p:extLst>
+      <p:ext uri="{BB962C8B-B14F-4D97-AF65-F5344CB8AC3E}">
+        <p14:creationId xmlns:p14="http://schemas.microsoft.com/office/powerpoint/2010/main" val="676433920"/>
+      </p:ext>
+    </p:extLst>
+  </p:cSld>
+  <p:clrMapOvr>
+    <a:masterClrMapping/>
+  </p:clrMapOvr>
+</p:sld>
+</file>
+
+<file path=ppt/slides/slide17.xml><?xml version="1.0" encoding="utf-8"?>
+<p:sld xmlns:a="http://schemas.openxmlformats.org/drawingml/2006/main" xmlns:r="http://schemas.openxmlformats.org/officeDocument/2006/relationships" xmlns:p="http://schemas.openxmlformats.org/presentationml/2006/main">
+  <p:cSld>
+    <p:bg>
+      <p:bgPr>
+        <a:solidFill>
+          <a:schemeClr val="bg2"/>
+        </a:solidFill>
+        <a:effectLst/>
+      </p:bgPr>
+    </p:bg>
+    <p:spTree>
+      <p:nvGrpSpPr>
+        <p:cNvPr id="1" name=""/>
+        <p:cNvGrpSpPr/>
+        <p:nvPr/>
+      </p:nvGrpSpPr>
+      <p:grpSpPr>
+        <a:xfrm>
+          <a:off x="0" y="0"/>
+          <a:ext cx="0" cy="0"/>
+          <a:chOff x="0" y="0"/>
+          <a:chExt cx="0" cy="0"/>
+        </a:xfrm>
+      </p:grpSpPr>
+      <p:sp>
+        <p:nvSpPr>
+          <p:cNvPr id="2" name="Title 1">
+            <a:extLst>
+              <a:ext uri="{FF2B5EF4-FFF2-40B4-BE49-F238E27FC236}">
+                <a16:creationId xmlns:a16="http://schemas.microsoft.com/office/drawing/2014/main" id="{D7A33DAA-BC8A-1FFD-C424-C48DEB36B72E}"/>
+              </a:ext>
+            </a:extLst>
+          </p:cNvPr>
+          <p:cNvSpPr>
+            <a:spLocks noGrp="1"/>
+          </p:cNvSpPr>
+          <p:nvPr>
+            <p:ph type="title"/>
+          </p:nvPr>
+        </p:nvSpPr>
+        <p:spPr/>
+        <p:txBody>
+          <a:bodyPr/>
+          <a:lstStyle/>
+          <a:p>
+            <a:r>
+              <a:rPr lang="en-US" dirty="0"/>
+              <a:t>Dimension Reduction Methods</a:t>
+            </a:r>
+          </a:p>
+        </p:txBody>
+      </p:sp>
+      <p:sp>
+        <p:nvSpPr>
+          <p:cNvPr id="5" name="Google Shape;212;g22182353c72_0_41">
+            <a:extLst>
+              <a:ext uri="{FF2B5EF4-FFF2-40B4-BE49-F238E27FC236}">
+                <a16:creationId xmlns:a16="http://schemas.microsoft.com/office/drawing/2014/main" id="{CA7C3FD4-3CAA-83D8-5591-A85422AE2873}"/>
+              </a:ext>
+            </a:extLst>
+          </p:cNvPr>
+          <p:cNvSpPr txBox="1">
+            <a:spLocks/>
+          </p:cNvSpPr>
+          <p:nvPr/>
+        </p:nvSpPr>
+        <p:spPr>
+          <a:xfrm>
+            <a:off x="3600450" y="500665"/>
+            <a:ext cx="5455118" cy="1766862"/>
+          </a:xfrm>
+          <a:prstGeom prst="rect">
+            <a:avLst/>
+          </a:prstGeom>
+        </p:spPr>
+        <p:txBody>
+          <a:bodyPr spcFirstLastPara="1" vert="horz" wrap="square" lIns="0" tIns="45700" rIns="0" bIns="45700" rtlCol="0" anchor="t" anchorCtr="0">
+            <a:normAutofit/>
+          </a:bodyPr>
+          <a:lstStyle>
+            <a:lvl1pPr marL="68580" indent="-68580" algn="l" defTabSz="685800" rtl="0" eaLnBrk="1" latinLnBrk="0" hangingPunct="1">
+              <a:lnSpc>
+                <a:spcPct val="90000"/>
+              </a:lnSpc>
+              <a:spcBef>
+                <a:spcPts val="900"/>
+              </a:spcBef>
+              <a:spcAft>
+                <a:spcPts val="150"/>
+              </a:spcAft>
+              <a:buClr>
+                <a:schemeClr val="accent1"/>
+              </a:buClr>
+              <a:buSzPct val="100000"/>
+              <a:buFont typeface="Calibri" panose="020F0502020204030204" pitchFamily="34" charset="0"/>
+              <a:buChar char=" "/>
+              <a:defRPr sz="1500" kern="1200">
+                <a:solidFill>
+                  <a:schemeClr val="tx1">
+                    <a:lumMod val="75000"/>
+                    <a:lumOff val="25000"/>
+                  </a:schemeClr>
+                </a:solidFill>
+                <a:latin typeface="+mn-lt"/>
+                <a:ea typeface="+mn-ea"/>
+                <a:cs typeface="+mn-cs"/>
+              </a:defRPr>
+            </a:lvl1pPr>
+            <a:lvl2pPr marL="288036" indent="-137160" algn="l" defTabSz="685800" rtl="0" eaLnBrk="1" latinLnBrk="0" hangingPunct="1">
+              <a:lnSpc>
+                <a:spcPct val="90000"/>
+              </a:lnSpc>
+              <a:spcBef>
+                <a:spcPts val="150"/>
+              </a:spcBef>
+              <a:spcAft>
+                <a:spcPts val="300"/>
+              </a:spcAft>
+              <a:buClr>
+                <a:schemeClr val="accent1"/>
+              </a:buClr>
+              <a:buFont typeface="Calibri" pitchFamily="34" charset="0"/>
+              <a:buChar char="◦"/>
+              <a:defRPr sz="1350" kern="1200">
+                <a:solidFill>
+                  <a:schemeClr val="tx1">
+                    <a:lumMod val="75000"/>
+                    <a:lumOff val="25000"/>
+                  </a:schemeClr>
+                </a:solidFill>
+                <a:latin typeface="+mn-lt"/>
+                <a:ea typeface="+mn-ea"/>
+                <a:cs typeface="+mn-cs"/>
+              </a:defRPr>
+            </a:lvl2pPr>
+            <a:lvl3pPr marL="425196" indent="-137160" algn="l" defTabSz="685800" rtl="0" eaLnBrk="1" latinLnBrk="0" hangingPunct="1">
+              <a:lnSpc>
+                <a:spcPct val="90000"/>
+              </a:lnSpc>
+              <a:spcBef>
+                <a:spcPts val="150"/>
+              </a:spcBef>
+              <a:spcAft>
+                <a:spcPts val="300"/>
+              </a:spcAft>
+              <a:buClr>
+                <a:schemeClr val="accent1"/>
+              </a:buClr>
+              <a:buFont typeface="Calibri" pitchFamily="34" charset="0"/>
+              <a:buChar char="◦"/>
+              <a:defRPr sz="1050" kern="1200">
+                <a:solidFill>
+                  <a:schemeClr val="tx1">
+                    <a:lumMod val="75000"/>
+                    <a:lumOff val="25000"/>
+                  </a:schemeClr>
+                </a:solidFill>
+                <a:latin typeface="+mn-lt"/>
+                <a:ea typeface="+mn-ea"/>
+                <a:cs typeface="+mn-cs"/>
+              </a:defRPr>
+            </a:lvl3pPr>
+            <a:lvl4pPr marL="562356" indent="-137160" algn="l" defTabSz="685800" rtl="0" eaLnBrk="1" latinLnBrk="0" hangingPunct="1">
+              <a:lnSpc>
+                <a:spcPct val="90000"/>
+              </a:lnSpc>
+              <a:spcBef>
+                <a:spcPts val="150"/>
+              </a:spcBef>
+              <a:spcAft>
+                <a:spcPts val="300"/>
+              </a:spcAft>
+              <a:buClr>
+                <a:schemeClr val="accent1"/>
+              </a:buClr>
+              <a:buFont typeface="Calibri" pitchFamily="34" charset="0"/>
+              <a:buChar char="◦"/>
+              <a:defRPr sz="1050" kern="1200">
+                <a:solidFill>
+                  <a:schemeClr val="tx1">
+                    <a:lumMod val="75000"/>
+                    <a:lumOff val="25000"/>
+                  </a:schemeClr>
+                </a:solidFill>
+                <a:latin typeface="+mn-lt"/>
+                <a:ea typeface="+mn-ea"/>
+                <a:cs typeface="+mn-cs"/>
+              </a:defRPr>
+            </a:lvl4pPr>
+            <a:lvl5pPr marL="699516" indent="-137160" algn="l" defTabSz="685800" rtl="0" eaLnBrk="1" latinLnBrk="0" hangingPunct="1">
+              <a:lnSpc>
+                <a:spcPct val="90000"/>
+              </a:lnSpc>
+              <a:spcBef>
+                <a:spcPts val="150"/>
+              </a:spcBef>
+              <a:spcAft>
+                <a:spcPts val="300"/>
+              </a:spcAft>
+              <a:buClr>
+                <a:schemeClr val="accent1"/>
+              </a:buClr>
+              <a:buFont typeface="Calibri" pitchFamily="34" charset="0"/>
+              <a:buChar char="◦"/>
+              <a:defRPr sz="1050" kern="1200">
+                <a:solidFill>
+                  <a:schemeClr val="tx1">
+                    <a:lumMod val="75000"/>
+                    <a:lumOff val="25000"/>
+                  </a:schemeClr>
+                </a:solidFill>
+                <a:latin typeface="+mn-lt"/>
+                <a:ea typeface="+mn-ea"/>
+                <a:cs typeface="+mn-cs"/>
+              </a:defRPr>
+            </a:lvl5pPr>
+            <a:lvl6pPr marL="825000" indent="-171450" algn="l" defTabSz="685800" rtl="0" eaLnBrk="1" latinLnBrk="0" hangingPunct="1">
+              <a:lnSpc>
+                <a:spcPct val="90000"/>
+              </a:lnSpc>
+              <a:spcBef>
+                <a:spcPts val="150"/>
+              </a:spcBef>
+              <a:spcAft>
+                <a:spcPts val="300"/>
+              </a:spcAft>
+              <a:buClr>
+                <a:schemeClr val="accent1"/>
+              </a:buClr>
+              <a:buFont typeface="Calibri" pitchFamily="34" charset="0"/>
+              <a:buChar char="◦"/>
+              <a:defRPr sz="1050" kern="1200">
+                <a:solidFill>
+                  <a:schemeClr val="tx1">
+                    <a:lumMod val="75000"/>
+                    <a:lumOff val="25000"/>
+                  </a:schemeClr>
+                </a:solidFill>
+                <a:latin typeface="+mn-lt"/>
+                <a:ea typeface="+mn-ea"/>
+                <a:cs typeface="+mn-cs"/>
+              </a:defRPr>
+            </a:lvl6pPr>
+            <a:lvl7pPr marL="975000" indent="-171450" algn="l" defTabSz="685800" rtl="0" eaLnBrk="1" latinLnBrk="0" hangingPunct="1">
+              <a:lnSpc>
+                <a:spcPct val="90000"/>
+              </a:lnSpc>
+              <a:spcBef>
+                <a:spcPts val="150"/>
+              </a:spcBef>
+              <a:spcAft>
+                <a:spcPts val="300"/>
+              </a:spcAft>
+              <a:buClr>
+                <a:schemeClr val="accent1"/>
+              </a:buClr>
+              <a:buFont typeface="Calibri" pitchFamily="34" charset="0"/>
+              <a:buChar char="◦"/>
+              <a:defRPr sz="1050" kern="1200">
+                <a:solidFill>
+                  <a:schemeClr val="tx1">
+                    <a:lumMod val="75000"/>
+                    <a:lumOff val="25000"/>
+                  </a:schemeClr>
+                </a:solidFill>
+                <a:latin typeface="+mn-lt"/>
+                <a:ea typeface="+mn-ea"/>
+                <a:cs typeface="+mn-cs"/>
+              </a:defRPr>
+            </a:lvl7pPr>
+            <a:lvl8pPr marL="1125000" indent="-171450" algn="l" defTabSz="685800" rtl="0" eaLnBrk="1" latinLnBrk="0" hangingPunct="1">
+              <a:lnSpc>
+                <a:spcPct val="90000"/>
+              </a:lnSpc>
+              <a:spcBef>
+                <a:spcPts val="150"/>
+              </a:spcBef>
+              <a:spcAft>
+                <a:spcPts val="300"/>
+              </a:spcAft>
+              <a:buClr>
+                <a:schemeClr val="accent1"/>
+              </a:buClr>
+              <a:buFont typeface="Calibri" pitchFamily="34" charset="0"/>
+              <a:buChar char="◦"/>
+              <a:defRPr sz="1050" kern="1200">
+                <a:solidFill>
+                  <a:schemeClr val="tx1">
+                    <a:lumMod val="75000"/>
+                    <a:lumOff val="25000"/>
+                  </a:schemeClr>
+                </a:solidFill>
+                <a:latin typeface="+mn-lt"/>
+                <a:ea typeface="+mn-ea"/>
+                <a:cs typeface="+mn-cs"/>
+              </a:defRPr>
+            </a:lvl8pPr>
+            <a:lvl9pPr marL="1275000" indent="-171450" algn="l" defTabSz="685800" rtl="0" eaLnBrk="1" latinLnBrk="0" hangingPunct="1">
+              <a:lnSpc>
+                <a:spcPct val="90000"/>
+              </a:lnSpc>
+              <a:spcBef>
+                <a:spcPts val="150"/>
+              </a:spcBef>
+              <a:spcAft>
+                <a:spcPts val="300"/>
+              </a:spcAft>
+              <a:buClr>
+                <a:schemeClr val="accent1"/>
+              </a:buClr>
+              <a:buFont typeface="Calibri" pitchFamily="34" charset="0"/>
+              <a:buChar char="◦"/>
+              <a:defRPr sz="1050" kern="1200">
+                <a:solidFill>
+                  <a:schemeClr val="tx1">
+                    <a:lumMod val="75000"/>
+                    <a:lumOff val="25000"/>
+                  </a:schemeClr>
+                </a:solidFill>
+                <a:latin typeface="+mn-lt"/>
+                <a:ea typeface="+mn-ea"/>
+                <a:cs typeface="+mn-cs"/>
+              </a:defRPr>
+            </a:lvl9pPr>
+          </a:lstStyle>
+          <a:p>
+            <a:pPr marL="457200" indent="-342900">
+              <a:spcAft>
+                <a:spcPts val="0"/>
+              </a:spcAft>
+              <a:buClr>
+                <a:srgbClr val="292929"/>
+              </a:buClr>
+              <a:buSzPts val="1800"/>
+              <a:buFont typeface="Georgia"/>
+              <a:buAutoNum type="arabicPeriod"/>
+            </a:pPr>
+            <a:r>
+              <a:rPr lang="en-US" sz="1600" dirty="0">
+                <a:solidFill>
+                  <a:srgbClr val="292929"/>
+                </a:solidFill>
+                <a:latin typeface="Georgia"/>
+                <a:ea typeface="Georgia"/>
+                <a:cs typeface="Georgia"/>
+                <a:sym typeface="Georgia"/>
+              </a:rPr>
+              <a:t>t-Distributed Stochastic Neighbor Embedding (TSNE)</a:t>
+            </a:r>
+          </a:p>
+          <a:p>
+            <a:pPr marL="457200" indent="-342900">
+              <a:spcAft>
+                <a:spcPts val="0"/>
+              </a:spcAft>
+              <a:buClr>
+                <a:srgbClr val="292929"/>
+              </a:buClr>
+              <a:buSzPts val="1800"/>
+              <a:buFont typeface="Georgia"/>
+              <a:buAutoNum type="arabicPeriod"/>
+            </a:pPr>
+            <a:endParaRPr lang="en-US" sz="1600" dirty="0">
+              <a:solidFill>
+                <a:srgbClr val="292929"/>
+              </a:solidFill>
+              <a:latin typeface="Georgia"/>
+              <a:ea typeface="Georgia"/>
+              <a:cs typeface="Georgia"/>
+              <a:sym typeface="Georgia"/>
+            </a:endParaRPr>
+          </a:p>
+          <a:p>
+            <a:pPr marL="457200" indent="-342900">
+              <a:spcBef>
+                <a:spcPts val="0"/>
+              </a:spcBef>
+              <a:spcAft>
+                <a:spcPts val="0"/>
+              </a:spcAft>
+              <a:buClr>
+                <a:srgbClr val="292929"/>
+              </a:buClr>
+              <a:buSzPts val="1800"/>
+              <a:buFont typeface="Georgia"/>
+              <a:buAutoNum type="arabicPeriod"/>
+            </a:pPr>
+            <a:r>
+              <a:rPr lang="en-US" sz="1600" dirty="0">
+                <a:solidFill>
+                  <a:srgbClr val="292929"/>
+                </a:solidFill>
+                <a:latin typeface="Georgia"/>
+                <a:ea typeface="Georgia"/>
+                <a:cs typeface="Georgia"/>
+                <a:sym typeface="Georgia"/>
+              </a:rPr>
+              <a:t>Principal component analysis-PCA</a:t>
+            </a:r>
+          </a:p>
+          <a:p>
+            <a:pPr marL="457200" indent="-342900">
+              <a:spcBef>
+                <a:spcPts val="0"/>
+              </a:spcBef>
+              <a:spcAft>
+                <a:spcPts val="0"/>
+              </a:spcAft>
+              <a:buClr>
+                <a:srgbClr val="292929"/>
+              </a:buClr>
+              <a:buSzPts val="1800"/>
+              <a:buFont typeface="Georgia"/>
+              <a:buAutoNum type="arabicPeriod"/>
+            </a:pPr>
+            <a:endParaRPr lang="en-US" sz="1600" dirty="0">
+              <a:solidFill>
+                <a:srgbClr val="292929"/>
+              </a:solidFill>
+              <a:latin typeface="Georgia"/>
+              <a:ea typeface="Georgia"/>
+              <a:cs typeface="Georgia"/>
+              <a:sym typeface="Georgia"/>
+            </a:endParaRPr>
+          </a:p>
+          <a:p>
+            <a:pPr marL="457200" indent="-342900">
+              <a:spcBef>
+                <a:spcPts val="0"/>
+              </a:spcBef>
+              <a:spcAft>
+                <a:spcPts val="0"/>
+              </a:spcAft>
+              <a:buClr>
+                <a:srgbClr val="292929"/>
+              </a:buClr>
+              <a:buSzPts val="1800"/>
+              <a:buFont typeface="Georgia"/>
+              <a:buAutoNum type="arabicPeriod"/>
+            </a:pPr>
+            <a:r>
+              <a:rPr lang="en-US" sz="1600" dirty="0">
+                <a:solidFill>
+                  <a:srgbClr val="292929"/>
+                </a:solidFill>
+                <a:latin typeface="Georgia"/>
+                <a:ea typeface="Georgia"/>
+                <a:cs typeface="Georgia"/>
+                <a:sym typeface="Georgia"/>
+              </a:rPr>
+              <a:t>Uniform Manifold Approximation and Projection, UMAP</a:t>
+            </a:r>
+          </a:p>
+        </p:txBody>
+      </p:sp>
+      <p:sp>
+        <p:nvSpPr>
+          <p:cNvPr id="6" name="TextBox 5">
+            <a:extLst>
+              <a:ext uri="{FF2B5EF4-FFF2-40B4-BE49-F238E27FC236}">
+                <a16:creationId xmlns:a16="http://schemas.microsoft.com/office/drawing/2014/main" id="{17F2E3FE-FB68-5F90-B43D-D389EC22FF3C}"/>
+              </a:ext>
+            </a:extLst>
+          </p:cNvPr>
+          <p:cNvSpPr txBox="1"/>
+          <p:nvPr/>
+        </p:nvSpPr>
+        <p:spPr>
+          <a:xfrm>
+            <a:off x="7398328" y="2224401"/>
+            <a:ext cx="948229" cy="369332"/>
+          </a:xfrm>
+          <a:prstGeom prst="rect">
+            <a:avLst/>
+          </a:prstGeom>
+          <a:noFill/>
+        </p:spPr>
+        <p:txBody>
+          <a:bodyPr wrap="square" rtlCol="0">
+            <a:spAutoFit/>
+          </a:bodyPr>
+          <a:lstStyle/>
+          <a:p>
+            <a:r>
+              <a:rPr lang="en-US" dirty="0">
+                <a:hlinkClick r:id="rId2"/>
+              </a:rPr>
+              <a:t>Source</a:t>
+            </a:r>
+            <a:endParaRPr lang="en-US" dirty="0"/>
+          </a:p>
+        </p:txBody>
+      </p:sp>
+    </p:spTree>
+    <p:extLst>
+      <p:ext uri="{BB962C8B-B14F-4D97-AF65-F5344CB8AC3E}">
+        <p14:creationId xmlns:p14="http://schemas.microsoft.com/office/powerpoint/2010/main" val="4254735555"/>
+      </p:ext>
+    </p:extLst>
+  </p:cSld>
+  <p:clrMapOvr>
+    <a:masterClrMapping/>
+  </p:clrMapOvr>
+</p:sld>
+</file>
+
+<file path=ppt/slides/slide18.xml><?xml version="1.0" encoding="utf-8"?>
+<p:sld xmlns:a="http://schemas.openxmlformats.org/drawingml/2006/main" xmlns:r="http://schemas.openxmlformats.org/officeDocument/2006/relationships" xmlns:p="http://schemas.openxmlformats.org/presentationml/2006/main" show="0">
+  <p:cSld>
+    <p:bg>
+      <p:bgPr>
+        <a:solidFill>
+          <a:schemeClr val="bg1"/>
+        </a:solidFill>
+        <a:effectLst/>
+      </p:bgPr>
+    </p:bg>
+    <p:spTree>
+      <p:nvGrpSpPr>
+        <p:cNvPr id="1" name=""/>
+        <p:cNvGrpSpPr/>
+        <p:nvPr/>
+      </p:nvGrpSpPr>
+      <p:grpSpPr>
+        <a:xfrm>
+          <a:off x="0" y="0"/>
+          <a:ext cx="0" cy="0"/>
+          <a:chOff x="0" y="0"/>
+          <a:chExt cx="0" cy="0"/>
+        </a:xfrm>
+      </p:grpSpPr>
+      <p:sp>
+        <p:nvSpPr>
+          <p:cNvPr id="8" name="Rectangle 7">
+            <a:extLst>
+              <a:ext uri="{FF2B5EF4-FFF2-40B4-BE49-F238E27FC236}">
+                <a16:creationId xmlns:a16="http://schemas.microsoft.com/office/drawing/2014/main" id="{13FE9996-7EAC-4679-B37D-C1045F42F954}"/>
+              </a:ext>
+              <a:ext uri="{C183D7F6-B498-43B3-948B-1728B52AA6E4}">
+                <adec:decorative xmlns:adec="http://schemas.microsoft.com/office/drawing/2017/decorative" val="1"/>
+              </a:ext>
+            </a:extLst>
+          </p:cNvPr>
+          <p:cNvSpPr>
+            <a:spLocks noGrp="1" noRot="1" noChangeAspect="1" noMove="1" noResize="1" noEditPoints="1" noAdjustHandles="1" noChangeArrowheads="1" noChangeShapeType="1" noTextEdit="1"/>
+          </p:cNvSpPr>
+          <p:nvPr>
+            <p:extLst>
+              <p:ext uri="{386F3935-93C4-4BCD-93E2-E3B085C9AB24}">
+                <p16:designElem xmlns:p16="http://schemas.microsoft.com/office/powerpoint/2015/main" val="1"/>
+              </p:ext>
+            </p:extLst>
+          </p:nvPr>
+        </p:nvSpPr>
+        <p:spPr>
+          <a:xfrm>
+            <a:off x="0" y="4800600"/>
+            <a:ext cx="9144000" cy="342900"/>
+          </a:xfrm>
+          <a:prstGeom prst="rect">
+            <a:avLst/>
+          </a:prstGeom>
+          <a:solidFill>
+            <a:schemeClr val="accent2"/>
+          </a:solidFill>
+          <a:ln>
+            <a:noFill/>
+          </a:ln>
+        </p:spPr>
+        <p:style>
+          <a:lnRef idx="2">
+            <a:schemeClr val="accent1">
+              <a:shade val="50000"/>
+            </a:schemeClr>
+          </a:lnRef>
+          <a:fillRef idx="1">
+            <a:schemeClr val="accent1"/>
+          </a:fillRef>
+          <a:effectRef idx="0">
+            <a:schemeClr val="accent1"/>
+          </a:effectRef>
+          <a:fontRef idx="minor">
+            <a:schemeClr val="lt1"/>
+          </a:fontRef>
+        </p:style>
+      </p:sp>
+      <p:sp>
+        <p:nvSpPr>
+          <p:cNvPr id="10" name="Rectangle 9">
+            <a:extLst>
+              <a:ext uri="{FF2B5EF4-FFF2-40B4-BE49-F238E27FC236}">
+                <a16:creationId xmlns:a16="http://schemas.microsoft.com/office/drawing/2014/main" id="{761DF1FE-5CC8-43D2-A76C-93C76EEDE1E9}"/>
+              </a:ext>
+              <a:ext uri="{C183D7F6-B498-43B3-948B-1728B52AA6E4}">
+                <adec:decorative xmlns:adec="http://schemas.microsoft.com/office/drawing/2017/decorative" val="1"/>
+              </a:ext>
+            </a:extLst>
+          </p:cNvPr>
+          <p:cNvSpPr>
+            <a:spLocks noGrp="1" noRot="1" noChangeAspect="1" noMove="1" noResize="1" noEditPoints="1" noAdjustHandles="1" noChangeArrowheads="1" noChangeShapeType="1" noTextEdit="1"/>
+          </p:cNvSpPr>
+          <p:nvPr>
+            <p:extLst>
+              <p:ext uri="{386F3935-93C4-4BCD-93E2-E3B085C9AB24}">
+                <p16:designElem xmlns:p16="http://schemas.microsoft.com/office/powerpoint/2015/main" val="1"/>
+              </p:ext>
+            </p:extLst>
+          </p:nvPr>
+        </p:nvSpPr>
+        <p:spPr>
+          <a:xfrm>
+            <a:off x="0" y="4750737"/>
+            <a:ext cx="9144000" cy="49498"/>
+          </a:xfrm>
+          <a:prstGeom prst="rect">
+            <a:avLst/>
+          </a:prstGeom>
+          <a:solidFill>
+            <a:schemeClr val="accent1"/>
+          </a:solidFill>
+          <a:ln>
+            <a:noFill/>
+          </a:ln>
+        </p:spPr>
+        <p:style>
+          <a:lnRef idx="2">
+            <a:schemeClr val="accent1">
+              <a:shade val="50000"/>
+            </a:schemeClr>
+          </a:lnRef>
+          <a:fillRef idx="1">
+            <a:schemeClr val="accent1"/>
+          </a:fillRef>
+          <a:effectRef idx="0">
+            <a:schemeClr val="accent1"/>
+          </a:effectRef>
+          <a:fontRef idx="minor">
+            <a:schemeClr val="lt1"/>
+          </a:fontRef>
+        </p:style>
+      </p:sp>
+      <p:cxnSp>
+        <p:nvCxnSpPr>
+          <p:cNvPr id="12" name="Straight Connector 11">
+            <a:extLst>
+              <a:ext uri="{FF2B5EF4-FFF2-40B4-BE49-F238E27FC236}">
+                <a16:creationId xmlns:a16="http://schemas.microsoft.com/office/drawing/2014/main" id="{E161BEBD-A23C-409E-ABC7-73F9EDC02F20}"/>
+              </a:ext>
+              <a:ext uri="{C183D7F6-B498-43B3-948B-1728B52AA6E4}">
+                <adec:decorative xmlns:adec="http://schemas.microsoft.com/office/drawing/2017/decorative" val="1"/>
+              </a:ext>
+            </a:extLst>
+          </p:cNvPr>
+          <p:cNvCxnSpPr>
+            <a:cxnSpLocks noGrp="1" noRot="1" noChangeAspect="1" noMove="1" noResize="1" noEditPoints="1" noAdjustHandles="1" noChangeArrowheads="1" noChangeShapeType="1"/>
+          </p:cNvCxnSpPr>
+          <p:nvPr>
+            <p:extLst>
+              <p:ext uri="{386F3935-93C4-4BCD-93E2-E3B085C9AB24}">
+                <p16:designElem xmlns:p16="http://schemas.microsoft.com/office/powerpoint/2015/main" val="1"/>
+              </p:ext>
+            </p:extLst>
+          </p:nvPr>
+        </p:nvCxnSpPr>
+        <p:spPr>
+          <a:xfrm>
+            <a:off x="895149" y="1303383"/>
+            <a:ext cx="7475220" cy="0"/>
+          </a:xfrm>
+          <a:prstGeom prst="line">
+            <a:avLst/>
+          </a:prstGeom>
+          <a:ln w="6350">
+            <a:solidFill>
+              <a:schemeClr val="tx1">
+                <a:lumMod val="50000"/>
+                <a:lumOff val="50000"/>
+              </a:schemeClr>
+            </a:solidFill>
+          </a:ln>
+        </p:spPr>
+        <p:style>
+          <a:lnRef idx="1">
+            <a:schemeClr val="accent1"/>
+          </a:lnRef>
+          <a:fillRef idx="0">
+            <a:schemeClr val="accent1"/>
+          </a:fillRef>
+          <a:effectRef idx="0">
+            <a:schemeClr val="accent1"/>
+          </a:effectRef>
+          <a:fontRef idx="minor">
+            <a:schemeClr val="tx1"/>
+          </a:fontRef>
+        </p:style>
+      </p:cxnSp>
+      <p:sp useBgFill="1">
+        <p:nvSpPr>
+          <p:cNvPr id="14" name="Rectangle 13">
+            <a:extLst>
+              <a:ext uri="{FF2B5EF4-FFF2-40B4-BE49-F238E27FC236}">
+                <a16:creationId xmlns:a16="http://schemas.microsoft.com/office/drawing/2014/main" id="{35230A27-1553-42F8-99D7-829868E13715}"/>
+              </a:ext>
+              <a:ext uri="{C183D7F6-B498-43B3-948B-1728B52AA6E4}">
+                <adec:decorative xmlns:adec="http://schemas.microsoft.com/office/drawing/2017/decorative" val="1"/>
+              </a:ext>
+            </a:extLst>
+          </p:cNvPr>
+          <p:cNvSpPr>
+            <a:spLocks noGrp="1" noRot="1" noChangeAspect="1" noMove="1" noResize="1" noEditPoints="1" noAdjustHandles="1" noChangeArrowheads="1" noChangeShapeType="1" noTextEdit="1"/>
+          </p:cNvSpPr>
+          <p:nvPr>
+            <p:extLst>
+              <p:ext uri="{386F3935-93C4-4BCD-93E2-E3B085C9AB24}">
+                <p16:designElem xmlns:p16="http://schemas.microsoft.com/office/powerpoint/2015/main" val="1"/>
+              </p:ext>
+            </p:extLst>
+          </p:nvPr>
+        </p:nvSpPr>
+        <p:spPr>
+          <a:xfrm>
+            <a:off x="0" y="0"/>
+            <a:ext cx="9141714" cy="5143500"/>
+          </a:xfrm>
+          <a:prstGeom prst="rect">
+            <a:avLst/>
+          </a:prstGeom>
+          <a:ln>
+            <a:noFill/>
+          </a:ln>
+        </p:spPr>
+        <p:style>
+          <a:lnRef idx="2">
+            <a:schemeClr val="accent1">
+              <a:shade val="50000"/>
+            </a:schemeClr>
+          </a:lnRef>
+          <a:fillRef idx="1">
+            <a:schemeClr val="accent1"/>
+          </a:fillRef>
+          <a:effectRef idx="0">
+            <a:schemeClr val="accent1"/>
+          </a:effectRef>
+          <a:fontRef idx="minor">
+            <a:schemeClr val="lt1"/>
+          </a:fontRef>
+        </p:style>
+        <p:txBody>
+          <a:bodyPr rtlCol="0" anchor="ctr"/>
+          <a:lstStyle/>
+          <a:p>
+            <a:pPr algn="ctr"/>
+            <a:endParaRPr lang="en-US"/>
+          </a:p>
+        </p:txBody>
+      </p:sp>
+      <p:sp>
+        <p:nvSpPr>
+          <p:cNvPr id="16" name="Rectangle 15">
+            <a:extLst>
+              <a:ext uri="{FF2B5EF4-FFF2-40B4-BE49-F238E27FC236}">
+                <a16:creationId xmlns:a16="http://schemas.microsoft.com/office/drawing/2014/main" id="{A772232D-B4D6-429F-B3D1-2D9891B85E08}"/>
+              </a:ext>
+              <a:ext uri="{C183D7F6-B498-43B3-948B-1728B52AA6E4}">
+                <adec:decorative xmlns:adec="http://schemas.microsoft.com/office/drawing/2017/decorative" val="1"/>
+              </a:ext>
+            </a:extLst>
+          </p:cNvPr>
+          <p:cNvSpPr>
+            <a:spLocks noGrp="1" noRot="1" noChangeAspect="1" noMove="1" noResize="1" noEditPoints="1" noAdjustHandles="1" noChangeArrowheads="1" noChangeShapeType="1" noTextEdit="1"/>
+          </p:cNvSpPr>
+          <p:nvPr>
+            <p:extLst>
+              <p:ext uri="{386F3935-93C4-4BCD-93E2-E3B085C9AB24}">
+                <p16:designElem xmlns:p16="http://schemas.microsoft.com/office/powerpoint/2015/main" val="1"/>
+              </p:ext>
+            </p:extLst>
+          </p:nvPr>
+        </p:nvSpPr>
+        <p:spPr bwMode="ltGray">
+          <a:xfrm>
+            <a:off x="241173" y="240030"/>
+            <a:ext cx="8661654" cy="4663440"/>
+          </a:xfrm>
+          <a:prstGeom prst="rect">
+            <a:avLst/>
+          </a:prstGeom>
+          <a:solidFill>
+            <a:schemeClr val="bg2"/>
+          </a:solidFill>
+          <a:ln w="127000" cap="sq" cmpd="thinThick">
+            <a:noFill/>
+          </a:ln>
+        </p:spPr>
+        <p:style>
+          <a:lnRef idx="2">
+            <a:schemeClr val="accent1">
+              <a:shade val="50000"/>
+            </a:schemeClr>
+          </a:lnRef>
+          <a:fillRef idx="1">
+            <a:schemeClr val="accent1"/>
+          </a:fillRef>
+          <a:effectRef idx="0">
+            <a:schemeClr val="accent1"/>
+          </a:effectRef>
+          <a:fontRef idx="minor">
+            <a:schemeClr val="lt1"/>
+          </a:fontRef>
+        </p:style>
+        <p:txBody>
+          <a:bodyPr rtlCol="0" anchor="ctr"/>
+          <a:lstStyle/>
+          <a:p>
+            <a:pPr algn="ctr"/>
+            <a:endParaRPr lang="en-US"/>
+          </a:p>
+        </p:txBody>
+      </p:sp>
+      <p:sp>
+        <p:nvSpPr>
+          <p:cNvPr id="2" name="Title 1">
+            <a:extLst>
+              <a:ext uri="{FF2B5EF4-FFF2-40B4-BE49-F238E27FC236}">
+                <a16:creationId xmlns:a16="http://schemas.microsoft.com/office/drawing/2014/main" id="{8A0E41C7-9591-12A5-C45E-2D219ED31C68}"/>
+              </a:ext>
+            </a:extLst>
+          </p:cNvPr>
+          <p:cNvSpPr>
+            <a:spLocks noGrp="1"/>
+          </p:cNvSpPr>
+          <p:nvPr>
+            <p:ph type="title"/>
+          </p:nvPr>
+        </p:nvSpPr>
+        <p:spPr>
+          <a:xfrm>
+            <a:off x="723772" y="722997"/>
+            <a:ext cx="2441018" cy="3703771"/>
+          </a:xfrm>
+        </p:spPr>
+        <p:txBody>
+          <a:bodyPr vert="horz" lIns="91440" tIns="45720" rIns="91440" bIns="45720" rtlCol="0" anchor="ctr">
+            <a:normAutofit/>
+          </a:bodyPr>
+          <a:lstStyle/>
+          <a:p>
+            <a:pPr algn="r" defTabSz="914400"/>
+            <a:r>
+              <a:rPr lang="en-US" sz="3300" spc="-50">
+                <a:solidFill>
+                  <a:schemeClr val="tx1">
+                    <a:lumMod val="75000"/>
+                    <a:lumOff val="25000"/>
+                  </a:schemeClr>
+                </a:solidFill>
+              </a:rPr>
+              <a:t>Dimension Reduction Methods</a:t>
+            </a:r>
+          </a:p>
+        </p:txBody>
+      </p:sp>
+      <p:cxnSp>
+        <p:nvCxnSpPr>
+          <p:cNvPr id="18" name="Straight Connector 17">
+            <a:extLst>
+              <a:ext uri="{FF2B5EF4-FFF2-40B4-BE49-F238E27FC236}">
+                <a16:creationId xmlns:a16="http://schemas.microsoft.com/office/drawing/2014/main" id="{02CC3441-26B3-4381-B3DF-8AE3C288BC0D}"/>
+              </a:ext>
+              <a:ext uri="{C183D7F6-B498-43B3-948B-1728B52AA6E4}">
+                <adec:decorative xmlns:adec="http://schemas.microsoft.com/office/drawing/2017/decorative" val="1"/>
+              </a:ext>
+            </a:extLst>
+          </p:cNvPr>
+          <p:cNvCxnSpPr>
+            <a:cxnSpLocks noGrp="1" noRot="1" noChangeAspect="1" noMove="1" noResize="1" noEditPoints="1" noAdjustHandles="1" noChangeArrowheads="1" noChangeShapeType="1"/>
+          </p:cNvCxnSpPr>
+          <p:nvPr>
+            <p:extLst>
+              <p:ext uri="{386F3935-93C4-4BCD-93E2-E3B085C9AB24}">
+                <p16:designElem xmlns:p16="http://schemas.microsoft.com/office/powerpoint/2015/main" val="1"/>
+              </p:ext>
+            </p:extLst>
+          </p:nvPr>
+        </p:nvCxnSpPr>
+        <p:spPr>
+          <a:xfrm>
+            <a:off x="3487688" y="1543049"/>
+            <a:ext cx="0" cy="2057400"/>
+          </a:xfrm>
+          <a:prstGeom prst="line">
+            <a:avLst/>
+          </a:prstGeom>
+          <a:ln w="19050">
+            <a:solidFill>
+              <a:schemeClr val="tx2"/>
+            </a:solidFill>
+          </a:ln>
+        </p:spPr>
+        <p:style>
+          <a:lnRef idx="1">
+            <a:schemeClr val="accent1"/>
+          </a:lnRef>
+          <a:fillRef idx="0">
+            <a:schemeClr val="accent1"/>
+          </a:fillRef>
+          <a:effectRef idx="0">
+            <a:schemeClr val="accent1"/>
+          </a:effectRef>
+          <a:fontRef idx="minor">
+            <a:schemeClr val="tx1"/>
+          </a:fontRef>
+        </p:style>
+      </p:cxnSp>
+      <p:sp>
+        <p:nvSpPr>
+          <p:cNvPr id="3" name="Content Placeholder 2">
+            <a:extLst>
+              <a:ext uri="{FF2B5EF4-FFF2-40B4-BE49-F238E27FC236}">
+                <a16:creationId xmlns:a16="http://schemas.microsoft.com/office/drawing/2014/main" id="{FCDFAEFD-E312-6DD9-ED25-96DF83B74A65}"/>
+              </a:ext>
+            </a:extLst>
+          </p:cNvPr>
+          <p:cNvSpPr>
+            <a:spLocks noGrp="1"/>
+          </p:cNvSpPr>
+          <p:nvPr>
+            <p:ph idx="1"/>
+          </p:nvPr>
+        </p:nvSpPr>
+        <p:spPr>
+          <a:xfrm>
+            <a:off x="3609764" y="457200"/>
+            <a:ext cx="5225891" cy="4237074"/>
+          </a:xfrm>
+        </p:spPr>
+        <p:txBody>
+          <a:bodyPr vert="horz" lIns="0" tIns="45720" rIns="0" bIns="45720" rtlCol="0" anchor="ctr">
+            <a:normAutofit/>
+          </a:bodyPr>
+          <a:lstStyle/>
+          <a:p>
+            <a:pPr defTabSz="914400">
+              <a:spcAft>
+                <a:spcPts val="0"/>
+              </a:spcAft>
+              <a:buSzPts val="1100"/>
+              <a:buFont typeface="Wingdings" panose="05000000000000000000" pitchFamily="2" charset="2"/>
+              <a:buChar char="§"/>
+            </a:pPr>
+            <a:r>
+              <a:rPr lang="en-US" sz="1100" b="1" dirty="0"/>
+              <a:t>TSNE (t-distributed Stochastic Neighbor Embedding)</a:t>
+            </a:r>
+            <a:r>
+              <a:rPr lang="en-US" sz="1100" dirty="0"/>
+              <a:t> is a manifold learning technique that aims to map high-dimensional data onto a lower-dimensional manifold. By doing so, it generates an embedding that preserves the local structure of the data. TSNE is primarily employed for visualization purposes due to its ability to reveal patterns and clusters within the data. Furthermore, TSNE does not support transforming new data points into the embedding space.</a:t>
+            </a:r>
+          </a:p>
+          <a:p>
+            <a:pPr defTabSz="914400">
+              <a:spcAft>
+                <a:spcPts val="0"/>
+              </a:spcAft>
+              <a:buFont typeface="Wingdings" panose="05000000000000000000" pitchFamily="2" charset="2"/>
+              <a:buChar char="§"/>
+            </a:pPr>
+            <a:r>
+              <a:rPr lang="en-US" sz="1100" dirty="0"/>
+              <a:t>A promising alternative to TSNE is </a:t>
+            </a:r>
+            <a:r>
+              <a:rPr lang="en-US" sz="1100" b="1" dirty="0"/>
+              <a:t>UMAP</a:t>
+            </a:r>
+            <a:r>
+              <a:rPr lang="en-US" sz="1100" dirty="0"/>
+              <a:t> </a:t>
+            </a:r>
+            <a:r>
+              <a:rPr lang="en-US" sz="1100" b="1" dirty="0"/>
+              <a:t>(Uniform Manifold Approximation and Projection)</a:t>
+            </a:r>
+            <a:r>
+              <a:rPr lang="en-US" sz="1100" dirty="0"/>
+              <a:t>. UMAP not only provides visualization capabilities but also supports the transformation of new data into the embedding space. This flexibility makes UMAP a powerful tool for both visualization and subsequent analysis or prediction tasks involving unseen data.</a:t>
+            </a:r>
+          </a:p>
+          <a:p>
+            <a:pPr defTabSz="914400">
+              <a:spcAft>
+                <a:spcPts val="0"/>
+              </a:spcAft>
+              <a:buFont typeface="Wingdings" panose="05000000000000000000" pitchFamily="2" charset="2"/>
+              <a:buChar char="§"/>
+            </a:pPr>
+            <a:r>
+              <a:rPr lang="en-US" sz="1100" b="1" dirty="0"/>
+              <a:t>Principal Component Analysis</a:t>
+            </a:r>
+            <a:r>
+              <a:rPr lang="en-US" sz="1100" dirty="0"/>
+              <a:t> (PCA) is a popular approach used to analyze extensive datasets that have a high number of dimensions or features per observation. The main goal of PCA is to increase data interpretability while preserving as much relevant information as possible. By reducing the dataset's dimensionality, PCA enables the visualization of complex, multidimensional data. It achieves this by identifying the principal components that capture the most significant variations in the data. These components provide a concise summary of the dataset, allowing analysts to gain insights into its underlying patterns and structures.</a:t>
+            </a:r>
+          </a:p>
+        </p:txBody>
+      </p:sp>
+    </p:spTree>
+    <p:extLst>
+      <p:ext uri="{BB962C8B-B14F-4D97-AF65-F5344CB8AC3E}">
+        <p14:creationId xmlns:p14="http://schemas.microsoft.com/office/powerpoint/2010/main" val="1603560098"/>
+      </p:ext>
+    </p:extLst>
+  </p:cSld>
+  <p:clrMapOvr>
+    <a:masterClrMapping/>
+  </p:clrMapOvr>
+</p:sld>
+</file>
+
+<file path=ppt/slides/slide19.xml><?xml version="1.0" encoding="utf-8"?>
+<p:sld xmlns:a="http://schemas.openxmlformats.org/drawingml/2006/main" xmlns:r="http://schemas.openxmlformats.org/officeDocument/2006/relationships" xmlns:p="http://schemas.openxmlformats.org/presentationml/2006/main">
+  <p:cSld>
+    <p:spTree>
+      <p:nvGrpSpPr>
+        <p:cNvPr id="1" name=""/>
+        <p:cNvGrpSpPr/>
+        <p:nvPr/>
+      </p:nvGrpSpPr>
+      <p:grpSpPr>
+        <a:xfrm>
+          <a:off x="0" y="0"/>
+          <a:ext cx="0" cy="0"/>
+          <a:chOff x="0" y="0"/>
+          <a:chExt cx="0" cy="0"/>
+        </a:xfrm>
+      </p:grpSpPr>
+      <p:sp>
+        <p:nvSpPr>
+          <p:cNvPr id="2" name="Title 1">
+            <a:extLst>
+              <a:ext uri="{FF2B5EF4-FFF2-40B4-BE49-F238E27FC236}">
+                <a16:creationId xmlns:a16="http://schemas.microsoft.com/office/drawing/2014/main" id="{64127C17-CD83-9607-44FF-76653F1130EA}"/>
+              </a:ext>
+            </a:extLst>
+          </p:cNvPr>
+          <p:cNvSpPr>
+            <a:spLocks noGrp="1"/>
+          </p:cNvSpPr>
+          <p:nvPr>
+            <p:ph type="title"/>
+          </p:nvPr>
+        </p:nvSpPr>
+        <p:spPr/>
+        <p:txBody>
+          <a:bodyPr/>
+          <a:lstStyle/>
+          <a:p>
+            <a:r>
+              <a:rPr lang="en-US" dirty="0"/>
+              <a:t>2D Embedding</a:t>
+            </a:r>
+          </a:p>
+        </p:txBody>
+      </p:sp>
+      <p:pic>
+        <p:nvPicPr>
+          <p:cNvPr id="5" name="Google Shape;228;g22182353c72_0_59">
+            <a:extLst>
+              <a:ext uri="{FF2B5EF4-FFF2-40B4-BE49-F238E27FC236}">
+                <a16:creationId xmlns:a16="http://schemas.microsoft.com/office/drawing/2014/main" id="{CFBBA614-8CDD-F131-8D49-4A1B790E84DC}"/>
+              </a:ext>
+            </a:extLst>
+          </p:cNvPr>
+          <p:cNvPicPr preferRelativeResize="0"/>
+          <p:nvPr/>
+        </p:nvPicPr>
+        <p:blipFill>
+          <a:blip r:embed="rId2">
+            <a:alphaModFix/>
+          </a:blip>
+          <a:stretch>
+            <a:fillRect/>
+          </a:stretch>
+        </p:blipFill>
+        <p:spPr>
+          <a:xfrm>
+            <a:off x="3319000" y="145600"/>
+            <a:ext cx="5442225" cy="4761950"/>
+          </a:xfrm>
+          <a:prstGeom prst="rect">
+            <a:avLst/>
+          </a:prstGeom>
+          <a:noFill/>
+          <a:ln>
+            <a:noFill/>
+          </a:ln>
+        </p:spPr>
+      </p:pic>
+    </p:spTree>
+    <p:extLst>
+      <p:ext uri="{BB962C8B-B14F-4D97-AF65-F5344CB8AC3E}">
+        <p14:creationId xmlns:p14="http://schemas.microsoft.com/office/powerpoint/2010/main" val="992965195"/>
+      </p:ext>
+    </p:extLst>
+  </p:cSld>
+  <p:clrMapOvr>
+    <a:masterClrMapping/>
+  </p:clrMapOvr>
+</p:sld>
+</file>
+
+<file path=ppt/slides/slide2.xml><?xml version="1.0" encoding="utf-8"?>
+<p:sld xmlns:a="http://schemas.openxmlformats.org/drawingml/2006/main" xmlns:r="http://schemas.openxmlformats.org/officeDocument/2006/relationships" xmlns:p="http://schemas.openxmlformats.org/presentationml/2006/main">
+  <p:cSld>
+    <p:bg>
+      <p:bgPr>
+        <a:solidFill>
+          <a:schemeClr val="bg2"/>
+        </a:solidFill>
+        <a:effectLst/>
+      </p:bgPr>
+    </p:bg>
+    <p:spTree>
+      <p:nvGrpSpPr>
+        <p:cNvPr id="1" name="Shape 71"/>
+        <p:cNvGrpSpPr/>
+        <p:nvPr/>
+      </p:nvGrpSpPr>
+      <p:grpSpPr>
+        <a:xfrm>
+          <a:off x="0" y="0"/>
+          <a:ext cx="0" cy="0"/>
+          <a:chOff x="0" y="0"/>
+          <a:chExt cx="0" cy="0"/>
+        </a:xfrm>
+      </p:grpSpPr>
+      <p:sp>
+        <p:nvSpPr>
+          <p:cNvPr id="72" name="Google Shape;72;p14"/>
+          <p:cNvSpPr txBox="1">
+            <a:spLocks noGrp="1"/>
+          </p:cNvSpPr>
+          <p:nvPr>
+            <p:ph type="title"/>
+          </p:nvPr>
+        </p:nvSpPr>
+        <p:spPr>
+          <a:xfrm>
+            <a:off x="822960" y="214952"/>
+            <a:ext cx="7543800" cy="1088068"/>
+          </a:xfrm>
+          <a:prstGeom prst="rect">
+            <a:avLst/>
+          </a:prstGeom>
+        </p:spPr>
+        <p:txBody>
+          <a:bodyPr spcFirstLastPara="1" vert="horz" lIns="91440" tIns="45720" rIns="91440" bIns="45720" rtlCol="0" anchor="b" anchorCtr="0">
+            <a:normAutofit/>
+          </a:bodyPr>
+          <a:lstStyle/>
+          <a:p>
+            <a:pPr lvl="0" indent="0" defTabSz="914400">
+              <a:spcBef>
+                <a:spcPct val="0"/>
+              </a:spcBef>
+              <a:spcAft>
+                <a:spcPts val="0"/>
+              </a:spcAft>
+            </a:pPr>
+            <a:r>
+              <a:rPr lang="en-US" sz="3700" spc="-50"/>
+              <a:t>What is a  Recommendation System?</a:t>
+            </a:r>
+          </a:p>
+        </p:txBody>
+      </p:sp>
+      <p:graphicFrame>
+        <p:nvGraphicFramePr>
+          <p:cNvPr id="94" name="Google Shape;73;p14">
+            <a:extLst>
+              <a:ext uri="{FF2B5EF4-FFF2-40B4-BE49-F238E27FC236}">
+                <a16:creationId xmlns:a16="http://schemas.microsoft.com/office/drawing/2014/main" id="{2C154B7D-024E-CF9C-7833-5841E78FA9CF}"/>
+              </a:ext>
+            </a:extLst>
+          </p:cNvPr>
+          <p:cNvGraphicFramePr/>
+          <p:nvPr>
+            <p:extLst>
+              <p:ext uri="{D42A27DB-BD31-4B8C-83A1-F6EECF244321}">
+                <p14:modId xmlns:p14="http://schemas.microsoft.com/office/powerpoint/2010/main" val="2232766396"/>
+              </p:ext>
+            </p:extLst>
+          </p:nvPr>
+        </p:nvGraphicFramePr>
+        <p:xfrm>
+          <a:off x="822722" y="1573886"/>
+          <a:ext cx="7543800" cy="2839560"/>
+        </p:xfrm>
+        <a:graphic>
+          <a:graphicData uri="http://schemas.openxmlformats.org/drawingml/2006/diagram">
+            <dgm:relIds xmlns:dgm="http://schemas.openxmlformats.org/drawingml/2006/diagram" xmlns:r="http://schemas.openxmlformats.org/officeDocument/2006/relationships" r:dm="rId3" r:lo="rId4" r:qs="rId5" r:cs="rId6"/>
+          </a:graphicData>
+        </a:graphic>
+      </p:graphicFrame>
+    </p:spTree>
+  </p:cSld>
+  <p:clrMapOvr>
+    <a:masterClrMapping/>
+  </p:clrMapOvr>
+</p:sld>
+</file>
+
+<file path=ppt/slides/slide20.xml><?xml version="1.0" encoding="utf-8"?>
+<p:sld xmlns:a="http://schemas.openxmlformats.org/drawingml/2006/main" xmlns:r="http://schemas.openxmlformats.org/officeDocument/2006/relationships" xmlns:p="http://schemas.openxmlformats.org/presentationml/2006/main">
+  <p:cSld>
+    <p:bg>
+      <p:bgPr>
+        <a:solidFill>
+          <a:schemeClr val="bg1"/>
+        </a:solidFill>
+        <a:effectLst/>
+      </p:bgPr>
+    </p:bg>
+    <p:spTree>
+      <p:nvGrpSpPr>
+        <p:cNvPr id="1" name=""/>
+        <p:cNvGrpSpPr/>
+        <p:nvPr/>
+      </p:nvGrpSpPr>
+      <p:grpSpPr>
+        <a:xfrm>
+          <a:off x="0" y="0"/>
+          <a:ext cx="0" cy="0"/>
+          <a:chOff x="0" y="0"/>
+          <a:chExt cx="0" cy="0"/>
+        </a:xfrm>
+      </p:grpSpPr>
+      <p:sp>
+        <p:nvSpPr>
+          <p:cNvPr id="8" name="Rectangle 7">
+            <a:extLst>
+              <a:ext uri="{FF2B5EF4-FFF2-40B4-BE49-F238E27FC236}">
+                <a16:creationId xmlns:a16="http://schemas.microsoft.com/office/drawing/2014/main" id="{13FE9996-7EAC-4679-B37D-C1045F42F954}"/>
+              </a:ext>
+              <a:ext uri="{C183D7F6-B498-43B3-948B-1728B52AA6E4}">
+                <adec:decorative xmlns:adec="http://schemas.microsoft.com/office/drawing/2017/decorative" val="1"/>
+              </a:ext>
+            </a:extLst>
+          </p:cNvPr>
+          <p:cNvSpPr>
+            <a:spLocks noGrp="1" noRot="1" noChangeAspect="1" noMove="1" noResize="1" noEditPoints="1" noAdjustHandles="1" noChangeArrowheads="1" noChangeShapeType="1" noTextEdit="1"/>
+          </p:cNvSpPr>
+          <p:nvPr>
+            <p:extLst>
+              <p:ext uri="{386F3935-93C4-4BCD-93E2-E3B085C9AB24}">
+                <p16:designElem xmlns:p16="http://schemas.microsoft.com/office/powerpoint/2015/main" val="1"/>
+              </p:ext>
+            </p:extLst>
+          </p:nvPr>
+        </p:nvSpPr>
+        <p:spPr>
+          <a:xfrm>
+            <a:off x="0" y="4800600"/>
+            <a:ext cx="9144000" cy="342900"/>
+          </a:xfrm>
+          <a:prstGeom prst="rect">
+            <a:avLst/>
+          </a:prstGeom>
+          <a:solidFill>
+            <a:schemeClr val="accent2"/>
+          </a:solidFill>
+          <a:ln>
+            <a:noFill/>
+          </a:ln>
+        </p:spPr>
+        <p:style>
+          <a:lnRef idx="2">
+            <a:schemeClr val="accent1">
+              <a:shade val="50000"/>
+            </a:schemeClr>
+          </a:lnRef>
+          <a:fillRef idx="1">
+            <a:schemeClr val="accent1"/>
+          </a:fillRef>
+          <a:effectRef idx="0">
+            <a:schemeClr val="accent1"/>
+          </a:effectRef>
+          <a:fontRef idx="minor">
+            <a:schemeClr val="lt1"/>
+          </a:fontRef>
+        </p:style>
+      </p:sp>
+      <p:sp>
+        <p:nvSpPr>
+          <p:cNvPr id="10" name="Rectangle 9">
+            <a:extLst>
+              <a:ext uri="{FF2B5EF4-FFF2-40B4-BE49-F238E27FC236}">
+                <a16:creationId xmlns:a16="http://schemas.microsoft.com/office/drawing/2014/main" id="{761DF1FE-5CC8-43D2-A76C-93C76EEDE1E9}"/>
+              </a:ext>
+              <a:ext uri="{C183D7F6-B498-43B3-948B-1728B52AA6E4}">
+                <adec:decorative xmlns:adec="http://schemas.microsoft.com/office/drawing/2017/decorative" val="1"/>
+              </a:ext>
+            </a:extLst>
+          </p:cNvPr>
+          <p:cNvSpPr>
+            <a:spLocks noGrp="1" noRot="1" noChangeAspect="1" noMove="1" noResize="1" noEditPoints="1" noAdjustHandles="1" noChangeArrowheads="1" noChangeShapeType="1" noTextEdit="1"/>
+          </p:cNvSpPr>
+          <p:nvPr>
+            <p:extLst>
+              <p:ext uri="{386F3935-93C4-4BCD-93E2-E3B085C9AB24}">
+                <p16:designElem xmlns:p16="http://schemas.microsoft.com/office/powerpoint/2015/main" val="1"/>
+              </p:ext>
+            </p:extLst>
+          </p:nvPr>
+        </p:nvSpPr>
+        <p:spPr>
+          <a:xfrm>
+            <a:off x="0" y="4750737"/>
+            <a:ext cx="9144000" cy="49498"/>
+          </a:xfrm>
+          <a:prstGeom prst="rect">
+            <a:avLst/>
+          </a:prstGeom>
+          <a:solidFill>
+            <a:schemeClr val="accent1"/>
+          </a:solidFill>
+          <a:ln>
+            <a:noFill/>
+          </a:ln>
+        </p:spPr>
+        <p:style>
+          <a:lnRef idx="2">
+            <a:schemeClr val="accent1">
+              <a:shade val="50000"/>
+            </a:schemeClr>
+          </a:lnRef>
+          <a:fillRef idx="1">
+            <a:schemeClr val="accent1"/>
+          </a:fillRef>
+          <a:effectRef idx="0">
+            <a:schemeClr val="accent1"/>
+          </a:effectRef>
+          <a:fontRef idx="minor">
+            <a:schemeClr val="lt1"/>
+          </a:fontRef>
+        </p:style>
+      </p:sp>
+      <p:cxnSp>
+        <p:nvCxnSpPr>
+          <p:cNvPr id="12" name="Straight Connector 11">
+            <a:extLst>
+              <a:ext uri="{FF2B5EF4-FFF2-40B4-BE49-F238E27FC236}">
+                <a16:creationId xmlns:a16="http://schemas.microsoft.com/office/drawing/2014/main" id="{E161BEBD-A23C-409E-ABC7-73F9EDC02F20}"/>
+              </a:ext>
+              <a:ext uri="{C183D7F6-B498-43B3-948B-1728B52AA6E4}">
+                <adec:decorative xmlns:adec="http://schemas.microsoft.com/office/drawing/2017/decorative" val="1"/>
+              </a:ext>
+            </a:extLst>
+          </p:cNvPr>
+          <p:cNvCxnSpPr>
+            <a:cxnSpLocks noGrp="1" noRot="1" noChangeAspect="1" noMove="1" noResize="1" noEditPoints="1" noAdjustHandles="1" noChangeArrowheads="1" noChangeShapeType="1"/>
+          </p:cNvCxnSpPr>
+          <p:nvPr>
+            <p:extLst>
+              <p:ext uri="{386F3935-93C4-4BCD-93E2-E3B085C9AB24}">
+                <p16:designElem xmlns:p16="http://schemas.microsoft.com/office/powerpoint/2015/main" val="1"/>
+              </p:ext>
+            </p:extLst>
+          </p:nvPr>
+        </p:nvCxnSpPr>
+        <p:spPr>
+          <a:xfrm>
+            <a:off x="895149" y="1303383"/>
+            <a:ext cx="7475220" cy="0"/>
+          </a:xfrm>
+          <a:prstGeom prst="line">
+            <a:avLst/>
+          </a:prstGeom>
+          <a:ln w="6350">
+            <a:solidFill>
+              <a:schemeClr val="tx1">
+                <a:lumMod val="50000"/>
+                <a:lumOff val="50000"/>
+              </a:schemeClr>
+            </a:solidFill>
+          </a:ln>
+        </p:spPr>
+        <p:style>
+          <a:lnRef idx="1">
+            <a:schemeClr val="accent1"/>
+          </a:lnRef>
+          <a:fillRef idx="0">
+            <a:schemeClr val="accent1"/>
+          </a:fillRef>
+          <a:effectRef idx="0">
+            <a:schemeClr val="accent1"/>
+          </a:effectRef>
+          <a:fontRef idx="minor">
+            <a:schemeClr val="tx1"/>
+          </a:fontRef>
+        </p:style>
+      </p:cxnSp>
+      <p:sp useBgFill="1">
+        <p:nvSpPr>
+          <p:cNvPr id="14" name="Rectangle 13">
+            <a:extLst>
+              <a:ext uri="{FF2B5EF4-FFF2-40B4-BE49-F238E27FC236}">
+                <a16:creationId xmlns:a16="http://schemas.microsoft.com/office/drawing/2014/main" id="{35230A27-1553-42F8-99D7-829868E13715}"/>
+              </a:ext>
+              <a:ext uri="{C183D7F6-B498-43B3-948B-1728B52AA6E4}">
+                <adec:decorative xmlns:adec="http://schemas.microsoft.com/office/drawing/2017/decorative" val="1"/>
+              </a:ext>
+            </a:extLst>
+          </p:cNvPr>
+          <p:cNvSpPr>
+            <a:spLocks noGrp="1" noRot="1" noChangeAspect="1" noMove="1" noResize="1" noEditPoints="1" noAdjustHandles="1" noChangeArrowheads="1" noChangeShapeType="1" noTextEdit="1"/>
+          </p:cNvSpPr>
+          <p:nvPr>
+            <p:extLst>
+              <p:ext uri="{386F3935-93C4-4BCD-93E2-E3B085C9AB24}">
+                <p16:designElem xmlns:p16="http://schemas.microsoft.com/office/powerpoint/2015/main" val="1"/>
+              </p:ext>
+            </p:extLst>
+          </p:nvPr>
+        </p:nvSpPr>
+        <p:spPr>
+          <a:xfrm>
+            <a:off x="0" y="0"/>
+            <a:ext cx="9141714" cy="5143500"/>
+          </a:xfrm>
+          <a:prstGeom prst="rect">
+            <a:avLst/>
+          </a:prstGeom>
+          <a:ln>
+            <a:noFill/>
+          </a:ln>
+        </p:spPr>
+        <p:style>
+          <a:lnRef idx="2">
+            <a:schemeClr val="accent1">
+              <a:shade val="50000"/>
+            </a:schemeClr>
+          </a:lnRef>
+          <a:fillRef idx="1">
+            <a:schemeClr val="accent1"/>
+          </a:fillRef>
+          <a:effectRef idx="0">
+            <a:schemeClr val="accent1"/>
+          </a:effectRef>
+          <a:fontRef idx="minor">
+            <a:schemeClr val="lt1"/>
+          </a:fontRef>
+        </p:style>
+        <p:txBody>
+          <a:bodyPr rtlCol="0" anchor="ctr"/>
+          <a:lstStyle/>
+          <a:p>
+            <a:pPr algn="ctr"/>
+            <a:endParaRPr lang="en-US"/>
+          </a:p>
+        </p:txBody>
+      </p:sp>
+      <p:sp>
+        <p:nvSpPr>
+          <p:cNvPr id="16" name="Rectangle 15">
+            <a:extLst>
+              <a:ext uri="{FF2B5EF4-FFF2-40B4-BE49-F238E27FC236}">
+                <a16:creationId xmlns:a16="http://schemas.microsoft.com/office/drawing/2014/main" id="{A772232D-B4D6-429F-B3D1-2D9891B85E08}"/>
+              </a:ext>
+              <a:ext uri="{C183D7F6-B498-43B3-948B-1728B52AA6E4}">
+                <adec:decorative xmlns:adec="http://schemas.microsoft.com/office/drawing/2017/decorative" val="1"/>
+              </a:ext>
+            </a:extLst>
+          </p:cNvPr>
+          <p:cNvSpPr>
+            <a:spLocks noGrp="1" noRot="1" noChangeAspect="1" noMove="1" noResize="1" noEditPoints="1" noAdjustHandles="1" noChangeArrowheads="1" noChangeShapeType="1" noTextEdit="1"/>
+          </p:cNvSpPr>
+          <p:nvPr>
+            <p:extLst>
+              <p:ext uri="{386F3935-93C4-4BCD-93E2-E3B085C9AB24}">
+                <p16:designElem xmlns:p16="http://schemas.microsoft.com/office/powerpoint/2015/main" val="1"/>
+              </p:ext>
+            </p:extLst>
+          </p:nvPr>
+        </p:nvSpPr>
+        <p:spPr bwMode="ltGray">
+          <a:xfrm>
+            <a:off x="241173" y="240030"/>
+            <a:ext cx="8661654" cy="4663440"/>
+          </a:xfrm>
+          <a:prstGeom prst="rect">
+            <a:avLst/>
+          </a:prstGeom>
+          <a:solidFill>
+            <a:schemeClr val="bg2"/>
+          </a:solidFill>
+          <a:ln w="127000" cap="sq" cmpd="thinThick">
+            <a:noFill/>
+          </a:ln>
+        </p:spPr>
+        <p:style>
+          <a:lnRef idx="2">
+            <a:schemeClr val="accent1">
+              <a:shade val="50000"/>
+            </a:schemeClr>
+          </a:lnRef>
+          <a:fillRef idx="1">
+            <a:schemeClr val="accent1"/>
+          </a:fillRef>
+          <a:effectRef idx="0">
+            <a:schemeClr val="accent1"/>
+          </a:effectRef>
+          <a:fontRef idx="minor">
+            <a:schemeClr val="lt1"/>
+          </a:fontRef>
+        </p:style>
+        <p:txBody>
+          <a:bodyPr rtlCol="0" anchor="ctr"/>
+          <a:lstStyle/>
+          <a:p>
+            <a:pPr algn="ctr"/>
+            <a:endParaRPr lang="en-US"/>
+          </a:p>
+        </p:txBody>
+      </p:sp>
+      <p:sp>
+        <p:nvSpPr>
+          <p:cNvPr id="2" name="Title 1">
+            <a:extLst>
+              <a:ext uri="{FF2B5EF4-FFF2-40B4-BE49-F238E27FC236}">
+                <a16:creationId xmlns:a16="http://schemas.microsoft.com/office/drawing/2014/main" id="{F0D848F9-C491-D870-62D2-82F0B538FA1D}"/>
+              </a:ext>
+            </a:extLst>
+          </p:cNvPr>
+          <p:cNvSpPr>
+            <a:spLocks noGrp="1"/>
+          </p:cNvSpPr>
+          <p:nvPr>
+            <p:ph type="title"/>
+          </p:nvPr>
+        </p:nvSpPr>
+        <p:spPr>
+          <a:xfrm>
+            <a:off x="723772" y="722997"/>
+            <a:ext cx="2441018" cy="3703771"/>
+          </a:xfrm>
+        </p:spPr>
+        <p:txBody>
+          <a:bodyPr vert="horz" lIns="91440" tIns="45720" rIns="91440" bIns="45720" rtlCol="0" anchor="ctr">
+            <a:normAutofit/>
+          </a:bodyPr>
+          <a:lstStyle/>
+          <a:p>
+            <a:pPr algn="r" defTabSz="914400"/>
+            <a:r>
+              <a:rPr lang="en-US" sz="3300" spc="-50">
+                <a:solidFill>
+                  <a:schemeClr val="tx1">
+                    <a:lumMod val="75000"/>
+                    <a:lumOff val="25000"/>
+                  </a:schemeClr>
+                </a:solidFill>
+              </a:rPr>
+              <a:t>Future scope</a:t>
+            </a:r>
+          </a:p>
+        </p:txBody>
+      </p:sp>
+      <p:cxnSp>
+        <p:nvCxnSpPr>
+          <p:cNvPr id="18" name="Straight Connector 17">
+            <a:extLst>
+              <a:ext uri="{FF2B5EF4-FFF2-40B4-BE49-F238E27FC236}">
+                <a16:creationId xmlns:a16="http://schemas.microsoft.com/office/drawing/2014/main" id="{02CC3441-26B3-4381-B3DF-8AE3C288BC0D}"/>
+              </a:ext>
+              <a:ext uri="{C183D7F6-B498-43B3-948B-1728B52AA6E4}">
+                <adec:decorative xmlns:adec="http://schemas.microsoft.com/office/drawing/2017/decorative" val="1"/>
+              </a:ext>
+            </a:extLst>
+          </p:cNvPr>
+          <p:cNvCxnSpPr>
+            <a:cxnSpLocks noGrp="1" noRot="1" noChangeAspect="1" noMove="1" noResize="1" noEditPoints="1" noAdjustHandles="1" noChangeArrowheads="1" noChangeShapeType="1"/>
+          </p:cNvCxnSpPr>
+          <p:nvPr>
+            <p:extLst>
+              <p:ext uri="{386F3935-93C4-4BCD-93E2-E3B085C9AB24}">
+                <p16:designElem xmlns:p16="http://schemas.microsoft.com/office/powerpoint/2015/main" val="1"/>
+              </p:ext>
+            </p:extLst>
+          </p:nvPr>
+        </p:nvCxnSpPr>
+        <p:spPr>
+          <a:xfrm>
+            <a:off x="3487688" y="1543049"/>
+            <a:ext cx="0" cy="2057400"/>
+          </a:xfrm>
+          <a:prstGeom prst="line">
+            <a:avLst/>
+          </a:prstGeom>
+          <a:ln w="19050">
+            <a:solidFill>
+              <a:schemeClr val="tx2"/>
+            </a:solidFill>
+          </a:ln>
+        </p:spPr>
+        <p:style>
+          <a:lnRef idx="1">
+            <a:schemeClr val="accent1"/>
+          </a:lnRef>
+          <a:fillRef idx="0">
+            <a:schemeClr val="accent1"/>
+          </a:fillRef>
+          <a:effectRef idx="0">
+            <a:schemeClr val="accent1"/>
+          </a:effectRef>
+          <a:fontRef idx="minor">
+            <a:schemeClr val="tx1"/>
+          </a:fontRef>
+        </p:style>
+      </p:cxnSp>
+      <p:sp>
+        <p:nvSpPr>
+          <p:cNvPr id="3" name="Content Placeholder 2">
+            <a:extLst>
+              <a:ext uri="{FF2B5EF4-FFF2-40B4-BE49-F238E27FC236}">
+                <a16:creationId xmlns:a16="http://schemas.microsoft.com/office/drawing/2014/main" id="{E643B1F0-2C51-6452-E291-45A5C37CAB49}"/>
+              </a:ext>
+            </a:extLst>
+          </p:cNvPr>
+          <p:cNvSpPr>
+            <a:spLocks noGrp="1"/>
+          </p:cNvSpPr>
+          <p:nvPr>
+            <p:ph idx="1"/>
+          </p:nvPr>
+        </p:nvSpPr>
+        <p:spPr>
+          <a:xfrm>
+            <a:off x="3851161" y="722630"/>
+            <a:ext cx="4601323" cy="3704138"/>
+          </a:xfrm>
+        </p:spPr>
+        <p:txBody>
+          <a:bodyPr vert="horz" lIns="0" tIns="45720" rIns="0" bIns="45720" rtlCol="0" anchor="ctr">
+            <a:normAutofit/>
+          </a:bodyPr>
+          <a:lstStyle/>
+          <a:p>
+            <a:pPr marL="285750" indent="-285750" defTabSz="914400">
+              <a:buFont typeface="Calibri" panose="020F0502020204030204" pitchFamily="34" charset="0"/>
+              <a:buChar char="§"/>
+            </a:pPr>
+            <a:r>
+              <a:rPr lang="en-US" sz="1600" dirty="0"/>
+              <a:t>Incorporate into real world applications</a:t>
+            </a:r>
+          </a:p>
+          <a:p>
+            <a:pPr marL="285750" indent="-285750" defTabSz="914400">
+              <a:buFont typeface="Calibri" panose="020F0502020204030204" pitchFamily="34" charset="0"/>
+              <a:buChar char="§"/>
+            </a:pPr>
+            <a:endParaRPr lang="en-US" sz="1600" dirty="0"/>
+          </a:p>
+          <a:p>
+            <a:pPr marL="285750" indent="-285750" defTabSz="914400">
+              <a:buFont typeface="Calibri" panose="020F0502020204030204" pitchFamily="34" charset="0"/>
+              <a:buChar char="§"/>
+            </a:pPr>
+            <a:r>
+              <a:rPr lang="en-US" sz="1600" dirty="0"/>
+              <a:t>Test for a larger data set</a:t>
+            </a:r>
+          </a:p>
+          <a:p>
+            <a:pPr marL="285750" indent="-285750" defTabSz="914400">
+              <a:buFont typeface="Calibri" panose="020F0502020204030204" pitchFamily="34" charset="0"/>
+              <a:buChar char="§"/>
+            </a:pPr>
+            <a:endParaRPr lang="en-US" sz="1600" dirty="0"/>
+          </a:p>
+          <a:p>
+            <a:pPr marL="285750" indent="-285750" defTabSz="914400">
+              <a:buFont typeface="Calibri" panose="020F0502020204030204" pitchFamily="34" charset="0"/>
+              <a:buChar char="§"/>
+            </a:pPr>
+            <a:r>
+              <a:rPr lang="en-US" sz="1600" dirty="0"/>
+              <a:t>Use a content-based recommendation for initial recommendation in addition to collaborative filtering</a:t>
+            </a:r>
+          </a:p>
+        </p:txBody>
+      </p:sp>
+    </p:spTree>
+    <p:extLst>
+      <p:ext uri="{BB962C8B-B14F-4D97-AF65-F5344CB8AC3E}">
+        <p14:creationId xmlns:p14="http://schemas.microsoft.com/office/powerpoint/2010/main" val="2762033965"/>
+      </p:ext>
+    </p:extLst>
+  </p:cSld>
+  <p:clrMapOvr>
+    <a:masterClrMapping/>
+  </p:clrMapOvr>
+</p:sld>
+</file>
+
+<file path=ppt/slides/slide21.xml><?xml version="1.0" encoding="utf-8"?>
+<p:sld xmlns:a="http://schemas.openxmlformats.org/drawingml/2006/main" xmlns:r="http://schemas.openxmlformats.org/officeDocument/2006/relationships" xmlns:p="http://schemas.openxmlformats.org/presentationml/2006/main">
+  <p:cSld>
+    <p:bg>
+      <p:bgPr>
+        <a:solidFill>
+          <a:schemeClr val="bg2"/>
+        </a:solidFill>
+        <a:effectLst/>
+      </p:bgPr>
+    </p:bg>
+    <p:spTree>
+      <p:nvGrpSpPr>
+        <p:cNvPr id="1" name=""/>
+        <p:cNvGrpSpPr/>
+        <p:nvPr/>
+      </p:nvGrpSpPr>
+      <p:grpSpPr>
+        <a:xfrm>
+          <a:off x="0" y="0"/>
+          <a:ext cx="0" cy="0"/>
+          <a:chOff x="0" y="0"/>
+          <a:chExt cx="0" cy="0"/>
+        </a:xfrm>
+      </p:grpSpPr>
+      <p:sp>
+        <p:nvSpPr>
+          <p:cNvPr id="2" name="Title 1">
+            <a:extLst>
+              <a:ext uri="{FF2B5EF4-FFF2-40B4-BE49-F238E27FC236}">
+                <a16:creationId xmlns:a16="http://schemas.microsoft.com/office/drawing/2014/main" id="{2490FF43-6810-CE67-EA03-DF1E320B182F}"/>
+              </a:ext>
+            </a:extLst>
+          </p:cNvPr>
+          <p:cNvSpPr>
+            <a:spLocks noGrp="1"/>
+          </p:cNvSpPr>
+          <p:nvPr>
+            <p:ph type="title"/>
+          </p:nvPr>
+        </p:nvSpPr>
+        <p:spPr/>
+        <p:txBody>
+          <a:bodyPr/>
+          <a:lstStyle/>
+          <a:p>
+            <a:r>
+              <a:rPr lang="en-US"/>
+              <a:t>Sources</a:t>
+            </a:r>
+            <a:endParaRPr lang="en-US" dirty="0"/>
+          </a:p>
+        </p:txBody>
+      </p:sp>
+      <p:sp>
+        <p:nvSpPr>
+          <p:cNvPr id="3" name="Content Placeholder 2">
+            <a:extLst>
+              <a:ext uri="{FF2B5EF4-FFF2-40B4-BE49-F238E27FC236}">
+                <a16:creationId xmlns:a16="http://schemas.microsoft.com/office/drawing/2014/main" id="{6F8359AB-B1CC-4F84-1775-9CE52A822AE6}"/>
+              </a:ext>
+            </a:extLst>
+          </p:cNvPr>
+          <p:cNvSpPr>
+            <a:spLocks noGrp="1"/>
+          </p:cNvSpPr>
+          <p:nvPr>
+            <p:ph idx="1"/>
+          </p:nvPr>
+        </p:nvSpPr>
+        <p:spPr/>
+        <p:txBody>
+          <a:bodyPr/>
+          <a:lstStyle/>
+          <a:p>
+            <a:pPr>
+              <a:spcBef>
+                <a:spcPts val="900"/>
+              </a:spcBef>
+              <a:buFont typeface="+mj-lt"/>
+              <a:buAutoNum type="arabicPeriod"/>
+            </a:pPr>
+            <a:r>
+              <a:rPr lang="en-US" sz="1600" u="sng" dirty="0" err="1">
+                <a:hlinkClick r:id="rId2"/>
+              </a:rPr>
+              <a:t>fastai</a:t>
+            </a:r>
+            <a:r>
+              <a:rPr lang="en-US" sz="1600" u="sng" dirty="0">
+                <a:hlinkClick r:id="rId2"/>
+              </a:rPr>
+              <a:t> - Collaborative filtering tutorial</a:t>
+            </a:r>
+            <a:endParaRPr lang="en-US" sz="1600" u="sng" dirty="0"/>
+          </a:p>
+          <a:p>
+            <a:pPr>
+              <a:spcBef>
+                <a:spcPts val="900"/>
+              </a:spcBef>
+              <a:buFont typeface="+mj-lt"/>
+              <a:buAutoNum type="arabicPeriod"/>
+            </a:pPr>
+            <a:r>
+              <a:rPr lang="en-US" sz="1600" u="sng" dirty="0">
+                <a:hlinkClick r:id="rId3"/>
+              </a:rPr>
+              <a:t>https://pytorch.org/docs/stable/index.html</a:t>
+            </a:r>
+          </a:p>
+          <a:p>
+            <a:pPr lvl="0" rtl="0">
+              <a:spcBef>
+                <a:spcPts val="900"/>
+              </a:spcBef>
+              <a:spcAft>
+                <a:spcPts val="0"/>
+              </a:spcAft>
+              <a:buSzPts val="1800"/>
+              <a:buFont typeface="+mj-lt"/>
+              <a:buAutoNum type="arabicPeriod"/>
+            </a:pPr>
+            <a:r>
+              <a:rPr lang="en-US" sz="1600" u="sng" dirty="0">
+                <a:hlinkClick r:id="rId3"/>
+              </a:rPr>
+              <a:t>Interactive Analysis of Sentence Embeddings (amitness.com)</a:t>
+            </a:r>
+            <a:endParaRPr lang="en-US" sz="1600" dirty="0"/>
+          </a:p>
+          <a:p>
+            <a:pPr lvl="0" rtl="0">
+              <a:spcBef>
+                <a:spcPts val="900"/>
+              </a:spcBef>
+              <a:spcAft>
+                <a:spcPts val="0"/>
+              </a:spcAft>
+              <a:buSzPts val="1800"/>
+              <a:buFont typeface="+mj-lt"/>
+              <a:buAutoNum type="arabicPeriod"/>
+            </a:pPr>
+            <a:r>
+              <a:rPr lang="en-US" sz="1600" u="sng" dirty="0">
+                <a:hlinkClick r:id="rId4"/>
+              </a:rPr>
+              <a:t>Neural Network Embeddings Explained | by Will </a:t>
+            </a:r>
+            <a:r>
+              <a:rPr lang="en-US" sz="1600" u="sng" dirty="0" err="1">
+                <a:hlinkClick r:id="rId4"/>
+              </a:rPr>
+              <a:t>Koehrsen</a:t>
+            </a:r>
+            <a:r>
+              <a:rPr lang="en-US" sz="1600" u="sng" dirty="0">
+                <a:hlinkClick r:id="rId4"/>
+              </a:rPr>
+              <a:t> | Towards Data Science</a:t>
+            </a:r>
+            <a:endParaRPr lang="en-US" sz="1600" u="sng" dirty="0"/>
+          </a:p>
+          <a:p>
+            <a:pPr lvl="0" rtl="0">
+              <a:spcBef>
+                <a:spcPts val="900"/>
+              </a:spcBef>
+              <a:spcAft>
+                <a:spcPts val="0"/>
+              </a:spcAft>
+              <a:buSzPts val="1800"/>
+              <a:buFont typeface="+mj-lt"/>
+              <a:buAutoNum type="arabicPeriod"/>
+            </a:pPr>
+            <a:r>
+              <a:rPr lang="en-US" sz="1600" dirty="0"/>
+              <a:t>F. Maxwell Harper and Joseph A. </a:t>
+            </a:r>
+            <a:r>
+              <a:rPr lang="en-US" sz="1600" dirty="0" err="1"/>
+              <a:t>Konstan</a:t>
+            </a:r>
+            <a:r>
+              <a:rPr lang="en-US" sz="1600" dirty="0"/>
+              <a:t>. 2015 </a:t>
+            </a:r>
+          </a:p>
+          <a:p>
+            <a:pPr marL="596900" lvl="1" indent="0">
+              <a:spcBef>
+                <a:spcPts val="900"/>
+              </a:spcBef>
+              <a:buSzPts val="1800"/>
+              <a:buNone/>
+            </a:pPr>
+            <a:r>
+              <a:rPr lang="en-US" sz="1200" dirty="0"/>
+              <a:t>[The </a:t>
+            </a:r>
+            <a:r>
+              <a:rPr lang="en-US" sz="1200" dirty="0" err="1"/>
+              <a:t>MovieLens</a:t>
+            </a:r>
+            <a:r>
+              <a:rPr lang="en-US" sz="1200" dirty="0"/>
+              <a:t> Datasets: History and Context. ACM Transactions on Interactive Intelligent Systems (</a:t>
+            </a:r>
+            <a:r>
+              <a:rPr lang="en-US" sz="1200" dirty="0" err="1"/>
+              <a:t>TiiS</a:t>
+            </a:r>
+            <a:r>
+              <a:rPr lang="en-US" sz="1200" dirty="0"/>
+              <a:t>) 5, 4, Article 19 (December 2015), 19 pages. DOI=http://dx.doi.org/10.1145/2827872]</a:t>
+            </a:r>
+          </a:p>
+        </p:txBody>
+      </p:sp>
+    </p:spTree>
+    <p:extLst>
+      <p:ext uri="{BB962C8B-B14F-4D97-AF65-F5344CB8AC3E}">
+        <p14:creationId xmlns:p14="http://schemas.microsoft.com/office/powerpoint/2010/main" val="3709891408"/>
+      </p:ext>
+    </p:extLst>
+  </p:cSld>
+  <p:clrMapOvr>
+    <a:masterClrMapping/>
+  </p:clrMapOvr>
+</p:sld>
+</file>
+
+<file path=ppt/slides/slide3.xml><?xml version="1.0" encoding="utf-8"?>
+<p:sld xmlns:a="http://schemas.openxmlformats.org/drawingml/2006/main" xmlns:r="http://schemas.openxmlformats.org/officeDocument/2006/relationships" xmlns:p="http://schemas.openxmlformats.org/presentationml/2006/main">
+  <p:cSld>
+    <p:bg>
+      <p:bgPr>
+        <a:solidFill>
+          <a:schemeClr val="bg2"/>
+        </a:solidFill>
+        <a:effectLst/>
+      </p:bgPr>
+    </p:bg>
+    <p:spTree>
+      <p:nvGrpSpPr>
+        <p:cNvPr id="1" name=""/>
+        <p:cNvGrpSpPr/>
+        <p:nvPr/>
+      </p:nvGrpSpPr>
+      <p:grpSpPr>
+        <a:xfrm>
+          <a:off x="0" y="0"/>
+          <a:ext cx="0" cy="0"/>
+          <a:chOff x="0" y="0"/>
+          <a:chExt cx="0" cy="0"/>
+        </a:xfrm>
+      </p:grpSpPr>
+      <p:sp>
+        <p:nvSpPr>
+          <p:cNvPr id="2" name="Title 1">
+            <a:extLst>
+              <a:ext uri="{FF2B5EF4-FFF2-40B4-BE49-F238E27FC236}">
+                <a16:creationId xmlns:a16="http://schemas.microsoft.com/office/drawing/2014/main" id="{54CB1485-0B7B-8E40-DEC0-F0C65965A415}"/>
+              </a:ext>
+            </a:extLst>
+          </p:cNvPr>
+          <p:cNvSpPr>
+            <a:spLocks noGrp="1"/>
+          </p:cNvSpPr>
+          <p:nvPr>
+            <p:ph type="title"/>
+          </p:nvPr>
+        </p:nvSpPr>
+        <p:spPr>
+          <a:xfrm>
+            <a:off x="369277" y="387626"/>
+            <a:ext cx="2313633" cy="1577906"/>
+          </a:xfrm>
+        </p:spPr>
+        <p:txBody>
+          <a:bodyPr vert="horz" lIns="91440" tIns="45720" rIns="91440" bIns="45720" rtlCol="0" anchor="b">
+            <a:normAutofit/>
+          </a:bodyPr>
+          <a:lstStyle/>
+          <a:p>
+            <a:pPr defTabSz="914400"/>
+            <a:r>
+              <a:rPr lang="en-US" spc="-50"/>
+              <a:t>What is Collaborative Filtering?</a:t>
+            </a:r>
+          </a:p>
+        </p:txBody>
+      </p:sp>
+      <p:sp>
+        <p:nvSpPr>
+          <p:cNvPr id="3" name="Content Placeholder 2">
+            <a:extLst>
+              <a:ext uri="{FF2B5EF4-FFF2-40B4-BE49-F238E27FC236}">
+                <a16:creationId xmlns:a16="http://schemas.microsoft.com/office/drawing/2014/main" id="{A9B10A7F-2D3F-DA8A-6273-50B2F4F48773}"/>
+              </a:ext>
+            </a:extLst>
+          </p:cNvPr>
+          <p:cNvSpPr>
+            <a:spLocks noGrp="1"/>
+          </p:cNvSpPr>
+          <p:nvPr>
+            <p:ph idx="1"/>
+          </p:nvPr>
+        </p:nvSpPr>
+        <p:spPr>
+          <a:xfrm>
+            <a:off x="369278" y="2232559"/>
+            <a:ext cx="2313633" cy="2259430"/>
+          </a:xfrm>
+        </p:spPr>
+        <p:txBody>
+          <a:bodyPr vert="horz" lIns="0" tIns="45720" rIns="0" bIns="45720" rtlCol="0">
+            <a:normAutofit/>
+          </a:bodyPr>
+          <a:lstStyle/>
+          <a:p>
+            <a:pPr defTabSz="914400">
+              <a:buFont typeface="Calibri" panose="020F0502020204030204" pitchFamily="34" charset="0"/>
+              <a:buChar char="•"/>
+            </a:pPr>
+            <a:r>
+              <a:rPr lang="en-US" sz="1100" dirty="0">
+                <a:solidFill>
+                  <a:srgbClr val="FFFFFF"/>
+                </a:solidFill>
+              </a:rPr>
+              <a:t>Finds similar patterns among users</a:t>
+            </a:r>
+          </a:p>
+          <a:p>
+            <a:pPr defTabSz="914400">
+              <a:buFont typeface="Calibri" panose="020F0502020204030204" pitchFamily="34" charset="0"/>
+              <a:buChar char="•"/>
+            </a:pPr>
+            <a:r>
+              <a:rPr lang="en-US" sz="1100" dirty="0">
+                <a:solidFill>
+                  <a:srgbClr val="FFFFFF"/>
+                </a:solidFill>
+              </a:rPr>
+              <a:t>Filters out items that users like based on the ratings or reactions of similar users</a:t>
+            </a:r>
+          </a:p>
+          <a:p>
+            <a:pPr defTabSz="914400">
+              <a:buFont typeface="Calibri" panose="020F0502020204030204" pitchFamily="34" charset="0"/>
+              <a:buChar char="•"/>
+            </a:pPr>
+            <a:endParaRPr lang="en-US" sz="1100" dirty="0">
+              <a:solidFill>
+                <a:srgbClr val="FFFFFF"/>
+              </a:solidFill>
+            </a:endParaRPr>
+          </a:p>
+        </p:txBody>
+      </p:sp>
+      <p:pic>
+        <p:nvPicPr>
+          <p:cNvPr id="1028" name="Picture 4" descr="Diagram&#10;&#10;Description automatically generated">
+            <a:extLst>
+              <a:ext uri="{FF2B5EF4-FFF2-40B4-BE49-F238E27FC236}">
+                <a16:creationId xmlns:a16="http://schemas.microsoft.com/office/drawing/2014/main" id="{D576E11C-FE44-1437-AD47-367084DB2C8B}"/>
+              </a:ext>
+            </a:extLst>
+          </p:cNvPr>
+          <p:cNvPicPr>
+            <a:picLocks noChangeAspect="1" noChangeArrowheads="1"/>
+          </p:cNvPicPr>
+          <p:nvPr/>
+        </p:nvPicPr>
+        <p:blipFill>
+          <a:blip r:embed="rId2">
+            <a:extLst>
+              <a:ext uri="{28A0092B-C50C-407E-A947-70E740481C1C}">
+                <a14:useLocalDpi xmlns:a14="http://schemas.microsoft.com/office/drawing/2010/main" val="0"/>
+              </a:ext>
+            </a:extLst>
+          </a:blip>
+          <a:stretch>
+            <a:fillRect/>
+          </a:stretch>
+        </p:blipFill>
+        <p:spPr bwMode="auto">
+          <a:xfrm>
+            <a:off x="3556512" y="659789"/>
+            <a:ext cx="5098562" cy="3823921"/>
+          </a:xfrm>
+          <a:prstGeom prst="rect">
+            <a:avLst/>
+          </a:prstGeom>
+          <a:noFill/>
+          <a:effectLst>
+            <a:softEdge rad="38100"/>
+          </a:effectLst>
+          <a:extLst>
+            <a:ext uri="{909E8E84-426E-40DD-AFC4-6F175D3DCCD1}">
+              <a14:hiddenFill xmlns:a14="http://schemas.microsoft.com/office/drawing/2010/main">
+                <a:solidFill>
+                  <a:srgbClr val="FFFFFF"/>
+                </a:solidFill>
+              </a14:hiddenFill>
+            </a:ext>
+          </a:extLst>
+        </p:spPr>
+      </p:pic>
+    </p:spTree>
+    <p:extLst>
+      <p:ext uri="{BB962C8B-B14F-4D97-AF65-F5344CB8AC3E}">
+        <p14:creationId xmlns:p14="http://schemas.microsoft.com/office/powerpoint/2010/main" val="1801948430"/>
+      </p:ext>
+    </p:extLst>
+  </p:cSld>
+  <p:clrMapOvr>
+    <a:masterClrMapping/>
+  </p:clrMapOvr>
+</p:sld>
+</file>
+
+<file path=ppt/slides/slide4.xml><?xml version="1.0" encoding="utf-8"?>
+<p:sld xmlns:a="http://schemas.openxmlformats.org/drawingml/2006/main" xmlns:r="http://schemas.openxmlformats.org/officeDocument/2006/relationships" xmlns:p="http://schemas.openxmlformats.org/presentationml/2006/main">
+  <p:cSld>
+    <p:bg>
+      <p:bgPr>
+        <a:solidFill>
+          <a:schemeClr val="bg2"/>
+        </a:solidFill>
+        <a:effectLst/>
+      </p:bgPr>
+    </p:bg>
+    <p:spTree>
+      <p:nvGrpSpPr>
+        <p:cNvPr id="1" name=""/>
+        <p:cNvGrpSpPr/>
+        <p:nvPr/>
+      </p:nvGrpSpPr>
+      <p:grpSpPr>
+        <a:xfrm>
+          <a:off x="0" y="0"/>
+          <a:ext cx="0" cy="0"/>
+          <a:chOff x="0" y="0"/>
+          <a:chExt cx="0" cy="0"/>
+        </a:xfrm>
+      </p:grpSpPr>
+      <p:sp>
+        <p:nvSpPr>
+          <p:cNvPr id="2" name="Title 1">
+            <a:extLst>
+              <a:ext uri="{FF2B5EF4-FFF2-40B4-BE49-F238E27FC236}">
+                <a16:creationId xmlns:a16="http://schemas.microsoft.com/office/drawing/2014/main" id="{BFC84122-605C-6865-9B64-D0F483028C6E}"/>
+              </a:ext>
+            </a:extLst>
+          </p:cNvPr>
+          <p:cNvSpPr>
+            <a:spLocks noGrp="1"/>
+          </p:cNvSpPr>
+          <p:nvPr>
+            <p:ph type="title"/>
+          </p:nvPr>
+        </p:nvSpPr>
+        <p:spPr>
+          <a:xfrm>
+            <a:off x="3886200" y="476209"/>
+            <a:ext cx="4776107" cy="1088068"/>
+          </a:xfrm>
+        </p:spPr>
+        <p:txBody>
+          <a:bodyPr vert="horz" lIns="91440" tIns="45720" rIns="91440" bIns="45720" rtlCol="0" anchor="b">
+            <a:normAutofit/>
+          </a:bodyPr>
+          <a:lstStyle/>
+          <a:p>
+            <a:pPr defTabSz="914400"/>
+            <a:r>
+              <a:rPr lang="en-US" sz="3700" kern="1200" spc="-50" baseline="0" dirty="0">
+                <a:solidFill>
+                  <a:schemeClr val="tx1">
+                    <a:lumMod val="75000"/>
+                    <a:lumOff val="25000"/>
+                  </a:schemeClr>
+                </a:solidFill>
+                <a:latin typeface="+mj-lt"/>
+                <a:ea typeface="+mj-ea"/>
+                <a:cs typeface="+mj-cs"/>
+              </a:rPr>
+              <a:t>Types of Collaborative Filtering</a:t>
+            </a:r>
+          </a:p>
+        </p:txBody>
+      </p:sp>
+      <p:pic>
+        <p:nvPicPr>
+          <p:cNvPr id="5" name="Picture 4" descr="Web of wires showing connections between groups and singles">
+            <a:extLst>
+              <a:ext uri="{FF2B5EF4-FFF2-40B4-BE49-F238E27FC236}">
+                <a16:creationId xmlns:a16="http://schemas.microsoft.com/office/drawing/2014/main" id="{A710DCAE-AA2A-AC6A-692D-41A9D0326F7F}"/>
+              </a:ext>
+            </a:extLst>
+          </p:cNvPr>
+          <p:cNvPicPr>
+            <a:picLocks noChangeAspect="1"/>
+          </p:cNvPicPr>
+          <p:nvPr/>
+        </p:nvPicPr>
+        <p:blipFill rotWithShape="1">
+          <a:blip r:embed="rId3"/>
+          <a:srcRect l="35090" r="19689" b="-1"/>
+          <a:stretch/>
+        </p:blipFill>
+        <p:spPr>
+          <a:xfrm>
+            <a:off x="20" y="-9096"/>
+            <a:ext cx="3490702" cy="5152595"/>
+          </a:xfrm>
+          <a:prstGeom prst="rect">
+            <a:avLst/>
+          </a:prstGeom>
+        </p:spPr>
+      </p:pic>
+      <p:graphicFrame>
+        <p:nvGraphicFramePr>
+          <p:cNvPr id="64" name="TextBox 5">
+            <a:extLst>
+              <a:ext uri="{FF2B5EF4-FFF2-40B4-BE49-F238E27FC236}">
+                <a16:creationId xmlns:a16="http://schemas.microsoft.com/office/drawing/2014/main" id="{89C5C6B1-80B3-D711-B0E5-972BBE7D7E5C}"/>
+              </a:ext>
+            </a:extLst>
+          </p:cNvPr>
+          <p:cNvGraphicFramePr/>
+          <p:nvPr>
+            <p:extLst>
+              <p:ext uri="{D42A27DB-BD31-4B8C-83A1-F6EECF244321}">
+                <p14:modId xmlns:p14="http://schemas.microsoft.com/office/powerpoint/2010/main" val="1686193256"/>
+              </p:ext>
+            </p:extLst>
+          </p:nvPr>
+        </p:nvGraphicFramePr>
+        <p:xfrm>
+          <a:off x="3886200" y="1649185"/>
+          <a:ext cx="4776107" cy="1233151"/>
+        </p:xfrm>
+        <a:graphic>
+          <a:graphicData uri="http://schemas.openxmlformats.org/drawingml/2006/diagram">
+            <dgm:relIds xmlns:dgm="http://schemas.openxmlformats.org/drawingml/2006/diagram" xmlns:r="http://schemas.openxmlformats.org/officeDocument/2006/relationships" r:dm="rId4" r:lo="rId5" r:qs="rId6" r:cs="rId7"/>
+          </a:graphicData>
+        </a:graphic>
+      </p:graphicFrame>
+      <p:sp>
+        <p:nvSpPr>
+          <p:cNvPr id="8" name="TextBox 7">
+            <a:extLst>
+              <a:ext uri="{FF2B5EF4-FFF2-40B4-BE49-F238E27FC236}">
+                <a16:creationId xmlns:a16="http://schemas.microsoft.com/office/drawing/2014/main" id="{009BB209-9E73-D341-7F85-3FB4F8F6FB31}"/>
+              </a:ext>
+            </a:extLst>
+          </p:cNvPr>
+          <p:cNvSpPr txBox="1"/>
+          <p:nvPr/>
+        </p:nvSpPr>
+        <p:spPr>
+          <a:xfrm>
+            <a:off x="4174841" y="2720109"/>
+            <a:ext cx="1828800" cy="1384995"/>
+          </a:xfrm>
+          <a:prstGeom prst="rect">
+            <a:avLst/>
+          </a:prstGeom>
+          <a:noFill/>
+        </p:spPr>
+        <p:txBody>
+          <a:bodyPr wrap="square" rtlCol="0">
+            <a:spAutoFit/>
+          </a:bodyPr>
+          <a:lstStyle/>
+          <a:p>
+            <a:pPr marL="285750" indent="-285750">
+              <a:buFont typeface="Arial" panose="020B0604020202020204" pitchFamily="34" charset="0"/>
+              <a:buChar char="•"/>
+            </a:pPr>
+            <a:r>
+              <a:rPr lang="en-US" sz="1200" dirty="0"/>
+              <a:t>Find users sharing similar rating patterns with test user</a:t>
+            </a:r>
+          </a:p>
+          <a:p>
+            <a:pPr marL="285750" indent="-285750">
+              <a:buFont typeface="Arial" panose="020B0604020202020204" pitchFamily="34" charset="0"/>
+              <a:buChar char="•"/>
+            </a:pPr>
+            <a:endParaRPr lang="en-US" sz="1200" dirty="0"/>
+          </a:p>
+          <a:p>
+            <a:pPr marL="285750" indent="-285750">
+              <a:buFont typeface="Arial" panose="020B0604020202020204" pitchFamily="34" charset="0"/>
+              <a:buChar char="•"/>
+            </a:pPr>
+            <a:r>
+              <a:rPr lang="en-US" sz="1200" dirty="0"/>
+              <a:t>Ratings from these users used to calculate a prediction</a:t>
+            </a:r>
+          </a:p>
+        </p:txBody>
+      </p:sp>
+      <p:sp>
+        <p:nvSpPr>
+          <p:cNvPr id="19" name="TextBox 18">
+            <a:extLst>
+              <a:ext uri="{FF2B5EF4-FFF2-40B4-BE49-F238E27FC236}">
+                <a16:creationId xmlns:a16="http://schemas.microsoft.com/office/drawing/2014/main" id="{961FC4E9-0EA1-D466-ED78-9D67DE195686}"/>
+              </a:ext>
+            </a:extLst>
+          </p:cNvPr>
+          <p:cNvSpPr txBox="1"/>
+          <p:nvPr/>
+        </p:nvSpPr>
+        <p:spPr>
+          <a:xfrm>
+            <a:off x="6158803" y="2715698"/>
+            <a:ext cx="1828800" cy="1384995"/>
+          </a:xfrm>
+          <a:prstGeom prst="rect">
+            <a:avLst/>
+          </a:prstGeom>
+          <a:noFill/>
+        </p:spPr>
+        <p:txBody>
+          <a:bodyPr wrap="square" rtlCol="0">
+            <a:spAutoFit/>
+          </a:bodyPr>
+          <a:lstStyle/>
+          <a:p>
+            <a:pPr marL="285750" indent="-285750">
+              <a:buFont typeface="Arial" panose="020B0604020202020204" pitchFamily="34" charset="0"/>
+              <a:buChar char="•"/>
+            </a:pPr>
+            <a:r>
+              <a:rPr lang="en-US" sz="1200" dirty="0"/>
+              <a:t>Relationships among items found using item-item matrix</a:t>
+            </a:r>
+          </a:p>
+          <a:p>
+            <a:pPr marL="285750" indent="-285750">
+              <a:buFont typeface="Arial" panose="020B0604020202020204" pitchFamily="34" charset="0"/>
+              <a:buChar char="•"/>
+            </a:pPr>
+            <a:endParaRPr lang="en-US" sz="1200" dirty="0"/>
+          </a:p>
+          <a:p>
+            <a:pPr marL="285750" indent="-285750">
+              <a:buFont typeface="Arial" panose="020B0604020202020204" pitchFamily="34" charset="0"/>
+              <a:buChar char="•"/>
+            </a:pPr>
+            <a:r>
+              <a:rPr lang="en-US" sz="1200" dirty="0"/>
+              <a:t>Match user’s data with this matrix to get preferences</a:t>
+            </a:r>
+          </a:p>
+        </p:txBody>
+      </p:sp>
+    </p:spTree>
+    <p:extLst>
+      <p:ext uri="{BB962C8B-B14F-4D97-AF65-F5344CB8AC3E}">
+        <p14:creationId xmlns:p14="http://schemas.microsoft.com/office/powerpoint/2010/main" val="1653081275"/>
+      </p:ext>
+    </p:extLst>
+  </p:cSld>
+  <p:clrMapOvr>
+    <a:masterClrMapping/>
+  </p:clrMapOvr>
+</p:sld>
+</file>
+
+<file path=ppt/slides/slide5.xml><?xml version="1.0" encoding="utf-8"?>
+<p:sld xmlns:a="http://schemas.openxmlformats.org/drawingml/2006/main" xmlns:r="http://schemas.openxmlformats.org/officeDocument/2006/relationships" xmlns:p="http://schemas.openxmlformats.org/presentationml/2006/main">
+  <p:cSld>
+    <p:bg>
+      <p:bgPr>
+        <a:solidFill>
+          <a:schemeClr val="bg2"/>
+        </a:solidFill>
+        <a:effectLst/>
+      </p:bgPr>
+    </p:bg>
+    <p:spTree>
+      <p:nvGrpSpPr>
+        <p:cNvPr id="1" name=""/>
+        <p:cNvGrpSpPr/>
+        <p:nvPr/>
+      </p:nvGrpSpPr>
+      <p:grpSpPr>
+        <a:xfrm>
+          <a:off x="0" y="0"/>
+          <a:ext cx="0" cy="0"/>
+          <a:chOff x="0" y="0"/>
+          <a:chExt cx="0" cy="0"/>
+        </a:xfrm>
+      </p:grpSpPr>
+      <p:sp>
+        <p:nvSpPr>
+          <p:cNvPr id="2" name="Title 1">
+            <a:extLst>
+              <a:ext uri="{FF2B5EF4-FFF2-40B4-BE49-F238E27FC236}">
+                <a16:creationId xmlns:a16="http://schemas.microsoft.com/office/drawing/2014/main" id="{5976DC7F-4D9E-9430-EE24-1B07D72BF950}"/>
+              </a:ext>
+            </a:extLst>
+          </p:cNvPr>
+          <p:cNvSpPr>
+            <a:spLocks noGrp="1"/>
+          </p:cNvSpPr>
+          <p:nvPr>
+            <p:ph type="title"/>
+          </p:nvPr>
+        </p:nvSpPr>
+        <p:spPr/>
+        <p:txBody>
+          <a:bodyPr/>
+          <a:lstStyle/>
+          <a:p>
+            <a:r>
+              <a:rPr lang="en-US"/>
+              <a:t>Similarity Check</a:t>
+            </a:r>
+            <a:endParaRPr lang="en-US" dirty="0"/>
+          </a:p>
+        </p:txBody>
+      </p:sp>
+      <p:sp>
+        <p:nvSpPr>
+          <p:cNvPr id="3" name="Content Placeholder 2">
+            <a:extLst>
+              <a:ext uri="{FF2B5EF4-FFF2-40B4-BE49-F238E27FC236}">
+                <a16:creationId xmlns:a16="http://schemas.microsoft.com/office/drawing/2014/main" id="{5239537E-F7C5-1675-AD44-81AB76B07562}"/>
+              </a:ext>
+            </a:extLst>
+          </p:cNvPr>
+          <p:cNvSpPr>
+            <a:spLocks noGrp="1"/>
+          </p:cNvSpPr>
+          <p:nvPr>
+            <p:ph idx="1"/>
+          </p:nvPr>
+        </p:nvSpPr>
+        <p:spPr>
+          <a:xfrm>
+            <a:off x="3600450" y="548640"/>
+            <a:ext cx="4869180" cy="291539"/>
+          </a:xfrm>
+        </p:spPr>
+        <p:txBody>
+          <a:bodyPr>
+            <a:normAutofit fontScale="92500" lnSpcReduction="10000"/>
+          </a:bodyPr>
+          <a:lstStyle/>
+          <a:p>
+            <a:pPr marL="0" indent="0">
+              <a:buNone/>
+            </a:pPr>
+            <a:r>
+              <a:rPr lang="en-US" dirty="0"/>
+              <a:t>Similarity can be computed as follows</a:t>
+            </a:r>
+          </a:p>
+          <a:p>
+            <a:pPr marL="219456" lvl="1" indent="0">
+              <a:buNone/>
+            </a:pPr>
+            <a:endParaRPr lang="en-US" dirty="0"/>
+          </a:p>
+          <a:p>
+            <a:pPr marL="0" indent="0">
+              <a:buNone/>
+            </a:pPr>
+            <a:endParaRPr lang="en-US" dirty="0"/>
+          </a:p>
+          <a:p>
+            <a:pPr marL="219456" lvl="1" indent="0">
+              <a:buNone/>
+            </a:pPr>
+            <a:endParaRPr lang="en-US" dirty="0"/>
+          </a:p>
+        </p:txBody>
+      </p:sp>
+      <p:pic>
+        <p:nvPicPr>
+          <p:cNvPr id="7" name="Picture 6">
+            <a:extLst>
+              <a:ext uri="{FF2B5EF4-FFF2-40B4-BE49-F238E27FC236}">
+                <a16:creationId xmlns:a16="http://schemas.microsoft.com/office/drawing/2014/main" id="{F0F14C5A-6A95-A7CD-1A45-458B3028C926}"/>
+              </a:ext>
+            </a:extLst>
+          </p:cNvPr>
+          <p:cNvPicPr>
+            <a:picLocks noChangeAspect="1"/>
+          </p:cNvPicPr>
+          <p:nvPr/>
+        </p:nvPicPr>
+        <p:blipFill>
+          <a:blip r:embed="rId2"/>
+          <a:stretch>
+            <a:fillRect/>
+          </a:stretch>
+        </p:blipFill>
+        <p:spPr>
+          <a:xfrm>
+            <a:off x="3777499" y="3020293"/>
+            <a:ext cx="4515082" cy="1023264"/>
+          </a:xfrm>
+          <a:prstGeom prst="rect">
+            <a:avLst/>
+          </a:prstGeom>
+          <a:effectLst>
+            <a:softEdge rad="25400"/>
+          </a:effectLst>
+        </p:spPr>
+      </p:pic>
+      <p:pic>
+        <p:nvPicPr>
+          <p:cNvPr id="9" name="Picture 8">
+            <a:extLst>
+              <a:ext uri="{FF2B5EF4-FFF2-40B4-BE49-F238E27FC236}">
+                <a16:creationId xmlns:a16="http://schemas.microsoft.com/office/drawing/2014/main" id="{94DE456E-B999-8567-F8C7-13488F84A2A5}"/>
+              </a:ext>
+            </a:extLst>
+          </p:cNvPr>
+          <p:cNvPicPr>
+            <a:picLocks noChangeAspect="1"/>
+          </p:cNvPicPr>
+          <p:nvPr/>
+        </p:nvPicPr>
+        <p:blipFill>
+          <a:blip r:embed="rId3"/>
+          <a:stretch>
+            <a:fillRect/>
+          </a:stretch>
+        </p:blipFill>
+        <p:spPr>
+          <a:xfrm>
+            <a:off x="3777499" y="840179"/>
+            <a:ext cx="4515082" cy="1930499"/>
+          </a:xfrm>
+          <a:prstGeom prst="rect">
+            <a:avLst/>
+          </a:prstGeom>
+          <a:solidFill>
+            <a:schemeClr val="bg2"/>
+          </a:solidFill>
+          <a:effectLst>
+            <a:softEdge rad="25400"/>
+          </a:effectLst>
+        </p:spPr>
+      </p:pic>
+      <p:sp>
+        <p:nvSpPr>
+          <p:cNvPr id="12" name="TextBox 11">
+            <a:extLst>
+              <a:ext uri="{FF2B5EF4-FFF2-40B4-BE49-F238E27FC236}">
+                <a16:creationId xmlns:a16="http://schemas.microsoft.com/office/drawing/2014/main" id="{77AC52F6-A6FB-15AC-3E1C-51F2B228B4A5}"/>
+              </a:ext>
+            </a:extLst>
+          </p:cNvPr>
+          <p:cNvSpPr txBox="1"/>
+          <p:nvPr/>
+        </p:nvSpPr>
+        <p:spPr>
+          <a:xfrm>
+            <a:off x="8064760" y="2711674"/>
+            <a:ext cx="632691" cy="276999"/>
+          </a:xfrm>
+          <a:prstGeom prst="rect">
+            <a:avLst/>
+          </a:prstGeom>
+          <a:noFill/>
+        </p:spPr>
+        <p:txBody>
+          <a:bodyPr wrap="square" rtlCol="0">
+            <a:spAutoFit/>
+          </a:bodyPr>
+          <a:lstStyle/>
+          <a:p>
+            <a:r>
+              <a:rPr lang="en-US" sz="1200" dirty="0">
+                <a:hlinkClick r:id="rId4"/>
+              </a:rPr>
+              <a:t>Source</a:t>
+            </a:r>
+            <a:endParaRPr lang="en-US" sz="1200" dirty="0"/>
+          </a:p>
+        </p:txBody>
+      </p:sp>
+      <p:sp>
+        <p:nvSpPr>
+          <p:cNvPr id="13" name="TextBox 12">
+            <a:extLst>
+              <a:ext uri="{FF2B5EF4-FFF2-40B4-BE49-F238E27FC236}">
+                <a16:creationId xmlns:a16="http://schemas.microsoft.com/office/drawing/2014/main" id="{58063B4A-B163-D0FD-32FF-22AF1841F76D}"/>
+              </a:ext>
+            </a:extLst>
+          </p:cNvPr>
+          <p:cNvSpPr txBox="1"/>
+          <p:nvPr/>
+        </p:nvSpPr>
+        <p:spPr>
+          <a:xfrm>
+            <a:off x="8020886" y="4154672"/>
+            <a:ext cx="720437" cy="276999"/>
+          </a:xfrm>
+          <a:prstGeom prst="rect">
+            <a:avLst/>
+          </a:prstGeom>
+          <a:noFill/>
+        </p:spPr>
+        <p:txBody>
+          <a:bodyPr wrap="square" rtlCol="0">
+            <a:spAutoFit/>
+          </a:bodyPr>
+          <a:lstStyle/>
+          <a:p>
+            <a:r>
+              <a:rPr lang="en-US" sz="1200" dirty="0">
+                <a:hlinkClick r:id="rId5"/>
+              </a:rPr>
+              <a:t>Source</a:t>
+            </a:r>
+            <a:endParaRPr lang="en-US" sz="1200" dirty="0"/>
+          </a:p>
+        </p:txBody>
+      </p:sp>
+    </p:spTree>
+    <p:extLst>
+      <p:ext uri="{BB962C8B-B14F-4D97-AF65-F5344CB8AC3E}">
+        <p14:creationId xmlns:p14="http://schemas.microsoft.com/office/powerpoint/2010/main" val="2801971242"/>
+      </p:ext>
+    </p:extLst>
+  </p:cSld>
+  <p:clrMapOvr>
+    <a:masterClrMapping/>
+  </p:clrMapOvr>
+</p:sld>
+</file>
+
+<file path=ppt/slides/slide6.xml><?xml version="1.0" encoding="utf-8"?>
+<p:sld xmlns:a="http://schemas.openxmlformats.org/drawingml/2006/main" xmlns:r="http://schemas.openxmlformats.org/officeDocument/2006/relationships" xmlns:p="http://schemas.openxmlformats.org/presentationml/2006/main">
+  <p:cSld>
+    <p:bg>
+      <p:bgPr>
+        <a:solidFill>
+          <a:schemeClr val="bg2"/>
+        </a:solidFill>
+        <a:effectLst/>
+      </p:bgPr>
+    </p:bg>
+    <p:spTree>
+      <p:nvGrpSpPr>
+        <p:cNvPr id="1" name=""/>
+        <p:cNvGrpSpPr/>
+        <p:nvPr/>
+      </p:nvGrpSpPr>
+      <p:grpSpPr>
+        <a:xfrm>
+          <a:off x="0" y="0"/>
+          <a:ext cx="0" cy="0"/>
+          <a:chOff x="0" y="0"/>
+          <a:chExt cx="0" cy="0"/>
+        </a:xfrm>
+      </p:grpSpPr>
+      <p:sp>
+        <p:nvSpPr>
+          <p:cNvPr id="2" name="Title 1">
+            <a:extLst>
+              <a:ext uri="{FF2B5EF4-FFF2-40B4-BE49-F238E27FC236}">
+                <a16:creationId xmlns:a16="http://schemas.microsoft.com/office/drawing/2014/main" id="{F793AF8A-0C65-6E6E-EAB1-D92FDA7C45DE}"/>
+              </a:ext>
+            </a:extLst>
+          </p:cNvPr>
+          <p:cNvSpPr>
+            <a:spLocks noGrp="1"/>
+          </p:cNvSpPr>
+          <p:nvPr>
+            <p:ph type="title"/>
+          </p:nvPr>
+        </p:nvSpPr>
+        <p:spPr/>
+        <p:txBody>
+          <a:bodyPr/>
+          <a:lstStyle/>
+          <a:p>
+            <a:r>
+              <a:rPr lang="en-US" dirty="0"/>
+              <a:t>PyTorch</a:t>
+            </a:r>
+          </a:p>
+        </p:txBody>
+      </p:sp>
+      <p:graphicFrame>
+        <p:nvGraphicFramePr>
+          <p:cNvPr id="5" name="Content Placeholder 2">
+            <a:extLst>
+              <a:ext uri="{FF2B5EF4-FFF2-40B4-BE49-F238E27FC236}">
+                <a16:creationId xmlns:a16="http://schemas.microsoft.com/office/drawing/2014/main" id="{B7F29E0A-FB63-2ECC-5595-3A2AAE215CDB}"/>
+              </a:ext>
+            </a:extLst>
+          </p:cNvPr>
+          <p:cNvGraphicFramePr>
+            <a:graphicFrameLocks noGrp="1"/>
+          </p:cNvGraphicFramePr>
+          <p:nvPr>
+            <p:ph idx="1"/>
+          </p:nvPr>
+        </p:nvGraphicFramePr>
+        <p:xfrm>
+          <a:off x="3600450" y="549275"/>
+          <a:ext cx="4868863" cy="3943350"/>
+        </p:xfrm>
+        <a:graphic>
+          <a:graphicData uri="http://schemas.openxmlformats.org/drawingml/2006/diagram">
+            <dgm:relIds xmlns:dgm="http://schemas.openxmlformats.org/drawingml/2006/diagram" xmlns:r="http://schemas.openxmlformats.org/officeDocument/2006/relationships" r:dm="rId2" r:lo="rId3" r:qs="rId4" r:cs="rId5"/>
+          </a:graphicData>
+        </a:graphic>
+      </p:graphicFrame>
+    </p:spTree>
+    <p:extLst>
+      <p:ext uri="{BB962C8B-B14F-4D97-AF65-F5344CB8AC3E}">
+        <p14:creationId xmlns:p14="http://schemas.microsoft.com/office/powerpoint/2010/main" val="2029485356"/>
+      </p:ext>
+    </p:extLst>
+  </p:cSld>
+  <p:clrMapOvr>
+    <a:masterClrMapping/>
+  </p:clrMapOvr>
+</p:sld>
+</file>
+
+<file path=ppt/slides/slide7.xml><?xml version="1.0" encoding="utf-8"?>
+<p:sld xmlns:a="http://schemas.openxmlformats.org/drawingml/2006/main" xmlns:r="http://schemas.openxmlformats.org/officeDocument/2006/relationships" xmlns:p="http://schemas.openxmlformats.org/presentationml/2006/main">
+  <p:cSld>
+    <p:bg>
+      <p:bgPr>
+        <a:solidFill>
+          <a:schemeClr val="bg2"/>
+        </a:solidFill>
+        <a:effectLst/>
+      </p:bgPr>
+    </p:bg>
+    <p:spTree>
+      <p:nvGrpSpPr>
+        <p:cNvPr id="1" name=""/>
+        <p:cNvGrpSpPr/>
+        <p:nvPr/>
+      </p:nvGrpSpPr>
+      <p:grpSpPr>
+        <a:xfrm>
+          <a:off x="0" y="0"/>
+          <a:ext cx="0" cy="0"/>
+          <a:chOff x="0" y="0"/>
+          <a:chExt cx="0" cy="0"/>
+        </a:xfrm>
+      </p:grpSpPr>
+      <p:sp>
+        <p:nvSpPr>
+          <p:cNvPr id="2" name="Title 1">
+            <a:extLst>
+              <a:ext uri="{FF2B5EF4-FFF2-40B4-BE49-F238E27FC236}">
+                <a16:creationId xmlns:a16="http://schemas.microsoft.com/office/drawing/2014/main" id="{2233451B-A843-8374-77D9-F5A7B47BBE2E}"/>
+              </a:ext>
+            </a:extLst>
+          </p:cNvPr>
+          <p:cNvSpPr>
+            <a:spLocks noGrp="1"/>
+          </p:cNvSpPr>
+          <p:nvPr>
+            <p:ph type="title"/>
+          </p:nvPr>
+        </p:nvSpPr>
+        <p:spPr>
+          <a:xfrm>
+            <a:off x="342900" y="445769"/>
+            <a:ext cx="2400300" cy="1589219"/>
+          </a:xfrm>
+        </p:spPr>
+        <p:txBody>
+          <a:bodyPr/>
+          <a:lstStyle/>
+          <a:p>
+            <a:r>
+              <a:rPr lang="en-US" dirty="0"/>
+              <a:t>Embeddings</a:t>
+            </a:r>
+          </a:p>
+        </p:txBody>
+      </p:sp>
+      <p:graphicFrame>
+        <p:nvGraphicFramePr>
+          <p:cNvPr id="5" name="Content Placeholder 2">
+            <a:extLst>
+              <a:ext uri="{FF2B5EF4-FFF2-40B4-BE49-F238E27FC236}">
+                <a16:creationId xmlns:a16="http://schemas.microsoft.com/office/drawing/2014/main" id="{FF9F9BC3-6410-7D9A-97A6-369573E0C42E}"/>
+              </a:ext>
+            </a:extLst>
+          </p:cNvPr>
+          <p:cNvGraphicFramePr>
+            <a:graphicFrameLocks noGrp="1"/>
+          </p:cNvGraphicFramePr>
+          <p:nvPr>
+            <p:ph idx="1"/>
+            <p:extLst>
+              <p:ext uri="{D42A27DB-BD31-4B8C-83A1-F6EECF244321}">
+                <p14:modId xmlns:p14="http://schemas.microsoft.com/office/powerpoint/2010/main" val="3610537543"/>
+              </p:ext>
+            </p:extLst>
+          </p:nvPr>
+        </p:nvGraphicFramePr>
+        <p:xfrm>
+          <a:off x="3600450" y="549275"/>
+          <a:ext cx="4868863" cy="3943350"/>
+        </p:xfrm>
+        <a:graphic>
+          <a:graphicData uri="http://schemas.openxmlformats.org/drawingml/2006/diagram">
+            <dgm:relIds xmlns:dgm="http://schemas.openxmlformats.org/drawingml/2006/diagram" xmlns:r="http://schemas.openxmlformats.org/officeDocument/2006/relationships" r:dm="rId2" r:lo="rId3" r:qs="rId4" r:cs="rId5"/>
+          </a:graphicData>
+        </a:graphic>
+      </p:graphicFrame>
+    </p:spTree>
+    <p:extLst>
+      <p:ext uri="{BB962C8B-B14F-4D97-AF65-F5344CB8AC3E}">
+        <p14:creationId xmlns:p14="http://schemas.microsoft.com/office/powerpoint/2010/main" val="1362124502"/>
+      </p:ext>
+    </p:extLst>
+  </p:cSld>
+  <p:clrMapOvr>
+    <a:masterClrMapping/>
+  </p:clrMapOvr>
+</p:sld>
+</file>
+
+<file path=ppt/slides/slide8.xml><?xml version="1.0" encoding="utf-8"?>
+<p:sld xmlns:a="http://schemas.openxmlformats.org/drawingml/2006/main" xmlns:r="http://schemas.openxmlformats.org/officeDocument/2006/relationships" xmlns:p="http://schemas.openxmlformats.org/presentationml/2006/main">
+  <p:cSld>
+    <p:bg>
+      <p:bgPr>
+        <a:solidFill>
+          <a:schemeClr val="bg2"/>
+        </a:solidFill>
+        <a:effectLst/>
+      </p:bgPr>
+    </p:bg>
+    <p:spTree>
+      <p:nvGrpSpPr>
+        <p:cNvPr id="1" name=""/>
+        <p:cNvGrpSpPr/>
+        <p:nvPr/>
+      </p:nvGrpSpPr>
+      <p:grpSpPr>
+        <a:xfrm>
+          <a:off x="0" y="0"/>
+          <a:ext cx="0" cy="0"/>
+          <a:chOff x="0" y="0"/>
+          <a:chExt cx="0" cy="0"/>
+        </a:xfrm>
+      </p:grpSpPr>
+      <p:sp>
+        <p:nvSpPr>
+          <p:cNvPr id="7" name="Rectangle 6">
+            <a:extLst>
+              <a:ext uri="{FF2B5EF4-FFF2-40B4-BE49-F238E27FC236}">
+                <a16:creationId xmlns:a16="http://schemas.microsoft.com/office/drawing/2014/main" id="{1DFE635C-C432-47DA-AEAB-A593345CBA70}"/>
+              </a:ext>
+              <a:ext uri="{C183D7F6-B498-43B3-948B-1728B52AA6E4}">
+                <adec:decorative xmlns:adec="http://schemas.microsoft.com/office/drawing/2017/decorative" val="1"/>
+              </a:ext>
+            </a:extLst>
+          </p:cNvPr>
+          <p:cNvSpPr>
+            <a:spLocks noGrp="1" noRot="1" noChangeAspect="1" noMove="1" noResize="1" noEditPoints="1" noAdjustHandles="1" noChangeArrowheads="1" noChangeShapeType="1" noTextEdit="1"/>
+          </p:cNvSpPr>
+          <p:nvPr>
+            <p:extLst>
+              <p:ext uri="{386F3935-93C4-4BCD-93E2-E3B085C9AB24}">
+                <p16:designElem xmlns:p16="http://schemas.microsoft.com/office/powerpoint/2015/main" val="1"/>
+              </p:ext>
+            </p:extLst>
+          </p:nvPr>
+        </p:nvSpPr>
+        <p:spPr>
+          <a:xfrm>
+            <a:off x="2381" y="4800600"/>
+            <a:ext cx="9141619" cy="342900"/>
+          </a:xfrm>
+          <a:prstGeom prst="rect">
+            <a:avLst/>
+          </a:prstGeom>
+          <a:solidFill>
+            <a:schemeClr val="accent2"/>
+          </a:solidFill>
+          <a:ln>
+            <a:noFill/>
+          </a:ln>
+        </p:spPr>
+        <p:style>
+          <a:lnRef idx="2">
+            <a:schemeClr val="accent1">
+              <a:shade val="50000"/>
+            </a:schemeClr>
+          </a:lnRef>
+          <a:fillRef idx="1">
+            <a:schemeClr val="accent1"/>
+          </a:fillRef>
+          <a:effectRef idx="0">
+            <a:schemeClr val="accent1"/>
+          </a:effectRef>
+          <a:fontRef idx="minor">
+            <a:schemeClr val="lt1"/>
+          </a:fontRef>
+        </p:style>
+      </p:sp>
+      <p:sp>
+        <p:nvSpPr>
+          <p:cNvPr id="9" name="Rectangle 8">
+            <a:extLst>
+              <a:ext uri="{FF2B5EF4-FFF2-40B4-BE49-F238E27FC236}">
+                <a16:creationId xmlns:a16="http://schemas.microsoft.com/office/drawing/2014/main" id="{79FBF3D3-2448-4FF3-B57B-852CB3B8517E}"/>
+              </a:ext>
+              <a:ext uri="{C183D7F6-B498-43B3-948B-1728B52AA6E4}">
+                <adec:decorative xmlns:adec="http://schemas.microsoft.com/office/drawing/2017/decorative" val="1"/>
+              </a:ext>
+            </a:extLst>
+          </p:cNvPr>
+          <p:cNvSpPr>
+            <a:spLocks noGrp="1" noRot="1" noChangeAspect="1" noMove="1" noResize="1" noEditPoints="1" noAdjustHandles="1" noChangeArrowheads="1" noChangeShapeType="1" noTextEdit="1"/>
+          </p:cNvSpPr>
+          <p:nvPr>
+            <p:extLst>
+              <p:ext uri="{386F3935-93C4-4BCD-93E2-E3B085C9AB24}">
+                <p16:designElem xmlns:p16="http://schemas.microsoft.com/office/powerpoint/2015/main" val="1"/>
+              </p:ext>
+            </p:extLst>
+          </p:nvPr>
+        </p:nvSpPr>
+        <p:spPr>
+          <a:xfrm>
+            <a:off x="11" y="4750737"/>
+            <a:ext cx="9141619" cy="48006"/>
+          </a:xfrm>
+          <a:prstGeom prst="rect">
+            <a:avLst/>
+          </a:prstGeom>
+          <a:solidFill>
+            <a:schemeClr val="accent1"/>
+          </a:solidFill>
+          <a:ln>
+            <a:noFill/>
+          </a:ln>
+        </p:spPr>
+        <p:style>
+          <a:lnRef idx="2">
+            <a:schemeClr val="accent1">
+              <a:shade val="50000"/>
+            </a:schemeClr>
+          </a:lnRef>
+          <a:fillRef idx="1">
+            <a:schemeClr val="accent1"/>
+          </a:fillRef>
+          <a:effectRef idx="0">
+            <a:schemeClr val="accent1"/>
+          </a:effectRef>
+          <a:fontRef idx="minor">
+            <a:schemeClr val="lt1"/>
+          </a:fontRef>
+        </p:style>
+      </p:sp>
+      <p:cxnSp>
+        <p:nvCxnSpPr>
+          <p:cNvPr id="11" name="Straight Connector 10">
+            <a:extLst>
+              <a:ext uri="{FF2B5EF4-FFF2-40B4-BE49-F238E27FC236}">
+                <a16:creationId xmlns:a16="http://schemas.microsoft.com/office/drawing/2014/main" id="{E040C66D-4F1C-4AC9-9214-C9E6DA54AAA7}"/>
+              </a:ext>
+              <a:ext uri="{C183D7F6-B498-43B3-948B-1728B52AA6E4}">
+                <adec:decorative xmlns:adec="http://schemas.microsoft.com/office/drawing/2017/decorative" val="1"/>
+              </a:ext>
+            </a:extLst>
+          </p:cNvPr>
+          <p:cNvCxnSpPr>
+            <a:cxnSpLocks noGrp="1" noRot="1" noChangeAspect="1" noMove="1" noResize="1" noEditPoints="1" noAdjustHandles="1" noChangeArrowheads="1" noChangeShapeType="1"/>
+          </p:cNvCxnSpPr>
+          <p:nvPr>
+            <p:extLst>
+              <p:ext uri="{386F3935-93C4-4BCD-93E2-E3B085C9AB24}">
+                <p16:designElem xmlns:p16="http://schemas.microsoft.com/office/powerpoint/2015/main" val="1"/>
+              </p:ext>
+            </p:extLst>
+          </p:nvPr>
+        </p:nvCxnSpPr>
+        <p:spPr>
+          <a:xfrm>
+            <a:off x="905743" y="3257550"/>
+            <a:ext cx="7406640" cy="0"/>
+          </a:xfrm>
+          <a:prstGeom prst="line">
+            <a:avLst/>
+          </a:prstGeom>
+          <a:ln w="6350">
+            <a:solidFill>
+              <a:schemeClr val="tx1">
+                <a:lumMod val="50000"/>
+                <a:lumOff val="50000"/>
+              </a:schemeClr>
+            </a:solidFill>
+          </a:ln>
+        </p:spPr>
+        <p:style>
+          <a:lnRef idx="1">
+            <a:schemeClr val="accent1"/>
+          </a:lnRef>
+          <a:fillRef idx="0">
+            <a:schemeClr val="accent1"/>
+          </a:fillRef>
+          <a:effectRef idx="0">
+            <a:schemeClr val="accent1"/>
+          </a:effectRef>
+          <a:fontRef idx="minor">
+            <a:schemeClr val="tx1"/>
+          </a:fontRef>
+        </p:style>
+      </p:cxnSp>
+      <p:sp useBgFill="1">
+        <p:nvSpPr>
+          <p:cNvPr id="13" name="Rectangle 12">
+            <a:extLst>
+              <a:ext uri="{FF2B5EF4-FFF2-40B4-BE49-F238E27FC236}">
+                <a16:creationId xmlns:a16="http://schemas.microsoft.com/office/drawing/2014/main" id="{8C6E698C-8155-4B8B-BDC9-B7299772B509}"/>
+              </a:ext>
+              <a:ext uri="{C183D7F6-B498-43B3-948B-1728B52AA6E4}">
+                <adec:decorative xmlns:adec="http://schemas.microsoft.com/office/drawing/2017/decorative" val="1"/>
+              </a:ext>
+            </a:extLst>
+          </p:cNvPr>
+          <p:cNvSpPr>
+            <a:spLocks noGrp="1" noRot="1" noChangeAspect="1" noMove="1" noResize="1" noEditPoints="1" noAdjustHandles="1" noChangeArrowheads="1" noChangeShapeType="1" noTextEdit="1"/>
+          </p:cNvSpPr>
+          <p:nvPr>
+            <p:extLst>
+              <p:ext uri="{386F3935-93C4-4BCD-93E2-E3B085C9AB24}">
+                <p16:designElem xmlns:p16="http://schemas.microsoft.com/office/powerpoint/2015/main" val="1"/>
+              </p:ext>
+            </p:extLst>
+          </p:nvPr>
+        </p:nvSpPr>
+        <p:spPr>
+          <a:xfrm>
+            <a:off x="0" y="0"/>
+            <a:ext cx="9141714" cy="5143500"/>
+          </a:xfrm>
+          <a:prstGeom prst="rect">
+            <a:avLst/>
+          </a:prstGeom>
+          <a:ln>
+            <a:noFill/>
+          </a:ln>
+        </p:spPr>
+        <p:style>
+          <a:lnRef idx="2">
+            <a:schemeClr val="accent1">
+              <a:shade val="50000"/>
+            </a:schemeClr>
+          </a:lnRef>
+          <a:fillRef idx="1">
+            <a:schemeClr val="accent1"/>
+          </a:fillRef>
+          <a:effectRef idx="0">
+            <a:schemeClr val="accent1"/>
+          </a:effectRef>
+          <a:fontRef idx="minor">
+            <a:schemeClr val="lt1"/>
+          </a:fontRef>
+        </p:style>
+        <p:txBody>
+          <a:bodyPr rtlCol="0" anchor="ctr"/>
+          <a:lstStyle/>
+          <a:p>
+            <a:pPr algn="ctr"/>
+            <a:endParaRPr lang="en-US"/>
+          </a:p>
+        </p:txBody>
+      </p:sp>
+      <p:sp>
+        <p:nvSpPr>
+          <p:cNvPr id="2" name="Title 1">
+            <a:extLst>
+              <a:ext uri="{FF2B5EF4-FFF2-40B4-BE49-F238E27FC236}">
+                <a16:creationId xmlns:a16="http://schemas.microsoft.com/office/drawing/2014/main" id="{879CFB02-F7D2-2F40-2562-3F76A1E0DFD2}"/>
+              </a:ext>
+            </a:extLst>
+          </p:cNvPr>
+          <p:cNvSpPr>
+            <a:spLocks noGrp="1"/>
+          </p:cNvSpPr>
+          <p:nvPr>
+            <p:ph type="title"/>
+          </p:nvPr>
+        </p:nvSpPr>
+        <p:spPr>
+          <a:xfrm>
+            <a:off x="723900" y="482600"/>
+            <a:ext cx="4691270" cy="3790506"/>
+          </a:xfrm>
+        </p:spPr>
+        <p:txBody>
+          <a:bodyPr vert="horz" lIns="91440" tIns="45720" rIns="91440" bIns="45720" rtlCol="0" anchor="ctr">
+            <a:normAutofit/>
+          </a:bodyPr>
+          <a:lstStyle/>
+          <a:p>
+            <a:pPr algn="r" defTabSz="914400"/>
+            <a:r>
+              <a:rPr lang="en-US" sz="5600" spc="-50" dirty="0">
+                <a:solidFill>
+                  <a:schemeClr val="tx1">
+                    <a:lumMod val="85000"/>
+                    <a:lumOff val="15000"/>
+                  </a:schemeClr>
+                </a:solidFill>
+              </a:rPr>
+              <a:t>PyTorch Deep Neural Network Implementation</a:t>
+            </a:r>
+          </a:p>
+        </p:txBody>
+      </p:sp>
+      <p:cxnSp>
+        <p:nvCxnSpPr>
+          <p:cNvPr id="15" name="Straight Connector 14">
+            <a:extLst>
+              <a:ext uri="{FF2B5EF4-FFF2-40B4-BE49-F238E27FC236}">
+                <a16:creationId xmlns:a16="http://schemas.microsoft.com/office/drawing/2014/main" id="{09525C9A-1972-4836-BA7A-706C946EF4DA}"/>
+              </a:ext>
+              <a:ext uri="{C183D7F6-B498-43B3-948B-1728B52AA6E4}">
+                <adec:decorative xmlns:adec="http://schemas.microsoft.com/office/drawing/2017/decorative" val="1"/>
+              </a:ext>
+            </a:extLst>
+          </p:cNvPr>
+          <p:cNvCxnSpPr>
+            <a:cxnSpLocks noGrp="1" noRot="1" noChangeAspect="1" noMove="1" noResize="1" noEditPoints="1" noAdjustHandles="1" noChangeArrowheads="1" noChangeShapeType="1"/>
+          </p:cNvCxnSpPr>
+          <p:nvPr>
+            <p:extLst>
+              <p:ext uri="{386F3935-93C4-4BCD-93E2-E3B085C9AB24}">
+                <p16:designElem xmlns:p16="http://schemas.microsoft.com/office/powerpoint/2015/main" val="1"/>
+              </p:ext>
+            </p:extLst>
+          </p:nvPr>
+        </p:nvCxnSpPr>
+        <p:spPr>
+          <a:xfrm>
+            <a:off x="5650992" y="1043525"/>
+            <a:ext cx="0" cy="2668656"/>
+          </a:xfrm>
+          <a:prstGeom prst="line">
+            <a:avLst/>
+          </a:prstGeom>
+          <a:ln>
+            <a:solidFill>
+              <a:schemeClr val="tx2"/>
+            </a:solidFill>
+          </a:ln>
+        </p:spPr>
+        <p:style>
+          <a:lnRef idx="1">
+            <a:schemeClr val="accent1"/>
+          </a:lnRef>
+          <a:fillRef idx="0">
+            <a:schemeClr val="accent1"/>
+          </a:fillRef>
+          <a:effectRef idx="0">
+            <a:schemeClr val="accent1"/>
+          </a:effectRef>
+          <a:fontRef idx="minor">
+            <a:schemeClr val="tx1"/>
+          </a:fontRef>
+        </p:style>
+      </p:cxnSp>
+      <p:sp>
+        <p:nvSpPr>
+          <p:cNvPr id="17" name="Rectangle 16">
+            <a:extLst>
+              <a:ext uri="{FF2B5EF4-FFF2-40B4-BE49-F238E27FC236}">
+                <a16:creationId xmlns:a16="http://schemas.microsoft.com/office/drawing/2014/main" id="{C22D9B36-9BE7-472B-8808-7E0D6810738F}"/>
+              </a:ext>
+              <a:ext uri="{C183D7F6-B498-43B3-948B-1728B52AA6E4}">
+                <adec:decorative xmlns:adec="http://schemas.microsoft.com/office/drawing/2017/decorative" val="1"/>
+              </a:ext>
+            </a:extLst>
+          </p:cNvPr>
+          <p:cNvSpPr>
+            <a:spLocks noGrp="1" noRot="1" noChangeAspect="1" noMove="1" noResize="1" noEditPoints="1" noAdjustHandles="1" noChangeArrowheads="1" noChangeShapeType="1" noTextEdit="1"/>
+          </p:cNvSpPr>
+          <p:nvPr>
+            <p:extLst>
+              <p:ext uri="{386F3935-93C4-4BCD-93E2-E3B085C9AB24}">
+                <p16:designElem xmlns:p16="http://schemas.microsoft.com/office/powerpoint/2015/main" val="1"/>
+              </p:ext>
+            </p:extLst>
+          </p:nvPr>
+        </p:nvSpPr>
+        <p:spPr>
+          <a:xfrm>
+            <a:off x="11" y="4755706"/>
+            <a:ext cx="9141619" cy="48006"/>
+          </a:xfrm>
+          <a:prstGeom prst="rect">
+            <a:avLst/>
+          </a:prstGeom>
+          <a:solidFill>
+            <a:schemeClr val="accent1"/>
+          </a:solidFill>
+          <a:ln>
+            <a:noFill/>
+          </a:ln>
+        </p:spPr>
+        <p:style>
+          <a:lnRef idx="2">
+            <a:schemeClr val="accent1">
+              <a:shade val="50000"/>
+            </a:schemeClr>
+          </a:lnRef>
+          <a:fillRef idx="1">
+            <a:schemeClr val="accent1"/>
+          </a:fillRef>
+          <a:effectRef idx="0">
+            <a:schemeClr val="accent1"/>
+          </a:effectRef>
+          <a:fontRef idx="minor">
+            <a:schemeClr val="lt1"/>
+          </a:fontRef>
+        </p:style>
+      </p:sp>
+      <p:sp>
+        <p:nvSpPr>
+          <p:cNvPr id="19" name="Rectangle 18">
+            <a:extLst>
+              <a:ext uri="{FF2B5EF4-FFF2-40B4-BE49-F238E27FC236}">
+                <a16:creationId xmlns:a16="http://schemas.microsoft.com/office/drawing/2014/main" id="{8A549DE7-671D-4575-AF43-858FD99981CF}"/>
+              </a:ext>
+              <a:ext uri="{C183D7F6-B498-43B3-948B-1728B52AA6E4}">
+                <adec:decorative xmlns:adec="http://schemas.microsoft.com/office/drawing/2017/decorative" val="1"/>
+              </a:ext>
+            </a:extLst>
+          </p:cNvPr>
+          <p:cNvSpPr>
+            <a:spLocks noGrp="1" noRot="1" noChangeAspect="1" noMove="1" noResize="1" noEditPoints="1" noAdjustHandles="1" noChangeArrowheads="1" noChangeShapeType="1" noTextEdit="1"/>
+          </p:cNvSpPr>
+          <p:nvPr>
+            <p:extLst>
+              <p:ext uri="{386F3935-93C4-4BCD-93E2-E3B085C9AB24}">
+                <p16:designElem xmlns:p16="http://schemas.microsoft.com/office/powerpoint/2015/main" val="1"/>
+              </p:ext>
+            </p:extLst>
+          </p:nvPr>
+        </p:nvSpPr>
+        <p:spPr>
+          <a:xfrm>
+            <a:off x="2381" y="4800600"/>
+            <a:ext cx="9141619" cy="342900"/>
+          </a:xfrm>
+          <a:prstGeom prst="rect">
+            <a:avLst/>
+          </a:prstGeom>
+          <a:solidFill>
+            <a:schemeClr val="accent2"/>
+          </a:solidFill>
+          <a:ln>
+            <a:noFill/>
+          </a:ln>
+        </p:spPr>
+        <p:style>
+          <a:lnRef idx="2">
+            <a:schemeClr val="accent1">
+              <a:shade val="50000"/>
+            </a:schemeClr>
+          </a:lnRef>
+          <a:fillRef idx="1">
+            <a:schemeClr val="accent1"/>
+          </a:fillRef>
+          <a:effectRef idx="0">
+            <a:schemeClr val="accent1"/>
+          </a:effectRef>
+          <a:fontRef idx="minor">
+            <a:schemeClr val="lt1"/>
+          </a:fontRef>
+        </p:style>
+      </p:sp>
+    </p:spTree>
+    <p:extLst>
+      <p:ext uri="{BB962C8B-B14F-4D97-AF65-F5344CB8AC3E}">
+        <p14:creationId xmlns:p14="http://schemas.microsoft.com/office/powerpoint/2010/main" val="268798779"/>
+      </p:ext>
+    </p:extLst>
+  </p:cSld>
+  <p:clrMapOvr>
+    <a:masterClrMapping/>
+  </p:clrMapOvr>
+  <p:timing>
+    <p:tnLst>
+      <p:par>
+        <p:cTn id="1" dur="indefinite" restart="never" nodeType="tmRoot">
+          <p:childTnLst>
+            <p:seq concurrent="1" nextAc="seek">
+              <p:cTn id="2" dur="indefinite" nodeType="mainSeq">
+                <p:childTnLst>
+                  <p:par>
+                    <p:cTn id="3" fill="hold">
+                      <p:stCondLst>
+                        <p:cond delay="indefinite"/>
+                        <p:cond evt="onBegin" delay="0">
+                          <p:tn val="2"/>
+                        </p:cond>
+                      </p:stCondLst>
+                      <p:childTnLst>
+                        <p:par>
+                          <p:cTn id="4" fill="hold">
+                            <p:stCondLst>
+                              <p:cond delay="0"/>
+                            </p:stCondLst>
+                            <p:childTnLst>
+                              <p:par>
+                                <p:cTn id="5" presetID="10" presetClass="entr" presetSubtype="0" fill="hold" grpId="0" nodeType="withEffect">
+                                  <p:stCondLst>
+                                    <p:cond delay="500"/>
+                                  </p:stCondLst>
+                                  <p:iterate type="wd">
+                                    <p:tmPct val="15000"/>
+                                  </p:iterate>
+                                  <p:childTnLst>
+                                    <p:set>
+                                      <p:cBhvr>
+                                        <p:cTn id="6" dur="1" fill="hold">
+                                          <p:stCondLst>
+                                            <p:cond delay="0"/>
+                                          </p:stCondLst>
+                                        </p:cTn>
+                                        <p:tgtEl>
+                                          <p:spTgt spid="2"/>
+                                        </p:tgtEl>
+                                        <p:attrNameLst>
+                                          <p:attrName>style.visibility</p:attrName>
+                                        </p:attrNameLst>
+                                      </p:cBhvr>
+                                      <p:to>
+                                        <p:strVal val="visible"/>
+                                      </p:to>
+                                    </p:set>
+                                    <p:animEffect transition="in" filter="fade">
+                                      <p:cBhvr>
+                                        <p:cTn id="7" dur="1000"/>
+                                        <p:tgtEl>
+                                          <p:spTgt spid="2"/>
+                                        </p:tgtEl>
+                                      </p:cBhvr>
+                                    </p:animEffect>
+                                  </p:childTnLst>
+                                </p:cTn>
+                              </p:par>
+                            </p:childTnLst>
+                          </p:cTn>
+                        </p:par>
+                      </p:childTnLst>
+                    </p:cTn>
+                  </p:par>
+                </p:childTnLst>
+              </p:cTn>
+              <p:prevCondLst>
+                <p:cond evt="onPrev" delay="0">
+                  <p:tgtEl>
+                    <p:sldTgt/>
+                  </p:tgtEl>
+                </p:cond>
+              </p:prevCondLst>
+              <p:nextCondLst>
+                <p:cond evt="onNext" delay="0">
+                  <p:tgtEl>
+                    <p:sldTgt/>
+                  </p:tgtEl>
+                </p:cond>
+              </p:nextCondLst>
+            </p:seq>
+          </p:childTnLst>
+        </p:cTn>
+      </p:par>
+    </p:tnLst>
+    <p:bldLst>
+      <p:bldP spid="2" grpId="0"/>
+    </p:bldLst>
+  </p:timing>
+</p:sld>
+</file>
+
+<file path=ppt/slides/slide9.xml><?xml version="1.0" encoding="utf-8"?>
+<p:sld xmlns:a="http://schemas.openxmlformats.org/drawingml/2006/main" xmlns:r="http://schemas.openxmlformats.org/officeDocument/2006/relationships" xmlns:p="http://schemas.openxmlformats.org/presentationml/2006/main">
+  <p:cSld>
+    <p:bg>
+      <p:bgPr>
+        <a:solidFill>
+          <a:schemeClr val="bg2"/>
+        </a:solidFill>
+        <a:effectLst/>
+      </p:bgPr>
+    </p:bg>
+    <p:spTree>
+      <p:nvGrpSpPr>
+        <p:cNvPr id="1" name=""/>
+        <p:cNvGrpSpPr/>
+        <p:nvPr/>
+      </p:nvGrpSpPr>
+      <p:grpSpPr>
+        <a:xfrm>
+          <a:off x="0" y="0"/>
+          <a:ext cx="0" cy="0"/>
+          <a:chOff x="0" y="0"/>
+          <a:chExt cx="0" cy="0"/>
+        </a:xfrm>
+      </p:grpSpPr>
+      <p:sp>
+        <p:nvSpPr>
+          <p:cNvPr id="11" name="Rectangle 10">
+            <a:extLst>
+              <a:ext uri="{FF2B5EF4-FFF2-40B4-BE49-F238E27FC236}">
+                <a16:creationId xmlns:a16="http://schemas.microsoft.com/office/drawing/2014/main" id="{4E4490D0-3672-446A-AC12-B4830333BDDD}"/>
+              </a:ext>
+              <a:ext uri="{C183D7F6-B498-43B3-948B-1728B52AA6E4}">
+                <adec:decorative xmlns:adec="http://schemas.microsoft.com/office/drawing/2017/decorative" val="1"/>
+              </a:ext>
+            </a:extLst>
+          </p:cNvPr>
+          <p:cNvSpPr>
+            <a:spLocks noGrp="1" noRot="1" noChangeAspect="1" noMove="1" noResize="1" noEditPoints="1" noAdjustHandles="1" noChangeArrowheads="1" noChangeShapeType="1" noTextEdit="1"/>
+          </p:cNvSpPr>
+          <p:nvPr>
+            <p:extLst>
+              <p:ext uri="{386F3935-93C4-4BCD-93E2-E3B085C9AB24}">
+                <p16:designElem xmlns:p16="http://schemas.microsoft.com/office/powerpoint/2015/main" val="1"/>
+              </p:ext>
+            </p:extLst>
+          </p:nvPr>
+        </p:nvSpPr>
+        <p:spPr>
+          <a:xfrm>
+            <a:off x="2381" y="4800600"/>
+            <a:ext cx="9141619" cy="342900"/>
+          </a:xfrm>
+          <a:prstGeom prst="rect">
+            <a:avLst/>
+          </a:prstGeom>
+          <a:solidFill>
+            <a:schemeClr val="accent2"/>
+          </a:solidFill>
+          <a:ln>
+            <a:noFill/>
+          </a:ln>
+        </p:spPr>
+        <p:style>
+          <a:lnRef idx="2">
+            <a:schemeClr val="accent1">
+              <a:shade val="50000"/>
+            </a:schemeClr>
+          </a:lnRef>
+          <a:fillRef idx="1">
+            <a:schemeClr val="accent1"/>
+          </a:fillRef>
+          <a:effectRef idx="0">
+            <a:schemeClr val="accent1"/>
+          </a:effectRef>
+          <a:fontRef idx="minor">
+            <a:schemeClr val="lt1"/>
+          </a:fontRef>
+        </p:style>
+      </p:sp>
+      <p:sp>
+        <p:nvSpPr>
+          <p:cNvPr id="13" name="Rectangle 12">
+            <a:extLst>
+              <a:ext uri="{FF2B5EF4-FFF2-40B4-BE49-F238E27FC236}">
+                <a16:creationId xmlns:a16="http://schemas.microsoft.com/office/drawing/2014/main" id="{39CB82C2-DF65-4EC1-8280-F201D50F570B}"/>
+              </a:ext>
+              <a:ext uri="{C183D7F6-B498-43B3-948B-1728B52AA6E4}">
+                <adec:decorative xmlns:adec="http://schemas.microsoft.com/office/drawing/2017/decorative" val="1"/>
+              </a:ext>
+            </a:extLst>
+          </p:cNvPr>
+          <p:cNvSpPr>
+            <a:spLocks noGrp="1" noRot="1" noChangeAspect="1" noMove="1" noResize="1" noEditPoints="1" noAdjustHandles="1" noChangeArrowheads="1" noChangeShapeType="1" noTextEdit="1"/>
+          </p:cNvSpPr>
+          <p:nvPr>
+            <p:extLst>
+              <p:ext uri="{386F3935-93C4-4BCD-93E2-E3B085C9AB24}">
+                <p16:designElem xmlns:p16="http://schemas.microsoft.com/office/powerpoint/2015/main" val="1"/>
+              </p:ext>
+            </p:extLst>
+          </p:nvPr>
+        </p:nvSpPr>
+        <p:spPr>
+          <a:xfrm>
+            <a:off x="11" y="4750737"/>
+            <a:ext cx="9141619" cy="48006"/>
+          </a:xfrm>
+          <a:prstGeom prst="rect">
+            <a:avLst/>
+          </a:prstGeom>
+          <a:solidFill>
+            <a:schemeClr val="accent1"/>
+          </a:solidFill>
+          <a:ln>
+            <a:noFill/>
+          </a:ln>
+        </p:spPr>
+        <p:style>
+          <a:lnRef idx="2">
+            <a:schemeClr val="accent1">
+              <a:shade val="50000"/>
+            </a:schemeClr>
+          </a:lnRef>
+          <a:fillRef idx="1">
+            <a:schemeClr val="accent1"/>
+          </a:fillRef>
+          <a:effectRef idx="0">
+            <a:schemeClr val="accent1"/>
+          </a:effectRef>
+          <a:fontRef idx="minor">
+            <a:schemeClr val="lt1"/>
+          </a:fontRef>
+        </p:style>
+      </p:sp>
+      <p:cxnSp>
+        <p:nvCxnSpPr>
+          <p:cNvPr id="15" name="Straight Connector 14">
+            <a:extLst>
+              <a:ext uri="{FF2B5EF4-FFF2-40B4-BE49-F238E27FC236}">
+                <a16:creationId xmlns:a16="http://schemas.microsoft.com/office/drawing/2014/main" id="{7E1D4427-852B-4B37-8E76-0E9F1810BA2A}"/>
+              </a:ext>
+              <a:ext uri="{C183D7F6-B498-43B3-948B-1728B52AA6E4}">
+                <adec:decorative xmlns:adec="http://schemas.microsoft.com/office/drawing/2017/decorative" val="1"/>
+              </a:ext>
+            </a:extLst>
+          </p:cNvPr>
+          <p:cNvCxnSpPr>
+            <a:cxnSpLocks noGrp="1" noRot="1" noChangeAspect="1" noMove="1" noResize="1" noEditPoints="1" noAdjustHandles="1" noChangeArrowheads="1" noChangeShapeType="1"/>
+          </p:cNvCxnSpPr>
+          <p:nvPr>
+            <p:extLst>
+              <p:ext uri="{386F3935-93C4-4BCD-93E2-E3B085C9AB24}">
+                <p16:designElem xmlns:p16="http://schemas.microsoft.com/office/powerpoint/2015/main" val="1"/>
+              </p:ext>
+            </p:extLst>
+          </p:nvPr>
+        </p:nvCxnSpPr>
+        <p:spPr>
+          <a:xfrm>
+            <a:off x="905743" y="3257550"/>
+            <a:ext cx="7406640" cy="0"/>
+          </a:xfrm>
+          <a:prstGeom prst="line">
+            <a:avLst/>
+          </a:prstGeom>
+          <a:ln w="6350">
+            <a:solidFill>
+              <a:schemeClr val="tx1">
+                <a:lumMod val="50000"/>
+                <a:lumOff val="50000"/>
+              </a:schemeClr>
+            </a:solidFill>
+          </a:ln>
+        </p:spPr>
+        <p:style>
+          <a:lnRef idx="1">
+            <a:schemeClr val="accent1"/>
+          </a:lnRef>
+          <a:fillRef idx="0">
+            <a:schemeClr val="accent1"/>
+          </a:fillRef>
+          <a:effectRef idx="0">
+            <a:schemeClr val="accent1"/>
+          </a:effectRef>
+          <a:fontRef idx="minor">
+            <a:schemeClr val="tx1"/>
+          </a:fontRef>
+        </p:style>
+      </p:cxnSp>
+      <p:sp useBgFill="1">
+        <p:nvSpPr>
+          <p:cNvPr id="17" name="Rectangle 16">
+            <a:extLst>
+              <a:ext uri="{FF2B5EF4-FFF2-40B4-BE49-F238E27FC236}">
+                <a16:creationId xmlns:a16="http://schemas.microsoft.com/office/drawing/2014/main" id="{C4AAA502-5435-489E-9538-3A40E6C71461}"/>
+              </a:ext>
+              <a:ext uri="{C183D7F6-B498-43B3-948B-1728B52AA6E4}">
+                <adec:decorative xmlns:adec="http://schemas.microsoft.com/office/drawing/2017/decorative" val="1"/>
+              </a:ext>
+            </a:extLst>
+          </p:cNvPr>
+          <p:cNvSpPr>
+            <a:spLocks noGrp="1" noRot="1" noChangeAspect="1" noMove="1" noResize="1" noEditPoints="1" noAdjustHandles="1" noChangeArrowheads="1" noChangeShapeType="1" noTextEdit="1"/>
+          </p:cNvSpPr>
+          <p:nvPr>
+            <p:extLst>
+              <p:ext uri="{386F3935-93C4-4BCD-93E2-E3B085C9AB24}">
+                <p16:designElem xmlns:p16="http://schemas.microsoft.com/office/powerpoint/2015/main" val="1"/>
+              </p:ext>
+            </p:extLst>
+          </p:nvPr>
+        </p:nvSpPr>
+        <p:spPr>
+          <a:xfrm>
+            <a:off x="0" y="0"/>
+            <a:ext cx="9144000" cy="4750737"/>
+          </a:xfrm>
+          <a:prstGeom prst="rect">
+            <a:avLst/>
+          </a:prstGeom>
+          <a:ln>
+            <a:noFill/>
+          </a:ln>
+        </p:spPr>
+        <p:style>
+          <a:lnRef idx="2">
+            <a:schemeClr val="accent1">
+              <a:shade val="50000"/>
+            </a:schemeClr>
+          </a:lnRef>
+          <a:fillRef idx="1">
+            <a:schemeClr val="accent1"/>
+          </a:fillRef>
+          <a:effectRef idx="0">
+            <a:schemeClr val="accent1"/>
+          </a:effectRef>
+          <a:fontRef idx="minor">
+            <a:schemeClr val="lt1"/>
+          </a:fontRef>
+        </p:style>
+        <p:txBody>
+          <a:bodyPr rtlCol="0" anchor="ctr"/>
+          <a:lstStyle/>
+          <a:p>
+            <a:pPr algn="ctr"/>
+            <a:endParaRPr lang="en-US"/>
+          </a:p>
+        </p:txBody>
+      </p:sp>
+      <p:sp>
+        <p:nvSpPr>
+          <p:cNvPr id="2" name="Title 1">
+            <a:extLst>
+              <a:ext uri="{FF2B5EF4-FFF2-40B4-BE49-F238E27FC236}">
+                <a16:creationId xmlns:a16="http://schemas.microsoft.com/office/drawing/2014/main" id="{AF027A07-EC9D-B7AF-943F-0C34F7D8B43E}"/>
+              </a:ext>
+            </a:extLst>
+          </p:cNvPr>
+          <p:cNvSpPr>
+            <a:spLocks noGrp="1"/>
+          </p:cNvSpPr>
+          <p:nvPr>
+            <p:ph type="title"/>
+          </p:nvPr>
+        </p:nvSpPr>
+        <p:spPr>
+          <a:xfrm>
+            <a:off x="475499" y="3412671"/>
+            <a:ext cx="8181805" cy="793242"/>
+          </a:xfrm>
+        </p:spPr>
+        <p:txBody>
+          <a:bodyPr vert="horz" lIns="91440" tIns="45720" rIns="91440" bIns="45720" rtlCol="0" anchor="b">
+            <a:normAutofit/>
+          </a:bodyPr>
+          <a:lstStyle/>
+          <a:p>
+            <a:pPr defTabSz="914400"/>
+            <a:r>
+              <a:rPr lang="en-US" sz="4500" spc="-50">
+                <a:solidFill>
+                  <a:schemeClr val="tx1">
+                    <a:lumMod val="85000"/>
+                    <a:lumOff val="15000"/>
+                  </a:schemeClr>
+                </a:solidFill>
+              </a:rPr>
+              <a:t>Model Summary</a:t>
+            </a:r>
+          </a:p>
+        </p:txBody>
+      </p:sp>
+      <p:pic>
+        <p:nvPicPr>
+          <p:cNvPr id="6" name="Picture 5">
+            <a:extLst>
+              <a:ext uri="{FF2B5EF4-FFF2-40B4-BE49-F238E27FC236}">
+                <a16:creationId xmlns:a16="http://schemas.microsoft.com/office/drawing/2014/main" id="{462E519D-91A3-0BA0-EC23-7E65F32CB6EE}"/>
+              </a:ext>
+            </a:extLst>
+          </p:cNvPr>
+          <p:cNvPicPr>
+            <a:picLocks noChangeAspect="1"/>
+          </p:cNvPicPr>
+          <p:nvPr/>
+        </p:nvPicPr>
+        <p:blipFill>
+          <a:blip r:embed="rId2"/>
+          <a:stretch>
+            <a:fillRect/>
+          </a:stretch>
+        </p:blipFill>
+        <p:spPr>
+          <a:xfrm>
+            <a:off x="476592" y="480060"/>
+            <a:ext cx="7205472" cy="2702052"/>
+          </a:xfrm>
+          <a:prstGeom prst="rect">
+            <a:avLst/>
+          </a:prstGeom>
+          <a:effectLst>
+            <a:softEdge rad="25400"/>
+          </a:effectLst>
+        </p:spPr>
+      </p:pic>
+      <p:cxnSp>
+        <p:nvCxnSpPr>
+          <p:cNvPr id="19" name="Straight Connector 18">
+            <a:extLst>
+              <a:ext uri="{FF2B5EF4-FFF2-40B4-BE49-F238E27FC236}">
+                <a16:creationId xmlns:a16="http://schemas.microsoft.com/office/drawing/2014/main" id="{C9AC0290-4702-4519-B0F4-C2A46880997B}"/>
+              </a:ext>
+              <a:ext uri="{C183D7F6-B498-43B3-948B-1728B52AA6E4}">
+                <adec:decorative xmlns:adec="http://schemas.microsoft.com/office/drawing/2017/decorative" val="1"/>
+              </a:ext>
+            </a:extLst>
+          </p:cNvPr>
+          <p:cNvCxnSpPr>
+            <a:cxnSpLocks noGrp="1" noRot="1" noChangeAspect="1" noMove="1" noResize="1" noEditPoints="1" noAdjustHandles="1" noChangeArrowheads="1" noChangeShapeType="1"/>
+          </p:cNvCxnSpPr>
+          <p:nvPr>
+            <p:extLst>
+              <p:ext uri="{386F3935-93C4-4BCD-93E2-E3B085C9AB24}">
+                <p16:designElem xmlns:p16="http://schemas.microsoft.com/office/powerpoint/2015/main" val="1"/>
+              </p:ext>
+            </p:extLst>
+          </p:nvPr>
+        </p:nvCxnSpPr>
+        <p:spPr>
+          <a:xfrm>
+            <a:off x="540814" y="4214077"/>
+            <a:ext cx="7886700" cy="0"/>
+          </a:xfrm>
+          <a:prstGeom prst="line">
+            <a:avLst/>
+          </a:prstGeom>
+          <a:ln w="6350">
+            <a:solidFill>
+              <a:schemeClr val="tx2">
+                <a:alpha val="90000"/>
+              </a:schemeClr>
+            </a:solidFill>
+          </a:ln>
+        </p:spPr>
+        <p:style>
+          <a:lnRef idx="1">
+            <a:schemeClr val="accent1"/>
+          </a:lnRef>
+          <a:fillRef idx="0">
+            <a:schemeClr val="accent1"/>
+          </a:fillRef>
+          <a:effectRef idx="0">
+            <a:schemeClr val="accent1"/>
+          </a:effectRef>
+          <a:fontRef idx="minor">
+            <a:schemeClr val="tx1"/>
+          </a:fontRef>
+        </p:style>
+      </p:cxnSp>
+      <p:sp>
+        <p:nvSpPr>
+          <p:cNvPr id="21" name="Rectangle 20">
+            <a:extLst>
+              <a:ext uri="{FF2B5EF4-FFF2-40B4-BE49-F238E27FC236}">
+                <a16:creationId xmlns:a16="http://schemas.microsoft.com/office/drawing/2014/main" id="{DE42378B-2E28-4810-8421-7A473A40E376}"/>
+              </a:ext>
+              <a:ext uri="{C183D7F6-B498-43B3-948B-1728B52AA6E4}">
+                <adec:decorative xmlns:adec="http://schemas.microsoft.com/office/drawing/2017/decorative" val="1"/>
+              </a:ext>
+            </a:extLst>
+          </p:cNvPr>
+          <p:cNvSpPr>
+            <a:spLocks noGrp="1" noRot="1" noChangeAspect="1" noMove="1" noResize="1" noEditPoints="1" noAdjustHandles="1" noChangeArrowheads="1" noChangeShapeType="1" noTextEdit="1"/>
+          </p:cNvSpPr>
+          <p:nvPr>
+            <p:extLst>
+              <p:ext uri="{386F3935-93C4-4BCD-93E2-E3B085C9AB24}">
+                <p16:designElem xmlns:p16="http://schemas.microsoft.com/office/powerpoint/2015/main" val="1"/>
+              </p:ext>
+            </p:extLst>
+          </p:nvPr>
+        </p:nvSpPr>
+        <p:spPr>
+          <a:xfrm>
+            <a:off x="11" y="4750737"/>
+            <a:ext cx="9143989" cy="49863"/>
+          </a:xfrm>
+          <a:prstGeom prst="rect">
+            <a:avLst/>
+          </a:prstGeom>
+          <a:solidFill>
+            <a:schemeClr val="accent1"/>
+          </a:solidFill>
+          <a:ln>
+            <a:noFill/>
+          </a:ln>
+        </p:spPr>
+        <p:style>
+          <a:lnRef idx="2">
+            <a:schemeClr val="accent1">
+              <a:shade val="50000"/>
+            </a:schemeClr>
+          </a:lnRef>
+          <a:fillRef idx="1">
+            <a:schemeClr val="accent1"/>
+          </a:fillRef>
+          <a:effectRef idx="0">
+            <a:schemeClr val="accent1"/>
+          </a:effectRef>
+          <a:fontRef idx="minor">
+            <a:schemeClr val="lt1"/>
+          </a:fontRef>
+        </p:style>
+      </p:sp>
+      <p:sp>
+        <p:nvSpPr>
+          <p:cNvPr id="23" name="Rectangle 22">
+            <a:extLst>
+              <a:ext uri="{FF2B5EF4-FFF2-40B4-BE49-F238E27FC236}">
+                <a16:creationId xmlns:a16="http://schemas.microsoft.com/office/drawing/2014/main" id="{0D91DD17-237F-4811-BC0E-128EB1BD7CFE}"/>
+              </a:ext>
+              <a:ext uri="{C183D7F6-B498-43B3-948B-1728B52AA6E4}">
+                <adec:decorative xmlns:adec="http://schemas.microsoft.com/office/drawing/2017/decorative" val="1"/>
+              </a:ext>
+            </a:extLst>
+          </p:cNvPr>
+          <p:cNvSpPr>
+            <a:spLocks noGrp="1" noRot="1" noChangeAspect="1" noMove="1" noResize="1" noEditPoints="1" noAdjustHandles="1" noChangeArrowheads="1" noChangeShapeType="1" noTextEdit="1"/>
+          </p:cNvSpPr>
+          <p:nvPr>
+            <p:extLst>
+              <p:ext uri="{386F3935-93C4-4BCD-93E2-E3B085C9AB24}">
+                <p16:designElem xmlns:p16="http://schemas.microsoft.com/office/powerpoint/2015/main" val="1"/>
+              </p:ext>
+            </p:extLst>
+          </p:nvPr>
+        </p:nvSpPr>
+        <p:spPr>
+          <a:xfrm>
+            <a:off x="0" y="4800600"/>
+            <a:ext cx="9144000" cy="342900"/>
+          </a:xfrm>
+          <a:prstGeom prst="rect">
+            <a:avLst/>
+          </a:prstGeom>
+          <a:solidFill>
+            <a:schemeClr val="accent2"/>
+          </a:solidFill>
+          <a:ln>
+            <a:noFill/>
+          </a:ln>
+        </p:spPr>
+        <p:style>
+          <a:lnRef idx="2">
+            <a:schemeClr val="accent1">
+              <a:shade val="50000"/>
+            </a:schemeClr>
+          </a:lnRef>
+          <a:fillRef idx="1">
+            <a:schemeClr val="accent1"/>
+          </a:fillRef>
+          <a:effectRef idx="0">
+            <a:schemeClr val="accent1"/>
+          </a:effectRef>
+          <a:fontRef idx="minor">
+            <a:schemeClr val="lt1"/>
+          </a:fontRef>
+        </p:style>
+      </p:sp>
+    </p:spTree>
+    <p:extLst>
+      <p:ext uri="{BB962C8B-B14F-4D97-AF65-F5344CB8AC3E}">
+        <p14:creationId xmlns:p14="http://schemas.microsoft.com/office/powerpoint/2010/main" val="3869776215"/>
       </p:ext>
     </p:extLst>
   </p:cSld>

--- a/AI presentation.pptx
+++ b/AI presentation.pptx
@@ -5,7 +5,7 @@
     <p:sldMasterId id="2147483942" r:id="rId1"/>
   </p:sldMasterIdLst>
   <p:notesMasterIdLst>
-    <p:notesMasterId r:id="rId23"/>
+    <p:notesMasterId r:id="rId24"/>
   </p:notesMasterIdLst>
   <p:sldIdLst>
     <p:sldId id="256" r:id="rId2"/>
@@ -18,39 +18,40 @@
     <p:sldId id="276" r:id="rId9"/>
     <p:sldId id="275" r:id="rId10"/>
     <p:sldId id="277" r:id="rId11"/>
-    <p:sldId id="267" r:id="rId12"/>
-    <p:sldId id="263" r:id="rId13"/>
-    <p:sldId id="264" r:id="rId14"/>
-    <p:sldId id="265" r:id="rId15"/>
-    <p:sldId id="266" r:id="rId16"/>
-    <p:sldId id="269" r:id="rId17"/>
-    <p:sldId id="270" r:id="rId18"/>
-    <p:sldId id="271" r:id="rId19"/>
-    <p:sldId id="272" r:id="rId20"/>
-    <p:sldId id="273" r:id="rId21"/>
-    <p:sldId id="274" r:id="rId22"/>
+    <p:sldId id="278" r:id="rId12"/>
+    <p:sldId id="267" r:id="rId13"/>
+    <p:sldId id="263" r:id="rId14"/>
+    <p:sldId id="264" r:id="rId15"/>
+    <p:sldId id="265" r:id="rId16"/>
+    <p:sldId id="266" r:id="rId17"/>
+    <p:sldId id="269" r:id="rId18"/>
+    <p:sldId id="270" r:id="rId19"/>
+    <p:sldId id="271" r:id="rId20"/>
+    <p:sldId id="272" r:id="rId21"/>
+    <p:sldId id="273" r:id="rId22"/>
+    <p:sldId id="274" r:id="rId23"/>
   </p:sldIdLst>
   <p:sldSz cx="9144000" cy="5143500" type="screen16x9"/>
   <p:notesSz cx="6858000" cy="9144000"/>
   <p:embeddedFontLst>
     <p:embeddedFont>
       <p:font typeface="Calibri" panose="020F0502020204030204" pitchFamily="34" charset="0"/>
-      <p:regular r:id="rId24"/>
-      <p:bold r:id="rId25"/>
-      <p:italic r:id="rId26"/>
-      <p:boldItalic r:id="rId27"/>
+      <p:regular r:id="rId25"/>
+      <p:bold r:id="rId26"/>
+      <p:italic r:id="rId27"/>
+      <p:boldItalic r:id="rId28"/>
     </p:embeddedFont>
     <p:embeddedFont>
       <p:font typeface="Calibri Light" panose="020F0302020204030204" pitchFamily="34" charset="0"/>
-      <p:regular r:id="rId28"/>
-      <p:italic r:id="rId29"/>
+      <p:regular r:id="rId29"/>
+      <p:italic r:id="rId30"/>
     </p:embeddedFont>
     <p:embeddedFont>
       <p:font typeface="Georgia" panose="02040502050405020303" pitchFamily="18" charset="0"/>
-      <p:regular r:id="rId30"/>
-      <p:bold r:id="rId31"/>
-      <p:italic r:id="rId32"/>
-      <p:boldItalic r:id="rId33"/>
+      <p:regular r:id="rId31"/>
+      <p:bold r:id="rId32"/>
+      <p:italic r:id="rId33"/>
+      <p:boldItalic r:id="rId34"/>
     </p:embeddedFont>
   </p:embeddedFontLst>
   <p:defaultTextStyle>
@@ -20936,6 +20937,509 @@
       </p:grpSpPr>
       <p:sp>
         <p:nvSpPr>
+          <p:cNvPr id="26" name="Rectangle 25">
+            <a:extLst>
+              <a:ext uri="{FF2B5EF4-FFF2-40B4-BE49-F238E27FC236}">
+                <a16:creationId xmlns:a16="http://schemas.microsoft.com/office/drawing/2014/main" id="{21D53CA0-FDE7-4B62-AE74-A671E6B82DC8}"/>
+              </a:ext>
+              <a:ext uri="{C183D7F6-B498-43B3-948B-1728B52AA6E4}">
+                <adec:decorative xmlns:adec="http://schemas.microsoft.com/office/drawing/2017/decorative" val="1"/>
+              </a:ext>
+            </a:extLst>
+          </p:cNvPr>
+          <p:cNvSpPr>
+            <a:spLocks noGrp="1" noRot="1" noChangeAspect="1" noMove="1" noResize="1" noEditPoints="1" noAdjustHandles="1" noChangeArrowheads="1" noChangeShapeType="1" noTextEdit="1"/>
+          </p:cNvSpPr>
+          <p:nvPr>
+            <p:extLst>
+              <p:ext uri="{386F3935-93C4-4BCD-93E2-E3B085C9AB24}">
+                <p16:designElem xmlns:p16="http://schemas.microsoft.com/office/powerpoint/2015/main" val="1"/>
+              </p:ext>
+            </p:extLst>
+          </p:nvPr>
+        </p:nvSpPr>
+        <p:spPr>
+          <a:xfrm>
+            <a:off x="2381" y="4800600"/>
+            <a:ext cx="9141619" cy="342900"/>
+          </a:xfrm>
+          <a:prstGeom prst="rect">
+            <a:avLst/>
+          </a:prstGeom>
+          <a:solidFill>
+            <a:schemeClr val="accent2"/>
+          </a:solidFill>
+          <a:ln>
+            <a:noFill/>
+          </a:ln>
+        </p:spPr>
+        <p:style>
+          <a:lnRef idx="2">
+            <a:schemeClr val="accent1">
+              <a:shade val="50000"/>
+            </a:schemeClr>
+          </a:lnRef>
+          <a:fillRef idx="1">
+            <a:schemeClr val="accent1"/>
+          </a:fillRef>
+          <a:effectRef idx="0">
+            <a:schemeClr val="accent1"/>
+          </a:effectRef>
+          <a:fontRef idx="minor">
+            <a:schemeClr val="lt1"/>
+          </a:fontRef>
+        </p:style>
+      </p:sp>
+      <p:sp>
+        <p:nvSpPr>
+          <p:cNvPr id="28" name="Rectangle 27">
+            <a:extLst>
+              <a:ext uri="{FF2B5EF4-FFF2-40B4-BE49-F238E27FC236}">
+                <a16:creationId xmlns:a16="http://schemas.microsoft.com/office/drawing/2014/main" id="{06FA22A8-DAD2-4DBF-BCF6-AA00E9D83620}"/>
+              </a:ext>
+              <a:ext uri="{C183D7F6-B498-43B3-948B-1728B52AA6E4}">
+                <adec:decorative xmlns:adec="http://schemas.microsoft.com/office/drawing/2017/decorative" val="1"/>
+              </a:ext>
+            </a:extLst>
+          </p:cNvPr>
+          <p:cNvSpPr>
+            <a:spLocks noGrp="1" noRot="1" noChangeAspect="1" noMove="1" noResize="1" noEditPoints="1" noAdjustHandles="1" noChangeArrowheads="1" noChangeShapeType="1" noTextEdit="1"/>
+          </p:cNvSpPr>
+          <p:nvPr>
+            <p:extLst>
+              <p:ext uri="{386F3935-93C4-4BCD-93E2-E3B085C9AB24}">
+                <p16:designElem xmlns:p16="http://schemas.microsoft.com/office/powerpoint/2015/main" val="1"/>
+              </p:ext>
+            </p:extLst>
+          </p:nvPr>
+        </p:nvSpPr>
+        <p:spPr>
+          <a:xfrm>
+            <a:off x="11" y="4750737"/>
+            <a:ext cx="9141619" cy="48006"/>
+          </a:xfrm>
+          <a:prstGeom prst="rect">
+            <a:avLst/>
+          </a:prstGeom>
+          <a:solidFill>
+            <a:schemeClr val="accent1"/>
+          </a:solidFill>
+          <a:ln>
+            <a:noFill/>
+          </a:ln>
+        </p:spPr>
+        <p:style>
+          <a:lnRef idx="2">
+            <a:schemeClr val="accent1">
+              <a:shade val="50000"/>
+            </a:schemeClr>
+          </a:lnRef>
+          <a:fillRef idx="1">
+            <a:schemeClr val="accent1"/>
+          </a:fillRef>
+          <a:effectRef idx="0">
+            <a:schemeClr val="accent1"/>
+          </a:effectRef>
+          <a:fontRef idx="minor">
+            <a:schemeClr val="lt1"/>
+          </a:fontRef>
+        </p:style>
+      </p:sp>
+      <p:cxnSp>
+        <p:nvCxnSpPr>
+          <p:cNvPr id="30" name="Straight Connector 29">
+            <a:extLst>
+              <a:ext uri="{FF2B5EF4-FFF2-40B4-BE49-F238E27FC236}">
+                <a16:creationId xmlns:a16="http://schemas.microsoft.com/office/drawing/2014/main" id="{38CF2381-9166-48DC-8859-93B6A589395C}"/>
+              </a:ext>
+              <a:ext uri="{C183D7F6-B498-43B3-948B-1728B52AA6E4}">
+                <adec:decorative xmlns:adec="http://schemas.microsoft.com/office/drawing/2017/decorative" val="1"/>
+              </a:ext>
+            </a:extLst>
+          </p:cNvPr>
+          <p:cNvCxnSpPr>
+            <a:cxnSpLocks noGrp="1" noRot="1" noChangeAspect="1" noMove="1" noResize="1" noEditPoints="1" noAdjustHandles="1" noChangeArrowheads="1" noChangeShapeType="1"/>
+          </p:cNvCxnSpPr>
+          <p:nvPr>
+            <p:extLst>
+              <p:ext uri="{386F3935-93C4-4BCD-93E2-E3B085C9AB24}">
+                <p16:designElem xmlns:p16="http://schemas.microsoft.com/office/powerpoint/2015/main" val="1"/>
+              </p:ext>
+            </p:extLst>
+          </p:nvPr>
+        </p:nvCxnSpPr>
+        <p:spPr>
+          <a:xfrm>
+            <a:off x="905743" y="3257550"/>
+            <a:ext cx="7406640" cy="0"/>
+          </a:xfrm>
+          <a:prstGeom prst="line">
+            <a:avLst/>
+          </a:prstGeom>
+          <a:ln w="6350">
+            <a:solidFill>
+              <a:schemeClr val="tx1">
+                <a:lumMod val="50000"/>
+                <a:lumOff val="50000"/>
+              </a:schemeClr>
+            </a:solidFill>
+          </a:ln>
+        </p:spPr>
+        <p:style>
+          <a:lnRef idx="1">
+            <a:schemeClr val="accent1"/>
+          </a:lnRef>
+          <a:fillRef idx="0">
+            <a:schemeClr val="accent1"/>
+          </a:fillRef>
+          <a:effectRef idx="0">
+            <a:schemeClr val="accent1"/>
+          </a:effectRef>
+          <a:fontRef idx="minor">
+            <a:schemeClr val="tx1"/>
+          </a:fontRef>
+        </p:style>
+      </p:cxnSp>
+      <p:sp useBgFill="1">
+        <p:nvSpPr>
+          <p:cNvPr id="32" name="Rectangle 31">
+            <a:extLst>
+              <a:ext uri="{FF2B5EF4-FFF2-40B4-BE49-F238E27FC236}">
+                <a16:creationId xmlns:a16="http://schemas.microsoft.com/office/drawing/2014/main" id="{8B774B55-DEEF-410A-9F9B-E3F6C9F71FA8}"/>
+              </a:ext>
+              <a:ext uri="{C183D7F6-B498-43B3-948B-1728B52AA6E4}">
+                <adec:decorative xmlns:adec="http://schemas.microsoft.com/office/drawing/2017/decorative" val="1"/>
+              </a:ext>
+            </a:extLst>
+          </p:cNvPr>
+          <p:cNvSpPr>
+            <a:spLocks noGrp="1" noRot="1" noChangeAspect="1" noMove="1" noResize="1" noEditPoints="1" noAdjustHandles="1" noChangeArrowheads="1" noChangeShapeType="1" noTextEdit="1"/>
+          </p:cNvSpPr>
+          <p:nvPr>
+            <p:extLst>
+              <p:ext uri="{386F3935-93C4-4BCD-93E2-E3B085C9AB24}">
+                <p16:designElem xmlns:p16="http://schemas.microsoft.com/office/powerpoint/2015/main" val="1"/>
+              </p:ext>
+            </p:extLst>
+          </p:nvPr>
+        </p:nvSpPr>
+        <p:spPr>
+          <a:xfrm>
+            <a:off x="0" y="0"/>
+            <a:ext cx="9144000" cy="4750737"/>
+          </a:xfrm>
+          <a:prstGeom prst="rect">
+            <a:avLst/>
+          </a:prstGeom>
+          <a:ln>
+            <a:noFill/>
+          </a:ln>
+        </p:spPr>
+        <p:style>
+          <a:lnRef idx="2">
+            <a:schemeClr val="accent1">
+              <a:shade val="50000"/>
+            </a:schemeClr>
+          </a:lnRef>
+          <a:fillRef idx="1">
+            <a:schemeClr val="accent1"/>
+          </a:fillRef>
+          <a:effectRef idx="0">
+            <a:schemeClr val="accent1"/>
+          </a:effectRef>
+          <a:fontRef idx="minor">
+            <a:schemeClr val="lt1"/>
+          </a:fontRef>
+        </p:style>
+        <p:txBody>
+          <a:bodyPr rtlCol="0" anchor="ctr"/>
+          <a:lstStyle/>
+          <a:p>
+            <a:pPr algn="ctr"/>
+            <a:endParaRPr lang="en-US"/>
+          </a:p>
+        </p:txBody>
+      </p:sp>
+      <p:cxnSp>
+        <p:nvCxnSpPr>
+          <p:cNvPr id="34" name="Straight Connector 33">
+            <a:extLst>
+              <a:ext uri="{FF2B5EF4-FFF2-40B4-BE49-F238E27FC236}">
+                <a16:creationId xmlns:a16="http://schemas.microsoft.com/office/drawing/2014/main" id="{E86F63E5-80CB-48C0-8847-43E22C5378D7}"/>
+              </a:ext>
+              <a:ext uri="{C183D7F6-B498-43B3-948B-1728B52AA6E4}">
+                <adec:decorative xmlns:adec="http://schemas.microsoft.com/office/drawing/2017/decorative" val="1"/>
+              </a:ext>
+            </a:extLst>
+          </p:cNvPr>
+          <p:cNvCxnSpPr>
+            <a:cxnSpLocks noGrp="1" noRot="1" noChangeAspect="1" noMove="1" noResize="1" noEditPoints="1" noAdjustHandles="1" noChangeArrowheads="1" noChangeShapeType="1"/>
+          </p:cNvCxnSpPr>
+          <p:nvPr>
+            <p:extLst>
+              <p:ext uri="{386F3935-93C4-4BCD-93E2-E3B085C9AB24}">
+                <p16:designElem xmlns:p16="http://schemas.microsoft.com/office/powerpoint/2015/main" val="1"/>
+              </p:ext>
+            </p:extLst>
+          </p:nvPr>
+        </p:nvCxnSpPr>
+        <p:spPr>
+          <a:xfrm>
+            <a:off x="540814" y="4214077"/>
+            <a:ext cx="7886700" cy="0"/>
+          </a:xfrm>
+          <a:prstGeom prst="line">
+            <a:avLst/>
+          </a:prstGeom>
+          <a:ln w="6350">
+            <a:solidFill>
+              <a:schemeClr val="tx2">
+                <a:alpha val="90000"/>
+              </a:schemeClr>
+            </a:solidFill>
+          </a:ln>
+        </p:spPr>
+        <p:style>
+          <a:lnRef idx="1">
+            <a:schemeClr val="accent1"/>
+          </a:lnRef>
+          <a:fillRef idx="0">
+            <a:schemeClr val="accent1"/>
+          </a:fillRef>
+          <a:effectRef idx="0">
+            <a:schemeClr val="accent1"/>
+          </a:effectRef>
+          <a:fontRef idx="minor">
+            <a:schemeClr val="tx1"/>
+          </a:fontRef>
+        </p:style>
+      </p:cxnSp>
+      <p:sp>
+        <p:nvSpPr>
+          <p:cNvPr id="36" name="Rectangle 35">
+            <a:extLst>
+              <a:ext uri="{FF2B5EF4-FFF2-40B4-BE49-F238E27FC236}">
+                <a16:creationId xmlns:a16="http://schemas.microsoft.com/office/drawing/2014/main" id="{B7318D88-D9BB-4846-BF7B-49CBE4094198}"/>
+              </a:ext>
+              <a:ext uri="{C183D7F6-B498-43B3-948B-1728B52AA6E4}">
+                <adec:decorative xmlns:adec="http://schemas.microsoft.com/office/drawing/2017/decorative" val="1"/>
+              </a:ext>
+            </a:extLst>
+          </p:cNvPr>
+          <p:cNvSpPr>
+            <a:spLocks noGrp="1" noRot="1" noChangeAspect="1" noMove="1" noResize="1" noEditPoints="1" noAdjustHandles="1" noChangeArrowheads="1" noChangeShapeType="1" noTextEdit="1"/>
+          </p:cNvSpPr>
+          <p:nvPr>
+            <p:extLst>
+              <p:ext uri="{386F3935-93C4-4BCD-93E2-E3B085C9AB24}">
+                <p16:designElem xmlns:p16="http://schemas.microsoft.com/office/powerpoint/2015/main" val="1"/>
+              </p:ext>
+            </p:extLst>
+          </p:nvPr>
+        </p:nvSpPr>
+        <p:spPr>
+          <a:xfrm>
+            <a:off x="11" y="4750737"/>
+            <a:ext cx="9143989" cy="49863"/>
+          </a:xfrm>
+          <a:prstGeom prst="rect">
+            <a:avLst/>
+          </a:prstGeom>
+          <a:solidFill>
+            <a:schemeClr val="accent1"/>
+          </a:solidFill>
+          <a:ln>
+            <a:noFill/>
+          </a:ln>
+        </p:spPr>
+        <p:style>
+          <a:lnRef idx="2">
+            <a:schemeClr val="accent1">
+              <a:shade val="50000"/>
+            </a:schemeClr>
+          </a:lnRef>
+          <a:fillRef idx="1">
+            <a:schemeClr val="accent1"/>
+          </a:fillRef>
+          <a:effectRef idx="0">
+            <a:schemeClr val="accent1"/>
+          </a:effectRef>
+          <a:fontRef idx="minor">
+            <a:schemeClr val="lt1"/>
+          </a:fontRef>
+        </p:style>
+      </p:sp>
+      <p:sp>
+        <p:nvSpPr>
+          <p:cNvPr id="38" name="Rectangle 37">
+            <a:extLst>
+              <a:ext uri="{FF2B5EF4-FFF2-40B4-BE49-F238E27FC236}">
+                <a16:creationId xmlns:a16="http://schemas.microsoft.com/office/drawing/2014/main" id="{178E6CEE-A5A7-4FF2-A9BA-8E59C72B3649}"/>
+              </a:ext>
+              <a:ext uri="{C183D7F6-B498-43B3-948B-1728B52AA6E4}">
+                <adec:decorative xmlns:adec="http://schemas.microsoft.com/office/drawing/2017/decorative" val="1"/>
+              </a:ext>
+            </a:extLst>
+          </p:cNvPr>
+          <p:cNvSpPr>
+            <a:spLocks noGrp="1" noRot="1" noChangeAspect="1" noMove="1" noResize="1" noEditPoints="1" noAdjustHandles="1" noChangeArrowheads="1" noChangeShapeType="1" noTextEdit="1"/>
+          </p:cNvSpPr>
+          <p:nvPr>
+            <p:extLst>
+              <p:ext uri="{386F3935-93C4-4BCD-93E2-E3B085C9AB24}">
+                <p16:designElem xmlns:p16="http://schemas.microsoft.com/office/powerpoint/2015/main" val="1"/>
+              </p:ext>
+            </p:extLst>
+          </p:nvPr>
+        </p:nvSpPr>
+        <p:spPr>
+          <a:xfrm>
+            <a:off x="0" y="4800600"/>
+            <a:ext cx="9144000" cy="342900"/>
+          </a:xfrm>
+          <a:prstGeom prst="rect">
+            <a:avLst/>
+          </a:prstGeom>
+          <a:solidFill>
+            <a:schemeClr val="accent2"/>
+          </a:solidFill>
+          <a:ln>
+            <a:noFill/>
+          </a:ln>
+        </p:spPr>
+        <p:style>
+          <a:lnRef idx="2">
+            <a:schemeClr val="accent1">
+              <a:shade val="50000"/>
+            </a:schemeClr>
+          </a:lnRef>
+          <a:fillRef idx="1">
+            <a:schemeClr val="accent1"/>
+          </a:fillRef>
+          <a:effectRef idx="0">
+            <a:schemeClr val="accent1"/>
+          </a:effectRef>
+          <a:fontRef idx="minor">
+            <a:schemeClr val="lt1"/>
+          </a:fontRef>
+        </p:style>
+      </p:sp>
+      <p:sp>
+        <p:nvSpPr>
+          <p:cNvPr id="8" name="Title 1">
+            <a:extLst>
+              <a:ext uri="{FF2B5EF4-FFF2-40B4-BE49-F238E27FC236}">
+                <a16:creationId xmlns:a16="http://schemas.microsoft.com/office/drawing/2014/main" id="{800EE96A-641D-A0B4-B303-EE54FE51F017}"/>
+              </a:ext>
+            </a:extLst>
+          </p:cNvPr>
+          <p:cNvSpPr>
+            <a:spLocks noGrp="1"/>
+          </p:cNvSpPr>
+          <p:nvPr>
+            <p:ph type="title"/>
+          </p:nvPr>
+        </p:nvSpPr>
+        <p:spPr>
+          <a:xfrm>
+            <a:off x="479917" y="4157871"/>
+            <a:ext cx="8181805" cy="670426"/>
+          </a:xfrm>
+        </p:spPr>
+        <p:txBody>
+          <a:bodyPr vert="horz" lIns="91440" tIns="45720" rIns="91440" bIns="45720" rtlCol="0" anchor="b">
+            <a:normAutofit fontScale="90000"/>
+          </a:bodyPr>
+          <a:lstStyle/>
+          <a:p>
+            <a:pPr defTabSz="914400"/>
+            <a:r>
+              <a:rPr lang="en-US" sz="4500" spc="-50" dirty="0">
+                <a:solidFill>
+                  <a:schemeClr val="tx1">
+                    <a:lumMod val="85000"/>
+                    <a:lumOff val="15000"/>
+                  </a:schemeClr>
+                </a:solidFill>
+              </a:rPr>
+              <a:t>Recommendation</a:t>
+            </a:r>
+          </a:p>
+        </p:txBody>
+      </p:sp>
+      <p:pic>
+        <p:nvPicPr>
+          <p:cNvPr id="12" name="Picture 11">
+            <a:extLst>
+              <a:ext uri="{FF2B5EF4-FFF2-40B4-BE49-F238E27FC236}">
+                <a16:creationId xmlns:a16="http://schemas.microsoft.com/office/drawing/2014/main" id="{3089A22C-0670-CC93-C102-9D71E9E113F3}"/>
+              </a:ext>
+            </a:extLst>
+          </p:cNvPr>
+          <p:cNvPicPr>
+            <a:picLocks noChangeAspect="1"/>
+          </p:cNvPicPr>
+          <p:nvPr/>
+        </p:nvPicPr>
+        <p:blipFill>
+          <a:blip r:embed="rId2"/>
+          <a:stretch>
+            <a:fillRect/>
+          </a:stretch>
+        </p:blipFill>
+        <p:spPr>
+          <a:xfrm>
+            <a:off x="164039" y="69108"/>
+            <a:ext cx="8640249" cy="4030572"/>
+          </a:xfrm>
+          <a:prstGeom prst="rect">
+            <a:avLst/>
+          </a:prstGeom>
+          <a:effectLst>
+            <a:softEdge rad="25400"/>
+          </a:effectLst>
+        </p:spPr>
+      </p:pic>
+    </p:spTree>
+    <p:extLst>
+      <p:ext uri="{BB962C8B-B14F-4D97-AF65-F5344CB8AC3E}">
+        <p14:creationId xmlns:p14="http://schemas.microsoft.com/office/powerpoint/2010/main" val="2096072042"/>
+      </p:ext>
+    </p:extLst>
+  </p:cSld>
+  <p:clrMapOvr>
+    <a:masterClrMapping/>
+  </p:clrMapOvr>
+</p:sld>
+</file>
+
+<file path=ppt/slides/slide12.xml><?xml version="1.0" encoding="utf-8"?>
+<p:sld xmlns:a="http://schemas.openxmlformats.org/drawingml/2006/main" xmlns:r="http://schemas.openxmlformats.org/officeDocument/2006/relationships" xmlns:p="http://schemas.openxmlformats.org/presentationml/2006/main">
+  <p:cSld>
+    <p:bg>
+      <p:bgPr>
+        <a:solidFill>
+          <a:schemeClr val="bg2"/>
+        </a:solidFill>
+        <a:effectLst/>
+      </p:bgPr>
+    </p:bg>
+    <p:spTree>
+      <p:nvGrpSpPr>
+        <p:cNvPr id="1" name=""/>
+        <p:cNvGrpSpPr/>
+        <p:nvPr/>
+      </p:nvGrpSpPr>
+      <p:grpSpPr>
+        <a:xfrm>
+          <a:off x="0" y="0"/>
+          <a:ext cx="0" cy="0"/>
+          <a:chOff x="0" y="0"/>
+          <a:chExt cx="0" cy="0"/>
+        </a:xfrm>
+      </p:grpSpPr>
+      <p:sp>
+        <p:nvSpPr>
           <p:cNvPr id="7" name="Rectangle 6">
             <a:extLst>
               <a:ext uri="{FF2B5EF4-FFF2-40B4-BE49-F238E27FC236}">
@@ -21469,7 +21973,7 @@
 </p:sld>
 </file>
 
-<file path=ppt/slides/slide12.xml><?xml version="1.0" encoding="utf-8"?>
+<file path=ppt/slides/slide13.xml><?xml version="1.0" encoding="utf-8"?>
 <p:sld xmlns:a="http://schemas.openxmlformats.org/drawingml/2006/main" xmlns:r="http://schemas.openxmlformats.org/officeDocument/2006/relationships" xmlns:p="http://schemas.openxmlformats.org/presentationml/2006/main">
   <p:cSld>
     <p:bg>
@@ -21562,7 +22066,7 @@
 </p:sld>
 </file>
 
-<file path=ppt/slides/slide13.xml><?xml version="1.0" encoding="utf-8"?>
+<file path=ppt/slides/slide14.xml><?xml version="1.0" encoding="utf-8"?>
 <p:sld xmlns:a="http://schemas.openxmlformats.org/drawingml/2006/main" xmlns:r="http://schemas.openxmlformats.org/officeDocument/2006/relationships" xmlns:p="http://schemas.openxmlformats.org/presentationml/2006/main" show="0">
   <p:cSld>
     <p:bg>
@@ -21758,7 +22262,7 @@
 </p:sld>
 </file>
 
-<file path=ppt/slides/slide14.xml><?xml version="1.0" encoding="utf-8"?>
+<file path=ppt/slides/slide15.xml><?xml version="1.0" encoding="utf-8"?>
 <p:sld xmlns:a="http://schemas.openxmlformats.org/drawingml/2006/main" xmlns:r="http://schemas.openxmlformats.org/officeDocument/2006/relationships" xmlns:p="http://schemas.openxmlformats.org/presentationml/2006/main">
   <p:cSld>
     <p:bg>
@@ -21862,7 +22366,7 @@
 </p:sld>
 </file>
 
-<file path=ppt/slides/slide15.xml><?xml version="1.0" encoding="utf-8"?>
+<file path=ppt/slides/slide16.xml><?xml version="1.0" encoding="utf-8"?>
 <p:sld xmlns:a="http://schemas.openxmlformats.org/drawingml/2006/main" xmlns:r="http://schemas.openxmlformats.org/officeDocument/2006/relationships" xmlns:p="http://schemas.openxmlformats.org/presentationml/2006/main">
   <p:cSld>
     <p:bg>
@@ -21966,7 +22470,7 @@
 </p:sld>
 </file>
 
-<file path=ppt/slides/slide16.xml><?xml version="1.0" encoding="utf-8"?>
+<file path=ppt/slides/slide17.xml><?xml version="1.0" encoding="utf-8"?>
 <p:sld xmlns:a="http://schemas.openxmlformats.org/drawingml/2006/main" xmlns:r="http://schemas.openxmlformats.org/officeDocument/2006/relationships" xmlns:p="http://schemas.openxmlformats.org/presentationml/2006/main">
   <p:cSld>
     <p:bg>
@@ -22111,7 +22615,7 @@
 </p:sld>
 </file>
 
-<file path=ppt/slides/slide17.xml><?xml version="1.0" encoding="utf-8"?>
+<file path=ppt/slides/slide18.xml><?xml version="1.0" encoding="utf-8"?>
 <p:sld xmlns:a="http://schemas.openxmlformats.org/drawingml/2006/main" xmlns:r="http://schemas.openxmlformats.org/officeDocument/2006/relationships" xmlns:p="http://schemas.openxmlformats.org/presentationml/2006/main">
   <p:cSld>
     <p:bg>
@@ -22618,7 +23122,7 @@
 </p:sld>
 </file>
 
-<file path=ppt/slides/slide18.xml><?xml version="1.0" encoding="utf-8"?>
+<file path=ppt/slides/slide19.xml><?xml version="1.0" encoding="utf-8"?>
 <p:sld xmlns:a="http://schemas.openxmlformats.org/drawingml/2006/main" xmlns:r="http://schemas.openxmlformats.org/officeDocument/2006/relationships" xmlns:p="http://schemas.openxmlformats.org/presentationml/2006/main" show="0">
   <p:cSld>
     <p:bg>
@@ -23132,98 +23636,6 @@
 </p:sld>
 </file>
 
-<file path=ppt/slides/slide19.xml><?xml version="1.0" encoding="utf-8"?>
-<p:sld xmlns:a="http://schemas.openxmlformats.org/drawingml/2006/main" xmlns:r="http://schemas.openxmlformats.org/officeDocument/2006/relationships" xmlns:p="http://schemas.openxmlformats.org/presentationml/2006/main">
-  <p:cSld>
-    <p:spTree>
-      <p:nvGrpSpPr>
-        <p:cNvPr id="1" name=""/>
-        <p:cNvGrpSpPr/>
-        <p:nvPr/>
-      </p:nvGrpSpPr>
-      <p:grpSpPr>
-        <a:xfrm>
-          <a:off x="0" y="0"/>
-          <a:ext cx="0" cy="0"/>
-          <a:chOff x="0" y="0"/>
-          <a:chExt cx="0" cy="0"/>
-        </a:xfrm>
-      </p:grpSpPr>
-      <p:sp>
-        <p:nvSpPr>
-          <p:cNvPr id="2" name="Title 1">
-            <a:extLst>
-              <a:ext uri="{FF2B5EF4-FFF2-40B4-BE49-F238E27FC236}">
-                <a16:creationId xmlns:a16="http://schemas.microsoft.com/office/drawing/2014/main" id="{64127C17-CD83-9607-44FF-76653F1130EA}"/>
-              </a:ext>
-            </a:extLst>
-          </p:cNvPr>
-          <p:cNvSpPr>
-            <a:spLocks noGrp="1"/>
-          </p:cNvSpPr>
-          <p:nvPr>
-            <p:ph type="title"/>
-          </p:nvPr>
-        </p:nvSpPr>
-        <p:spPr/>
-        <p:txBody>
-          <a:bodyPr/>
-          <a:lstStyle/>
-          <a:p>
-            <a:r>
-              <a:rPr lang="en-US" dirty="0"/>
-              <a:t>2D Embedding</a:t>
-            </a:r>
-          </a:p>
-        </p:txBody>
-      </p:sp>
-      <p:pic>
-        <p:nvPicPr>
-          <p:cNvPr id="5" name="Google Shape;228;g22182353c72_0_59">
-            <a:extLst>
-              <a:ext uri="{FF2B5EF4-FFF2-40B4-BE49-F238E27FC236}">
-                <a16:creationId xmlns:a16="http://schemas.microsoft.com/office/drawing/2014/main" id="{CFBBA614-8CDD-F131-8D49-4A1B790E84DC}"/>
-              </a:ext>
-            </a:extLst>
-          </p:cNvPr>
-          <p:cNvPicPr preferRelativeResize="0"/>
-          <p:nvPr/>
-        </p:nvPicPr>
-        <p:blipFill>
-          <a:blip r:embed="rId2">
-            <a:alphaModFix/>
-          </a:blip>
-          <a:stretch>
-            <a:fillRect/>
-          </a:stretch>
-        </p:blipFill>
-        <p:spPr>
-          <a:xfrm>
-            <a:off x="3319000" y="145600"/>
-            <a:ext cx="5442225" cy="4761950"/>
-          </a:xfrm>
-          <a:prstGeom prst="rect">
-            <a:avLst/>
-          </a:prstGeom>
-          <a:noFill/>
-          <a:ln>
-            <a:noFill/>
-          </a:ln>
-        </p:spPr>
-      </p:pic>
-    </p:spTree>
-    <p:extLst>
-      <p:ext uri="{BB962C8B-B14F-4D97-AF65-F5344CB8AC3E}">
-        <p14:creationId xmlns:p14="http://schemas.microsoft.com/office/powerpoint/2010/main" val="992965195"/>
-      </p:ext>
-    </p:extLst>
-  </p:cSld>
-  <p:clrMapOvr>
-    <a:masterClrMapping/>
-  </p:clrMapOvr>
-</p:sld>
-</file>
-
 <file path=ppt/slides/slide2.xml><?xml version="1.0" encoding="utf-8"?>
 <p:sld xmlns:a="http://schemas.openxmlformats.org/drawingml/2006/main" xmlns:r="http://schemas.openxmlformats.org/officeDocument/2006/relationships" xmlns:p="http://schemas.openxmlformats.org/presentationml/2006/main">
   <p:cSld>
@@ -23326,6 +23738,98 @@
 </file>
 
 <file path=ppt/slides/slide20.xml><?xml version="1.0" encoding="utf-8"?>
+<p:sld xmlns:a="http://schemas.openxmlformats.org/drawingml/2006/main" xmlns:r="http://schemas.openxmlformats.org/officeDocument/2006/relationships" xmlns:p="http://schemas.openxmlformats.org/presentationml/2006/main">
+  <p:cSld>
+    <p:spTree>
+      <p:nvGrpSpPr>
+        <p:cNvPr id="1" name=""/>
+        <p:cNvGrpSpPr/>
+        <p:nvPr/>
+      </p:nvGrpSpPr>
+      <p:grpSpPr>
+        <a:xfrm>
+          <a:off x="0" y="0"/>
+          <a:ext cx="0" cy="0"/>
+          <a:chOff x="0" y="0"/>
+          <a:chExt cx="0" cy="0"/>
+        </a:xfrm>
+      </p:grpSpPr>
+      <p:sp>
+        <p:nvSpPr>
+          <p:cNvPr id="2" name="Title 1">
+            <a:extLst>
+              <a:ext uri="{FF2B5EF4-FFF2-40B4-BE49-F238E27FC236}">
+                <a16:creationId xmlns:a16="http://schemas.microsoft.com/office/drawing/2014/main" id="{64127C17-CD83-9607-44FF-76653F1130EA}"/>
+              </a:ext>
+            </a:extLst>
+          </p:cNvPr>
+          <p:cNvSpPr>
+            <a:spLocks noGrp="1"/>
+          </p:cNvSpPr>
+          <p:nvPr>
+            <p:ph type="title"/>
+          </p:nvPr>
+        </p:nvSpPr>
+        <p:spPr/>
+        <p:txBody>
+          <a:bodyPr/>
+          <a:lstStyle/>
+          <a:p>
+            <a:r>
+              <a:rPr lang="en-US" dirty="0"/>
+              <a:t>2D Embedding</a:t>
+            </a:r>
+          </a:p>
+        </p:txBody>
+      </p:sp>
+      <p:pic>
+        <p:nvPicPr>
+          <p:cNvPr id="5" name="Google Shape;228;g22182353c72_0_59">
+            <a:extLst>
+              <a:ext uri="{FF2B5EF4-FFF2-40B4-BE49-F238E27FC236}">
+                <a16:creationId xmlns:a16="http://schemas.microsoft.com/office/drawing/2014/main" id="{CFBBA614-8CDD-F131-8D49-4A1B790E84DC}"/>
+              </a:ext>
+            </a:extLst>
+          </p:cNvPr>
+          <p:cNvPicPr preferRelativeResize="0"/>
+          <p:nvPr/>
+        </p:nvPicPr>
+        <p:blipFill>
+          <a:blip r:embed="rId2">
+            <a:alphaModFix/>
+          </a:blip>
+          <a:stretch>
+            <a:fillRect/>
+          </a:stretch>
+        </p:blipFill>
+        <p:spPr>
+          <a:xfrm>
+            <a:off x="3319000" y="145600"/>
+            <a:ext cx="5442225" cy="4761950"/>
+          </a:xfrm>
+          <a:prstGeom prst="rect">
+            <a:avLst/>
+          </a:prstGeom>
+          <a:noFill/>
+          <a:ln>
+            <a:noFill/>
+          </a:ln>
+        </p:spPr>
+      </p:pic>
+    </p:spTree>
+    <p:extLst>
+      <p:ext uri="{BB962C8B-B14F-4D97-AF65-F5344CB8AC3E}">
+        <p14:creationId xmlns:p14="http://schemas.microsoft.com/office/powerpoint/2010/main" val="992965195"/>
+      </p:ext>
+    </p:extLst>
+  </p:cSld>
+  <p:clrMapOvr>
+    <a:masterClrMapping/>
+  </p:clrMapOvr>
+</p:sld>
+</file>
+
+<file path=ppt/slides/slide21.xml><?xml version="1.0" encoding="utf-8"?>
 <p:sld xmlns:a="http://schemas.openxmlformats.org/drawingml/2006/main" xmlns:r="http://schemas.openxmlformats.org/officeDocument/2006/relationships" xmlns:p="http://schemas.openxmlformats.org/presentationml/2006/main">
   <p:cSld>
     <p:bg>
@@ -23819,7 +24323,7 @@
 </p:sld>
 </file>
 
-<file path=ppt/slides/slide21.xml><?xml version="1.0" encoding="utf-8"?>
+<file path=ppt/slides/slide22.xml><?xml version="1.0" encoding="utf-8"?>
 <p:sld xmlns:a="http://schemas.openxmlformats.org/drawingml/2006/main" xmlns:r="http://schemas.openxmlformats.org/officeDocument/2006/relationships" xmlns:p="http://schemas.openxmlformats.org/presentationml/2006/main">
   <p:cSld>
     <p:bg>

--- a/AI presentation.pptx
+++ b/AI presentation.pptx
@@ -5,7 +5,7 @@
     <p:sldMasterId id="2147483942" r:id="rId1"/>
   </p:sldMasterIdLst>
   <p:notesMasterIdLst>
-    <p:notesMasterId r:id="rId24"/>
+    <p:notesMasterId r:id="rId25"/>
   </p:notesMasterIdLst>
   <p:sldIdLst>
     <p:sldId id="256" r:id="rId2"/>
@@ -28,30 +28,31 @@
     <p:sldId id="270" r:id="rId19"/>
     <p:sldId id="271" r:id="rId20"/>
     <p:sldId id="272" r:id="rId21"/>
-    <p:sldId id="273" r:id="rId22"/>
-    <p:sldId id="274" r:id="rId23"/>
+    <p:sldId id="279" r:id="rId22"/>
+    <p:sldId id="273" r:id="rId23"/>
+    <p:sldId id="274" r:id="rId24"/>
   </p:sldIdLst>
   <p:sldSz cx="9144000" cy="5143500" type="screen16x9"/>
   <p:notesSz cx="6858000" cy="9144000"/>
   <p:embeddedFontLst>
     <p:embeddedFont>
       <p:font typeface="Calibri" panose="020F0502020204030204" pitchFamily="34" charset="0"/>
-      <p:regular r:id="rId25"/>
-      <p:bold r:id="rId26"/>
-      <p:italic r:id="rId27"/>
-      <p:boldItalic r:id="rId28"/>
+      <p:regular r:id="rId26"/>
+      <p:bold r:id="rId27"/>
+      <p:italic r:id="rId28"/>
+      <p:boldItalic r:id="rId29"/>
     </p:embeddedFont>
     <p:embeddedFont>
       <p:font typeface="Calibri Light" panose="020F0302020204030204" pitchFamily="34" charset="0"/>
-      <p:regular r:id="rId29"/>
-      <p:italic r:id="rId30"/>
+      <p:regular r:id="rId30"/>
+      <p:italic r:id="rId31"/>
     </p:embeddedFont>
     <p:embeddedFont>
       <p:font typeface="Georgia" panose="02040502050405020303" pitchFamily="18" charset="0"/>
-      <p:regular r:id="rId31"/>
-      <p:bold r:id="rId32"/>
-      <p:italic r:id="rId33"/>
-      <p:boldItalic r:id="rId34"/>
+      <p:regular r:id="rId32"/>
+      <p:bold r:id="rId33"/>
+      <p:italic r:id="rId34"/>
+      <p:boldItalic r:id="rId35"/>
     </p:embeddedFont>
   </p:embeddedFontLst>
   <p:defaultTextStyle>
@@ -2584,11 +2585,11 @@
 </file>
 
 <file path=ppt/diagrams/colors4.xml><?xml version="1.0" encoding="utf-8"?>
-<dgm:colorsDef xmlns:dgm="http://schemas.openxmlformats.org/drawingml/2006/diagram" xmlns:a="http://schemas.openxmlformats.org/drawingml/2006/main" uniqueId="urn:microsoft.com/office/officeart/2005/8/colors/accent1_2">
+<dgm:colorsDef xmlns:dgm="http://schemas.openxmlformats.org/drawingml/2006/diagram" xmlns:a="http://schemas.openxmlformats.org/drawingml/2006/main" uniqueId="urn:microsoft.com/office/officeart/2018/5/colors/Iconchunking_neutralicontext_colorful2">
   <dgm:title val=""/>
   <dgm:desc val=""/>
   <dgm:catLst>
-    <dgm:cat type="accent1" pri="11200"/>
+    <dgm:cat type="colorful" pri="10200"/>
   </dgm:catLst>
   <dgm:styleLbl name="node0">
     <dgm:fillClrLst meth="repeat">
@@ -2602,21 +2603,40 @@
     <dgm:txFillClrLst/>
     <dgm:txEffectClrLst/>
   </dgm:styleLbl>
-  <dgm:styleLbl name="alignNode1">
+  <dgm:styleLbl name="node1">
     <dgm:fillClrLst meth="repeat">
-      <a:schemeClr val="accent1"/>
+      <a:schemeClr val="bg1"/>
     </dgm:fillClrLst>
     <dgm:linClrLst meth="repeat">
-      <a:schemeClr val="accent1"/>
+      <a:schemeClr val="lt1">
+        <a:alpha val="0"/>
+      </a:schemeClr>
+    </dgm:linClrLst>
+    <dgm:effectClrLst/>
+    <dgm:txLinClrLst/>
+    <dgm:txFillClrLst meth="repeat">
+      <a:schemeClr val="dk1"/>
+    </dgm:txFillClrLst>
+    <dgm:txEffectClrLst/>
+  </dgm:styleLbl>
+  <dgm:styleLbl name="alignNode1">
+    <dgm:fillClrLst>
+      <a:schemeClr val="accent2"/>
+      <a:schemeClr val="accent3"/>
+    </dgm:fillClrLst>
+    <dgm:linClrLst>
+      <a:schemeClr val="accent2"/>
+      <a:schemeClr val="accent3"/>
     </dgm:linClrLst>
     <dgm:effectClrLst/>
     <dgm:txLinClrLst/>
     <dgm:txFillClrLst/>
     <dgm:txEffectClrLst/>
   </dgm:styleLbl>
-  <dgm:styleLbl name="node1">
-    <dgm:fillClrLst meth="repeat">
-      <a:schemeClr val="accent1"/>
+  <dgm:styleLbl name="lnNode1">
+    <dgm:fillClrLst>
+      <a:schemeClr val="accent2"/>
+      <a:schemeClr val="accent3"/>
     </dgm:fillClrLst>
     <dgm:linClrLst meth="repeat">
       <a:schemeClr val="lt1"/>
@@ -2626,21 +2646,12 @@
     <dgm:txFillClrLst/>
     <dgm:txEffectClrLst/>
   </dgm:styleLbl>
-  <dgm:styleLbl name="lnNode1">
-    <dgm:fillClrLst meth="repeat">
-      <a:schemeClr val="accent1"/>
-    </dgm:fillClrLst>
-    <dgm:linClrLst meth="repeat">
-      <a:schemeClr val="lt1"/>
-    </dgm:linClrLst>
-    <dgm:effectClrLst/>
-    <dgm:txLinClrLst/>
-    <dgm:txFillClrLst/>
-    <dgm:txEffectClrLst/>
-  </dgm:styleLbl>
   <dgm:styleLbl name="vennNode1">
-    <dgm:fillClrLst meth="repeat">
-      <a:schemeClr val="accent1">
+    <dgm:fillClrLst>
+      <a:schemeClr val="accent2">
+        <a:alpha val="50000"/>
+      </a:schemeClr>
+      <a:schemeClr val="accent3">
         <a:alpha val="50000"/>
       </a:schemeClr>
     </dgm:fillClrLst>
@@ -2653,8 +2664,8 @@
     <dgm:txEffectClrLst/>
   </dgm:styleLbl>
   <dgm:styleLbl name="node2">
-    <dgm:fillClrLst meth="repeat">
-      <a:schemeClr val="accent1"/>
+    <dgm:fillClrLst>
+      <a:schemeClr val="accent3"/>
     </dgm:fillClrLst>
     <dgm:linClrLst meth="repeat">
       <a:schemeClr val="lt1"/>
@@ -2665,8 +2676,8 @@
     <dgm:txEffectClrLst/>
   </dgm:styleLbl>
   <dgm:styleLbl name="node3">
-    <dgm:fillClrLst meth="repeat">
-      <a:schemeClr val="accent1"/>
+    <dgm:fillClrLst>
+      <a:schemeClr val="accent4"/>
     </dgm:fillClrLst>
     <dgm:linClrLst meth="repeat">
       <a:schemeClr val="lt1"/>
@@ -2677,8 +2688,8 @@
     <dgm:txEffectClrLst/>
   </dgm:styleLbl>
   <dgm:styleLbl name="node4">
-    <dgm:fillClrLst meth="repeat">
-      <a:schemeClr val="accent1"/>
+    <dgm:fillClrLst>
+      <a:schemeClr val="accent5"/>
     </dgm:fillClrLst>
     <dgm:linClrLst meth="repeat">
       <a:schemeClr val="lt1"/>
@@ -2689,8 +2700,11 @@
     <dgm:txEffectClrLst/>
   </dgm:styleLbl>
   <dgm:styleLbl name="fgImgPlace1">
-    <dgm:fillClrLst meth="repeat">
-      <a:schemeClr val="accent1">
+    <dgm:fillClrLst>
+      <a:schemeClr val="accent2">
+        <a:tint val="50000"/>
+      </a:schemeClr>
+      <a:schemeClr val="accent3">
         <a:tint val="50000"/>
       </a:schemeClr>
     </dgm:fillClrLst>
@@ -2705,9 +2719,12 @@
     <dgm:txEffectClrLst/>
   </dgm:styleLbl>
   <dgm:styleLbl name="alignImgPlace1">
-    <dgm:fillClrLst meth="repeat">
-      <a:schemeClr val="accent1">
+    <dgm:fillClrLst>
+      <a:schemeClr val="accent2">
         <a:tint val="50000"/>
+      </a:schemeClr>
+      <a:schemeClr val="accent3">
+        <a:tint val="20000"/>
       </a:schemeClr>
     </dgm:fillClrLst>
     <dgm:linClrLst meth="repeat">
@@ -2721,9 +2738,12 @@
     <dgm:txEffectClrLst/>
   </dgm:styleLbl>
   <dgm:styleLbl name="bgImgPlace1">
-    <dgm:fillClrLst meth="repeat">
-      <a:schemeClr val="accent1">
+    <dgm:fillClrLst>
+      <a:schemeClr val="accent2">
         <a:tint val="50000"/>
+      </a:schemeClr>
+      <a:schemeClr val="accent3">
+        <a:tint val="20000"/>
       </a:schemeClr>
     </dgm:fillClrLst>
     <dgm:linClrLst meth="repeat">
@@ -2737,15 +2757,12 @@
     <dgm:txEffectClrLst/>
   </dgm:styleLbl>
   <dgm:styleLbl name="sibTrans2D1">
-    <dgm:fillClrLst meth="repeat">
-      <a:schemeClr val="accent1">
-        <a:tint val="60000"/>
-      </a:schemeClr>
+    <dgm:fillClrLst>
+      <a:schemeClr val="accent2"/>
+      <a:schemeClr val="accent3"/>
     </dgm:fillClrLst>
     <dgm:linClrLst meth="repeat">
-      <a:schemeClr val="accent1">
-        <a:tint val="60000"/>
-      </a:schemeClr>
+      <a:schemeClr val="lt1"/>
     </dgm:linClrLst>
     <dgm:effectClrLst/>
     <dgm:txLinClrLst/>
@@ -2753,43 +2770,40 @@
     <dgm:txEffectClrLst/>
   </dgm:styleLbl>
   <dgm:styleLbl name="fgSibTrans2D1">
-    <dgm:fillClrLst meth="repeat">
-      <a:schemeClr val="accent1">
-        <a:tint val="60000"/>
-      </a:schemeClr>
+    <dgm:fillClrLst>
+      <a:schemeClr val="accent2"/>
+      <a:schemeClr val="accent3"/>
     </dgm:fillClrLst>
     <dgm:linClrLst meth="repeat">
-      <a:schemeClr val="accent1">
-        <a:tint val="60000"/>
-      </a:schemeClr>
+      <a:schemeClr val="lt1"/>
     </dgm:linClrLst>
     <dgm:effectClrLst/>
     <dgm:txLinClrLst/>
-    <dgm:txFillClrLst/>
+    <dgm:txFillClrLst meth="repeat">
+      <a:schemeClr val="lt1"/>
+    </dgm:txFillClrLst>
     <dgm:txEffectClrLst/>
   </dgm:styleLbl>
   <dgm:styleLbl name="bgSibTrans2D1">
-    <dgm:fillClrLst meth="repeat">
-      <a:schemeClr val="accent1">
-        <a:tint val="60000"/>
-      </a:schemeClr>
+    <dgm:fillClrLst>
+      <a:schemeClr val="accent2"/>
+      <a:schemeClr val="accent3"/>
     </dgm:fillClrLst>
     <dgm:linClrLst meth="repeat">
-      <a:schemeClr val="accent1">
-        <a:tint val="60000"/>
-      </a:schemeClr>
+      <a:schemeClr val="lt1"/>
     </dgm:linClrLst>
     <dgm:effectClrLst/>
     <dgm:txLinClrLst/>
-    <dgm:txFillClrLst/>
+    <dgm:txFillClrLst meth="repeat">
+      <a:schemeClr val="lt1"/>
+    </dgm:txFillClrLst>
     <dgm:txEffectClrLst/>
   </dgm:styleLbl>
   <dgm:styleLbl name="sibTrans1D1">
-    <dgm:fillClrLst meth="repeat">
-      <a:schemeClr val="accent1"/>
-    </dgm:fillClrLst>
-    <dgm:linClrLst meth="repeat">
-      <a:schemeClr val="accent1"/>
+    <dgm:fillClrLst/>
+    <dgm:linClrLst>
+      <a:schemeClr val="accent2"/>
+      <a:schemeClr val="accent3"/>
     </dgm:linClrLst>
     <dgm:effectClrLst/>
     <dgm:txLinClrLst/>
@@ -2800,10 +2814,10 @@
   </dgm:styleLbl>
   <dgm:styleLbl name="callout">
     <dgm:fillClrLst meth="repeat">
-      <a:schemeClr val="accent1"/>
+      <a:schemeClr val="accent2"/>
     </dgm:fillClrLst>
     <dgm:linClrLst meth="repeat">
-      <a:schemeClr val="accent1">
+      <a:schemeClr val="accent2">
         <a:tint val="50000"/>
       </a:schemeClr>
     </dgm:linClrLst>
@@ -2816,7 +2830,35 @@
   </dgm:styleLbl>
   <dgm:styleLbl name="asst0">
     <dgm:fillClrLst meth="repeat">
-      <a:schemeClr val="accent1"/>
+      <a:schemeClr val="accent2"/>
+    </dgm:fillClrLst>
+    <dgm:linClrLst meth="repeat">
+      <a:schemeClr val="lt1">
+        <a:shade val="80000"/>
+      </a:schemeClr>
+    </dgm:linClrLst>
+    <dgm:effectClrLst/>
+    <dgm:txLinClrLst/>
+    <dgm:txFillClrLst/>
+    <dgm:txEffectClrLst/>
+  </dgm:styleLbl>
+  <dgm:styleLbl name="asst1">
+    <dgm:fillClrLst meth="repeat">
+      <a:schemeClr val="accent3"/>
+    </dgm:fillClrLst>
+    <dgm:linClrLst meth="repeat">
+      <a:schemeClr val="lt1">
+        <a:shade val="80000"/>
+      </a:schemeClr>
+    </dgm:linClrLst>
+    <dgm:effectClrLst/>
+    <dgm:txLinClrLst/>
+    <dgm:txFillClrLst/>
+    <dgm:txEffectClrLst/>
+  </dgm:styleLbl>
+  <dgm:styleLbl name="asst2">
+    <dgm:fillClrLst>
+      <a:schemeClr val="accent4"/>
     </dgm:fillClrLst>
     <dgm:linClrLst meth="repeat">
       <a:schemeClr val="lt1"/>
@@ -2826,9 +2868,9 @@
     <dgm:txFillClrLst/>
     <dgm:txEffectClrLst/>
   </dgm:styleLbl>
-  <dgm:styleLbl name="asst1">
-    <dgm:fillClrLst meth="repeat">
-      <a:schemeClr val="accent1"/>
+  <dgm:styleLbl name="asst3">
+    <dgm:fillClrLst>
+      <a:schemeClr val="accent5"/>
     </dgm:fillClrLst>
     <dgm:linClrLst meth="repeat">
       <a:schemeClr val="lt1"/>
@@ -2838,9 +2880,9 @@
     <dgm:txFillClrLst/>
     <dgm:txEffectClrLst/>
   </dgm:styleLbl>
-  <dgm:styleLbl name="asst2">
-    <dgm:fillClrLst meth="repeat">
-      <a:schemeClr val="accent1"/>
+  <dgm:styleLbl name="asst4">
+    <dgm:fillClrLst>
+      <a:schemeClr val="accent6"/>
     </dgm:fillClrLst>
     <dgm:linClrLst meth="repeat">
       <a:schemeClr val="lt1"/>
@@ -2850,9 +2892,23 @@
     <dgm:txFillClrLst/>
     <dgm:txEffectClrLst/>
   </dgm:styleLbl>
-  <dgm:styleLbl name="asst3">
+  <dgm:styleLbl name="parChTrans2D1">
     <dgm:fillClrLst meth="repeat">
-      <a:schemeClr val="accent1"/>
+      <a:schemeClr val="accent2"/>
+    </dgm:fillClrLst>
+    <dgm:linClrLst meth="repeat">
+      <a:schemeClr val="lt1"/>
+    </dgm:linClrLst>
+    <dgm:effectClrLst/>
+    <dgm:txLinClrLst/>
+    <dgm:txFillClrLst meth="repeat">
+      <a:schemeClr val="lt1"/>
+    </dgm:txFillClrLst>
+    <dgm:txEffectClrLst/>
+  </dgm:styleLbl>
+  <dgm:styleLbl name="parChTrans2D2">
+    <dgm:fillClrLst meth="repeat">
+      <a:schemeClr val="accent3"/>
     </dgm:fillClrLst>
     <dgm:linClrLst meth="repeat">
       <a:schemeClr val="lt1"/>
@@ -2862,9 +2918,9 @@
     <dgm:txFillClrLst/>
     <dgm:txEffectClrLst/>
   </dgm:styleLbl>
-  <dgm:styleLbl name="asst4">
+  <dgm:styleLbl name="parChTrans2D3">
     <dgm:fillClrLst meth="repeat">
-      <a:schemeClr val="accent1"/>
+      <a:schemeClr val="accent4"/>
     </dgm:fillClrLst>
     <dgm:linClrLst meth="repeat">
       <a:schemeClr val="lt1"/>
@@ -2874,16 +2930,12 @@
     <dgm:txFillClrLst/>
     <dgm:txEffectClrLst/>
   </dgm:styleLbl>
-  <dgm:styleLbl name="parChTrans2D1">
+  <dgm:styleLbl name="parChTrans2D4">
     <dgm:fillClrLst meth="repeat">
-      <a:schemeClr val="accent1">
-        <a:tint val="60000"/>
-      </a:schemeClr>
+      <a:schemeClr val="accent5"/>
     </dgm:fillClrLst>
     <dgm:linClrLst meth="repeat">
-      <a:schemeClr val="accent1">
-        <a:tint val="60000"/>
-      </a:schemeClr>
+      <a:schemeClr val="lt1"/>
     </dgm:linClrLst>
     <dgm:effectClrLst/>
     <dgm:txLinClrLst/>
@@ -2892,56 +2944,12 @@
     </dgm:txFillClrLst>
     <dgm:txEffectClrLst/>
   </dgm:styleLbl>
-  <dgm:styleLbl name="parChTrans2D2">
+  <dgm:styleLbl name="parChTrans1D1">
     <dgm:fillClrLst meth="repeat">
-      <a:schemeClr val="accent1"/>
+      <a:schemeClr val="accent2"/>
     </dgm:fillClrLst>
     <dgm:linClrLst meth="repeat">
-      <a:schemeClr val="accent1"/>
-    </dgm:linClrLst>
-    <dgm:effectClrLst/>
-    <dgm:txLinClrLst/>
-    <dgm:txFillClrLst meth="repeat">
-      <a:schemeClr val="lt1"/>
-    </dgm:txFillClrLst>
-    <dgm:txEffectClrLst/>
-  </dgm:styleLbl>
-  <dgm:styleLbl name="parChTrans2D3">
-    <dgm:fillClrLst meth="repeat">
-      <a:schemeClr val="accent1"/>
-    </dgm:fillClrLst>
-    <dgm:linClrLst meth="repeat">
-      <a:schemeClr val="accent1"/>
-    </dgm:linClrLst>
-    <dgm:effectClrLst/>
-    <dgm:txLinClrLst/>
-    <dgm:txFillClrLst meth="repeat">
-      <a:schemeClr val="lt1"/>
-    </dgm:txFillClrLst>
-    <dgm:txEffectClrLst/>
-  </dgm:styleLbl>
-  <dgm:styleLbl name="parChTrans2D4">
-    <dgm:fillClrLst meth="repeat">
-      <a:schemeClr val="accent1"/>
-    </dgm:fillClrLst>
-    <dgm:linClrLst meth="repeat">
-      <a:schemeClr val="accent1"/>
-    </dgm:linClrLst>
-    <dgm:effectClrLst/>
-    <dgm:txLinClrLst/>
-    <dgm:txFillClrLst meth="repeat">
-      <a:schemeClr val="lt1"/>
-    </dgm:txFillClrLst>
-    <dgm:txEffectClrLst/>
-  </dgm:styleLbl>
-  <dgm:styleLbl name="parChTrans1D1">
-    <dgm:fillClrLst meth="repeat">
-      <a:schemeClr val="accent1"/>
-    </dgm:fillClrLst>
-    <dgm:linClrLst meth="repeat">
-      <a:schemeClr val="accent1">
-        <a:shade val="60000"/>
-      </a:schemeClr>
+      <a:schemeClr val="accent2"/>
     </dgm:linClrLst>
     <dgm:effectClrLst/>
     <dgm:txLinClrLst/>
@@ -2952,12 +2960,12 @@
   </dgm:styleLbl>
   <dgm:styleLbl name="parChTrans1D2">
     <dgm:fillClrLst meth="repeat">
-      <a:schemeClr val="accent1"/>
+      <a:schemeClr val="accent2">
+        <a:tint val="90000"/>
+      </a:schemeClr>
     </dgm:fillClrLst>
     <dgm:linClrLst meth="repeat">
-      <a:schemeClr val="accent1">
-        <a:shade val="60000"/>
-      </a:schemeClr>
+      <a:schemeClr val="accent3"/>
     </dgm:linClrLst>
     <dgm:effectClrLst/>
     <dgm:txLinClrLst/>
@@ -2968,12 +2976,12 @@
   </dgm:styleLbl>
   <dgm:styleLbl name="parChTrans1D3">
     <dgm:fillClrLst meth="repeat">
-      <a:schemeClr val="accent1"/>
+      <a:schemeClr val="accent2">
+        <a:tint val="70000"/>
+      </a:schemeClr>
     </dgm:fillClrLst>
     <dgm:linClrLst meth="repeat">
-      <a:schemeClr val="accent1">
-        <a:shade val="80000"/>
-      </a:schemeClr>
+      <a:schemeClr val="accent4"/>
     </dgm:linClrLst>
     <dgm:effectClrLst/>
     <dgm:txLinClrLst/>
@@ -2984,12 +2992,12 @@
   </dgm:styleLbl>
   <dgm:styleLbl name="parChTrans1D4">
     <dgm:fillClrLst meth="repeat">
-      <a:schemeClr val="accent1"/>
+      <a:schemeClr val="accent2">
+        <a:tint val="50000"/>
+      </a:schemeClr>
     </dgm:fillClrLst>
     <dgm:linClrLst meth="repeat">
-      <a:schemeClr val="accent1">
-        <a:shade val="80000"/>
-      </a:schemeClr>
+      <a:schemeClr val="accent5"/>
     </dgm:linClrLst>
     <dgm:effectClrLst/>
     <dgm:txLinClrLst/>
@@ -3004,7 +3012,220 @@
         <a:alpha val="90000"/>
       </a:schemeClr>
     </dgm:fillClrLst>
+    <dgm:linClrLst>
+      <a:schemeClr val="accent2"/>
+      <a:schemeClr val="accent3"/>
+    </dgm:linClrLst>
+    <dgm:effectClrLst/>
+    <dgm:txLinClrLst/>
+    <dgm:txFillClrLst meth="repeat">
+      <a:schemeClr val="dk1"/>
+    </dgm:txFillClrLst>
+    <dgm:txEffectClrLst/>
+  </dgm:styleLbl>
+  <dgm:styleLbl name="conFgAcc1">
+    <dgm:fillClrLst meth="repeat">
+      <a:schemeClr val="lt1">
+        <a:alpha val="90000"/>
+      </a:schemeClr>
+    </dgm:fillClrLst>
+    <dgm:linClrLst>
+      <a:schemeClr val="accent2"/>
+      <a:schemeClr val="accent3"/>
+    </dgm:linClrLst>
+    <dgm:effectClrLst/>
+    <dgm:txLinClrLst/>
+    <dgm:txFillClrLst meth="repeat">
+      <a:schemeClr val="dk1"/>
+    </dgm:txFillClrLst>
+    <dgm:txEffectClrLst/>
+  </dgm:styleLbl>
+  <dgm:styleLbl name="alignAcc1">
+    <dgm:fillClrLst meth="repeat">
+      <a:schemeClr val="lt1">
+        <a:alpha val="90000"/>
+      </a:schemeClr>
+    </dgm:fillClrLst>
+    <dgm:linClrLst>
+      <a:schemeClr val="accent2"/>
+      <a:schemeClr val="accent3"/>
+    </dgm:linClrLst>
+    <dgm:effectClrLst/>
+    <dgm:txLinClrLst/>
+    <dgm:txFillClrLst meth="repeat">
+      <a:schemeClr val="dk1"/>
+    </dgm:txFillClrLst>
+    <dgm:txEffectClrLst/>
+  </dgm:styleLbl>
+  <dgm:styleLbl name="trAlignAcc1">
+    <dgm:fillClrLst meth="repeat">
+      <a:schemeClr val="lt1">
+        <a:alpha val="40000"/>
+      </a:schemeClr>
+    </dgm:fillClrLst>
     <dgm:linClrLst meth="repeat">
+      <a:schemeClr val="accent2"/>
+    </dgm:linClrLst>
+    <dgm:effectClrLst/>
+    <dgm:txLinClrLst/>
+    <dgm:txFillClrLst meth="repeat">
+      <a:schemeClr val="dk1"/>
+    </dgm:txFillClrLst>
+    <dgm:txEffectClrLst/>
+  </dgm:styleLbl>
+  <dgm:styleLbl name="bgAcc1">
+    <dgm:fillClrLst meth="repeat">
+      <a:schemeClr val="lt1">
+        <a:alpha val="90000"/>
+      </a:schemeClr>
+    </dgm:fillClrLst>
+    <dgm:linClrLst>
+      <a:schemeClr val="accent2"/>
+      <a:schemeClr val="accent3"/>
+    </dgm:linClrLst>
+    <dgm:effectClrLst/>
+    <dgm:txLinClrLst/>
+    <dgm:txFillClrLst meth="repeat">
+      <a:schemeClr val="dk1"/>
+    </dgm:txFillClrLst>
+    <dgm:txEffectClrLst/>
+  </dgm:styleLbl>
+  <dgm:styleLbl name="solidFgAcc1">
+    <dgm:fillClrLst meth="repeat">
+      <a:schemeClr val="lt1"/>
+    </dgm:fillClrLst>
+    <dgm:linClrLst>
+      <a:schemeClr val="accent2"/>
+      <a:schemeClr val="accent3"/>
+    </dgm:linClrLst>
+    <dgm:effectClrLst/>
+    <dgm:txLinClrLst/>
+    <dgm:txFillClrLst meth="repeat">
+      <a:schemeClr val="dk1"/>
+    </dgm:txFillClrLst>
+    <dgm:txEffectClrLst/>
+  </dgm:styleLbl>
+  <dgm:styleLbl name="solidAlignAcc1">
+    <dgm:fillClrLst meth="repeat">
+      <a:schemeClr val="lt1"/>
+    </dgm:fillClrLst>
+    <dgm:linClrLst>
+      <a:schemeClr val="accent2"/>
+      <a:schemeClr val="accent3"/>
+    </dgm:linClrLst>
+    <dgm:effectClrLst/>
+    <dgm:txLinClrLst/>
+    <dgm:txFillClrLst meth="repeat">
+      <a:schemeClr val="dk1"/>
+    </dgm:txFillClrLst>
+    <dgm:txEffectClrLst/>
+  </dgm:styleLbl>
+  <dgm:styleLbl name="solidBgAcc1">
+    <dgm:fillClrLst meth="repeat">
+      <a:schemeClr val="lt1"/>
+    </dgm:fillClrLst>
+    <dgm:linClrLst>
+      <a:schemeClr val="accent2"/>
+      <a:schemeClr val="accent3"/>
+    </dgm:linClrLst>
+    <dgm:effectClrLst/>
+    <dgm:txLinClrLst/>
+    <dgm:txFillClrLst meth="repeat">
+      <a:schemeClr val="dk1"/>
+    </dgm:txFillClrLst>
+    <dgm:txEffectClrLst/>
+  </dgm:styleLbl>
+  <dgm:styleLbl name="fgAccFollowNode1">
+    <dgm:fillClrLst>
+      <a:schemeClr val="accent2">
+        <a:tint val="40000"/>
+        <a:alpha val="90000"/>
+      </a:schemeClr>
+      <a:schemeClr val="accent3">
+        <a:tint val="40000"/>
+        <a:alpha val="90000"/>
+      </a:schemeClr>
+    </dgm:fillClrLst>
+    <dgm:linClrLst>
+      <a:schemeClr val="accent2">
+        <a:tint val="40000"/>
+        <a:alpha val="90000"/>
+      </a:schemeClr>
+      <a:schemeClr val="accent3">
+        <a:tint val="40000"/>
+        <a:alpha val="90000"/>
+      </a:schemeClr>
+    </dgm:linClrLst>
+    <dgm:effectClrLst/>
+    <dgm:txLinClrLst/>
+    <dgm:txFillClrLst meth="repeat">
+      <a:schemeClr val="dk1"/>
+    </dgm:txFillClrLst>
+    <dgm:txEffectClrLst/>
+  </dgm:styleLbl>
+  <dgm:styleLbl name="alignAccFollowNode1">
+    <dgm:fillClrLst>
+      <a:schemeClr val="accent2">
+        <a:tint val="40000"/>
+        <a:alpha val="90000"/>
+      </a:schemeClr>
+      <a:schemeClr val="accent3">
+        <a:tint val="40000"/>
+        <a:alpha val="90000"/>
+      </a:schemeClr>
+    </dgm:fillClrLst>
+    <dgm:linClrLst>
+      <a:schemeClr val="accent2">
+        <a:tint val="40000"/>
+        <a:alpha val="90000"/>
+      </a:schemeClr>
+      <a:schemeClr val="accent3">
+        <a:tint val="40000"/>
+        <a:alpha val="90000"/>
+      </a:schemeClr>
+    </dgm:linClrLst>
+    <dgm:effectClrLst/>
+    <dgm:txLinClrLst/>
+    <dgm:txFillClrLst meth="repeat">
+      <a:schemeClr val="dk1"/>
+    </dgm:txFillClrLst>
+    <dgm:txEffectClrLst/>
+  </dgm:styleLbl>
+  <dgm:styleLbl name="bgAccFollowNode1">
+    <dgm:fillClrLst>
+      <a:schemeClr val="accent2">
+        <a:tint val="40000"/>
+        <a:alpha val="90000"/>
+      </a:schemeClr>
+      <a:schemeClr val="accent3">
+        <a:tint val="40000"/>
+        <a:alpha val="90000"/>
+      </a:schemeClr>
+    </dgm:fillClrLst>
+    <dgm:linClrLst>
+      <a:schemeClr val="accent2">
+        <a:tint val="40000"/>
+        <a:alpha val="90000"/>
+      </a:schemeClr>
+      <a:schemeClr val="accent3">
+        <a:tint val="40000"/>
+        <a:alpha val="90000"/>
+      </a:schemeClr>
+    </dgm:linClrLst>
+    <dgm:effectClrLst/>
+    <dgm:txLinClrLst/>
+    <dgm:txFillClrLst meth="repeat">
+      <a:schemeClr val="dk1"/>
+    </dgm:txFillClrLst>
+    <dgm:txEffectClrLst/>
+  </dgm:styleLbl>
+  <dgm:styleLbl name="fgAcc0">
+    <dgm:fillClrLst meth="repeat">
+      <a:schemeClr val="lt1">
+        <a:alpha val="90000"/>
+      </a:schemeClr>
+    </dgm:fillClrLst>
+    <dgm:linClrLst>
       <a:schemeClr val="accent1"/>
     </dgm:linClrLst>
     <dgm:effectClrLst/>
@@ -3014,14 +3235,14 @@
     </dgm:txFillClrLst>
     <dgm:txEffectClrLst/>
   </dgm:styleLbl>
-  <dgm:styleLbl name="conFgAcc1">
+  <dgm:styleLbl name="fgAcc2">
     <dgm:fillClrLst meth="repeat">
       <a:schemeClr val="lt1">
         <a:alpha val="90000"/>
       </a:schemeClr>
     </dgm:fillClrLst>
-    <dgm:linClrLst meth="repeat">
-      <a:schemeClr val="accent1"/>
+    <dgm:linClrLst>
+      <a:schemeClr val="accent3"/>
     </dgm:linClrLst>
     <dgm:effectClrLst/>
     <dgm:txLinClrLst/>
@@ -3030,14 +3251,14 @@
     </dgm:txFillClrLst>
     <dgm:txEffectClrLst/>
   </dgm:styleLbl>
-  <dgm:styleLbl name="alignAcc1">
+  <dgm:styleLbl name="fgAcc3">
     <dgm:fillClrLst meth="repeat">
       <a:schemeClr val="lt1">
         <a:alpha val="90000"/>
       </a:schemeClr>
     </dgm:fillClrLst>
-    <dgm:linClrLst meth="repeat">
-      <a:schemeClr val="accent1"/>
+    <dgm:linClrLst>
+      <a:schemeClr val="accent4"/>
     </dgm:linClrLst>
     <dgm:effectClrLst/>
     <dgm:txLinClrLst/>
@@ -3046,14 +3267,14 @@
     </dgm:txFillClrLst>
     <dgm:txEffectClrLst/>
   </dgm:styleLbl>
-  <dgm:styleLbl name="trAlignAcc1">
+  <dgm:styleLbl name="fgAcc4">
     <dgm:fillClrLst meth="repeat">
       <a:schemeClr val="lt1">
-        <a:alpha val="40000"/>
+        <a:alpha val="90000"/>
       </a:schemeClr>
     </dgm:fillClrLst>
-    <dgm:linClrLst meth="repeat">
-      <a:schemeClr val="accent1"/>
+    <dgm:linClrLst>
+      <a:schemeClr val="accent5"/>
     </dgm:linClrLst>
     <dgm:effectClrLst/>
     <dgm:txLinClrLst/>
@@ -3062,212 +3283,29 @@
     </dgm:txFillClrLst>
     <dgm:txEffectClrLst/>
   </dgm:styleLbl>
-  <dgm:styleLbl name="bgAcc1">
-    <dgm:fillClrLst meth="repeat">
-      <a:schemeClr val="lt1">
-        <a:alpha val="90000"/>
-      </a:schemeClr>
+  <dgm:styleLbl name="bgShp">
+    <dgm:fillClrLst>
+      <a:schemeClr val="accent2"/>
+      <a:schemeClr val="accent3"/>
     </dgm:fillClrLst>
     <dgm:linClrLst meth="repeat">
-      <a:schemeClr val="accent1"/>
-    </dgm:linClrLst>
-    <dgm:effectClrLst/>
-    <dgm:txLinClrLst/>
-    <dgm:txFillClrLst meth="repeat">
-      <a:schemeClr val="dk1"/>
-    </dgm:txFillClrLst>
-    <dgm:txEffectClrLst/>
-  </dgm:styleLbl>
-  <dgm:styleLbl name="solidFgAcc1">
-    <dgm:fillClrLst meth="repeat">
-      <a:schemeClr val="lt1"/>
-    </dgm:fillClrLst>
-    <dgm:linClrLst meth="repeat">
-      <a:schemeClr val="accent1"/>
-    </dgm:linClrLst>
-    <dgm:effectClrLst/>
-    <dgm:txLinClrLst/>
-    <dgm:txFillClrLst meth="repeat">
-      <a:schemeClr val="dk1"/>
-    </dgm:txFillClrLst>
-    <dgm:txEffectClrLst/>
-  </dgm:styleLbl>
-  <dgm:styleLbl name="solidAlignAcc1">
-    <dgm:fillClrLst meth="repeat">
-      <a:schemeClr val="lt1"/>
-    </dgm:fillClrLst>
-    <dgm:linClrLst meth="repeat">
-      <a:schemeClr val="accent1"/>
-    </dgm:linClrLst>
-    <dgm:effectClrLst/>
-    <dgm:txLinClrLst/>
-    <dgm:txFillClrLst meth="repeat">
-      <a:schemeClr val="dk1"/>
-    </dgm:txFillClrLst>
-    <dgm:txEffectClrLst/>
-  </dgm:styleLbl>
-  <dgm:styleLbl name="solidBgAcc1">
-    <dgm:fillClrLst meth="repeat">
-      <a:schemeClr val="lt1"/>
-    </dgm:fillClrLst>
-    <dgm:linClrLst meth="repeat">
-      <a:schemeClr val="accent1"/>
-    </dgm:linClrLst>
-    <dgm:effectClrLst/>
-    <dgm:txLinClrLst/>
-    <dgm:txFillClrLst meth="repeat">
-      <a:schemeClr val="dk1"/>
-    </dgm:txFillClrLst>
-    <dgm:txEffectClrLst/>
-  </dgm:styleLbl>
-  <dgm:styleLbl name="fgAccFollowNode1">
-    <dgm:fillClrLst meth="repeat">
-      <a:schemeClr val="accent1">
-        <a:alpha val="90000"/>
-        <a:tint val="40000"/>
-      </a:schemeClr>
-    </dgm:fillClrLst>
-    <dgm:linClrLst meth="repeat">
-      <a:schemeClr val="accent1">
-        <a:alpha val="90000"/>
-        <a:tint val="40000"/>
+      <a:schemeClr val="lt1">
+        <a:alpha val="0"/>
       </a:schemeClr>
     </dgm:linClrLst>
     <dgm:effectClrLst/>
     <dgm:txLinClrLst/>
-    <dgm:txFillClrLst meth="repeat">
-      <a:schemeClr val="dk1"/>
-    </dgm:txFillClrLst>
+    <dgm:txFillClrLst/>
     <dgm:txEffectClrLst/>
   </dgm:styleLbl>
-  <dgm:styleLbl name="alignAccFollowNode1">
+  <dgm:styleLbl name="dkBgShp">
     <dgm:fillClrLst meth="repeat">
-      <a:schemeClr val="accent1">
-        <a:alpha val="90000"/>
-        <a:tint val="40000"/>
+      <a:schemeClr val="accent2">
+        <a:shade val="90000"/>
       </a:schemeClr>
     </dgm:fillClrLst>
     <dgm:linClrLst meth="repeat">
-      <a:schemeClr val="accent1">
-        <a:alpha val="90000"/>
-        <a:tint val="40000"/>
-      </a:schemeClr>
-    </dgm:linClrLst>
-    <dgm:effectClrLst/>
-    <dgm:txLinClrLst/>
-    <dgm:txFillClrLst meth="repeat">
       <a:schemeClr val="dk1"/>
-    </dgm:txFillClrLst>
-    <dgm:txEffectClrLst/>
-  </dgm:styleLbl>
-  <dgm:styleLbl name="bgAccFollowNode1">
-    <dgm:fillClrLst meth="repeat">
-      <a:schemeClr val="accent1">
-        <a:alpha val="90000"/>
-        <a:tint val="40000"/>
-      </a:schemeClr>
-    </dgm:fillClrLst>
-    <dgm:linClrLst meth="repeat">
-      <a:schemeClr val="accent1">
-        <a:alpha val="90000"/>
-        <a:tint val="40000"/>
-      </a:schemeClr>
-    </dgm:linClrLst>
-    <dgm:effectClrLst/>
-    <dgm:txLinClrLst/>
-    <dgm:txFillClrLst meth="repeat">
-      <a:schemeClr val="dk1"/>
-    </dgm:txFillClrLst>
-    <dgm:txEffectClrLst/>
-  </dgm:styleLbl>
-  <dgm:styleLbl name="fgAcc0">
-    <dgm:fillClrLst meth="repeat">
-      <a:schemeClr val="lt1">
-        <a:alpha val="90000"/>
-      </a:schemeClr>
-    </dgm:fillClrLst>
-    <dgm:linClrLst meth="repeat">
-      <a:schemeClr val="accent1"/>
-    </dgm:linClrLst>
-    <dgm:effectClrLst/>
-    <dgm:txLinClrLst/>
-    <dgm:txFillClrLst meth="repeat">
-      <a:schemeClr val="dk1"/>
-    </dgm:txFillClrLst>
-    <dgm:txEffectClrLst/>
-  </dgm:styleLbl>
-  <dgm:styleLbl name="fgAcc2">
-    <dgm:fillClrLst meth="repeat">
-      <a:schemeClr val="lt1">
-        <a:alpha val="90000"/>
-      </a:schemeClr>
-    </dgm:fillClrLst>
-    <dgm:linClrLst meth="repeat">
-      <a:schemeClr val="accent1"/>
-    </dgm:linClrLst>
-    <dgm:effectClrLst/>
-    <dgm:txLinClrLst/>
-    <dgm:txFillClrLst meth="repeat">
-      <a:schemeClr val="dk1"/>
-    </dgm:txFillClrLst>
-    <dgm:txEffectClrLst/>
-  </dgm:styleLbl>
-  <dgm:styleLbl name="fgAcc3">
-    <dgm:fillClrLst meth="repeat">
-      <a:schemeClr val="lt1">
-        <a:alpha val="90000"/>
-      </a:schemeClr>
-    </dgm:fillClrLst>
-    <dgm:linClrLst meth="repeat">
-      <a:schemeClr val="accent1"/>
-    </dgm:linClrLst>
-    <dgm:effectClrLst/>
-    <dgm:txLinClrLst/>
-    <dgm:txFillClrLst meth="repeat">
-      <a:schemeClr val="dk1"/>
-    </dgm:txFillClrLst>
-    <dgm:txEffectClrLst/>
-  </dgm:styleLbl>
-  <dgm:styleLbl name="fgAcc4">
-    <dgm:fillClrLst meth="repeat">
-      <a:schemeClr val="lt1">
-        <a:alpha val="90000"/>
-      </a:schemeClr>
-    </dgm:fillClrLst>
-    <dgm:linClrLst meth="repeat">
-      <a:schemeClr val="accent1"/>
-    </dgm:linClrLst>
-    <dgm:effectClrLst/>
-    <dgm:txLinClrLst/>
-    <dgm:txFillClrLst meth="repeat">
-      <a:schemeClr val="dk1"/>
-    </dgm:txFillClrLst>
-    <dgm:txEffectClrLst/>
-  </dgm:styleLbl>
-  <dgm:styleLbl name="bgShp">
-    <dgm:fillClrLst meth="repeat">
-      <a:schemeClr val="accent1">
-        <a:tint val="40000"/>
-      </a:schemeClr>
-    </dgm:fillClrLst>
-    <dgm:linClrLst meth="repeat">
-      <a:schemeClr val="accent1"/>
-    </dgm:linClrLst>
-    <dgm:effectClrLst/>
-    <dgm:txLinClrLst/>
-    <dgm:txFillClrLst meth="repeat">
-      <a:schemeClr val="dk1"/>
-    </dgm:txFillClrLst>
-    <dgm:txEffectClrLst/>
-  </dgm:styleLbl>
-  <dgm:styleLbl name="dkBgShp">
-    <dgm:fillClrLst meth="repeat">
-      <a:schemeClr val="accent1">
-        <a:shade val="80000"/>
-      </a:schemeClr>
-    </dgm:fillClrLst>
-    <dgm:linClrLst meth="repeat">
-      <a:schemeClr val="accent1"/>
     </dgm:linClrLst>
     <dgm:effectClrLst/>
     <dgm:txLinClrLst/>
@@ -3278,13 +3316,13 @@
   </dgm:styleLbl>
   <dgm:styleLbl name="trBgShp">
     <dgm:fillClrLst meth="repeat">
-      <a:schemeClr val="accent1">
+      <a:schemeClr val="accent2">
         <a:tint val="50000"/>
         <a:alpha val="40000"/>
       </a:schemeClr>
     </dgm:fillClrLst>
     <dgm:linClrLst meth="repeat">
-      <a:schemeClr val="accent1"/>
+      <a:schemeClr val="accent2"/>
     </dgm:linClrLst>
     <dgm:effectClrLst/>
     <dgm:txLinClrLst/>
@@ -3295,8 +3333,8 @@
   </dgm:styleLbl>
   <dgm:styleLbl name="fgShp">
     <dgm:fillClrLst meth="repeat">
-      <a:schemeClr val="accent1">
-        <a:tint val="60000"/>
+      <a:schemeClr val="accent2">
+        <a:tint val="40000"/>
       </a:schemeClr>
     </dgm:fillClrLst>
     <dgm:linClrLst meth="repeat">
@@ -3323,7 +3361,7 @@
     <dgm:effectClrLst/>
     <dgm:txLinClrLst/>
     <dgm:txFillClrLst meth="repeat">
-      <a:schemeClr val="tx1"/>
+      <a:schemeClr val="bg1"/>
     </dgm:txFillClrLst>
     <dgm:txEffectClrLst/>
   </dgm:styleLbl>
@@ -5070,7 +5108,7 @@
 <dgm:dataModel xmlns:dgm="http://schemas.openxmlformats.org/drawingml/2006/diagram" xmlns:a="http://schemas.openxmlformats.org/drawingml/2006/main">
   <dgm:ptLst>
     <dgm:pt modelId="{EA0C499D-8961-4706-A9F4-7ECD95655B95}" type="doc">
-      <dgm:prSet loTypeId="urn:microsoft.com/office/officeart/2018/2/layout/IconVerticalSolidList" loCatId="icon" qsTypeId="urn:microsoft.com/office/officeart/2005/8/quickstyle/simple1" qsCatId="simple" csTypeId="urn:microsoft.com/office/officeart/2005/8/colors/accent1_2" csCatId="accent1" phldr="1"/>
+      <dgm:prSet loTypeId="urn:microsoft.com/office/officeart/2018/2/layout/IconVerticalSolidList" loCatId="icon" qsTypeId="urn:microsoft.com/office/officeart/2005/8/quickstyle/simple1" qsCatId="simple" csTypeId="urn:microsoft.com/office/officeart/2018/5/colors/Iconchunking_neutralicontext_colorful2" csCatId="colorful" phldr="1"/>
       <dgm:spPr/>
       <dgm:t>
         <a:bodyPr/>
@@ -5087,11 +5125,6 @@
         <a:bodyPr/>
         <a:lstStyle/>
         <a:p>
-          <a:pPr>
-            <a:lnSpc>
-              <a:spcPct val="100000"/>
-            </a:lnSpc>
-          </a:pPr>
           <a:r>
             <a:rPr lang="en-US"/>
             <a:t>The users and movies are converted into embeddings</a:t>
@@ -5128,11 +5161,6 @@
         <a:bodyPr/>
         <a:lstStyle/>
         <a:p>
-          <a:pPr>
-            <a:lnSpc>
-              <a:spcPct val="100000"/>
-            </a:lnSpc>
-          </a:pPr>
           <a:r>
             <a:rPr lang="en-US"/>
             <a:t>The multiplication of these matrices gives a prediction</a:t>
@@ -5169,11 +5197,6 @@
         <a:bodyPr/>
         <a:lstStyle/>
         <a:p>
-          <a:pPr>
-            <a:lnSpc>
-              <a:spcPct val="100000"/>
-            </a:lnSpc>
-          </a:pPr>
           <a:r>
             <a:rPr lang="en-US"/>
             <a:t>This prediction is then scaled to the range of the ratings</a:t>
@@ -5238,6 +5261,9 @@
             <a:fillRect/>
           </a:stretch>
         </a:blipFill>
+        <a:ln>
+          <a:noFill/>
+        </a:ln>
       </dgm:spPr>
       <dgm:extLst>
         <a:ext uri="{E40237B7-FDA0-4F09-8148-C483321AD2D9}">
@@ -5288,6 +5314,9 @@
             <a:fillRect/>
           </a:stretch>
         </a:blipFill>
+        <a:ln>
+          <a:noFill/>
+        </a:ln>
       </dgm:spPr>
       <dgm:extLst>
         <a:ext uri="{E40237B7-FDA0-4F09-8148-C483321AD2D9}">
@@ -5338,6 +5367,9 @@
             <a:fillRect/>
           </a:stretch>
         </a:blipFill>
+        <a:ln>
+          <a:noFill/>
+        </a:ln>
       </dgm:spPr>
       <dgm:extLst>
         <a:ext uri="{E40237B7-FDA0-4F09-8148-C483321AD2D9}">
@@ -5389,7 +5421,7 @@
   <dgm:whole/>
   <dgm:extLst>
     <a:ext uri="http://schemas.microsoft.com/office/drawing/2008/diagram">
-      <dsp:dataModelExt xmlns:dsp="http://schemas.microsoft.com/office/drawing/2008/diagram" relId="rId6" minVer="http://schemas.openxmlformats.org/drawingml/2006/diagram"/>
+      <dsp:dataModelExt xmlns:dsp="http://schemas.microsoft.com/office/drawing/2008/diagram" relId="rId7" minVer="http://schemas.openxmlformats.org/drawingml/2006/diagram"/>
     </a:ext>
   </dgm:extLst>
 </dgm:dataModel>
@@ -7279,8 +7311,8 @@
       </dsp:nvSpPr>
       <dsp:spPr>
         <a:xfrm>
-          <a:off x="0" y="481"/>
-          <a:ext cx="4868863" cy="1126396"/>
+          <a:off x="0" y="336"/>
+          <a:ext cx="3845379" cy="786275"/>
         </a:xfrm>
         <a:prstGeom prst="roundRect">
           <a:avLst>
@@ -7288,8 +7320,7 @@
           </a:avLst>
         </a:prstGeom>
         <a:solidFill>
-          <a:schemeClr val="accent1">
-            <a:tint val="40000"/>
+          <a:schemeClr val="accent2">
             <a:hueOff val="0"/>
             <a:satOff val="0"/>
             <a:lumOff val="0"/>
@@ -7321,8 +7352,8 @@
       </dsp:nvSpPr>
       <dsp:spPr>
         <a:xfrm>
-          <a:off x="340734" y="253920"/>
-          <a:ext cx="619517" cy="619517"/>
+          <a:off x="237848" y="177247"/>
+          <a:ext cx="432451" cy="432451"/>
         </a:xfrm>
         <a:prstGeom prst="rect">
           <a:avLst/>
@@ -7343,14 +7374,7 @@
           </a:stretch>
         </a:blipFill>
         <a:ln w="15875" cap="flat" cmpd="sng" algn="ctr">
-          <a:solidFill>
-            <a:schemeClr val="lt1">
-              <a:hueOff val="0"/>
-              <a:satOff val="0"/>
-              <a:lumOff val="0"/>
-              <a:alphaOff val="0"/>
-            </a:schemeClr>
-          </a:solidFill>
+          <a:noFill/>
           <a:prstDash val="solid"/>
         </a:ln>
         <a:effectLst/>
@@ -7377,8 +7401,8 @@
       </dsp:nvSpPr>
       <dsp:spPr>
         <a:xfrm>
-          <a:off x="1300987" y="481"/>
-          <a:ext cx="3567875" cy="1126396"/>
+          <a:off x="908147" y="336"/>
+          <a:ext cx="2937231" cy="786275"/>
         </a:xfrm>
         <a:prstGeom prst="rect">
           <a:avLst/>
@@ -7402,14 +7426,14 @@
         <a:fontRef idx="minor"/>
       </dsp:style>
       <dsp:txBody>
-        <a:bodyPr spcFirstLastPara="0" vert="horz" wrap="square" lIns="119210" tIns="119210" rIns="119210" bIns="119210" numCol="1" spcCol="1270" anchor="ctr" anchorCtr="0">
+        <a:bodyPr spcFirstLastPara="0" vert="horz" wrap="square" lIns="83214" tIns="83214" rIns="83214" bIns="83214" numCol="1" spcCol="1270" anchor="ctr" anchorCtr="0">
           <a:noAutofit/>
         </a:bodyPr>
         <a:lstStyle/>
         <a:p>
-          <a:pPr marL="0" lvl="0" indent="0" algn="l" defTabSz="933450">
+          <a:pPr marL="0" lvl="0" indent="0" algn="l" defTabSz="800100">
             <a:lnSpc>
-              <a:spcPct val="100000"/>
+              <a:spcPct val="90000"/>
             </a:lnSpc>
             <a:spcBef>
               <a:spcPct val="0"/>
@@ -7420,14 +7444,14 @@
             <a:buNone/>
           </a:pPr>
           <a:r>
-            <a:rPr lang="en-US" sz="2100" kern="1200"/>
+            <a:rPr lang="en-US" sz="1800" kern="1200"/>
             <a:t>The users and movies are converted into embeddings</a:t>
           </a:r>
         </a:p>
       </dsp:txBody>
       <dsp:txXfrm>
-        <a:off x="1300987" y="481"/>
-        <a:ext cx="3567875" cy="1126396"/>
+        <a:off x="908147" y="336"/>
+        <a:ext cx="2937231" cy="786275"/>
       </dsp:txXfrm>
     </dsp:sp>
     <dsp:sp modelId="{D83233F3-760C-4888-96EE-505E27E44611}">
@@ -7437,8 +7461,8 @@
       </dsp:nvSpPr>
       <dsp:spPr>
         <a:xfrm>
-          <a:off x="0" y="1408476"/>
-          <a:ext cx="4868863" cy="1126396"/>
+          <a:off x="0" y="983179"/>
+          <a:ext cx="3845379" cy="786275"/>
         </a:xfrm>
         <a:prstGeom prst="roundRect">
           <a:avLst>
@@ -7446,11 +7470,10 @@
           </a:avLst>
         </a:prstGeom>
         <a:solidFill>
-          <a:schemeClr val="accent1">
-            <a:tint val="40000"/>
-            <a:hueOff val="0"/>
-            <a:satOff val="0"/>
-            <a:lumOff val="0"/>
+          <a:schemeClr val="accent2">
+            <a:hueOff val="1620045"/>
+            <a:satOff val="225"/>
+            <a:lumOff val="196"/>
             <a:alphaOff val="0"/>
           </a:schemeClr>
         </a:solidFill>
@@ -7479,8 +7502,8 @@
       </dsp:nvSpPr>
       <dsp:spPr>
         <a:xfrm>
-          <a:off x="340734" y="1661916"/>
-          <a:ext cx="619517" cy="619517"/>
+          <a:off x="237848" y="1160091"/>
+          <a:ext cx="432451" cy="432451"/>
         </a:xfrm>
         <a:prstGeom prst="rect">
           <a:avLst/>
@@ -7501,14 +7524,7 @@
           </a:stretch>
         </a:blipFill>
         <a:ln w="15875" cap="flat" cmpd="sng" algn="ctr">
-          <a:solidFill>
-            <a:schemeClr val="lt1">
-              <a:hueOff val="0"/>
-              <a:satOff val="0"/>
-              <a:lumOff val="0"/>
-              <a:alphaOff val="0"/>
-            </a:schemeClr>
-          </a:solidFill>
+          <a:noFill/>
           <a:prstDash val="solid"/>
         </a:ln>
         <a:effectLst/>
@@ -7535,8 +7551,8 @@
       </dsp:nvSpPr>
       <dsp:spPr>
         <a:xfrm>
-          <a:off x="1300987" y="1408476"/>
-          <a:ext cx="3567875" cy="1126396"/>
+          <a:off x="908147" y="983179"/>
+          <a:ext cx="2937231" cy="786275"/>
         </a:xfrm>
         <a:prstGeom prst="rect">
           <a:avLst/>
@@ -7560,14 +7576,14 @@
         <a:fontRef idx="minor"/>
       </dsp:style>
       <dsp:txBody>
-        <a:bodyPr spcFirstLastPara="0" vert="horz" wrap="square" lIns="119210" tIns="119210" rIns="119210" bIns="119210" numCol="1" spcCol="1270" anchor="ctr" anchorCtr="0">
+        <a:bodyPr spcFirstLastPara="0" vert="horz" wrap="square" lIns="83214" tIns="83214" rIns="83214" bIns="83214" numCol="1" spcCol="1270" anchor="ctr" anchorCtr="0">
           <a:noAutofit/>
         </a:bodyPr>
         <a:lstStyle/>
         <a:p>
-          <a:pPr marL="0" lvl="0" indent="0" algn="l" defTabSz="933450">
+          <a:pPr marL="0" lvl="0" indent="0" algn="l" defTabSz="800100">
             <a:lnSpc>
-              <a:spcPct val="100000"/>
+              <a:spcPct val="90000"/>
             </a:lnSpc>
             <a:spcBef>
               <a:spcPct val="0"/>
@@ -7578,14 +7594,14 @@
             <a:buNone/>
           </a:pPr>
           <a:r>
-            <a:rPr lang="en-US" sz="2100" kern="1200"/>
+            <a:rPr lang="en-US" sz="1800" kern="1200"/>
             <a:t>The multiplication of these matrices gives a prediction</a:t>
           </a:r>
         </a:p>
       </dsp:txBody>
       <dsp:txXfrm>
-        <a:off x="1300987" y="1408476"/>
-        <a:ext cx="3567875" cy="1126396"/>
+        <a:off x="908147" y="983179"/>
+        <a:ext cx="2937231" cy="786275"/>
       </dsp:txXfrm>
     </dsp:sp>
     <dsp:sp modelId="{6E00A0BD-63CC-4EDC-AC4B-C212173B1337}">
@@ -7595,8 +7611,8 @@
       </dsp:nvSpPr>
       <dsp:spPr>
         <a:xfrm>
-          <a:off x="0" y="2816472"/>
-          <a:ext cx="4868863" cy="1126396"/>
+          <a:off x="0" y="1966023"/>
+          <a:ext cx="3845379" cy="786275"/>
         </a:xfrm>
         <a:prstGeom prst="roundRect">
           <a:avLst>
@@ -7604,11 +7620,10 @@
           </a:avLst>
         </a:prstGeom>
         <a:solidFill>
-          <a:schemeClr val="accent1">
-            <a:tint val="40000"/>
-            <a:hueOff val="0"/>
-            <a:satOff val="0"/>
-            <a:lumOff val="0"/>
+          <a:schemeClr val="accent2">
+            <a:hueOff val="3240090"/>
+            <a:satOff val="451"/>
+            <a:lumOff val="392"/>
             <a:alphaOff val="0"/>
           </a:schemeClr>
         </a:solidFill>
@@ -7637,8 +7652,8 @@
       </dsp:nvSpPr>
       <dsp:spPr>
         <a:xfrm>
-          <a:off x="340734" y="3069911"/>
-          <a:ext cx="619517" cy="619517"/>
+          <a:off x="237848" y="2142935"/>
+          <a:ext cx="432451" cy="432451"/>
         </a:xfrm>
         <a:prstGeom prst="rect">
           <a:avLst/>
@@ -7659,14 +7674,7 @@
           </a:stretch>
         </a:blipFill>
         <a:ln w="15875" cap="flat" cmpd="sng" algn="ctr">
-          <a:solidFill>
-            <a:schemeClr val="lt1">
-              <a:hueOff val="0"/>
-              <a:satOff val="0"/>
-              <a:lumOff val="0"/>
-              <a:alphaOff val="0"/>
-            </a:schemeClr>
-          </a:solidFill>
+          <a:noFill/>
           <a:prstDash val="solid"/>
         </a:ln>
         <a:effectLst/>
@@ -7693,8 +7701,8 @@
       </dsp:nvSpPr>
       <dsp:spPr>
         <a:xfrm>
-          <a:off x="1300987" y="2816472"/>
-          <a:ext cx="3567875" cy="1126396"/>
+          <a:off x="908147" y="1966023"/>
+          <a:ext cx="2937231" cy="786275"/>
         </a:xfrm>
         <a:prstGeom prst="rect">
           <a:avLst/>
@@ -7718,14 +7726,14 @@
         <a:fontRef idx="minor"/>
       </dsp:style>
       <dsp:txBody>
-        <a:bodyPr spcFirstLastPara="0" vert="horz" wrap="square" lIns="119210" tIns="119210" rIns="119210" bIns="119210" numCol="1" spcCol="1270" anchor="ctr" anchorCtr="0">
+        <a:bodyPr spcFirstLastPara="0" vert="horz" wrap="square" lIns="83214" tIns="83214" rIns="83214" bIns="83214" numCol="1" spcCol="1270" anchor="ctr" anchorCtr="0">
           <a:noAutofit/>
         </a:bodyPr>
         <a:lstStyle/>
         <a:p>
-          <a:pPr marL="0" lvl="0" indent="0" algn="l" defTabSz="933450">
+          <a:pPr marL="0" lvl="0" indent="0" algn="l" defTabSz="800100">
             <a:lnSpc>
-              <a:spcPct val="100000"/>
+              <a:spcPct val="90000"/>
             </a:lnSpc>
             <a:spcBef>
               <a:spcPct val="0"/>
@@ -7736,14 +7744,14 @@
             <a:buNone/>
           </a:pPr>
           <a:r>
-            <a:rPr lang="en-US" sz="2100" kern="1200"/>
+            <a:rPr lang="en-US" sz="1800" kern="1200"/>
             <a:t>This prediction is then scaled to the range of the ratings</a:t>
           </a:r>
         </a:p>
       </dsp:txBody>
       <dsp:txXfrm>
-        <a:off x="1300987" y="2816472"/>
-        <a:ext cx="3567875" cy="1126396"/>
+        <a:off x="908147" y="1966023"/>
+        <a:ext cx="2937231" cy="786275"/>
       </dsp:txXfrm>
     </dsp:sp>
   </dsp:spTree>
@@ -23835,6 +23843,509 @@
     <p:bg>
       <p:bgPr>
         <a:solidFill>
+          <a:schemeClr val="bg2"/>
+        </a:solidFill>
+        <a:effectLst/>
+      </p:bgPr>
+    </p:bg>
+    <p:spTree>
+      <p:nvGrpSpPr>
+        <p:cNvPr id="1" name=""/>
+        <p:cNvGrpSpPr/>
+        <p:nvPr/>
+      </p:nvGrpSpPr>
+      <p:grpSpPr>
+        <a:xfrm>
+          <a:off x="0" y="0"/>
+          <a:ext cx="0" cy="0"/>
+          <a:chOff x="0" y="0"/>
+          <a:chExt cx="0" cy="0"/>
+        </a:xfrm>
+      </p:grpSpPr>
+      <p:sp>
+        <p:nvSpPr>
+          <p:cNvPr id="26" name="Rectangle 25">
+            <a:extLst>
+              <a:ext uri="{FF2B5EF4-FFF2-40B4-BE49-F238E27FC236}">
+                <a16:creationId xmlns:a16="http://schemas.microsoft.com/office/drawing/2014/main" id="{21D53CA0-FDE7-4B62-AE74-A671E6B82DC8}"/>
+              </a:ext>
+              <a:ext uri="{C183D7F6-B498-43B3-948B-1728B52AA6E4}">
+                <adec:decorative xmlns:adec="http://schemas.microsoft.com/office/drawing/2017/decorative" val="1"/>
+              </a:ext>
+            </a:extLst>
+          </p:cNvPr>
+          <p:cNvSpPr>
+            <a:spLocks noGrp="1" noRot="1" noChangeAspect="1" noMove="1" noResize="1" noEditPoints="1" noAdjustHandles="1" noChangeArrowheads="1" noChangeShapeType="1" noTextEdit="1"/>
+          </p:cNvSpPr>
+          <p:nvPr>
+            <p:extLst>
+              <p:ext uri="{386F3935-93C4-4BCD-93E2-E3B085C9AB24}">
+                <p16:designElem xmlns:p16="http://schemas.microsoft.com/office/powerpoint/2015/main" val="1"/>
+              </p:ext>
+            </p:extLst>
+          </p:nvPr>
+        </p:nvSpPr>
+        <p:spPr>
+          <a:xfrm>
+            <a:off x="2381" y="4800600"/>
+            <a:ext cx="9141619" cy="342900"/>
+          </a:xfrm>
+          <a:prstGeom prst="rect">
+            <a:avLst/>
+          </a:prstGeom>
+          <a:solidFill>
+            <a:schemeClr val="accent2"/>
+          </a:solidFill>
+          <a:ln>
+            <a:noFill/>
+          </a:ln>
+        </p:spPr>
+        <p:style>
+          <a:lnRef idx="2">
+            <a:schemeClr val="accent1">
+              <a:shade val="50000"/>
+            </a:schemeClr>
+          </a:lnRef>
+          <a:fillRef idx="1">
+            <a:schemeClr val="accent1"/>
+          </a:fillRef>
+          <a:effectRef idx="0">
+            <a:schemeClr val="accent1"/>
+          </a:effectRef>
+          <a:fontRef idx="minor">
+            <a:schemeClr val="lt1"/>
+          </a:fontRef>
+        </p:style>
+      </p:sp>
+      <p:sp>
+        <p:nvSpPr>
+          <p:cNvPr id="28" name="Rectangle 27">
+            <a:extLst>
+              <a:ext uri="{FF2B5EF4-FFF2-40B4-BE49-F238E27FC236}">
+                <a16:creationId xmlns:a16="http://schemas.microsoft.com/office/drawing/2014/main" id="{06FA22A8-DAD2-4DBF-BCF6-AA00E9D83620}"/>
+              </a:ext>
+              <a:ext uri="{C183D7F6-B498-43B3-948B-1728B52AA6E4}">
+                <adec:decorative xmlns:adec="http://schemas.microsoft.com/office/drawing/2017/decorative" val="1"/>
+              </a:ext>
+            </a:extLst>
+          </p:cNvPr>
+          <p:cNvSpPr>
+            <a:spLocks noGrp="1" noRot="1" noChangeAspect="1" noMove="1" noResize="1" noEditPoints="1" noAdjustHandles="1" noChangeArrowheads="1" noChangeShapeType="1" noTextEdit="1"/>
+          </p:cNvSpPr>
+          <p:nvPr>
+            <p:extLst>
+              <p:ext uri="{386F3935-93C4-4BCD-93E2-E3B085C9AB24}">
+                <p16:designElem xmlns:p16="http://schemas.microsoft.com/office/powerpoint/2015/main" val="1"/>
+              </p:ext>
+            </p:extLst>
+          </p:nvPr>
+        </p:nvSpPr>
+        <p:spPr>
+          <a:xfrm>
+            <a:off x="11" y="4750737"/>
+            <a:ext cx="9141619" cy="48006"/>
+          </a:xfrm>
+          <a:prstGeom prst="rect">
+            <a:avLst/>
+          </a:prstGeom>
+          <a:solidFill>
+            <a:schemeClr val="accent1"/>
+          </a:solidFill>
+          <a:ln>
+            <a:noFill/>
+          </a:ln>
+        </p:spPr>
+        <p:style>
+          <a:lnRef idx="2">
+            <a:schemeClr val="accent1">
+              <a:shade val="50000"/>
+            </a:schemeClr>
+          </a:lnRef>
+          <a:fillRef idx="1">
+            <a:schemeClr val="accent1"/>
+          </a:fillRef>
+          <a:effectRef idx="0">
+            <a:schemeClr val="accent1"/>
+          </a:effectRef>
+          <a:fontRef idx="minor">
+            <a:schemeClr val="lt1"/>
+          </a:fontRef>
+        </p:style>
+      </p:sp>
+      <p:cxnSp>
+        <p:nvCxnSpPr>
+          <p:cNvPr id="30" name="Straight Connector 29">
+            <a:extLst>
+              <a:ext uri="{FF2B5EF4-FFF2-40B4-BE49-F238E27FC236}">
+                <a16:creationId xmlns:a16="http://schemas.microsoft.com/office/drawing/2014/main" id="{38CF2381-9166-48DC-8859-93B6A589395C}"/>
+              </a:ext>
+              <a:ext uri="{C183D7F6-B498-43B3-948B-1728B52AA6E4}">
+                <adec:decorative xmlns:adec="http://schemas.microsoft.com/office/drawing/2017/decorative" val="1"/>
+              </a:ext>
+            </a:extLst>
+          </p:cNvPr>
+          <p:cNvCxnSpPr>
+            <a:cxnSpLocks noGrp="1" noRot="1" noChangeAspect="1" noMove="1" noResize="1" noEditPoints="1" noAdjustHandles="1" noChangeArrowheads="1" noChangeShapeType="1"/>
+          </p:cNvCxnSpPr>
+          <p:nvPr>
+            <p:extLst>
+              <p:ext uri="{386F3935-93C4-4BCD-93E2-E3B085C9AB24}">
+                <p16:designElem xmlns:p16="http://schemas.microsoft.com/office/powerpoint/2015/main" val="1"/>
+              </p:ext>
+            </p:extLst>
+          </p:nvPr>
+        </p:nvCxnSpPr>
+        <p:spPr>
+          <a:xfrm>
+            <a:off x="905743" y="3257550"/>
+            <a:ext cx="7406640" cy="0"/>
+          </a:xfrm>
+          <a:prstGeom prst="line">
+            <a:avLst/>
+          </a:prstGeom>
+          <a:ln w="6350">
+            <a:solidFill>
+              <a:schemeClr val="tx1">
+                <a:lumMod val="50000"/>
+                <a:lumOff val="50000"/>
+              </a:schemeClr>
+            </a:solidFill>
+          </a:ln>
+        </p:spPr>
+        <p:style>
+          <a:lnRef idx="1">
+            <a:schemeClr val="accent1"/>
+          </a:lnRef>
+          <a:fillRef idx="0">
+            <a:schemeClr val="accent1"/>
+          </a:fillRef>
+          <a:effectRef idx="0">
+            <a:schemeClr val="accent1"/>
+          </a:effectRef>
+          <a:fontRef idx="minor">
+            <a:schemeClr val="tx1"/>
+          </a:fontRef>
+        </p:style>
+      </p:cxnSp>
+      <p:sp useBgFill="1">
+        <p:nvSpPr>
+          <p:cNvPr id="32" name="Rectangle 31">
+            <a:extLst>
+              <a:ext uri="{FF2B5EF4-FFF2-40B4-BE49-F238E27FC236}">
+                <a16:creationId xmlns:a16="http://schemas.microsoft.com/office/drawing/2014/main" id="{8B774B55-DEEF-410A-9F9B-E3F6C9F71FA8}"/>
+              </a:ext>
+              <a:ext uri="{C183D7F6-B498-43B3-948B-1728B52AA6E4}">
+                <adec:decorative xmlns:adec="http://schemas.microsoft.com/office/drawing/2017/decorative" val="1"/>
+              </a:ext>
+            </a:extLst>
+          </p:cNvPr>
+          <p:cNvSpPr>
+            <a:spLocks noGrp="1" noRot="1" noChangeAspect="1" noMove="1" noResize="1" noEditPoints="1" noAdjustHandles="1" noChangeArrowheads="1" noChangeShapeType="1" noTextEdit="1"/>
+          </p:cNvSpPr>
+          <p:nvPr>
+            <p:extLst>
+              <p:ext uri="{386F3935-93C4-4BCD-93E2-E3B085C9AB24}">
+                <p16:designElem xmlns:p16="http://schemas.microsoft.com/office/powerpoint/2015/main" val="1"/>
+              </p:ext>
+            </p:extLst>
+          </p:nvPr>
+        </p:nvSpPr>
+        <p:spPr>
+          <a:xfrm>
+            <a:off x="0" y="0"/>
+            <a:ext cx="9144000" cy="4750737"/>
+          </a:xfrm>
+          <a:prstGeom prst="rect">
+            <a:avLst/>
+          </a:prstGeom>
+          <a:ln>
+            <a:noFill/>
+          </a:ln>
+        </p:spPr>
+        <p:style>
+          <a:lnRef idx="2">
+            <a:schemeClr val="accent1">
+              <a:shade val="50000"/>
+            </a:schemeClr>
+          </a:lnRef>
+          <a:fillRef idx="1">
+            <a:schemeClr val="accent1"/>
+          </a:fillRef>
+          <a:effectRef idx="0">
+            <a:schemeClr val="accent1"/>
+          </a:effectRef>
+          <a:fontRef idx="minor">
+            <a:schemeClr val="lt1"/>
+          </a:fontRef>
+        </p:style>
+        <p:txBody>
+          <a:bodyPr rtlCol="0" anchor="ctr"/>
+          <a:lstStyle/>
+          <a:p>
+            <a:pPr algn="ctr"/>
+            <a:endParaRPr lang="en-US"/>
+          </a:p>
+        </p:txBody>
+      </p:sp>
+      <p:cxnSp>
+        <p:nvCxnSpPr>
+          <p:cNvPr id="34" name="Straight Connector 33">
+            <a:extLst>
+              <a:ext uri="{FF2B5EF4-FFF2-40B4-BE49-F238E27FC236}">
+                <a16:creationId xmlns:a16="http://schemas.microsoft.com/office/drawing/2014/main" id="{E86F63E5-80CB-48C0-8847-43E22C5378D7}"/>
+              </a:ext>
+              <a:ext uri="{C183D7F6-B498-43B3-948B-1728B52AA6E4}">
+                <adec:decorative xmlns:adec="http://schemas.microsoft.com/office/drawing/2017/decorative" val="1"/>
+              </a:ext>
+            </a:extLst>
+          </p:cNvPr>
+          <p:cNvCxnSpPr>
+            <a:cxnSpLocks noGrp="1" noRot="1" noChangeAspect="1" noMove="1" noResize="1" noEditPoints="1" noAdjustHandles="1" noChangeArrowheads="1" noChangeShapeType="1"/>
+          </p:cNvCxnSpPr>
+          <p:nvPr>
+            <p:extLst>
+              <p:ext uri="{386F3935-93C4-4BCD-93E2-E3B085C9AB24}">
+                <p16:designElem xmlns:p16="http://schemas.microsoft.com/office/powerpoint/2015/main" val="1"/>
+              </p:ext>
+            </p:extLst>
+          </p:nvPr>
+        </p:nvCxnSpPr>
+        <p:spPr>
+          <a:xfrm>
+            <a:off x="540814" y="4214077"/>
+            <a:ext cx="7886700" cy="0"/>
+          </a:xfrm>
+          <a:prstGeom prst="line">
+            <a:avLst/>
+          </a:prstGeom>
+          <a:ln w="6350">
+            <a:solidFill>
+              <a:schemeClr val="tx2">
+                <a:alpha val="90000"/>
+              </a:schemeClr>
+            </a:solidFill>
+          </a:ln>
+        </p:spPr>
+        <p:style>
+          <a:lnRef idx="1">
+            <a:schemeClr val="accent1"/>
+          </a:lnRef>
+          <a:fillRef idx="0">
+            <a:schemeClr val="accent1"/>
+          </a:fillRef>
+          <a:effectRef idx="0">
+            <a:schemeClr val="accent1"/>
+          </a:effectRef>
+          <a:fontRef idx="minor">
+            <a:schemeClr val="tx1"/>
+          </a:fontRef>
+        </p:style>
+      </p:cxnSp>
+      <p:sp>
+        <p:nvSpPr>
+          <p:cNvPr id="36" name="Rectangle 35">
+            <a:extLst>
+              <a:ext uri="{FF2B5EF4-FFF2-40B4-BE49-F238E27FC236}">
+                <a16:creationId xmlns:a16="http://schemas.microsoft.com/office/drawing/2014/main" id="{B7318D88-D9BB-4846-BF7B-49CBE4094198}"/>
+              </a:ext>
+              <a:ext uri="{C183D7F6-B498-43B3-948B-1728B52AA6E4}">
+                <adec:decorative xmlns:adec="http://schemas.microsoft.com/office/drawing/2017/decorative" val="1"/>
+              </a:ext>
+            </a:extLst>
+          </p:cNvPr>
+          <p:cNvSpPr>
+            <a:spLocks noGrp="1" noRot="1" noChangeAspect="1" noMove="1" noResize="1" noEditPoints="1" noAdjustHandles="1" noChangeArrowheads="1" noChangeShapeType="1" noTextEdit="1"/>
+          </p:cNvSpPr>
+          <p:nvPr>
+            <p:extLst>
+              <p:ext uri="{386F3935-93C4-4BCD-93E2-E3B085C9AB24}">
+                <p16:designElem xmlns:p16="http://schemas.microsoft.com/office/powerpoint/2015/main" val="1"/>
+              </p:ext>
+            </p:extLst>
+          </p:nvPr>
+        </p:nvSpPr>
+        <p:spPr>
+          <a:xfrm>
+            <a:off x="11" y="4750737"/>
+            <a:ext cx="9143989" cy="49863"/>
+          </a:xfrm>
+          <a:prstGeom prst="rect">
+            <a:avLst/>
+          </a:prstGeom>
+          <a:solidFill>
+            <a:schemeClr val="accent1"/>
+          </a:solidFill>
+          <a:ln>
+            <a:noFill/>
+          </a:ln>
+        </p:spPr>
+        <p:style>
+          <a:lnRef idx="2">
+            <a:schemeClr val="accent1">
+              <a:shade val="50000"/>
+            </a:schemeClr>
+          </a:lnRef>
+          <a:fillRef idx="1">
+            <a:schemeClr val="accent1"/>
+          </a:fillRef>
+          <a:effectRef idx="0">
+            <a:schemeClr val="accent1"/>
+          </a:effectRef>
+          <a:fontRef idx="minor">
+            <a:schemeClr val="lt1"/>
+          </a:fontRef>
+        </p:style>
+      </p:sp>
+      <p:sp>
+        <p:nvSpPr>
+          <p:cNvPr id="38" name="Rectangle 37">
+            <a:extLst>
+              <a:ext uri="{FF2B5EF4-FFF2-40B4-BE49-F238E27FC236}">
+                <a16:creationId xmlns:a16="http://schemas.microsoft.com/office/drawing/2014/main" id="{178E6CEE-A5A7-4FF2-A9BA-8E59C72B3649}"/>
+              </a:ext>
+              <a:ext uri="{C183D7F6-B498-43B3-948B-1728B52AA6E4}">
+                <adec:decorative xmlns:adec="http://schemas.microsoft.com/office/drawing/2017/decorative" val="1"/>
+              </a:ext>
+            </a:extLst>
+          </p:cNvPr>
+          <p:cNvSpPr>
+            <a:spLocks noGrp="1" noRot="1" noChangeAspect="1" noMove="1" noResize="1" noEditPoints="1" noAdjustHandles="1" noChangeArrowheads="1" noChangeShapeType="1" noTextEdit="1"/>
+          </p:cNvSpPr>
+          <p:nvPr>
+            <p:extLst>
+              <p:ext uri="{386F3935-93C4-4BCD-93E2-E3B085C9AB24}">
+                <p16:designElem xmlns:p16="http://schemas.microsoft.com/office/powerpoint/2015/main" val="1"/>
+              </p:ext>
+            </p:extLst>
+          </p:nvPr>
+        </p:nvSpPr>
+        <p:spPr>
+          <a:xfrm>
+            <a:off x="0" y="4800600"/>
+            <a:ext cx="9144000" cy="342900"/>
+          </a:xfrm>
+          <a:prstGeom prst="rect">
+            <a:avLst/>
+          </a:prstGeom>
+          <a:solidFill>
+            <a:schemeClr val="accent2"/>
+          </a:solidFill>
+          <a:ln>
+            <a:noFill/>
+          </a:ln>
+        </p:spPr>
+        <p:style>
+          <a:lnRef idx="2">
+            <a:schemeClr val="accent1">
+              <a:shade val="50000"/>
+            </a:schemeClr>
+          </a:lnRef>
+          <a:fillRef idx="1">
+            <a:schemeClr val="accent1"/>
+          </a:fillRef>
+          <a:effectRef idx="0">
+            <a:schemeClr val="accent1"/>
+          </a:effectRef>
+          <a:fontRef idx="minor">
+            <a:schemeClr val="lt1"/>
+          </a:fontRef>
+        </p:style>
+      </p:sp>
+      <p:sp>
+        <p:nvSpPr>
+          <p:cNvPr id="8" name="Title 1">
+            <a:extLst>
+              <a:ext uri="{FF2B5EF4-FFF2-40B4-BE49-F238E27FC236}">
+                <a16:creationId xmlns:a16="http://schemas.microsoft.com/office/drawing/2014/main" id="{800EE96A-641D-A0B4-B303-EE54FE51F017}"/>
+              </a:ext>
+            </a:extLst>
+          </p:cNvPr>
+          <p:cNvSpPr>
+            <a:spLocks noGrp="1"/>
+          </p:cNvSpPr>
+          <p:nvPr>
+            <p:ph type="title"/>
+          </p:nvPr>
+        </p:nvSpPr>
+        <p:spPr>
+          <a:xfrm>
+            <a:off x="479917" y="4157871"/>
+            <a:ext cx="8181805" cy="670426"/>
+          </a:xfrm>
+        </p:spPr>
+        <p:txBody>
+          <a:bodyPr vert="horz" lIns="91440" tIns="45720" rIns="91440" bIns="45720" rtlCol="0" anchor="b">
+            <a:normAutofit fontScale="90000"/>
+          </a:bodyPr>
+          <a:lstStyle/>
+          <a:p>
+            <a:pPr defTabSz="914400"/>
+            <a:r>
+              <a:rPr lang="en-US" sz="4500" spc="-50" dirty="0">
+                <a:solidFill>
+                  <a:schemeClr val="tx1">
+                    <a:lumMod val="85000"/>
+                    <a:lumOff val="15000"/>
+                  </a:schemeClr>
+                </a:solidFill>
+              </a:rPr>
+              <a:t>Recommendation</a:t>
+            </a:r>
+          </a:p>
+        </p:txBody>
+      </p:sp>
+      <p:pic>
+        <p:nvPicPr>
+          <p:cNvPr id="3" name="Picture 2" descr="A screenshot of a computer&#10;&#10;Description automatically generated with low confidence">
+            <a:extLst>
+              <a:ext uri="{FF2B5EF4-FFF2-40B4-BE49-F238E27FC236}">
+                <a16:creationId xmlns:a16="http://schemas.microsoft.com/office/drawing/2014/main" id="{76DEB154-1987-707B-1F48-CFB9DA77EAFC}"/>
+              </a:ext>
+            </a:extLst>
+          </p:cNvPr>
+          <p:cNvPicPr>
+            <a:picLocks noChangeAspect="1"/>
+          </p:cNvPicPr>
+          <p:nvPr/>
+        </p:nvPicPr>
+        <p:blipFill>
+          <a:blip r:embed="rId2"/>
+          <a:stretch>
+            <a:fillRect/>
+          </a:stretch>
+        </p:blipFill>
+        <p:spPr>
+          <a:xfrm>
+            <a:off x="116410" y="384891"/>
+            <a:ext cx="8908817" cy="2907636"/>
+          </a:xfrm>
+          <a:prstGeom prst="rect">
+            <a:avLst/>
+          </a:prstGeom>
+          <a:effectLst>
+            <a:softEdge rad="25400"/>
+          </a:effectLst>
+        </p:spPr>
+      </p:pic>
+    </p:spTree>
+    <p:extLst>
+      <p:ext uri="{BB962C8B-B14F-4D97-AF65-F5344CB8AC3E}">
+        <p14:creationId xmlns:p14="http://schemas.microsoft.com/office/powerpoint/2010/main" val="2547504895"/>
+      </p:ext>
+    </p:extLst>
+  </p:cSld>
+  <p:clrMapOvr>
+    <a:masterClrMapping/>
+  </p:clrMapOvr>
+</p:sld>
+</file>
+
+<file path=ppt/slides/slide22.xml><?xml version="1.0" encoding="utf-8"?>
+<p:sld xmlns:a="http://schemas.openxmlformats.org/drawingml/2006/main" xmlns:r="http://schemas.openxmlformats.org/officeDocument/2006/relationships" xmlns:p="http://schemas.openxmlformats.org/presentationml/2006/main">
+  <p:cSld>
+    <p:bg>
+      <p:bgPr>
+        <a:solidFill>
           <a:schemeClr val="bg1"/>
         </a:solidFill>
         <a:effectLst/>
@@ -24323,7 +24834,7 @@
 </p:sld>
 </file>
 
-<file path=ppt/slides/slide22.xml><?xml version="1.0" encoding="utf-8"?>
+<file path=ppt/slides/slide23.xml><?xml version="1.0" encoding="utf-8"?>
 <p:sld xmlns:a="http://schemas.openxmlformats.org/drawingml/2006/main" xmlns:r="http://schemas.openxmlformats.org/officeDocument/2006/relationships" xmlns:p="http://schemas.openxmlformats.org/presentationml/2006/main">
   <p:cSld>
     <p:bg>
@@ -24432,6 +24943,21 @@
                 <a:hlinkClick r:id="rId3"/>
               </a:rPr>
               <a:t>https://pytorch.org/docs/stable/index.html</a:t>
+            </a:r>
+          </a:p>
+          <a:p>
+            <a:pPr>
+              <a:spcBef>
+                <a:spcPts val="900"/>
+              </a:spcBef>
+              <a:buFont typeface="+mj-lt"/>
+              <a:buAutoNum type="arabicPeriod"/>
+            </a:pPr>
+            <a:r>
+              <a:rPr lang="en-US" sz="1600" u="sng" dirty="0">
+                <a:hlinkClick r:id="rId3"/>
+              </a:rPr>
+              <a:t>https://ai.plainenglish.io/fast-ai-recommendations-using-collaborative-filtering-d2dec7c702e9</a:t>
             </a:r>
           </a:p>
           <a:p>
@@ -24733,6 +25259,61 @@
           </a:extLst>
         </p:spPr>
       </p:pic>
+      <p:sp>
+        <p:nvSpPr>
+          <p:cNvPr id="4" name="TextBox 3">
+            <a:extLst>
+              <a:ext uri="{FF2B5EF4-FFF2-40B4-BE49-F238E27FC236}">
+                <a16:creationId xmlns:a16="http://schemas.microsoft.com/office/drawing/2014/main" id="{B156F1F8-8BB6-C74C-B99D-08E4815299AB}"/>
+              </a:ext>
+            </a:extLst>
+          </p:cNvPr>
+          <p:cNvSpPr txBox="1"/>
+          <p:nvPr/>
+        </p:nvSpPr>
+        <p:spPr>
+          <a:xfrm>
+            <a:off x="7474860" y="4598582"/>
+            <a:ext cx="1180214" cy="307777"/>
+          </a:xfrm>
+          <a:prstGeom prst="rect">
+            <a:avLst/>
+          </a:prstGeom>
+          <a:noFill/>
+        </p:spPr>
+        <p:txBody>
+          <a:bodyPr wrap="square" rtlCol="0">
+            <a:spAutoFit/>
+          </a:bodyPr>
+          <a:lstStyle/>
+          <a:p>
+            <a:r>
+              <a:rPr lang="en-US" sz="1400" dirty="0">
+                <a:solidFill>
+                  <a:schemeClr val="accent6">
+                    <a:lumMod val="50000"/>
+                  </a:schemeClr>
+                </a:solidFill>
+                <a:hlinkClick r:id="rId3">
+                  <a:extLst>
+                    <a:ext uri="{A12FA001-AC4F-418D-AE19-62706E023703}">
+                      <ahyp:hlinkClr xmlns:ahyp="http://schemas.microsoft.com/office/drawing/2018/hyperlinkcolor" val="tx"/>
+                    </a:ext>
+                  </a:extLst>
+                </a:hlinkClick>
+              </a:rPr>
+              <a:t>Image Credits</a:t>
+            </a:r>
+            <a:endParaRPr lang="en-US" sz="1400" dirty="0">
+              <a:solidFill>
+                <a:schemeClr val="accent6">
+                  <a:lumMod val="50000"/>
+                </a:schemeClr>
+              </a:solidFill>
+            </a:endParaRPr>
+          </a:p>
+        </p:txBody>
+      </p:sp>
     </p:spTree>
     <p:extLst>
       <p:ext uri="{BB962C8B-B14F-4D97-AF65-F5344CB8AC3E}">
@@ -25208,11 +25789,28 @@
           <a:p>
             <a:r>
               <a:rPr lang="en-US" sz="1200" dirty="0">
-                <a:hlinkClick r:id="rId4"/>
+                <a:solidFill>
+                  <a:schemeClr val="accent6">
+                    <a:lumMod val="50000"/>
+                  </a:schemeClr>
+                </a:solidFill>
+                <a:hlinkClick r:id="rId4">
+                  <a:extLst>
+                    <a:ext uri="{A12FA001-AC4F-418D-AE19-62706E023703}">
+                      <ahyp:hlinkClr xmlns:ahyp="http://schemas.microsoft.com/office/drawing/2018/hyperlinkcolor" val="tx"/>
+                    </a:ext>
+                  </a:extLst>
+                </a:hlinkClick>
               </a:rPr>
               <a:t>Source</a:t>
             </a:r>
-            <a:endParaRPr lang="en-US" sz="1200" dirty="0"/>
+            <a:endParaRPr lang="en-US" sz="1200" dirty="0">
+              <a:solidFill>
+                <a:schemeClr val="accent6">
+                  <a:lumMod val="50000"/>
+                </a:schemeClr>
+              </a:solidFill>
+            </a:endParaRPr>
           </a:p>
         </p:txBody>
       </p:sp>
@@ -25246,11 +25844,28 @@
           <a:p>
             <a:r>
               <a:rPr lang="en-US" sz="1200" dirty="0">
-                <a:hlinkClick r:id="rId5"/>
+                <a:solidFill>
+                  <a:schemeClr val="accent6">
+                    <a:lumMod val="50000"/>
+                  </a:schemeClr>
+                </a:solidFill>
+                <a:hlinkClick r:id="rId5">
+                  <a:extLst>
+                    <a:ext uri="{A12FA001-AC4F-418D-AE19-62706E023703}">
+                      <ahyp:hlinkClr xmlns:ahyp="http://schemas.microsoft.com/office/drawing/2018/hyperlinkcolor" val="tx"/>
+                    </a:ext>
+                  </a:extLst>
+                </a:hlinkClick>
               </a:rPr>
               <a:t>Source</a:t>
             </a:r>
-            <a:endParaRPr lang="en-US" sz="1200" dirty="0"/>
+            <a:endParaRPr lang="en-US" sz="1200" dirty="0">
+              <a:solidFill>
+                <a:schemeClr val="accent6">
+                  <a:lumMod val="50000"/>
+                </a:schemeClr>
+              </a:solidFill>
+            </a:endParaRPr>
           </a:p>
         </p:txBody>
       </p:sp>
@@ -25386,6 +26001,231 @@
       </p:grpSpPr>
       <p:sp>
         <p:nvSpPr>
+          <p:cNvPr id="1031" name="Rectangle 1030">
+            <a:extLst>
+              <a:ext uri="{FF2B5EF4-FFF2-40B4-BE49-F238E27FC236}">
+                <a16:creationId xmlns:a16="http://schemas.microsoft.com/office/drawing/2014/main" id="{7D379150-F6B4-45C8-BE10-6B278AD400EB}"/>
+              </a:ext>
+              <a:ext uri="{C183D7F6-B498-43B3-948B-1728B52AA6E4}">
+                <adec:decorative xmlns:adec="http://schemas.microsoft.com/office/drawing/2017/decorative" val="1"/>
+              </a:ext>
+            </a:extLst>
+          </p:cNvPr>
+          <p:cNvSpPr>
+            <a:spLocks noGrp="1" noRot="1" noChangeAspect="1" noMove="1" noResize="1" noEditPoints="1" noAdjustHandles="1" noChangeArrowheads="1" noChangeShapeType="1" noTextEdit="1"/>
+          </p:cNvSpPr>
+          <p:nvPr>
+            <p:extLst>
+              <p:ext uri="{386F3935-93C4-4BCD-93E2-E3B085C9AB24}">
+                <p16:designElem xmlns:p16="http://schemas.microsoft.com/office/powerpoint/2015/main" val="1"/>
+              </p:ext>
+            </p:extLst>
+          </p:nvPr>
+        </p:nvSpPr>
+        <p:spPr>
+          <a:xfrm>
+            <a:off x="0" y="4800600"/>
+            <a:ext cx="9144000" cy="342900"/>
+          </a:xfrm>
+          <a:prstGeom prst="rect">
+            <a:avLst/>
+          </a:prstGeom>
+          <a:solidFill>
+            <a:schemeClr val="accent2"/>
+          </a:solidFill>
+          <a:ln>
+            <a:noFill/>
+          </a:ln>
+        </p:spPr>
+        <p:style>
+          <a:lnRef idx="2">
+            <a:schemeClr val="accent1">
+              <a:shade val="50000"/>
+            </a:schemeClr>
+          </a:lnRef>
+          <a:fillRef idx="1">
+            <a:schemeClr val="accent1"/>
+          </a:fillRef>
+          <a:effectRef idx="0">
+            <a:schemeClr val="accent1"/>
+          </a:effectRef>
+          <a:fontRef idx="minor">
+            <a:schemeClr val="lt1"/>
+          </a:fontRef>
+        </p:style>
+      </p:sp>
+      <p:sp>
+        <p:nvSpPr>
+          <p:cNvPr id="1033" name="Rectangle 1032">
+            <a:extLst>
+              <a:ext uri="{FF2B5EF4-FFF2-40B4-BE49-F238E27FC236}">
+                <a16:creationId xmlns:a16="http://schemas.microsoft.com/office/drawing/2014/main" id="{5FFCF544-A370-4A5D-A95F-CA6E0E7191E6}"/>
+              </a:ext>
+              <a:ext uri="{C183D7F6-B498-43B3-948B-1728B52AA6E4}">
+                <adec:decorative xmlns:adec="http://schemas.microsoft.com/office/drawing/2017/decorative" val="1"/>
+              </a:ext>
+            </a:extLst>
+          </p:cNvPr>
+          <p:cNvSpPr>
+            <a:spLocks noGrp="1" noRot="1" noChangeAspect="1" noMove="1" noResize="1" noEditPoints="1" noAdjustHandles="1" noChangeArrowheads="1" noChangeShapeType="1" noTextEdit="1"/>
+          </p:cNvSpPr>
+          <p:nvPr>
+            <p:extLst>
+              <p:ext uri="{386F3935-93C4-4BCD-93E2-E3B085C9AB24}">
+                <p16:designElem xmlns:p16="http://schemas.microsoft.com/office/powerpoint/2015/main" val="1"/>
+              </p:ext>
+            </p:extLst>
+          </p:nvPr>
+        </p:nvSpPr>
+        <p:spPr>
+          <a:xfrm>
+            <a:off x="0" y="4750737"/>
+            <a:ext cx="9144000" cy="49498"/>
+          </a:xfrm>
+          <a:prstGeom prst="rect">
+            <a:avLst/>
+          </a:prstGeom>
+          <a:solidFill>
+            <a:schemeClr val="accent1"/>
+          </a:solidFill>
+          <a:ln>
+            <a:noFill/>
+          </a:ln>
+        </p:spPr>
+        <p:style>
+          <a:lnRef idx="2">
+            <a:schemeClr val="accent1">
+              <a:shade val="50000"/>
+            </a:schemeClr>
+          </a:lnRef>
+          <a:fillRef idx="1">
+            <a:schemeClr val="accent1"/>
+          </a:fillRef>
+          <a:effectRef idx="0">
+            <a:schemeClr val="accent1"/>
+          </a:effectRef>
+          <a:fontRef idx="minor">
+            <a:schemeClr val="lt1"/>
+          </a:fontRef>
+        </p:style>
+      </p:sp>
+      <p:cxnSp>
+        <p:nvCxnSpPr>
+          <p:cNvPr id="1035" name="Straight Connector 1034">
+            <a:extLst>
+              <a:ext uri="{FF2B5EF4-FFF2-40B4-BE49-F238E27FC236}">
+                <a16:creationId xmlns:a16="http://schemas.microsoft.com/office/drawing/2014/main" id="{6EEB3B97-A638-498B-8083-54191CE71E01}"/>
+              </a:ext>
+              <a:ext uri="{C183D7F6-B498-43B3-948B-1728B52AA6E4}">
+                <adec:decorative xmlns:adec="http://schemas.microsoft.com/office/drawing/2017/decorative" val="1"/>
+              </a:ext>
+            </a:extLst>
+          </p:cNvPr>
+          <p:cNvCxnSpPr>
+            <a:cxnSpLocks noGrp="1" noRot="1" noChangeAspect="1" noMove="1" noResize="1" noEditPoints="1" noAdjustHandles="1" noChangeArrowheads="1" noChangeShapeType="1"/>
+          </p:cNvCxnSpPr>
+          <p:nvPr>
+            <p:extLst>
+              <p:ext uri="{386F3935-93C4-4BCD-93E2-E3B085C9AB24}">
+                <p16:designElem xmlns:p16="http://schemas.microsoft.com/office/powerpoint/2015/main" val="1"/>
+              </p:ext>
+            </p:extLst>
+          </p:nvPr>
+        </p:nvCxnSpPr>
+        <p:spPr>
+          <a:xfrm>
+            <a:off x="895149" y="1303383"/>
+            <a:ext cx="7475220" cy="0"/>
+          </a:xfrm>
+          <a:prstGeom prst="line">
+            <a:avLst/>
+          </a:prstGeom>
+          <a:ln w="6350">
+            <a:solidFill>
+              <a:schemeClr val="tx1">
+                <a:lumMod val="50000"/>
+                <a:lumOff val="50000"/>
+              </a:schemeClr>
+            </a:solidFill>
+          </a:ln>
+        </p:spPr>
+        <p:style>
+          <a:lnRef idx="1">
+            <a:schemeClr val="accent1"/>
+          </a:lnRef>
+          <a:fillRef idx="0">
+            <a:schemeClr val="accent1"/>
+          </a:fillRef>
+          <a:effectRef idx="0">
+            <a:schemeClr val="accent1"/>
+          </a:effectRef>
+          <a:fontRef idx="minor">
+            <a:schemeClr val="tx1"/>
+          </a:fontRef>
+        </p:style>
+      </p:cxnSp>
+      <p:sp useBgFill="1">
+        <p:nvSpPr>
+          <p:cNvPr id="1037" name="Rectangle 1036">
+            <a:extLst>
+              <a:ext uri="{FF2B5EF4-FFF2-40B4-BE49-F238E27FC236}">
+                <a16:creationId xmlns:a16="http://schemas.microsoft.com/office/drawing/2014/main" id="{52ABB703-2B0E-4C3B-B4A2-F3973548E561}"/>
+              </a:ext>
+              <a:ext uri="{C183D7F6-B498-43B3-948B-1728B52AA6E4}">
+                <adec:decorative xmlns:adec="http://schemas.microsoft.com/office/drawing/2017/decorative" val="1"/>
+              </a:ext>
+            </a:extLst>
+          </p:cNvPr>
+          <p:cNvSpPr>
+            <a:spLocks noGrp="1" noRot="1" noChangeAspect="1" noMove="1" noResize="1" noEditPoints="1" noAdjustHandles="1" noChangeArrowheads="1" noChangeShapeType="1" noTextEdit="1"/>
+          </p:cNvSpPr>
+          <p:nvPr>
+            <p:extLst>
+              <p:ext uri="{386F3935-93C4-4BCD-93E2-E3B085C9AB24}">
+                <p16:designElem xmlns:p16="http://schemas.microsoft.com/office/powerpoint/2015/main" val="1"/>
+              </p:ext>
+            </p:extLst>
+          </p:nvPr>
+        </p:nvSpPr>
+        <p:spPr>
+          <a:xfrm>
+            <a:off x="0" y="0"/>
+            <a:ext cx="9144000" cy="4750737"/>
+          </a:xfrm>
+          <a:prstGeom prst="rect">
+            <a:avLst/>
+          </a:prstGeom>
+          <a:ln>
+            <a:noFill/>
+          </a:ln>
+        </p:spPr>
+        <p:style>
+          <a:lnRef idx="2">
+            <a:schemeClr val="accent1">
+              <a:shade val="50000"/>
+            </a:schemeClr>
+          </a:lnRef>
+          <a:fillRef idx="1">
+            <a:schemeClr val="accent1"/>
+          </a:fillRef>
+          <a:effectRef idx="0">
+            <a:schemeClr val="accent1"/>
+          </a:effectRef>
+          <a:fontRef idx="minor">
+            <a:schemeClr val="lt1"/>
+          </a:fontRef>
+        </p:style>
+        <p:txBody>
+          <a:bodyPr rtlCol="0" anchor="ctr"/>
+          <a:lstStyle/>
+          <a:p>
+            <a:pPr algn="ctr"/>
+            <a:endParaRPr lang="en-US"/>
+          </a:p>
+        </p:txBody>
+      </p:sp>
+      <p:sp>
+        <p:nvSpPr>
           <p:cNvPr id="2" name="Title 1">
             <a:extLst>
               <a:ext uri="{FF2B5EF4-FFF2-40B4-BE49-F238E27FC236}">
@@ -25402,20 +26242,245 @@
         </p:nvSpPr>
         <p:spPr>
           <a:xfrm>
-            <a:off x="342900" y="445769"/>
-            <a:ext cx="2400300" cy="1589219"/>
+            <a:off x="4808763" y="476209"/>
+            <a:ext cx="3845379" cy="1088068"/>
           </a:xfrm>
         </p:spPr>
         <p:txBody>
-          <a:bodyPr/>
+          <a:bodyPr vert="horz" lIns="91440" tIns="45720" rIns="91440" bIns="45720" rtlCol="0" anchor="b">
+            <a:normAutofit/>
+          </a:bodyPr>
           <a:lstStyle/>
           <a:p>
+            <a:pPr defTabSz="914400"/>
             <a:r>
-              <a:rPr lang="en-US" dirty="0"/>
+              <a:rPr lang="en-US" sz="4800" spc="-50">
+                <a:solidFill>
+                  <a:schemeClr val="tx1">
+                    <a:lumMod val="75000"/>
+                    <a:lumOff val="25000"/>
+                  </a:schemeClr>
+                </a:solidFill>
+              </a:rPr>
               <a:t>Embeddings</a:t>
             </a:r>
           </a:p>
         </p:txBody>
+      </p:sp>
+      <p:pic>
+        <p:nvPicPr>
+          <p:cNvPr id="1026" name="Picture 2">
+            <a:extLst>
+              <a:ext uri="{FF2B5EF4-FFF2-40B4-BE49-F238E27FC236}">
+                <a16:creationId xmlns:a16="http://schemas.microsoft.com/office/drawing/2014/main" id="{C7B457F5-8CEC-45F2-E181-10844F8D0073}"/>
+              </a:ext>
+            </a:extLst>
+          </p:cNvPr>
+          <p:cNvPicPr>
+            <a:picLocks noChangeAspect="1" noChangeArrowheads="1"/>
+          </p:cNvPicPr>
+          <p:nvPr/>
+        </p:nvPicPr>
+        <p:blipFill>
+          <a:blip r:embed="rId2">
+            <a:extLst>
+              <a:ext uri="{28A0092B-C50C-407E-A947-70E740481C1C}">
+                <a14:useLocalDpi xmlns:a14="http://schemas.microsoft.com/office/drawing/2010/main" val="0"/>
+              </a:ext>
+            </a:extLst>
+          </a:blip>
+          <a:stretch>
+            <a:fillRect/>
+          </a:stretch>
+        </p:blipFill>
+        <p:spPr bwMode="auto">
+          <a:xfrm>
+            <a:off x="251257" y="793661"/>
+            <a:ext cx="4320743" cy="3629423"/>
+          </a:xfrm>
+          <a:prstGeom prst="rect">
+            <a:avLst/>
+          </a:prstGeom>
+          <a:noFill/>
+          <a:effectLst>
+            <a:softEdge rad="25400"/>
+          </a:effectLst>
+          <a:extLst>
+            <a:ext uri="{909E8E84-426E-40DD-AFC4-6F175D3DCCD1}">
+              <a14:hiddenFill xmlns:a14="http://schemas.microsoft.com/office/drawing/2010/main">
+                <a:solidFill>
+                  <a:srgbClr val="FFFFFF"/>
+                </a:solidFill>
+              </a14:hiddenFill>
+            </a:ext>
+          </a:extLst>
+        </p:spPr>
+      </p:pic>
+      <p:cxnSp>
+        <p:nvCxnSpPr>
+          <p:cNvPr id="1039" name="Straight Connector 1038">
+            <a:extLst>
+              <a:ext uri="{FF2B5EF4-FFF2-40B4-BE49-F238E27FC236}">
+                <a16:creationId xmlns:a16="http://schemas.microsoft.com/office/drawing/2014/main" id="{9C21570E-E159-49A6-9891-FA397B7A92D3}"/>
+              </a:ext>
+              <a:ext uri="{C183D7F6-B498-43B3-948B-1728B52AA6E4}">
+                <adec:decorative xmlns:adec="http://schemas.microsoft.com/office/drawing/2017/decorative" val="1"/>
+              </a:ext>
+            </a:extLst>
+          </p:cNvPr>
+          <p:cNvCxnSpPr>
+            <a:cxnSpLocks noGrp="1" noRot="1" noChangeAspect="1" noMove="1" noResize="1" noEditPoints="1" noAdjustHandles="1" noChangeArrowheads="1" noChangeShapeType="1"/>
+          </p:cNvCxnSpPr>
+          <p:nvPr>
+            <p:extLst>
+              <p:ext uri="{386F3935-93C4-4BCD-93E2-E3B085C9AB24}">
+                <p16:designElem xmlns:p16="http://schemas.microsoft.com/office/powerpoint/2015/main" val="1"/>
+              </p:ext>
+            </p:extLst>
+          </p:nvPr>
+        </p:nvCxnSpPr>
+        <p:spPr>
+          <a:xfrm>
+            <a:off x="4808763" y="1564641"/>
+            <a:ext cx="3561606" cy="0"/>
+          </a:xfrm>
+          <a:prstGeom prst="line">
+            <a:avLst/>
+          </a:prstGeom>
+          <a:ln w="6350">
+            <a:solidFill>
+              <a:schemeClr val="tx1">
+                <a:lumMod val="50000"/>
+                <a:lumOff val="50000"/>
+                <a:alpha val="90000"/>
+              </a:schemeClr>
+            </a:solidFill>
+          </a:ln>
+        </p:spPr>
+        <p:style>
+          <a:lnRef idx="1">
+            <a:schemeClr val="accent1"/>
+          </a:lnRef>
+          <a:fillRef idx="0">
+            <a:schemeClr val="accent1"/>
+          </a:fillRef>
+          <a:effectRef idx="0">
+            <a:schemeClr val="accent1"/>
+          </a:effectRef>
+          <a:fontRef idx="minor">
+            <a:schemeClr val="tx1"/>
+          </a:fontRef>
+        </p:style>
+      </p:cxnSp>
+      <p:sp>
+        <p:nvSpPr>
+          <p:cNvPr id="1041" name="Rectangle 1040">
+            <a:extLst>
+              <a:ext uri="{FF2B5EF4-FFF2-40B4-BE49-F238E27FC236}">
+                <a16:creationId xmlns:a16="http://schemas.microsoft.com/office/drawing/2014/main" id="{E95DA498-D9A2-4DA9-B9DA-B3776E08CF7E}"/>
+              </a:ext>
+              <a:ext uri="{C183D7F6-B498-43B3-948B-1728B52AA6E4}">
+                <adec:decorative xmlns:adec="http://schemas.microsoft.com/office/drawing/2017/decorative" val="1"/>
+              </a:ext>
+            </a:extLst>
+          </p:cNvPr>
+          <p:cNvSpPr>
+            <a:spLocks noGrp="1" noRot="1" noChangeAspect="1" noMove="1" noResize="1" noEditPoints="1" noAdjustHandles="1" noChangeArrowheads="1" noChangeShapeType="1" noTextEdit="1"/>
+          </p:cNvSpPr>
+          <p:nvPr>
+            <p:extLst>
+              <p:ext uri="{386F3935-93C4-4BCD-93E2-E3B085C9AB24}">
+                <p16:designElem xmlns:p16="http://schemas.microsoft.com/office/powerpoint/2015/main" val="1"/>
+              </p:ext>
+            </p:extLst>
+          </p:nvPr>
+        </p:nvSpPr>
+        <p:spPr>
+          <a:xfrm>
+            <a:off x="11" y="4750737"/>
+            <a:ext cx="9143989" cy="49863"/>
+          </a:xfrm>
+          <a:prstGeom prst="rect">
+            <a:avLst/>
+          </a:prstGeom>
+          <a:solidFill>
+            <a:schemeClr val="accent1"/>
+          </a:solidFill>
+          <a:ln>
+            <a:noFill/>
+          </a:ln>
+        </p:spPr>
+        <p:style>
+          <a:lnRef idx="2">
+            <a:schemeClr val="accent1">
+              <a:shade val="50000"/>
+            </a:schemeClr>
+          </a:lnRef>
+          <a:fillRef idx="1">
+            <a:schemeClr val="accent1"/>
+          </a:fillRef>
+          <a:effectRef idx="0">
+            <a:schemeClr val="accent1"/>
+          </a:effectRef>
+          <a:fontRef idx="minor">
+            <a:schemeClr val="lt1"/>
+          </a:fontRef>
+        </p:style>
+      </p:sp>
+      <p:sp>
+        <p:nvSpPr>
+          <p:cNvPr id="1043" name="Rectangle 1042">
+            <a:extLst>
+              <a:ext uri="{FF2B5EF4-FFF2-40B4-BE49-F238E27FC236}">
+                <a16:creationId xmlns:a16="http://schemas.microsoft.com/office/drawing/2014/main" id="{82A73093-4B9D-420D-B17E-52293703A1D4}"/>
+              </a:ext>
+              <a:ext uri="{C183D7F6-B498-43B3-948B-1728B52AA6E4}">
+                <adec:decorative xmlns:adec="http://schemas.microsoft.com/office/drawing/2017/decorative" val="1"/>
+              </a:ext>
+            </a:extLst>
+          </p:cNvPr>
+          <p:cNvSpPr>
+            <a:spLocks noGrp="1" noRot="1" noChangeAspect="1" noMove="1" noResize="1" noEditPoints="1" noAdjustHandles="1" noChangeArrowheads="1" noChangeShapeType="1" noTextEdit="1"/>
+          </p:cNvSpPr>
+          <p:nvPr>
+            <p:extLst>
+              <p:ext uri="{386F3935-93C4-4BCD-93E2-E3B085C9AB24}">
+                <p16:designElem xmlns:p16="http://schemas.microsoft.com/office/powerpoint/2015/main" val="1"/>
+              </p:ext>
+            </p:extLst>
+          </p:nvPr>
+        </p:nvSpPr>
+        <p:spPr>
+          <a:xfrm>
+            <a:off x="0" y="4800600"/>
+            <a:ext cx="9144000" cy="342900"/>
+          </a:xfrm>
+          <a:prstGeom prst="rect">
+            <a:avLst/>
+          </a:prstGeom>
+          <a:solidFill>
+            <a:schemeClr val="accent2"/>
+          </a:solidFill>
+          <a:ln>
+            <a:noFill/>
+          </a:ln>
+        </p:spPr>
+        <p:style>
+          <a:lnRef idx="2">
+            <a:schemeClr val="accent1">
+              <a:shade val="50000"/>
+            </a:schemeClr>
+          </a:lnRef>
+          <a:fillRef idx="1">
+            <a:schemeClr val="accent1"/>
+          </a:fillRef>
+          <a:effectRef idx="0">
+            <a:schemeClr val="accent1"/>
+          </a:effectRef>
+          <a:fontRef idx="minor">
+            <a:schemeClr val="lt1"/>
+          </a:fontRef>
+        </p:style>
       </p:sp>
       <p:graphicFrame>
         <p:nvGraphicFramePr>
@@ -25433,21 +26498,76 @@
             <p:ph idx="1"/>
             <p:extLst>
               <p:ext uri="{D42A27DB-BD31-4B8C-83A1-F6EECF244321}">
-                <p14:modId xmlns:p14="http://schemas.microsoft.com/office/powerpoint/2010/main" val="3610537543"/>
+                <p14:modId xmlns:p14="http://schemas.microsoft.com/office/powerpoint/2010/main" val="420731857"/>
               </p:ext>
             </p:extLst>
           </p:nvPr>
         </p:nvGraphicFramePr>
         <p:xfrm>
-          <a:off x="3600450" y="549275"/>
-          <a:ext cx="4868863" cy="3943350"/>
+          <a:off x="4808763" y="1649185"/>
+          <a:ext cx="3845379" cy="2752635"/>
         </p:xfrm>
         <a:graphic>
           <a:graphicData uri="http://schemas.openxmlformats.org/drawingml/2006/diagram">
-            <dgm:relIds xmlns:dgm="http://schemas.openxmlformats.org/drawingml/2006/diagram" xmlns:r="http://schemas.openxmlformats.org/officeDocument/2006/relationships" r:dm="rId2" r:lo="rId3" r:qs="rId4" r:cs="rId5"/>
+            <dgm:relIds xmlns:dgm="http://schemas.openxmlformats.org/drawingml/2006/diagram" xmlns:r="http://schemas.openxmlformats.org/officeDocument/2006/relationships" r:dm="rId3" r:lo="rId4" r:qs="rId5" r:cs="rId6"/>
           </a:graphicData>
         </a:graphic>
       </p:graphicFrame>
+      <p:sp>
+        <p:nvSpPr>
+          <p:cNvPr id="4" name="TextBox 3">
+            <a:extLst>
+              <a:ext uri="{FF2B5EF4-FFF2-40B4-BE49-F238E27FC236}">
+                <a16:creationId xmlns:a16="http://schemas.microsoft.com/office/drawing/2014/main" id="{65A98CD7-7469-A269-FDC2-CB867446A05D}"/>
+              </a:ext>
+            </a:extLst>
+          </p:cNvPr>
+          <p:cNvSpPr txBox="1"/>
+          <p:nvPr/>
+        </p:nvSpPr>
+        <p:spPr>
+          <a:xfrm>
+            <a:off x="3264195" y="4442777"/>
+            <a:ext cx="1307805" cy="307777"/>
+          </a:xfrm>
+          <a:prstGeom prst="rect">
+            <a:avLst/>
+          </a:prstGeom>
+          <a:noFill/>
+        </p:spPr>
+        <p:txBody>
+          <a:bodyPr wrap="square" rtlCol="0">
+            <a:spAutoFit/>
+          </a:bodyPr>
+          <a:lstStyle/>
+          <a:p>
+            <a:r>
+              <a:rPr lang="en-US" sz="1400" dirty="0">
+                <a:solidFill>
+                  <a:schemeClr val="accent6">
+                    <a:lumMod val="50000"/>
+                  </a:schemeClr>
+                </a:solidFill>
+                <a:hlinkClick r:id="rId8">
+                  <a:extLst>
+                    <a:ext uri="{A12FA001-AC4F-418D-AE19-62706E023703}">
+                      <ahyp:hlinkClr xmlns:ahyp="http://schemas.microsoft.com/office/drawing/2018/hyperlinkcolor" val="tx"/>
+                    </a:ext>
+                  </a:extLst>
+                </a:hlinkClick>
+              </a:rPr>
+              <a:t>Image Credits</a:t>
+            </a:r>
+            <a:endParaRPr lang="en-US" sz="1400" dirty="0">
+              <a:solidFill>
+                <a:schemeClr val="accent6">
+                  <a:lumMod val="50000"/>
+                </a:schemeClr>
+              </a:solidFill>
+            </a:endParaRPr>
+          </a:p>
+        </p:txBody>
+      </p:sp>
     </p:spTree>
     <p:extLst>
       <p:ext uri="{BB962C8B-B14F-4D97-AF65-F5344CB8AC3E}">

--- a/AI presentation.pptx
+++ b/AI presentation.pptx
@@ -15,17 +15,17 @@
     <p:sldId id="260" r:id="rId6"/>
     <p:sldId id="261" r:id="rId7"/>
     <p:sldId id="262" r:id="rId8"/>
-    <p:sldId id="276" r:id="rId9"/>
-    <p:sldId id="275" r:id="rId10"/>
-    <p:sldId id="277" r:id="rId11"/>
-    <p:sldId id="278" r:id="rId12"/>
-    <p:sldId id="267" r:id="rId13"/>
-    <p:sldId id="263" r:id="rId14"/>
-    <p:sldId id="264" r:id="rId15"/>
-    <p:sldId id="265" r:id="rId16"/>
-    <p:sldId id="266" r:id="rId17"/>
-    <p:sldId id="269" r:id="rId18"/>
-    <p:sldId id="270" r:id="rId19"/>
+    <p:sldId id="270" r:id="rId9"/>
+    <p:sldId id="276" r:id="rId10"/>
+    <p:sldId id="275" r:id="rId11"/>
+    <p:sldId id="277" r:id="rId12"/>
+    <p:sldId id="278" r:id="rId13"/>
+    <p:sldId id="267" r:id="rId14"/>
+    <p:sldId id="263" r:id="rId15"/>
+    <p:sldId id="264" r:id="rId16"/>
+    <p:sldId id="265" r:id="rId17"/>
+    <p:sldId id="266" r:id="rId18"/>
+    <p:sldId id="269" r:id="rId19"/>
     <p:sldId id="271" r:id="rId20"/>
     <p:sldId id="272" r:id="rId21"/>
     <p:sldId id="279" r:id="rId22"/>
@@ -16098,7 +16098,7 @@
           <a:p>
             <a:fld id="{4BDF68E2-58F2-4D09-BE8B-E3BD06533059}" type="datetimeFigureOut">
               <a:rPr lang="en-US" smtClean="0"/>
-              <a:t>5/5/2023</a:t>
+              <a:t>5/6/2023</a:t>
             </a:fld>
             <a:endParaRPr lang="en-US" dirty="0"/>
           </a:p>
@@ -16316,7 +16316,7 @@
           <a:p>
             <a:fld id="{2E2D6473-DF6D-4702-B328-E0DD40540A4E}" type="datetimeFigureOut">
               <a:rPr lang="en-US" smtClean="0"/>
-              <a:t>5/5/2023</a:t>
+              <a:t>5/6/2023</a:t>
             </a:fld>
             <a:endParaRPr lang="en-US" dirty="0"/>
           </a:p>
@@ -16582,7 +16582,7 @@
           <a:p>
             <a:fld id="{E26F7E3A-B166-407D-9866-32884E7D5B37}" type="datetimeFigureOut">
               <a:rPr lang="en-US" smtClean="0"/>
-              <a:t>5/5/2023</a:t>
+              <a:t>5/6/2023</a:t>
             </a:fld>
             <a:endParaRPr lang="en-US" dirty="0"/>
           </a:p>
@@ -17751,7 +17751,7 @@
           <a:p>
             <a:fld id="{528FC5F6-F338-4AE4-BB23-26385BCFC423}" type="datetimeFigureOut">
               <a:rPr lang="en-US" smtClean="0"/>
-              <a:t>5/5/2023</a:t>
+              <a:t>5/6/2023</a:t>
             </a:fld>
             <a:endParaRPr lang="en-US" dirty="0"/>
           </a:p>
@@ -18104,7 +18104,7 @@
           <a:p>
             <a:fld id="{20EBB0C4-6273-4C6E-B9BD-2EDC30F1CD52}" type="datetimeFigureOut">
               <a:rPr lang="en-US" smtClean="0"/>
-              <a:t>5/5/2023</a:t>
+              <a:t>5/6/2023</a:t>
             </a:fld>
             <a:endParaRPr lang="en-US" dirty="0"/>
           </a:p>
@@ -18389,7 +18389,7 @@
           <a:p>
             <a:fld id="{19AB4D41-86C1-4908-B66A-0B50CEB3BF29}" type="datetimeFigureOut">
               <a:rPr lang="en-US" smtClean="0"/>
-              <a:t>5/5/2023</a:t>
+              <a:t>5/6/2023</a:t>
             </a:fld>
             <a:endParaRPr lang="en-US" dirty="0"/>
           </a:p>
@@ -18778,7 +18778,7 @@
           <a:p>
             <a:fld id="{E6426E2C-56C1-4E0D-A793-0088A7FDD37E}" type="datetimeFigureOut">
               <a:rPr lang="en-US" smtClean="0"/>
-              <a:t>5/5/2023</a:t>
+              <a:t>5/6/2023</a:t>
             </a:fld>
             <a:endParaRPr lang="en-US" dirty="0"/>
           </a:p>
@@ -18906,7 +18906,7 @@
           <a:p>
             <a:fld id="{C8C39B41-D8B5-4052-B551-9B5525EAA8B6}" type="datetimeFigureOut">
               <a:rPr lang="en-US" smtClean="0"/>
-              <a:t>5/5/2023</a:t>
+              <a:t>5/6/2023</a:t>
             </a:fld>
             <a:endParaRPr lang="en-US" dirty="0"/>
           </a:p>
@@ -19087,7 +19087,7 @@
           <a:p>
             <a:fld id="{4D94136C-8742-45B2-AF27-D93DF72833A9}" type="datetimeFigureOut">
               <a:rPr lang="en-US" smtClean="0"/>
-              <a:t>5/5/2023</a:t>
+              <a:t>5/6/2023</a:t>
             </a:fld>
             <a:endParaRPr lang="en-US" dirty="0"/>
           </a:p>
@@ -19450,7 +19450,7 @@
           <a:p>
             <a:fld id="{32ABBEA6-7C60-4B02-AE87-00D78D8422AF}" type="datetimeFigureOut">
               <a:rPr lang="en-US" smtClean="0"/>
-              <a:t>5/5/2023</a:t>
+              <a:t>5/6/2023</a:t>
             </a:fld>
             <a:endParaRPr lang="en-US" dirty="0"/>
           </a:p>
@@ -19837,7 +19837,7 @@
           <a:p>
             <a:fld id="{C9CAD897-D46E-4AD2-BD9B-49DD3E640873}" type="datetimeFigureOut">
               <a:rPr lang="en-US" smtClean="0"/>
-              <a:t>5/5/2023</a:t>
+              <a:t>5/6/2023</a:t>
             </a:fld>
             <a:endParaRPr lang="en-US" dirty="0"/>
           </a:p>
@@ -20134,7 +20134,7 @@
           <a:p>
             <a:fld id="{98624D31-43A5-475A-80CF-332C9F6DCF35}" type="datetimeFigureOut">
               <a:rPr lang="en-US" smtClean="0"/>
-              <a:t>5/5/2023</a:t>
+              <a:t>5/6/2023</a:t>
             </a:fld>
             <a:endParaRPr lang="en-US" dirty="0"/>
           </a:p>
@@ -20841,6 +20841,509 @@
       </p:grpSpPr>
       <p:sp>
         <p:nvSpPr>
+          <p:cNvPr id="11" name="Rectangle 10">
+            <a:extLst>
+              <a:ext uri="{FF2B5EF4-FFF2-40B4-BE49-F238E27FC236}">
+                <a16:creationId xmlns:a16="http://schemas.microsoft.com/office/drawing/2014/main" id="{4E4490D0-3672-446A-AC12-B4830333BDDD}"/>
+              </a:ext>
+              <a:ext uri="{C183D7F6-B498-43B3-948B-1728B52AA6E4}">
+                <adec:decorative xmlns:adec="http://schemas.microsoft.com/office/drawing/2017/decorative" val="1"/>
+              </a:ext>
+            </a:extLst>
+          </p:cNvPr>
+          <p:cNvSpPr>
+            <a:spLocks noGrp="1" noRot="1" noChangeAspect="1" noMove="1" noResize="1" noEditPoints="1" noAdjustHandles="1" noChangeArrowheads="1" noChangeShapeType="1" noTextEdit="1"/>
+          </p:cNvSpPr>
+          <p:nvPr>
+            <p:extLst>
+              <p:ext uri="{386F3935-93C4-4BCD-93E2-E3B085C9AB24}">
+                <p16:designElem xmlns:p16="http://schemas.microsoft.com/office/powerpoint/2015/main" val="1"/>
+              </p:ext>
+            </p:extLst>
+          </p:nvPr>
+        </p:nvSpPr>
+        <p:spPr>
+          <a:xfrm>
+            <a:off x="2381" y="4800600"/>
+            <a:ext cx="9141619" cy="342900"/>
+          </a:xfrm>
+          <a:prstGeom prst="rect">
+            <a:avLst/>
+          </a:prstGeom>
+          <a:solidFill>
+            <a:schemeClr val="accent2"/>
+          </a:solidFill>
+          <a:ln>
+            <a:noFill/>
+          </a:ln>
+        </p:spPr>
+        <p:style>
+          <a:lnRef idx="2">
+            <a:schemeClr val="accent1">
+              <a:shade val="50000"/>
+            </a:schemeClr>
+          </a:lnRef>
+          <a:fillRef idx="1">
+            <a:schemeClr val="accent1"/>
+          </a:fillRef>
+          <a:effectRef idx="0">
+            <a:schemeClr val="accent1"/>
+          </a:effectRef>
+          <a:fontRef idx="minor">
+            <a:schemeClr val="lt1"/>
+          </a:fontRef>
+        </p:style>
+      </p:sp>
+      <p:sp>
+        <p:nvSpPr>
+          <p:cNvPr id="13" name="Rectangle 12">
+            <a:extLst>
+              <a:ext uri="{FF2B5EF4-FFF2-40B4-BE49-F238E27FC236}">
+                <a16:creationId xmlns:a16="http://schemas.microsoft.com/office/drawing/2014/main" id="{39CB82C2-DF65-4EC1-8280-F201D50F570B}"/>
+              </a:ext>
+              <a:ext uri="{C183D7F6-B498-43B3-948B-1728B52AA6E4}">
+                <adec:decorative xmlns:adec="http://schemas.microsoft.com/office/drawing/2017/decorative" val="1"/>
+              </a:ext>
+            </a:extLst>
+          </p:cNvPr>
+          <p:cNvSpPr>
+            <a:spLocks noGrp="1" noRot="1" noChangeAspect="1" noMove="1" noResize="1" noEditPoints="1" noAdjustHandles="1" noChangeArrowheads="1" noChangeShapeType="1" noTextEdit="1"/>
+          </p:cNvSpPr>
+          <p:nvPr>
+            <p:extLst>
+              <p:ext uri="{386F3935-93C4-4BCD-93E2-E3B085C9AB24}">
+                <p16:designElem xmlns:p16="http://schemas.microsoft.com/office/powerpoint/2015/main" val="1"/>
+              </p:ext>
+            </p:extLst>
+          </p:nvPr>
+        </p:nvSpPr>
+        <p:spPr>
+          <a:xfrm>
+            <a:off x="11" y="4750737"/>
+            <a:ext cx="9141619" cy="48006"/>
+          </a:xfrm>
+          <a:prstGeom prst="rect">
+            <a:avLst/>
+          </a:prstGeom>
+          <a:solidFill>
+            <a:schemeClr val="accent1"/>
+          </a:solidFill>
+          <a:ln>
+            <a:noFill/>
+          </a:ln>
+        </p:spPr>
+        <p:style>
+          <a:lnRef idx="2">
+            <a:schemeClr val="accent1">
+              <a:shade val="50000"/>
+            </a:schemeClr>
+          </a:lnRef>
+          <a:fillRef idx="1">
+            <a:schemeClr val="accent1"/>
+          </a:fillRef>
+          <a:effectRef idx="0">
+            <a:schemeClr val="accent1"/>
+          </a:effectRef>
+          <a:fontRef idx="minor">
+            <a:schemeClr val="lt1"/>
+          </a:fontRef>
+        </p:style>
+      </p:sp>
+      <p:cxnSp>
+        <p:nvCxnSpPr>
+          <p:cNvPr id="15" name="Straight Connector 14">
+            <a:extLst>
+              <a:ext uri="{FF2B5EF4-FFF2-40B4-BE49-F238E27FC236}">
+                <a16:creationId xmlns:a16="http://schemas.microsoft.com/office/drawing/2014/main" id="{7E1D4427-852B-4B37-8E76-0E9F1810BA2A}"/>
+              </a:ext>
+              <a:ext uri="{C183D7F6-B498-43B3-948B-1728B52AA6E4}">
+                <adec:decorative xmlns:adec="http://schemas.microsoft.com/office/drawing/2017/decorative" val="1"/>
+              </a:ext>
+            </a:extLst>
+          </p:cNvPr>
+          <p:cNvCxnSpPr>
+            <a:cxnSpLocks noGrp="1" noRot="1" noChangeAspect="1" noMove="1" noResize="1" noEditPoints="1" noAdjustHandles="1" noChangeArrowheads="1" noChangeShapeType="1"/>
+          </p:cNvCxnSpPr>
+          <p:nvPr>
+            <p:extLst>
+              <p:ext uri="{386F3935-93C4-4BCD-93E2-E3B085C9AB24}">
+                <p16:designElem xmlns:p16="http://schemas.microsoft.com/office/powerpoint/2015/main" val="1"/>
+              </p:ext>
+            </p:extLst>
+          </p:nvPr>
+        </p:nvCxnSpPr>
+        <p:spPr>
+          <a:xfrm>
+            <a:off x="905743" y="3257550"/>
+            <a:ext cx="7406640" cy="0"/>
+          </a:xfrm>
+          <a:prstGeom prst="line">
+            <a:avLst/>
+          </a:prstGeom>
+          <a:ln w="6350">
+            <a:solidFill>
+              <a:schemeClr val="tx1">
+                <a:lumMod val="50000"/>
+                <a:lumOff val="50000"/>
+              </a:schemeClr>
+            </a:solidFill>
+          </a:ln>
+        </p:spPr>
+        <p:style>
+          <a:lnRef idx="1">
+            <a:schemeClr val="accent1"/>
+          </a:lnRef>
+          <a:fillRef idx="0">
+            <a:schemeClr val="accent1"/>
+          </a:fillRef>
+          <a:effectRef idx="0">
+            <a:schemeClr val="accent1"/>
+          </a:effectRef>
+          <a:fontRef idx="minor">
+            <a:schemeClr val="tx1"/>
+          </a:fontRef>
+        </p:style>
+      </p:cxnSp>
+      <p:sp useBgFill="1">
+        <p:nvSpPr>
+          <p:cNvPr id="17" name="Rectangle 16">
+            <a:extLst>
+              <a:ext uri="{FF2B5EF4-FFF2-40B4-BE49-F238E27FC236}">
+                <a16:creationId xmlns:a16="http://schemas.microsoft.com/office/drawing/2014/main" id="{C4AAA502-5435-489E-9538-3A40E6C71461}"/>
+              </a:ext>
+              <a:ext uri="{C183D7F6-B498-43B3-948B-1728B52AA6E4}">
+                <adec:decorative xmlns:adec="http://schemas.microsoft.com/office/drawing/2017/decorative" val="1"/>
+              </a:ext>
+            </a:extLst>
+          </p:cNvPr>
+          <p:cNvSpPr>
+            <a:spLocks noGrp="1" noRot="1" noChangeAspect="1" noMove="1" noResize="1" noEditPoints="1" noAdjustHandles="1" noChangeArrowheads="1" noChangeShapeType="1" noTextEdit="1"/>
+          </p:cNvSpPr>
+          <p:nvPr>
+            <p:extLst>
+              <p:ext uri="{386F3935-93C4-4BCD-93E2-E3B085C9AB24}">
+                <p16:designElem xmlns:p16="http://schemas.microsoft.com/office/powerpoint/2015/main" val="1"/>
+              </p:ext>
+            </p:extLst>
+          </p:nvPr>
+        </p:nvSpPr>
+        <p:spPr>
+          <a:xfrm>
+            <a:off x="0" y="0"/>
+            <a:ext cx="9144000" cy="4750737"/>
+          </a:xfrm>
+          <a:prstGeom prst="rect">
+            <a:avLst/>
+          </a:prstGeom>
+          <a:ln>
+            <a:noFill/>
+          </a:ln>
+        </p:spPr>
+        <p:style>
+          <a:lnRef idx="2">
+            <a:schemeClr val="accent1">
+              <a:shade val="50000"/>
+            </a:schemeClr>
+          </a:lnRef>
+          <a:fillRef idx="1">
+            <a:schemeClr val="accent1"/>
+          </a:fillRef>
+          <a:effectRef idx="0">
+            <a:schemeClr val="accent1"/>
+          </a:effectRef>
+          <a:fontRef idx="minor">
+            <a:schemeClr val="lt1"/>
+          </a:fontRef>
+        </p:style>
+        <p:txBody>
+          <a:bodyPr rtlCol="0" anchor="ctr"/>
+          <a:lstStyle/>
+          <a:p>
+            <a:pPr algn="ctr"/>
+            <a:endParaRPr lang="en-US"/>
+          </a:p>
+        </p:txBody>
+      </p:sp>
+      <p:sp>
+        <p:nvSpPr>
+          <p:cNvPr id="2" name="Title 1">
+            <a:extLst>
+              <a:ext uri="{FF2B5EF4-FFF2-40B4-BE49-F238E27FC236}">
+                <a16:creationId xmlns:a16="http://schemas.microsoft.com/office/drawing/2014/main" id="{AF027A07-EC9D-B7AF-943F-0C34F7D8B43E}"/>
+              </a:ext>
+            </a:extLst>
+          </p:cNvPr>
+          <p:cNvSpPr>
+            <a:spLocks noGrp="1"/>
+          </p:cNvSpPr>
+          <p:nvPr>
+            <p:ph type="title"/>
+          </p:nvPr>
+        </p:nvSpPr>
+        <p:spPr>
+          <a:xfrm>
+            <a:off x="475499" y="3412671"/>
+            <a:ext cx="8181805" cy="793242"/>
+          </a:xfrm>
+        </p:spPr>
+        <p:txBody>
+          <a:bodyPr vert="horz" lIns="91440" tIns="45720" rIns="91440" bIns="45720" rtlCol="0" anchor="b">
+            <a:normAutofit/>
+          </a:bodyPr>
+          <a:lstStyle/>
+          <a:p>
+            <a:pPr defTabSz="914400"/>
+            <a:r>
+              <a:rPr lang="en-US" sz="4500" spc="-50">
+                <a:solidFill>
+                  <a:schemeClr val="tx1">
+                    <a:lumMod val="85000"/>
+                    <a:lumOff val="15000"/>
+                  </a:schemeClr>
+                </a:solidFill>
+              </a:rPr>
+              <a:t>Model Summary</a:t>
+            </a:r>
+          </a:p>
+        </p:txBody>
+      </p:sp>
+      <p:pic>
+        <p:nvPicPr>
+          <p:cNvPr id="6" name="Picture 5">
+            <a:extLst>
+              <a:ext uri="{FF2B5EF4-FFF2-40B4-BE49-F238E27FC236}">
+                <a16:creationId xmlns:a16="http://schemas.microsoft.com/office/drawing/2014/main" id="{462E519D-91A3-0BA0-EC23-7E65F32CB6EE}"/>
+              </a:ext>
+            </a:extLst>
+          </p:cNvPr>
+          <p:cNvPicPr>
+            <a:picLocks noChangeAspect="1"/>
+          </p:cNvPicPr>
+          <p:nvPr/>
+        </p:nvPicPr>
+        <p:blipFill>
+          <a:blip r:embed="rId2"/>
+          <a:stretch>
+            <a:fillRect/>
+          </a:stretch>
+        </p:blipFill>
+        <p:spPr>
+          <a:xfrm>
+            <a:off x="476592" y="480060"/>
+            <a:ext cx="7205472" cy="2702052"/>
+          </a:xfrm>
+          <a:prstGeom prst="rect">
+            <a:avLst/>
+          </a:prstGeom>
+          <a:effectLst>
+            <a:softEdge rad="25400"/>
+          </a:effectLst>
+        </p:spPr>
+      </p:pic>
+      <p:cxnSp>
+        <p:nvCxnSpPr>
+          <p:cNvPr id="19" name="Straight Connector 18">
+            <a:extLst>
+              <a:ext uri="{FF2B5EF4-FFF2-40B4-BE49-F238E27FC236}">
+                <a16:creationId xmlns:a16="http://schemas.microsoft.com/office/drawing/2014/main" id="{C9AC0290-4702-4519-B0F4-C2A46880997B}"/>
+              </a:ext>
+              <a:ext uri="{C183D7F6-B498-43B3-948B-1728B52AA6E4}">
+                <adec:decorative xmlns:adec="http://schemas.microsoft.com/office/drawing/2017/decorative" val="1"/>
+              </a:ext>
+            </a:extLst>
+          </p:cNvPr>
+          <p:cNvCxnSpPr>
+            <a:cxnSpLocks noGrp="1" noRot="1" noChangeAspect="1" noMove="1" noResize="1" noEditPoints="1" noAdjustHandles="1" noChangeArrowheads="1" noChangeShapeType="1"/>
+          </p:cNvCxnSpPr>
+          <p:nvPr>
+            <p:extLst>
+              <p:ext uri="{386F3935-93C4-4BCD-93E2-E3B085C9AB24}">
+                <p16:designElem xmlns:p16="http://schemas.microsoft.com/office/powerpoint/2015/main" val="1"/>
+              </p:ext>
+            </p:extLst>
+          </p:nvPr>
+        </p:nvCxnSpPr>
+        <p:spPr>
+          <a:xfrm>
+            <a:off x="540814" y="4214077"/>
+            <a:ext cx="7886700" cy="0"/>
+          </a:xfrm>
+          <a:prstGeom prst="line">
+            <a:avLst/>
+          </a:prstGeom>
+          <a:ln w="6350">
+            <a:solidFill>
+              <a:schemeClr val="tx2">
+                <a:alpha val="90000"/>
+              </a:schemeClr>
+            </a:solidFill>
+          </a:ln>
+        </p:spPr>
+        <p:style>
+          <a:lnRef idx="1">
+            <a:schemeClr val="accent1"/>
+          </a:lnRef>
+          <a:fillRef idx="0">
+            <a:schemeClr val="accent1"/>
+          </a:fillRef>
+          <a:effectRef idx="0">
+            <a:schemeClr val="accent1"/>
+          </a:effectRef>
+          <a:fontRef idx="minor">
+            <a:schemeClr val="tx1"/>
+          </a:fontRef>
+        </p:style>
+      </p:cxnSp>
+      <p:sp>
+        <p:nvSpPr>
+          <p:cNvPr id="21" name="Rectangle 20">
+            <a:extLst>
+              <a:ext uri="{FF2B5EF4-FFF2-40B4-BE49-F238E27FC236}">
+                <a16:creationId xmlns:a16="http://schemas.microsoft.com/office/drawing/2014/main" id="{DE42378B-2E28-4810-8421-7A473A40E376}"/>
+              </a:ext>
+              <a:ext uri="{C183D7F6-B498-43B3-948B-1728B52AA6E4}">
+                <adec:decorative xmlns:adec="http://schemas.microsoft.com/office/drawing/2017/decorative" val="1"/>
+              </a:ext>
+            </a:extLst>
+          </p:cNvPr>
+          <p:cNvSpPr>
+            <a:spLocks noGrp="1" noRot="1" noChangeAspect="1" noMove="1" noResize="1" noEditPoints="1" noAdjustHandles="1" noChangeArrowheads="1" noChangeShapeType="1" noTextEdit="1"/>
+          </p:cNvSpPr>
+          <p:nvPr>
+            <p:extLst>
+              <p:ext uri="{386F3935-93C4-4BCD-93E2-E3B085C9AB24}">
+                <p16:designElem xmlns:p16="http://schemas.microsoft.com/office/powerpoint/2015/main" val="1"/>
+              </p:ext>
+            </p:extLst>
+          </p:nvPr>
+        </p:nvSpPr>
+        <p:spPr>
+          <a:xfrm>
+            <a:off x="11" y="4750737"/>
+            <a:ext cx="9143989" cy="49863"/>
+          </a:xfrm>
+          <a:prstGeom prst="rect">
+            <a:avLst/>
+          </a:prstGeom>
+          <a:solidFill>
+            <a:schemeClr val="accent1"/>
+          </a:solidFill>
+          <a:ln>
+            <a:noFill/>
+          </a:ln>
+        </p:spPr>
+        <p:style>
+          <a:lnRef idx="2">
+            <a:schemeClr val="accent1">
+              <a:shade val="50000"/>
+            </a:schemeClr>
+          </a:lnRef>
+          <a:fillRef idx="1">
+            <a:schemeClr val="accent1"/>
+          </a:fillRef>
+          <a:effectRef idx="0">
+            <a:schemeClr val="accent1"/>
+          </a:effectRef>
+          <a:fontRef idx="minor">
+            <a:schemeClr val="lt1"/>
+          </a:fontRef>
+        </p:style>
+      </p:sp>
+      <p:sp>
+        <p:nvSpPr>
+          <p:cNvPr id="23" name="Rectangle 22">
+            <a:extLst>
+              <a:ext uri="{FF2B5EF4-FFF2-40B4-BE49-F238E27FC236}">
+                <a16:creationId xmlns:a16="http://schemas.microsoft.com/office/drawing/2014/main" id="{0D91DD17-237F-4811-BC0E-128EB1BD7CFE}"/>
+              </a:ext>
+              <a:ext uri="{C183D7F6-B498-43B3-948B-1728B52AA6E4}">
+                <adec:decorative xmlns:adec="http://schemas.microsoft.com/office/drawing/2017/decorative" val="1"/>
+              </a:ext>
+            </a:extLst>
+          </p:cNvPr>
+          <p:cNvSpPr>
+            <a:spLocks noGrp="1" noRot="1" noChangeAspect="1" noMove="1" noResize="1" noEditPoints="1" noAdjustHandles="1" noChangeArrowheads="1" noChangeShapeType="1" noTextEdit="1"/>
+          </p:cNvSpPr>
+          <p:nvPr>
+            <p:extLst>
+              <p:ext uri="{386F3935-93C4-4BCD-93E2-E3B085C9AB24}">
+                <p16:designElem xmlns:p16="http://schemas.microsoft.com/office/powerpoint/2015/main" val="1"/>
+              </p:ext>
+            </p:extLst>
+          </p:nvPr>
+        </p:nvSpPr>
+        <p:spPr>
+          <a:xfrm>
+            <a:off x="0" y="4800600"/>
+            <a:ext cx="9144000" cy="342900"/>
+          </a:xfrm>
+          <a:prstGeom prst="rect">
+            <a:avLst/>
+          </a:prstGeom>
+          <a:solidFill>
+            <a:schemeClr val="accent2"/>
+          </a:solidFill>
+          <a:ln>
+            <a:noFill/>
+          </a:ln>
+        </p:spPr>
+        <p:style>
+          <a:lnRef idx="2">
+            <a:schemeClr val="accent1">
+              <a:shade val="50000"/>
+            </a:schemeClr>
+          </a:lnRef>
+          <a:fillRef idx="1">
+            <a:schemeClr val="accent1"/>
+          </a:fillRef>
+          <a:effectRef idx="0">
+            <a:schemeClr val="accent1"/>
+          </a:effectRef>
+          <a:fontRef idx="minor">
+            <a:schemeClr val="lt1"/>
+          </a:fontRef>
+        </p:style>
+      </p:sp>
+    </p:spTree>
+    <p:extLst>
+      <p:ext uri="{BB962C8B-B14F-4D97-AF65-F5344CB8AC3E}">
+        <p14:creationId xmlns:p14="http://schemas.microsoft.com/office/powerpoint/2010/main" val="3869776215"/>
+      </p:ext>
+    </p:extLst>
+  </p:cSld>
+  <p:clrMapOvr>
+    <a:masterClrMapping/>
+  </p:clrMapOvr>
+</p:sld>
+</file>
+
+<file path=ppt/slides/slide11.xml><?xml version="1.0" encoding="utf-8"?>
+<p:sld xmlns:a="http://schemas.openxmlformats.org/drawingml/2006/main" xmlns:r="http://schemas.openxmlformats.org/officeDocument/2006/relationships" xmlns:p="http://schemas.openxmlformats.org/presentationml/2006/main">
+  <p:cSld>
+    <p:bg>
+      <p:bgPr>
+        <a:solidFill>
+          <a:schemeClr val="bg2"/>
+        </a:solidFill>
+        <a:effectLst/>
+      </p:bgPr>
+    </p:bg>
+    <p:spTree>
+      <p:nvGrpSpPr>
+        <p:cNvPr id="1" name=""/>
+        <p:cNvGrpSpPr/>
+        <p:nvPr/>
+      </p:nvGrpSpPr>
+      <p:grpSpPr>
+        <a:xfrm>
+          <a:off x="0" y="0"/>
+          <a:ext cx="0" cy="0"/>
+          <a:chOff x="0" y="0"/>
+          <a:chExt cx="0" cy="0"/>
+        </a:xfrm>
+      </p:grpSpPr>
+      <p:sp>
+        <p:nvSpPr>
           <p:cNvPr id="2" name="Title 1">
             <a:extLst>
               <a:ext uri="{FF2B5EF4-FFF2-40B4-BE49-F238E27FC236}">
@@ -20918,7 +21421,7 @@
 </p:sld>
 </file>
 
-<file path=ppt/slides/slide11.xml><?xml version="1.0" encoding="utf-8"?>
+<file path=ppt/slides/slide12.xml><?xml version="1.0" encoding="utf-8"?>
 <p:sld xmlns:a="http://schemas.openxmlformats.org/drawingml/2006/main" xmlns:r="http://schemas.openxmlformats.org/officeDocument/2006/relationships" xmlns:p="http://schemas.openxmlformats.org/presentationml/2006/main">
   <p:cSld>
     <p:bg>
@@ -21421,7 +21924,7 @@
 </p:sld>
 </file>
 
-<file path=ppt/slides/slide12.xml><?xml version="1.0" encoding="utf-8"?>
+<file path=ppt/slides/slide13.xml><?xml version="1.0" encoding="utf-8"?>
 <p:sld xmlns:a="http://schemas.openxmlformats.org/drawingml/2006/main" xmlns:r="http://schemas.openxmlformats.org/officeDocument/2006/relationships" xmlns:p="http://schemas.openxmlformats.org/presentationml/2006/main">
   <p:cSld>
     <p:bg>
@@ -21981,7 +22484,7 @@
 </p:sld>
 </file>
 
-<file path=ppt/slides/slide13.xml><?xml version="1.0" encoding="utf-8"?>
+<file path=ppt/slides/slide14.xml><?xml version="1.0" encoding="utf-8"?>
 <p:sld xmlns:a="http://schemas.openxmlformats.org/drawingml/2006/main" xmlns:r="http://schemas.openxmlformats.org/officeDocument/2006/relationships" xmlns:p="http://schemas.openxmlformats.org/presentationml/2006/main">
   <p:cSld>
     <p:bg>
@@ -22074,7 +22577,7 @@
 </p:sld>
 </file>
 
-<file path=ppt/slides/slide14.xml><?xml version="1.0" encoding="utf-8"?>
+<file path=ppt/slides/slide15.xml><?xml version="1.0" encoding="utf-8"?>
 <p:sld xmlns:a="http://schemas.openxmlformats.org/drawingml/2006/main" xmlns:r="http://schemas.openxmlformats.org/officeDocument/2006/relationships" xmlns:p="http://schemas.openxmlformats.org/presentationml/2006/main" show="0">
   <p:cSld>
     <p:bg>
@@ -22270,7 +22773,7 @@
 </p:sld>
 </file>
 
-<file path=ppt/slides/slide15.xml><?xml version="1.0" encoding="utf-8"?>
+<file path=ppt/slides/slide16.xml><?xml version="1.0" encoding="utf-8"?>
 <p:sld xmlns:a="http://schemas.openxmlformats.org/drawingml/2006/main" xmlns:r="http://schemas.openxmlformats.org/officeDocument/2006/relationships" xmlns:p="http://schemas.openxmlformats.org/presentationml/2006/main">
   <p:cSld>
     <p:bg>
@@ -22374,7 +22877,7 @@
 </p:sld>
 </file>
 
-<file path=ppt/slides/slide16.xml><?xml version="1.0" encoding="utf-8"?>
+<file path=ppt/slides/slide17.xml><?xml version="1.0" encoding="utf-8"?>
 <p:sld xmlns:a="http://schemas.openxmlformats.org/drawingml/2006/main" xmlns:r="http://schemas.openxmlformats.org/officeDocument/2006/relationships" xmlns:p="http://schemas.openxmlformats.org/presentationml/2006/main">
   <p:cSld>
     <p:bg>
@@ -22478,7 +22981,7 @@
 </p:sld>
 </file>
 
-<file path=ppt/slides/slide17.xml><?xml version="1.0" encoding="utf-8"?>
+<file path=ppt/slides/slide18.xml><?xml version="1.0" encoding="utf-8"?>
 <p:sld xmlns:a="http://schemas.openxmlformats.org/drawingml/2006/main" xmlns:r="http://schemas.openxmlformats.org/officeDocument/2006/relationships" xmlns:p="http://schemas.openxmlformats.org/presentationml/2006/main">
   <p:cSld>
     <p:bg>
@@ -22614,513 +23117,6 @@
     <p:extLst>
       <p:ext uri="{BB962C8B-B14F-4D97-AF65-F5344CB8AC3E}">
         <p14:creationId xmlns:p14="http://schemas.microsoft.com/office/powerpoint/2010/main" val="676433920"/>
-      </p:ext>
-    </p:extLst>
-  </p:cSld>
-  <p:clrMapOvr>
-    <a:masterClrMapping/>
-  </p:clrMapOvr>
-</p:sld>
-</file>
-
-<file path=ppt/slides/slide18.xml><?xml version="1.0" encoding="utf-8"?>
-<p:sld xmlns:a="http://schemas.openxmlformats.org/drawingml/2006/main" xmlns:r="http://schemas.openxmlformats.org/officeDocument/2006/relationships" xmlns:p="http://schemas.openxmlformats.org/presentationml/2006/main">
-  <p:cSld>
-    <p:bg>
-      <p:bgPr>
-        <a:solidFill>
-          <a:schemeClr val="bg2"/>
-        </a:solidFill>
-        <a:effectLst/>
-      </p:bgPr>
-    </p:bg>
-    <p:spTree>
-      <p:nvGrpSpPr>
-        <p:cNvPr id="1" name=""/>
-        <p:cNvGrpSpPr/>
-        <p:nvPr/>
-      </p:nvGrpSpPr>
-      <p:grpSpPr>
-        <a:xfrm>
-          <a:off x="0" y="0"/>
-          <a:ext cx="0" cy="0"/>
-          <a:chOff x="0" y="0"/>
-          <a:chExt cx="0" cy="0"/>
-        </a:xfrm>
-      </p:grpSpPr>
-      <p:sp>
-        <p:nvSpPr>
-          <p:cNvPr id="2" name="Title 1">
-            <a:extLst>
-              <a:ext uri="{FF2B5EF4-FFF2-40B4-BE49-F238E27FC236}">
-                <a16:creationId xmlns:a16="http://schemas.microsoft.com/office/drawing/2014/main" id="{D7A33DAA-BC8A-1FFD-C424-C48DEB36B72E}"/>
-              </a:ext>
-            </a:extLst>
-          </p:cNvPr>
-          <p:cNvSpPr>
-            <a:spLocks noGrp="1"/>
-          </p:cNvSpPr>
-          <p:nvPr>
-            <p:ph type="title"/>
-          </p:nvPr>
-        </p:nvSpPr>
-        <p:spPr/>
-        <p:txBody>
-          <a:bodyPr/>
-          <a:lstStyle/>
-          <a:p>
-            <a:r>
-              <a:rPr lang="en-US" dirty="0"/>
-              <a:t>Dimension Reduction Methods</a:t>
-            </a:r>
-          </a:p>
-        </p:txBody>
-      </p:sp>
-      <p:sp>
-        <p:nvSpPr>
-          <p:cNvPr id="5" name="Google Shape;212;g22182353c72_0_41">
-            <a:extLst>
-              <a:ext uri="{FF2B5EF4-FFF2-40B4-BE49-F238E27FC236}">
-                <a16:creationId xmlns:a16="http://schemas.microsoft.com/office/drawing/2014/main" id="{CA7C3FD4-3CAA-83D8-5591-A85422AE2873}"/>
-              </a:ext>
-            </a:extLst>
-          </p:cNvPr>
-          <p:cNvSpPr txBox="1">
-            <a:spLocks/>
-          </p:cNvSpPr>
-          <p:nvPr/>
-        </p:nvSpPr>
-        <p:spPr>
-          <a:xfrm>
-            <a:off x="3600450" y="500665"/>
-            <a:ext cx="5455118" cy="1766862"/>
-          </a:xfrm>
-          <a:prstGeom prst="rect">
-            <a:avLst/>
-          </a:prstGeom>
-        </p:spPr>
-        <p:txBody>
-          <a:bodyPr spcFirstLastPara="1" vert="horz" wrap="square" lIns="0" tIns="45700" rIns="0" bIns="45700" rtlCol="0" anchor="t" anchorCtr="0">
-            <a:normAutofit/>
-          </a:bodyPr>
-          <a:lstStyle>
-            <a:lvl1pPr marL="68580" indent="-68580" algn="l" defTabSz="685800" rtl="0" eaLnBrk="1" latinLnBrk="0" hangingPunct="1">
-              <a:lnSpc>
-                <a:spcPct val="90000"/>
-              </a:lnSpc>
-              <a:spcBef>
-                <a:spcPts val="900"/>
-              </a:spcBef>
-              <a:spcAft>
-                <a:spcPts val="150"/>
-              </a:spcAft>
-              <a:buClr>
-                <a:schemeClr val="accent1"/>
-              </a:buClr>
-              <a:buSzPct val="100000"/>
-              <a:buFont typeface="Calibri" panose="020F0502020204030204" pitchFamily="34" charset="0"/>
-              <a:buChar char=" "/>
-              <a:defRPr sz="1500" kern="1200">
-                <a:solidFill>
-                  <a:schemeClr val="tx1">
-                    <a:lumMod val="75000"/>
-                    <a:lumOff val="25000"/>
-                  </a:schemeClr>
-                </a:solidFill>
-                <a:latin typeface="+mn-lt"/>
-                <a:ea typeface="+mn-ea"/>
-                <a:cs typeface="+mn-cs"/>
-              </a:defRPr>
-            </a:lvl1pPr>
-            <a:lvl2pPr marL="288036" indent="-137160" algn="l" defTabSz="685800" rtl="0" eaLnBrk="1" latinLnBrk="0" hangingPunct="1">
-              <a:lnSpc>
-                <a:spcPct val="90000"/>
-              </a:lnSpc>
-              <a:spcBef>
-                <a:spcPts val="150"/>
-              </a:spcBef>
-              <a:spcAft>
-                <a:spcPts val="300"/>
-              </a:spcAft>
-              <a:buClr>
-                <a:schemeClr val="accent1"/>
-              </a:buClr>
-              <a:buFont typeface="Calibri" pitchFamily="34" charset="0"/>
-              <a:buChar char="◦"/>
-              <a:defRPr sz="1350" kern="1200">
-                <a:solidFill>
-                  <a:schemeClr val="tx1">
-                    <a:lumMod val="75000"/>
-                    <a:lumOff val="25000"/>
-                  </a:schemeClr>
-                </a:solidFill>
-                <a:latin typeface="+mn-lt"/>
-                <a:ea typeface="+mn-ea"/>
-                <a:cs typeface="+mn-cs"/>
-              </a:defRPr>
-            </a:lvl2pPr>
-            <a:lvl3pPr marL="425196" indent="-137160" algn="l" defTabSz="685800" rtl="0" eaLnBrk="1" latinLnBrk="0" hangingPunct="1">
-              <a:lnSpc>
-                <a:spcPct val="90000"/>
-              </a:lnSpc>
-              <a:spcBef>
-                <a:spcPts val="150"/>
-              </a:spcBef>
-              <a:spcAft>
-                <a:spcPts val="300"/>
-              </a:spcAft>
-              <a:buClr>
-                <a:schemeClr val="accent1"/>
-              </a:buClr>
-              <a:buFont typeface="Calibri" pitchFamily="34" charset="0"/>
-              <a:buChar char="◦"/>
-              <a:defRPr sz="1050" kern="1200">
-                <a:solidFill>
-                  <a:schemeClr val="tx1">
-                    <a:lumMod val="75000"/>
-                    <a:lumOff val="25000"/>
-                  </a:schemeClr>
-                </a:solidFill>
-                <a:latin typeface="+mn-lt"/>
-                <a:ea typeface="+mn-ea"/>
-                <a:cs typeface="+mn-cs"/>
-              </a:defRPr>
-            </a:lvl3pPr>
-            <a:lvl4pPr marL="562356" indent="-137160" algn="l" defTabSz="685800" rtl="0" eaLnBrk="1" latinLnBrk="0" hangingPunct="1">
-              <a:lnSpc>
-                <a:spcPct val="90000"/>
-              </a:lnSpc>
-              <a:spcBef>
-                <a:spcPts val="150"/>
-              </a:spcBef>
-              <a:spcAft>
-                <a:spcPts val="300"/>
-              </a:spcAft>
-              <a:buClr>
-                <a:schemeClr val="accent1"/>
-              </a:buClr>
-              <a:buFont typeface="Calibri" pitchFamily="34" charset="0"/>
-              <a:buChar char="◦"/>
-              <a:defRPr sz="1050" kern="1200">
-                <a:solidFill>
-                  <a:schemeClr val="tx1">
-                    <a:lumMod val="75000"/>
-                    <a:lumOff val="25000"/>
-                  </a:schemeClr>
-                </a:solidFill>
-                <a:latin typeface="+mn-lt"/>
-                <a:ea typeface="+mn-ea"/>
-                <a:cs typeface="+mn-cs"/>
-              </a:defRPr>
-            </a:lvl4pPr>
-            <a:lvl5pPr marL="699516" indent="-137160" algn="l" defTabSz="685800" rtl="0" eaLnBrk="1" latinLnBrk="0" hangingPunct="1">
-              <a:lnSpc>
-                <a:spcPct val="90000"/>
-              </a:lnSpc>
-              <a:spcBef>
-                <a:spcPts val="150"/>
-              </a:spcBef>
-              <a:spcAft>
-                <a:spcPts val="300"/>
-              </a:spcAft>
-              <a:buClr>
-                <a:schemeClr val="accent1"/>
-              </a:buClr>
-              <a:buFont typeface="Calibri" pitchFamily="34" charset="0"/>
-              <a:buChar char="◦"/>
-              <a:defRPr sz="1050" kern="1200">
-                <a:solidFill>
-                  <a:schemeClr val="tx1">
-                    <a:lumMod val="75000"/>
-                    <a:lumOff val="25000"/>
-                  </a:schemeClr>
-                </a:solidFill>
-                <a:latin typeface="+mn-lt"/>
-                <a:ea typeface="+mn-ea"/>
-                <a:cs typeface="+mn-cs"/>
-              </a:defRPr>
-            </a:lvl5pPr>
-            <a:lvl6pPr marL="825000" indent="-171450" algn="l" defTabSz="685800" rtl="0" eaLnBrk="1" latinLnBrk="0" hangingPunct="1">
-              <a:lnSpc>
-                <a:spcPct val="90000"/>
-              </a:lnSpc>
-              <a:spcBef>
-                <a:spcPts val="150"/>
-              </a:spcBef>
-              <a:spcAft>
-                <a:spcPts val="300"/>
-              </a:spcAft>
-              <a:buClr>
-                <a:schemeClr val="accent1"/>
-              </a:buClr>
-              <a:buFont typeface="Calibri" pitchFamily="34" charset="0"/>
-              <a:buChar char="◦"/>
-              <a:defRPr sz="1050" kern="1200">
-                <a:solidFill>
-                  <a:schemeClr val="tx1">
-                    <a:lumMod val="75000"/>
-                    <a:lumOff val="25000"/>
-                  </a:schemeClr>
-                </a:solidFill>
-                <a:latin typeface="+mn-lt"/>
-                <a:ea typeface="+mn-ea"/>
-                <a:cs typeface="+mn-cs"/>
-              </a:defRPr>
-            </a:lvl6pPr>
-            <a:lvl7pPr marL="975000" indent="-171450" algn="l" defTabSz="685800" rtl="0" eaLnBrk="1" latinLnBrk="0" hangingPunct="1">
-              <a:lnSpc>
-                <a:spcPct val="90000"/>
-              </a:lnSpc>
-              <a:spcBef>
-                <a:spcPts val="150"/>
-              </a:spcBef>
-              <a:spcAft>
-                <a:spcPts val="300"/>
-              </a:spcAft>
-              <a:buClr>
-                <a:schemeClr val="accent1"/>
-              </a:buClr>
-              <a:buFont typeface="Calibri" pitchFamily="34" charset="0"/>
-              <a:buChar char="◦"/>
-              <a:defRPr sz="1050" kern="1200">
-                <a:solidFill>
-                  <a:schemeClr val="tx1">
-                    <a:lumMod val="75000"/>
-                    <a:lumOff val="25000"/>
-                  </a:schemeClr>
-                </a:solidFill>
-                <a:latin typeface="+mn-lt"/>
-                <a:ea typeface="+mn-ea"/>
-                <a:cs typeface="+mn-cs"/>
-              </a:defRPr>
-            </a:lvl7pPr>
-            <a:lvl8pPr marL="1125000" indent="-171450" algn="l" defTabSz="685800" rtl="0" eaLnBrk="1" latinLnBrk="0" hangingPunct="1">
-              <a:lnSpc>
-                <a:spcPct val="90000"/>
-              </a:lnSpc>
-              <a:spcBef>
-                <a:spcPts val="150"/>
-              </a:spcBef>
-              <a:spcAft>
-                <a:spcPts val="300"/>
-              </a:spcAft>
-              <a:buClr>
-                <a:schemeClr val="accent1"/>
-              </a:buClr>
-              <a:buFont typeface="Calibri" pitchFamily="34" charset="0"/>
-              <a:buChar char="◦"/>
-              <a:defRPr sz="1050" kern="1200">
-                <a:solidFill>
-                  <a:schemeClr val="tx1">
-                    <a:lumMod val="75000"/>
-                    <a:lumOff val="25000"/>
-                  </a:schemeClr>
-                </a:solidFill>
-                <a:latin typeface="+mn-lt"/>
-                <a:ea typeface="+mn-ea"/>
-                <a:cs typeface="+mn-cs"/>
-              </a:defRPr>
-            </a:lvl8pPr>
-            <a:lvl9pPr marL="1275000" indent="-171450" algn="l" defTabSz="685800" rtl="0" eaLnBrk="1" latinLnBrk="0" hangingPunct="1">
-              <a:lnSpc>
-                <a:spcPct val="90000"/>
-              </a:lnSpc>
-              <a:spcBef>
-                <a:spcPts val="150"/>
-              </a:spcBef>
-              <a:spcAft>
-                <a:spcPts val="300"/>
-              </a:spcAft>
-              <a:buClr>
-                <a:schemeClr val="accent1"/>
-              </a:buClr>
-              <a:buFont typeface="Calibri" pitchFamily="34" charset="0"/>
-              <a:buChar char="◦"/>
-              <a:defRPr sz="1050" kern="1200">
-                <a:solidFill>
-                  <a:schemeClr val="tx1">
-                    <a:lumMod val="75000"/>
-                    <a:lumOff val="25000"/>
-                  </a:schemeClr>
-                </a:solidFill>
-                <a:latin typeface="+mn-lt"/>
-                <a:ea typeface="+mn-ea"/>
-                <a:cs typeface="+mn-cs"/>
-              </a:defRPr>
-            </a:lvl9pPr>
-          </a:lstStyle>
-          <a:p>
-            <a:pPr marL="457200" indent="-342900">
-              <a:spcAft>
-                <a:spcPts val="0"/>
-              </a:spcAft>
-              <a:buClr>
-                <a:srgbClr val="292929"/>
-              </a:buClr>
-              <a:buSzPts val="1800"/>
-              <a:buFont typeface="Georgia"/>
-              <a:buAutoNum type="arabicPeriod"/>
-            </a:pPr>
-            <a:r>
-              <a:rPr lang="en-US" sz="1600" dirty="0">
-                <a:solidFill>
-                  <a:srgbClr val="292929"/>
-                </a:solidFill>
-                <a:latin typeface="Georgia"/>
-                <a:ea typeface="Georgia"/>
-                <a:cs typeface="Georgia"/>
-                <a:sym typeface="Georgia"/>
-              </a:rPr>
-              <a:t>t-Distributed Stochastic Neighbor Embedding (TSNE)</a:t>
-            </a:r>
-          </a:p>
-          <a:p>
-            <a:pPr marL="457200" indent="-342900">
-              <a:spcAft>
-                <a:spcPts val="0"/>
-              </a:spcAft>
-              <a:buClr>
-                <a:srgbClr val="292929"/>
-              </a:buClr>
-              <a:buSzPts val="1800"/>
-              <a:buFont typeface="Georgia"/>
-              <a:buAutoNum type="arabicPeriod"/>
-            </a:pPr>
-            <a:endParaRPr lang="en-US" sz="1600" dirty="0">
-              <a:solidFill>
-                <a:srgbClr val="292929"/>
-              </a:solidFill>
-              <a:latin typeface="Georgia"/>
-              <a:ea typeface="Georgia"/>
-              <a:cs typeface="Georgia"/>
-              <a:sym typeface="Georgia"/>
-            </a:endParaRPr>
-          </a:p>
-          <a:p>
-            <a:pPr marL="457200" indent="-342900">
-              <a:spcBef>
-                <a:spcPts val="0"/>
-              </a:spcBef>
-              <a:spcAft>
-                <a:spcPts val="0"/>
-              </a:spcAft>
-              <a:buClr>
-                <a:srgbClr val="292929"/>
-              </a:buClr>
-              <a:buSzPts val="1800"/>
-              <a:buFont typeface="Georgia"/>
-              <a:buAutoNum type="arabicPeriod"/>
-            </a:pPr>
-            <a:r>
-              <a:rPr lang="en-US" sz="1600" dirty="0">
-                <a:solidFill>
-                  <a:srgbClr val="292929"/>
-                </a:solidFill>
-                <a:latin typeface="Georgia"/>
-                <a:ea typeface="Georgia"/>
-                <a:cs typeface="Georgia"/>
-                <a:sym typeface="Georgia"/>
-              </a:rPr>
-              <a:t>Principal component analysis-PCA</a:t>
-            </a:r>
-          </a:p>
-          <a:p>
-            <a:pPr marL="457200" indent="-342900">
-              <a:spcBef>
-                <a:spcPts val="0"/>
-              </a:spcBef>
-              <a:spcAft>
-                <a:spcPts val="0"/>
-              </a:spcAft>
-              <a:buClr>
-                <a:srgbClr val="292929"/>
-              </a:buClr>
-              <a:buSzPts val="1800"/>
-              <a:buFont typeface="Georgia"/>
-              <a:buAutoNum type="arabicPeriod"/>
-            </a:pPr>
-            <a:endParaRPr lang="en-US" sz="1600" dirty="0">
-              <a:solidFill>
-                <a:srgbClr val="292929"/>
-              </a:solidFill>
-              <a:latin typeface="Georgia"/>
-              <a:ea typeface="Georgia"/>
-              <a:cs typeface="Georgia"/>
-              <a:sym typeface="Georgia"/>
-            </a:endParaRPr>
-          </a:p>
-          <a:p>
-            <a:pPr marL="457200" indent="-342900">
-              <a:spcBef>
-                <a:spcPts val="0"/>
-              </a:spcBef>
-              <a:spcAft>
-                <a:spcPts val="0"/>
-              </a:spcAft>
-              <a:buClr>
-                <a:srgbClr val="292929"/>
-              </a:buClr>
-              <a:buSzPts val="1800"/>
-              <a:buFont typeface="Georgia"/>
-              <a:buAutoNum type="arabicPeriod"/>
-            </a:pPr>
-            <a:r>
-              <a:rPr lang="en-US" sz="1600" dirty="0">
-                <a:solidFill>
-                  <a:srgbClr val="292929"/>
-                </a:solidFill>
-                <a:latin typeface="Georgia"/>
-                <a:ea typeface="Georgia"/>
-                <a:cs typeface="Georgia"/>
-                <a:sym typeface="Georgia"/>
-              </a:rPr>
-              <a:t>Uniform Manifold Approximation and Projection, UMAP</a:t>
-            </a:r>
-          </a:p>
-        </p:txBody>
-      </p:sp>
-      <p:sp>
-        <p:nvSpPr>
-          <p:cNvPr id="6" name="TextBox 5">
-            <a:extLst>
-              <a:ext uri="{FF2B5EF4-FFF2-40B4-BE49-F238E27FC236}">
-                <a16:creationId xmlns:a16="http://schemas.microsoft.com/office/drawing/2014/main" id="{17F2E3FE-FB68-5F90-B43D-D389EC22FF3C}"/>
-              </a:ext>
-            </a:extLst>
-          </p:cNvPr>
-          <p:cNvSpPr txBox="1"/>
-          <p:nvPr/>
-        </p:nvSpPr>
-        <p:spPr>
-          <a:xfrm>
-            <a:off x="7398328" y="2224401"/>
-            <a:ext cx="948229" cy="369332"/>
-          </a:xfrm>
-          <a:prstGeom prst="rect">
-            <a:avLst/>
-          </a:prstGeom>
-          <a:noFill/>
-        </p:spPr>
-        <p:txBody>
-          <a:bodyPr wrap="square" rtlCol="0">
-            <a:spAutoFit/>
-          </a:bodyPr>
-          <a:lstStyle/>
-          <a:p>
-            <a:r>
-              <a:rPr lang="en-US" dirty="0">
-                <a:hlinkClick r:id="rId2"/>
-              </a:rPr>
-              <a:t>Source</a:t>
-            </a:r>
-            <a:endParaRPr lang="en-US" dirty="0"/>
-          </a:p>
-        </p:txBody>
-      </p:sp>
-    </p:spTree>
-    <p:extLst>
-      <p:ext uri="{BB962C8B-B14F-4D97-AF65-F5344CB8AC3E}">
-        <p14:creationId xmlns:p14="http://schemas.microsoft.com/office/powerpoint/2010/main" val="4254735555"/>
       </p:ext>
     </p:extLst>
   </p:cSld>
@@ -26608,6 +26604,513 @@
       </p:grpSpPr>
       <p:sp>
         <p:nvSpPr>
+          <p:cNvPr id="2" name="Title 1">
+            <a:extLst>
+              <a:ext uri="{FF2B5EF4-FFF2-40B4-BE49-F238E27FC236}">
+                <a16:creationId xmlns:a16="http://schemas.microsoft.com/office/drawing/2014/main" id="{D7A33DAA-BC8A-1FFD-C424-C48DEB36B72E}"/>
+              </a:ext>
+            </a:extLst>
+          </p:cNvPr>
+          <p:cNvSpPr>
+            <a:spLocks noGrp="1"/>
+          </p:cNvSpPr>
+          <p:nvPr>
+            <p:ph type="title"/>
+          </p:nvPr>
+        </p:nvSpPr>
+        <p:spPr/>
+        <p:txBody>
+          <a:bodyPr/>
+          <a:lstStyle/>
+          <a:p>
+            <a:r>
+              <a:rPr lang="en-US" dirty="0"/>
+              <a:t>Dimension Reduction Methods</a:t>
+            </a:r>
+          </a:p>
+        </p:txBody>
+      </p:sp>
+      <p:sp>
+        <p:nvSpPr>
+          <p:cNvPr id="5" name="Google Shape;212;g22182353c72_0_41">
+            <a:extLst>
+              <a:ext uri="{FF2B5EF4-FFF2-40B4-BE49-F238E27FC236}">
+                <a16:creationId xmlns:a16="http://schemas.microsoft.com/office/drawing/2014/main" id="{CA7C3FD4-3CAA-83D8-5591-A85422AE2873}"/>
+              </a:ext>
+            </a:extLst>
+          </p:cNvPr>
+          <p:cNvSpPr txBox="1">
+            <a:spLocks/>
+          </p:cNvSpPr>
+          <p:nvPr/>
+        </p:nvSpPr>
+        <p:spPr>
+          <a:xfrm>
+            <a:off x="3600450" y="500665"/>
+            <a:ext cx="5455118" cy="1766862"/>
+          </a:xfrm>
+          <a:prstGeom prst="rect">
+            <a:avLst/>
+          </a:prstGeom>
+        </p:spPr>
+        <p:txBody>
+          <a:bodyPr spcFirstLastPara="1" vert="horz" wrap="square" lIns="0" tIns="45700" rIns="0" bIns="45700" rtlCol="0" anchor="t" anchorCtr="0">
+            <a:normAutofit/>
+          </a:bodyPr>
+          <a:lstStyle>
+            <a:lvl1pPr marL="68580" indent="-68580" algn="l" defTabSz="685800" rtl="0" eaLnBrk="1" latinLnBrk="0" hangingPunct="1">
+              <a:lnSpc>
+                <a:spcPct val="90000"/>
+              </a:lnSpc>
+              <a:spcBef>
+                <a:spcPts val="900"/>
+              </a:spcBef>
+              <a:spcAft>
+                <a:spcPts val="150"/>
+              </a:spcAft>
+              <a:buClr>
+                <a:schemeClr val="accent1"/>
+              </a:buClr>
+              <a:buSzPct val="100000"/>
+              <a:buFont typeface="Calibri" panose="020F0502020204030204" pitchFamily="34" charset="0"/>
+              <a:buChar char=" "/>
+              <a:defRPr sz="1500" kern="1200">
+                <a:solidFill>
+                  <a:schemeClr val="tx1">
+                    <a:lumMod val="75000"/>
+                    <a:lumOff val="25000"/>
+                  </a:schemeClr>
+                </a:solidFill>
+                <a:latin typeface="+mn-lt"/>
+                <a:ea typeface="+mn-ea"/>
+                <a:cs typeface="+mn-cs"/>
+              </a:defRPr>
+            </a:lvl1pPr>
+            <a:lvl2pPr marL="288036" indent="-137160" algn="l" defTabSz="685800" rtl="0" eaLnBrk="1" latinLnBrk="0" hangingPunct="1">
+              <a:lnSpc>
+                <a:spcPct val="90000"/>
+              </a:lnSpc>
+              <a:spcBef>
+                <a:spcPts val="150"/>
+              </a:spcBef>
+              <a:spcAft>
+                <a:spcPts val="300"/>
+              </a:spcAft>
+              <a:buClr>
+                <a:schemeClr val="accent1"/>
+              </a:buClr>
+              <a:buFont typeface="Calibri" pitchFamily="34" charset="0"/>
+              <a:buChar char="◦"/>
+              <a:defRPr sz="1350" kern="1200">
+                <a:solidFill>
+                  <a:schemeClr val="tx1">
+                    <a:lumMod val="75000"/>
+                    <a:lumOff val="25000"/>
+                  </a:schemeClr>
+                </a:solidFill>
+                <a:latin typeface="+mn-lt"/>
+                <a:ea typeface="+mn-ea"/>
+                <a:cs typeface="+mn-cs"/>
+              </a:defRPr>
+            </a:lvl2pPr>
+            <a:lvl3pPr marL="425196" indent="-137160" algn="l" defTabSz="685800" rtl="0" eaLnBrk="1" latinLnBrk="0" hangingPunct="1">
+              <a:lnSpc>
+                <a:spcPct val="90000"/>
+              </a:lnSpc>
+              <a:spcBef>
+                <a:spcPts val="150"/>
+              </a:spcBef>
+              <a:spcAft>
+                <a:spcPts val="300"/>
+              </a:spcAft>
+              <a:buClr>
+                <a:schemeClr val="accent1"/>
+              </a:buClr>
+              <a:buFont typeface="Calibri" pitchFamily="34" charset="0"/>
+              <a:buChar char="◦"/>
+              <a:defRPr sz="1050" kern="1200">
+                <a:solidFill>
+                  <a:schemeClr val="tx1">
+                    <a:lumMod val="75000"/>
+                    <a:lumOff val="25000"/>
+                  </a:schemeClr>
+                </a:solidFill>
+                <a:latin typeface="+mn-lt"/>
+                <a:ea typeface="+mn-ea"/>
+                <a:cs typeface="+mn-cs"/>
+              </a:defRPr>
+            </a:lvl3pPr>
+            <a:lvl4pPr marL="562356" indent="-137160" algn="l" defTabSz="685800" rtl="0" eaLnBrk="1" latinLnBrk="0" hangingPunct="1">
+              <a:lnSpc>
+                <a:spcPct val="90000"/>
+              </a:lnSpc>
+              <a:spcBef>
+                <a:spcPts val="150"/>
+              </a:spcBef>
+              <a:spcAft>
+                <a:spcPts val="300"/>
+              </a:spcAft>
+              <a:buClr>
+                <a:schemeClr val="accent1"/>
+              </a:buClr>
+              <a:buFont typeface="Calibri" pitchFamily="34" charset="0"/>
+              <a:buChar char="◦"/>
+              <a:defRPr sz="1050" kern="1200">
+                <a:solidFill>
+                  <a:schemeClr val="tx1">
+                    <a:lumMod val="75000"/>
+                    <a:lumOff val="25000"/>
+                  </a:schemeClr>
+                </a:solidFill>
+                <a:latin typeface="+mn-lt"/>
+                <a:ea typeface="+mn-ea"/>
+                <a:cs typeface="+mn-cs"/>
+              </a:defRPr>
+            </a:lvl4pPr>
+            <a:lvl5pPr marL="699516" indent="-137160" algn="l" defTabSz="685800" rtl="0" eaLnBrk="1" latinLnBrk="0" hangingPunct="1">
+              <a:lnSpc>
+                <a:spcPct val="90000"/>
+              </a:lnSpc>
+              <a:spcBef>
+                <a:spcPts val="150"/>
+              </a:spcBef>
+              <a:spcAft>
+                <a:spcPts val="300"/>
+              </a:spcAft>
+              <a:buClr>
+                <a:schemeClr val="accent1"/>
+              </a:buClr>
+              <a:buFont typeface="Calibri" pitchFamily="34" charset="0"/>
+              <a:buChar char="◦"/>
+              <a:defRPr sz="1050" kern="1200">
+                <a:solidFill>
+                  <a:schemeClr val="tx1">
+                    <a:lumMod val="75000"/>
+                    <a:lumOff val="25000"/>
+                  </a:schemeClr>
+                </a:solidFill>
+                <a:latin typeface="+mn-lt"/>
+                <a:ea typeface="+mn-ea"/>
+                <a:cs typeface="+mn-cs"/>
+              </a:defRPr>
+            </a:lvl5pPr>
+            <a:lvl6pPr marL="825000" indent="-171450" algn="l" defTabSz="685800" rtl="0" eaLnBrk="1" latinLnBrk="0" hangingPunct="1">
+              <a:lnSpc>
+                <a:spcPct val="90000"/>
+              </a:lnSpc>
+              <a:spcBef>
+                <a:spcPts val="150"/>
+              </a:spcBef>
+              <a:spcAft>
+                <a:spcPts val="300"/>
+              </a:spcAft>
+              <a:buClr>
+                <a:schemeClr val="accent1"/>
+              </a:buClr>
+              <a:buFont typeface="Calibri" pitchFamily="34" charset="0"/>
+              <a:buChar char="◦"/>
+              <a:defRPr sz="1050" kern="1200">
+                <a:solidFill>
+                  <a:schemeClr val="tx1">
+                    <a:lumMod val="75000"/>
+                    <a:lumOff val="25000"/>
+                  </a:schemeClr>
+                </a:solidFill>
+                <a:latin typeface="+mn-lt"/>
+                <a:ea typeface="+mn-ea"/>
+                <a:cs typeface="+mn-cs"/>
+              </a:defRPr>
+            </a:lvl6pPr>
+            <a:lvl7pPr marL="975000" indent="-171450" algn="l" defTabSz="685800" rtl="0" eaLnBrk="1" latinLnBrk="0" hangingPunct="1">
+              <a:lnSpc>
+                <a:spcPct val="90000"/>
+              </a:lnSpc>
+              <a:spcBef>
+                <a:spcPts val="150"/>
+              </a:spcBef>
+              <a:spcAft>
+                <a:spcPts val="300"/>
+              </a:spcAft>
+              <a:buClr>
+                <a:schemeClr val="accent1"/>
+              </a:buClr>
+              <a:buFont typeface="Calibri" pitchFamily="34" charset="0"/>
+              <a:buChar char="◦"/>
+              <a:defRPr sz="1050" kern="1200">
+                <a:solidFill>
+                  <a:schemeClr val="tx1">
+                    <a:lumMod val="75000"/>
+                    <a:lumOff val="25000"/>
+                  </a:schemeClr>
+                </a:solidFill>
+                <a:latin typeface="+mn-lt"/>
+                <a:ea typeface="+mn-ea"/>
+                <a:cs typeface="+mn-cs"/>
+              </a:defRPr>
+            </a:lvl7pPr>
+            <a:lvl8pPr marL="1125000" indent="-171450" algn="l" defTabSz="685800" rtl="0" eaLnBrk="1" latinLnBrk="0" hangingPunct="1">
+              <a:lnSpc>
+                <a:spcPct val="90000"/>
+              </a:lnSpc>
+              <a:spcBef>
+                <a:spcPts val="150"/>
+              </a:spcBef>
+              <a:spcAft>
+                <a:spcPts val="300"/>
+              </a:spcAft>
+              <a:buClr>
+                <a:schemeClr val="accent1"/>
+              </a:buClr>
+              <a:buFont typeface="Calibri" pitchFamily="34" charset="0"/>
+              <a:buChar char="◦"/>
+              <a:defRPr sz="1050" kern="1200">
+                <a:solidFill>
+                  <a:schemeClr val="tx1">
+                    <a:lumMod val="75000"/>
+                    <a:lumOff val="25000"/>
+                  </a:schemeClr>
+                </a:solidFill>
+                <a:latin typeface="+mn-lt"/>
+                <a:ea typeface="+mn-ea"/>
+                <a:cs typeface="+mn-cs"/>
+              </a:defRPr>
+            </a:lvl8pPr>
+            <a:lvl9pPr marL="1275000" indent="-171450" algn="l" defTabSz="685800" rtl="0" eaLnBrk="1" latinLnBrk="0" hangingPunct="1">
+              <a:lnSpc>
+                <a:spcPct val="90000"/>
+              </a:lnSpc>
+              <a:spcBef>
+                <a:spcPts val="150"/>
+              </a:spcBef>
+              <a:spcAft>
+                <a:spcPts val="300"/>
+              </a:spcAft>
+              <a:buClr>
+                <a:schemeClr val="accent1"/>
+              </a:buClr>
+              <a:buFont typeface="Calibri" pitchFamily="34" charset="0"/>
+              <a:buChar char="◦"/>
+              <a:defRPr sz="1050" kern="1200">
+                <a:solidFill>
+                  <a:schemeClr val="tx1">
+                    <a:lumMod val="75000"/>
+                    <a:lumOff val="25000"/>
+                  </a:schemeClr>
+                </a:solidFill>
+                <a:latin typeface="+mn-lt"/>
+                <a:ea typeface="+mn-ea"/>
+                <a:cs typeface="+mn-cs"/>
+              </a:defRPr>
+            </a:lvl9pPr>
+          </a:lstStyle>
+          <a:p>
+            <a:pPr marL="457200" indent="-342900">
+              <a:spcAft>
+                <a:spcPts val="0"/>
+              </a:spcAft>
+              <a:buClr>
+                <a:srgbClr val="292929"/>
+              </a:buClr>
+              <a:buSzPts val="1800"/>
+              <a:buFont typeface="Georgia"/>
+              <a:buAutoNum type="arabicPeriod"/>
+            </a:pPr>
+            <a:r>
+              <a:rPr lang="en-US" sz="1600" dirty="0">
+                <a:solidFill>
+                  <a:srgbClr val="292929"/>
+                </a:solidFill>
+                <a:latin typeface="Georgia"/>
+                <a:ea typeface="Georgia"/>
+                <a:cs typeface="Georgia"/>
+                <a:sym typeface="Georgia"/>
+              </a:rPr>
+              <a:t>t-Distributed Stochastic Neighbor Embedding (TSNE)</a:t>
+            </a:r>
+          </a:p>
+          <a:p>
+            <a:pPr marL="457200" indent="-342900">
+              <a:spcAft>
+                <a:spcPts val="0"/>
+              </a:spcAft>
+              <a:buClr>
+                <a:srgbClr val="292929"/>
+              </a:buClr>
+              <a:buSzPts val="1800"/>
+              <a:buFont typeface="Georgia"/>
+              <a:buAutoNum type="arabicPeriod"/>
+            </a:pPr>
+            <a:endParaRPr lang="en-US" sz="1600" dirty="0">
+              <a:solidFill>
+                <a:srgbClr val="292929"/>
+              </a:solidFill>
+              <a:latin typeface="Georgia"/>
+              <a:ea typeface="Georgia"/>
+              <a:cs typeface="Georgia"/>
+              <a:sym typeface="Georgia"/>
+            </a:endParaRPr>
+          </a:p>
+          <a:p>
+            <a:pPr marL="457200" indent="-342900">
+              <a:spcBef>
+                <a:spcPts val="0"/>
+              </a:spcBef>
+              <a:spcAft>
+                <a:spcPts val="0"/>
+              </a:spcAft>
+              <a:buClr>
+                <a:srgbClr val="292929"/>
+              </a:buClr>
+              <a:buSzPts val="1800"/>
+              <a:buFont typeface="Georgia"/>
+              <a:buAutoNum type="arabicPeriod"/>
+            </a:pPr>
+            <a:r>
+              <a:rPr lang="en-US" sz="1600" dirty="0">
+                <a:solidFill>
+                  <a:srgbClr val="292929"/>
+                </a:solidFill>
+                <a:latin typeface="Georgia"/>
+                <a:ea typeface="Georgia"/>
+                <a:cs typeface="Georgia"/>
+                <a:sym typeface="Georgia"/>
+              </a:rPr>
+              <a:t>Principal component analysis-PCA</a:t>
+            </a:r>
+          </a:p>
+          <a:p>
+            <a:pPr marL="457200" indent="-342900">
+              <a:spcBef>
+                <a:spcPts val="0"/>
+              </a:spcBef>
+              <a:spcAft>
+                <a:spcPts val="0"/>
+              </a:spcAft>
+              <a:buClr>
+                <a:srgbClr val="292929"/>
+              </a:buClr>
+              <a:buSzPts val="1800"/>
+              <a:buFont typeface="Georgia"/>
+              <a:buAutoNum type="arabicPeriod"/>
+            </a:pPr>
+            <a:endParaRPr lang="en-US" sz="1600" dirty="0">
+              <a:solidFill>
+                <a:srgbClr val="292929"/>
+              </a:solidFill>
+              <a:latin typeface="Georgia"/>
+              <a:ea typeface="Georgia"/>
+              <a:cs typeface="Georgia"/>
+              <a:sym typeface="Georgia"/>
+            </a:endParaRPr>
+          </a:p>
+          <a:p>
+            <a:pPr marL="457200" indent="-342900">
+              <a:spcBef>
+                <a:spcPts val="0"/>
+              </a:spcBef>
+              <a:spcAft>
+                <a:spcPts val="0"/>
+              </a:spcAft>
+              <a:buClr>
+                <a:srgbClr val="292929"/>
+              </a:buClr>
+              <a:buSzPts val="1800"/>
+              <a:buFont typeface="Georgia"/>
+              <a:buAutoNum type="arabicPeriod"/>
+            </a:pPr>
+            <a:r>
+              <a:rPr lang="en-US" sz="1600" dirty="0">
+                <a:solidFill>
+                  <a:srgbClr val="292929"/>
+                </a:solidFill>
+                <a:latin typeface="Georgia"/>
+                <a:ea typeface="Georgia"/>
+                <a:cs typeface="Georgia"/>
+                <a:sym typeface="Georgia"/>
+              </a:rPr>
+              <a:t>Uniform Manifold Approximation and Projection, UMAP</a:t>
+            </a:r>
+          </a:p>
+        </p:txBody>
+      </p:sp>
+      <p:sp>
+        <p:nvSpPr>
+          <p:cNvPr id="6" name="TextBox 5">
+            <a:extLst>
+              <a:ext uri="{FF2B5EF4-FFF2-40B4-BE49-F238E27FC236}">
+                <a16:creationId xmlns:a16="http://schemas.microsoft.com/office/drawing/2014/main" id="{17F2E3FE-FB68-5F90-B43D-D389EC22FF3C}"/>
+              </a:ext>
+            </a:extLst>
+          </p:cNvPr>
+          <p:cNvSpPr txBox="1"/>
+          <p:nvPr/>
+        </p:nvSpPr>
+        <p:spPr>
+          <a:xfrm>
+            <a:off x="7398328" y="2224401"/>
+            <a:ext cx="948229" cy="369332"/>
+          </a:xfrm>
+          <a:prstGeom prst="rect">
+            <a:avLst/>
+          </a:prstGeom>
+          <a:noFill/>
+        </p:spPr>
+        <p:txBody>
+          <a:bodyPr wrap="square" rtlCol="0">
+            <a:spAutoFit/>
+          </a:bodyPr>
+          <a:lstStyle/>
+          <a:p>
+            <a:r>
+              <a:rPr lang="en-US" dirty="0">
+                <a:hlinkClick r:id="rId2"/>
+              </a:rPr>
+              <a:t>Source</a:t>
+            </a:r>
+            <a:endParaRPr lang="en-US" dirty="0"/>
+          </a:p>
+        </p:txBody>
+      </p:sp>
+    </p:spTree>
+    <p:extLst>
+      <p:ext uri="{BB962C8B-B14F-4D97-AF65-F5344CB8AC3E}">
+        <p14:creationId xmlns:p14="http://schemas.microsoft.com/office/powerpoint/2010/main" val="4254735555"/>
+      </p:ext>
+    </p:extLst>
+  </p:cSld>
+  <p:clrMapOvr>
+    <a:masterClrMapping/>
+  </p:clrMapOvr>
+</p:sld>
+</file>
+
+<file path=ppt/slides/slide9.xml><?xml version="1.0" encoding="utf-8"?>
+<p:sld xmlns:a="http://schemas.openxmlformats.org/drawingml/2006/main" xmlns:r="http://schemas.openxmlformats.org/officeDocument/2006/relationships" xmlns:p="http://schemas.openxmlformats.org/presentationml/2006/main">
+  <p:cSld>
+    <p:bg>
+      <p:bgPr>
+        <a:solidFill>
+          <a:schemeClr val="bg2"/>
+        </a:solidFill>
+        <a:effectLst/>
+      </p:bgPr>
+    </p:bg>
+    <p:spTree>
+      <p:nvGrpSpPr>
+        <p:cNvPr id="1" name=""/>
+        <p:cNvGrpSpPr/>
+        <p:nvPr/>
+      </p:nvGrpSpPr>
+      <p:grpSpPr>
+        <a:xfrm>
+          <a:off x="0" y="0"/>
+          <a:ext cx="0" cy="0"/>
+          <a:chOff x="0" y="0"/>
+          <a:chExt cx="0" cy="0"/>
+        </a:xfrm>
+      </p:grpSpPr>
+      <p:sp>
+        <p:nvSpPr>
           <p:cNvPr id="7" name="Rectangle 6">
             <a:extLst>
               <a:ext uri="{FF2B5EF4-FFF2-40B4-BE49-F238E27FC236}">
@@ -27138,509 +27641,6 @@
       <p:bldP spid="2" grpId="0"/>
     </p:bldLst>
   </p:timing>
-</p:sld>
-</file>
-
-<file path=ppt/slides/slide9.xml><?xml version="1.0" encoding="utf-8"?>
-<p:sld xmlns:a="http://schemas.openxmlformats.org/drawingml/2006/main" xmlns:r="http://schemas.openxmlformats.org/officeDocument/2006/relationships" xmlns:p="http://schemas.openxmlformats.org/presentationml/2006/main">
-  <p:cSld>
-    <p:bg>
-      <p:bgPr>
-        <a:solidFill>
-          <a:schemeClr val="bg2"/>
-        </a:solidFill>
-        <a:effectLst/>
-      </p:bgPr>
-    </p:bg>
-    <p:spTree>
-      <p:nvGrpSpPr>
-        <p:cNvPr id="1" name=""/>
-        <p:cNvGrpSpPr/>
-        <p:nvPr/>
-      </p:nvGrpSpPr>
-      <p:grpSpPr>
-        <a:xfrm>
-          <a:off x="0" y="0"/>
-          <a:ext cx="0" cy="0"/>
-          <a:chOff x="0" y="0"/>
-          <a:chExt cx="0" cy="0"/>
-        </a:xfrm>
-      </p:grpSpPr>
-      <p:sp>
-        <p:nvSpPr>
-          <p:cNvPr id="11" name="Rectangle 10">
-            <a:extLst>
-              <a:ext uri="{FF2B5EF4-FFF2-40B4-BE49-F238E27FC236}">
-                <a16:creationId xmlns:a16="http://schemas.microsoft.com/office/drawing/2014/main" id="{4E4490D0-3672-446A-AC12-B4830333BDDD}"/>
-              </a:ext>
-              <a:ext uri="{C183D7F6-B498-43B3-948B-1728B52AA6E4}">
-                <adec:decorative xmlns:adec="http://schemas.microsoft.com/office/drawing/2017/decorative" val="1"/>
-              </a:ext>
-            </a:extLst>
-          </p:cNvPr>
-          <p:cNvSpPr>
-            <a:spLocks noGrp="1" noRot="1" noChangeAspect="1" noMove="1" noResize="1" noEditPoints="1" noAdjustHandles="1" noChangeArrowheads="1" noChangeShapeType="1" noTextEdit="1"/>
-          </p:cNvSpPr>
-          <p:nvPr>
-            <p:extLst>
-              <p:ext uri="{386F3935-93C4-4BCD-93E2-E3B085C9AB24}">
-                <p16:designElem xmlns:p16="http://schemas.microsoft.com/office/powerpoint/2015/main" val="1"/>
-              </p:ext>
-            </p:extLst>
-          </p:nvPr>
-        </p:nvSpPr>
-        <p:spPr>
-          <a:xfrm>
-            <a:off x="2381" y="4800600"/>
-            <a:ext cx="9141619" cy="342900"/>
-          </a:xfrm>
-          <a:prstGeom prst="rect">
-            <a:avLst/>
-          </a:prstGeom>
-          <a:solidFill>
-            <a:schemeClr val="accent2"/>
-          </a:solidFill>
-          <a:ln>
-            <a:noFill/>
-          </a:ln>
-        </p:spPr>
-        <p:style>
-          <a:lnRef idx="2">
-            <a:schemeClr val="accent1">
-              <a:shade val="50000"/>
-            </a:schemeClr>
-          </a:lnRef>
-          <a:fillRef idx="1">
-            <a:schemeClr val="accent1"/>
-          </a:fillRef>
-          <a:effectRef idx="0">
-            <a:schemeClr val="accent1"/>
-          </a:effectRef>
-          <a:fontRef idx="minor">
-            <a:schemeClr val="lt1"/>
-          </a:fontRef>
-        </p:style>
-      </p:sp>
-      <p:sp>
-        <p:nvSpPr>
-          <p:cNvPr id="13" name="Rectangle 12">
-            <a:extLst>
-              <a:ext uri="{FF2B5EF4-FFF2-40B4-BE49-F238E27FC236}">
-                <a16:creationId xmlns:a16="http://schemas.microsoft.com/office/drawing/2014/main" id="{39CB82C2-DF65-4EC1-8280-F201D50F570B}"/>
-              </a:ext>
-              <a:ext uri="{C183D7F6-B498-43B3-948B-1728B52AA6E4}">
-                <adec:decorative xmlns:adec="http://schemas.microsoft.com/office/drawing/2017/decorative" val="1"/>
-              </a:ext>
-            </a:extLst>
-          </p:cNvPr>
-          <p:cNvSpPr>
-            <a:spLocks noGrp="1" noRot="1" noChangeAspect="1" noMove="1" noResize="1" noEditPoints="1" noAdjustHandles="1" noChangeArrowheads="1" noChangeShapeType="1" noTextEdit="1"/>
-          </p:cNvSpPr>
-          <p:nvPr>
-            <p:extLst>
-              <p:ext uri="{386F3935-93C4-4BCD-93E2-E3B085C9AB24}">
-                <p16:designElem xmlns:p16="http://schemas.microsoft.com/office/powerpoint/2015/main" val="1"/>
-              </p:ext>
-            </p:extLst>
-          </p:nvPr>
-        </p:nvSpPr>
-        <p:spPr>
-          <a:xfrm>
-            <a:off x="11" y="4750737"/>
-            <a:ext cx="9141619" cy="48006"/>
-          </a:xfrm>
-          <a:prstGeom prst="rect">
-            <a:avLst/>
-          </a:prstGeom>
-          <a:solidFill>
-            <a:schemeClr val="accent1"/>
-          </a:solidFill>
-          <a:ln>
-            <a:noFill/>
-          </a:ln>
-        </p:spPr>
-        <p:style>
-          <a:lnRef idx="2">
-            <a:schemeClr val="accent1">
-              <a:shade val="50000"/>
-            </a:schemeClr>
-          </a:lnRef>
-          <a:fillRef idx="1">
-            <a:schemeClr val="accent1"/>
-          </a:fillRef>
-          <a:effectRef idx="0">
-            <a:schemeClr val="accent1"/>
-          </a:effectRef>
-          <a:fontRef idx="minor">
-            <a:schemeClr val="lt1"/>
-          </a:fontRef>
-        </p:style>
-      </p:sp>
-      <p:cxnSp>
-        <p:nvCxnSpPr>
-          <p:cNvPr id="15" name="Straight Connector 14">
-            <a:extLst>
-              <a:ext uri="{FF2B5EF4-FFF2-40B4-BE49-F238E27FC236}">
-                <a16:creationId xmlns:a16="http://schemas.microsoft.com/office/drawing/2014/main" id="{7E1D4427-852B-4B37-8E76-0E9F1810BA2A}"/>
-              </a:ext>
-              <a:ext uri="{C183D7F6-B498-43B3-948B-1728B52AA6E4}">
-                <adec:decorative xmlns:adec="http://schemas.microsoft.com/office/drawing/2017/decorative" val="1"/>
-              </a:ext>
-            </a:extLst>
-          </p:cNvPr>
-          <p:cNvCxnSpPr>
-            <a:cxnSpLocks noGrp="1" noRot="1" noChangeAspect="1" noMove="1" noResize="1" noEditPoints="1" noAdjustHandles="1" noChangeArrowheads="1" noChangeShapeType="1"/>
-          </p:cNvCxnSpPr>
-          <p:nvPr>
-            <p:extLst>
-              <p:ext uri="{386F3935-93C4-4BCD-93E2-E3B085C9AB24}">
-                <p16:designElem xmlns:p16="http://schemas.microsoft.com/office/powerpoint/2015/main" val="1"/>
-              </p:ext>
-            </p:extLst>
-          </p:nvPr>
-        </p:nvCxnSpPr>
-        <p:spPr>
-          <a:xfrm>
-            <a:off x="905743" y="3257550"/>
-            <a:ext cx="7406640" cy="0"/>
-          </a:xfrm>
-          <a:prstGeom prst="line">
-            <a:avLst/>
-          </a:prstGeom>
-          <a:ln w="6350">
-            <a:solidFill>
-              <a:schemeClr val="tx1">
-                <a:lumMod val="50000"/>
-                <a:lumOff val="50000"/>
-              </a:schemeClr>
-            </a:solidFill>
-          </a:ln>
-        </p:spPr>
-        <p:style>
-          <a:lnRef idx="1">
-            <a:schemeClr val="accent1"/>
-          </a:lnRef>
-          <a:fillRef idx="0">
-            <a:schemeClr val="accent1"/>
-          </a:fillRef>
-          <a:effectRef idx="0">
-            <a:schemeClr val="accent1"/>
-          </a:effectRef>
-          <a:fontRef idx="minor">
-            <a:schemeClr val="tx1"/>
-          </a:fontRef>
-        </p:style>
-      </p:cxnSp>
-      <p:sp useBgFill="1">
-        <p:nvSpPr>
-          <p:cNvPr id="17" name="Rectangle 16">
-            <a:extLst>
-              <a:ext uri="{FF2B5EF4-FFF2-40B4-BE49-F238E27FC236}">
-                <a16:creationId xmlns:a16="http://schemas.microsoft.com/office/drawing/2014/main" id="{C4AAA502-5435-489E-9538-3A40E6C71461}"/>
-              </a:ext>
-              <a:ext uri="{C183D7F6-B498-43B3-948B-1728B52AA6E4}">
-                <adec:decorative xmlns:adec="http://schemas.microsoft.com/office/drawing/2017/decorative" val="1"/>
-              </a:ext>
-            </a:extLst>
-          </p:cNvPr>
-          <p:cNvSpPr>
-            <a:spLocks noGrp="1" noRot="1" noChangeAspect="1" noMove="1" noResize="1" noEditPoints="1" noAdjustHandles="1" noChangeArrowheads="1" noChangeShapeType="1" noTextEdit="1"/>
-          </p:cNvSpPr>
-          <p:nvPr>
-            <p:extLst>
-              <p:ext uri="{386F3935-93C4-4BCD-93E2-E3B085C9AB24}">
-                <p16:designElem xmlns:p16="http://schemas.microsoft.com/office/powerpoint/2015/main" val="1"/>
-              </p:ext>
-            </p:extLst>
-          </p:nvPr>
-        </p:nvSpPr>
-        <p:spPr>
-          <a:xfrm>
-            <a:off x="0" y="0"/>
-            <a:ext cx="9144000" cy="4750737"/>
-          </a:xfrm>
-          <a:prstGeom prst="rect">
-            <a:avLst/>
-          </a:prstGeom>
-          <a:ln>
-            <a:noFill/>
-          </a:ln>
-        </p:spPr>
-        <p:style>
-          <a:lnRef idx="2">
-            <a:schemeClr val="accent1">
-              <a:shade val="50000"/>
-            </a:schemeClr>
-          </a:lnRef>
-          <a:fillRef idx="1">
-            <a:schemeClr val="accent1"/>
-          </a:fillRef>
-          <a:effectRef idx="0">
-            <a:schemeClr val="accent1"/>
-          </a:effectRef>
-          <a:fontRef idx="minor">
-            <a:schemeClr val="lt1"/>
-          </a:fontRef>
-        </p:style>
-        <p:txBody>
-          <a:bodyPr rtlCol="0" anchor="ctr"/>
-          <a:lstStyle/>
-          <a:p>
-            <a:pPr algn="ctr"/>
-            <a:endParaRPr lang="en-US"/>
-          </a:p>
-        </p:txBody>
-      </p:sp>
-      <p:sp>
-        <p:nvSpPr>
-          <p:cNvPr id="2" name="Title 1">
-            <a:extLst>
-              <a:ext uri="{FF2B5EF4-FFF2-40B4-BE49-F238E27FC236}">
-                <a16:creationId xmlns:a16="http://schemas.microsoft.com/office/drawing/2014/main" id="{AF027A07-EC9D-B7AF-943F-0C34F7D8B43E}"/>
-              </a:ext>
-            </a:extLst>
-          </p:cNvPr>
-          <p:cNvSpPr>
-            <a:spLocks noGrp="1"/>
-          </p:cNvSpPr>
-          <p:nvPr>
-            <p:ph type="title"/>
-          </p:nvPr>
-        </p:nvSpPr>
-        <p:spPr>
-          <a:xfrm>
-            <a:off x="475499" y="3412671"/>
-            <a:ext cx="8181805" cy="793242"/>
-          </a:xfrm>
-        </p:spPr>
-        <p:txBody>
-          <a:bodyPr vert="horz" lIns="91440" tIns="45720" rIns="91440" bIns="45720" rtlCol="0" anchor="b">
-            <a:normAutofit/>
-          </a:bodyPr>
-          <a:lstStyle/>
-          <a:p>
-            <a:pPr defTabSz="914400"/>
-            <a:r>
-              <a:rPr lang="en-US" sz="4500" spc="-50">
-                <a:solidFill>
-                  <a:schemeClr val="tx1">
-                    <a:lumMod val="85000"/>
-                    <a:lumOff val="15000"/>
-                  </a:schemeClr>
-                </a:solidFill>
-              </a:rPr>
-              <a:t>Model Summary</a:t>
-            </a:r>
-          </a:p>
-        </p:txBody>
-      </p:sp>
-      <p:pic>
-        <p:nvPicPr>
-          <p:cNvPr id="6" name="Picture 5">
-            <a:extLst>
-              <a:ext uri="{FF2B5EF4-FFF2-40B4-BE49-F238E27FC236}">
-                <a16:creationId xmlns:a16="http://schemas.microsoft.com/office/drawing/2014/main" id="{462E519D-91A3-0BA0-EC23-7E65F32CB6EE}"/>
-              </a:ext>
-            </a:extLst>
-          </p:cNvPr>
-          <p:cNvPicPr>
-            <a:picLocks noChangeAspect="1"/>
-          </p:cNvPicPr>
-          <p:nvPr/>
-        </p:nvPicPr>
-        <p:blipFill>
-          <a:blip r:embed="rId2"/>
-          <a:stretch>
-            <a:fillRect/>
-          </a:stretch>
-        </p:blipFill>
-        <p:spPr>
-          <a:xfrm>
-            <a:off x="476592" y="480060"/>
-            <a:ext cx="7205472" cy="2702052"/>
-          </a:xfrm>
-          <a:prstGeom prst="rect">
-            <a:avLst/>
-          </a:prstGeom>
-          <a:effectLst>
-            <a:softEdge rad="25400"/>
-          </a:effectLst>
-        </p:spPr>
-      </p:pic>
-      <p:cxnSp>
-        <p:nvCxnSpPr>
-          <p:cNvPr id="19" name="Straight Connector 18">
-            <a:extLst>
-              <a:ext uri="{FF2B5EF4-FFF2-40B4-BE49-F238E27FC236}">
-                <a16:creationId xmlns:a16="http://schemas.microsoft.com/office/drawing/2014/main" id="{C9AC0290-4702-4519-B0F4-C2A46880997B}"/>
-              </a:ext>
-              <a:ext uri="{C183D7F6-B498-43B3-948B-1728B52AA6E4}">
-                <adec:decorative xmlns:adec="http://schemas.microsoft.com/office/drawing/2017/decorative" val="1"/>
-              </a:ext>
-            </a:extLst>
-          </p:cNvPr>
-          <p:cNvCxnSpPr>
-            <a:cxnSpLocks noGrp="1" noRot="1" noChangeAspect="1" noMove="1" noResize="1" noEditPoints="1" noAdjustHandles="1" noChangeArrowheads="1" noChangeShapeType="1"/>
-          </p:cNvCxnSpPr>
-          <p:nvPr>
-            <p:extLst>
-              <p:ext uri="{386F3935-93C4-4BCD-93E2-E3B085C9AB24}">
-                <p16:designElem xmlns:p16="http://schemas.microsoft.com/office/powerpoint/2015/main" val="1"/>
-              </p:ext>
-            </p:extLst>
-          </p:nvPr>
-        </p:nvCxnSpPr>
-        <p:spPr>
-          <a:xfrm>
-            <a:off x="540814" y="4214077"/>
-            <a:ext cx="7886700" cy="0"/>
-          </a:xfrm>
-          <a:prstGeom prst="line">
-            <a:avLst/>
-          </a:prstGeom>
-          <a:ln w="6350">
-            <a:solidFill>
-              <a:schemeClr val="tx2">
-                <a:alpha val="90000"/>
-              </a:schemeClr>
-            </a:solidFill>
-          </a:ln>
-        </p:spPr>
-        <p:style>
-          <a:lnRef idx="1">
-            <a:schemeClr val="accent1"/>
-          </a:lnRef>
-          <a:fillRef idx="0">
-            <a:schemeClr val="accent1"/>
-          </a:fillRef>
-          <a:effectRef idx="0">
-            <a:schemeClr val="accent1"/>
-          </a:effectRef>
-          <a:fontRef idx="minor">
-            <a:schemeClr val="tx1"/>
-          </a:fontRef>
-        </p:style>
-      </p:cxnSp>
-      <p:sp>
-        <p:nvSpPr>
-          <p:cNvPr id="21" name="Rectangle 20">
-            <a:extLst>
-              <a:ext uri="{FF2B5EF4-FFF2-40B4-BE49-F238E27FC236}">
-                <a16:creationId xmlns:a16="http://schemas.microsoft.com/office/drawing/2014/main" id="{DE42378B-2E28-4810-8421-7A473A40E376}"/>
-              </a:ext>
-              <a:ext uri="{C183D7F6-B498-43B3-948B-1728B52AA6E4}">
-                <adec:decorative xmlns:adec="http://schemas.microsoft.com/office/drawing/2017/decorative" val="1"/>
-              </a:ext>
-            </a:extLst>
-          </p:cNvPr>
-          <p:cNvSpPr>
-            <a:spLocks noGrp="1" noRot="1" noChangeAspect="1" noMove="1" noResize="1" noEditPoints="1" noAdjustHandles="1" noChangeArrowheads="1" noChangeShapeType="1" noTextEdit="1"/>
-          </p:cNvSpPr>
-          <p:nvPr>
-            <p:extLst>
-              <p:ext uri="{386F3935-93C4-4BCD-93E2-E3B085C9AB24}">
-                <p16:designElem xmlns:p16="http://schemas.microsoft.com/office/powerpoint/2015/main" val="1"/>
-              </p:ext>
-            </p:extLst>
-          </p:nvPr>
-        </p:nvSpPr>
-        <p:spPr>
-          <a:xfrm>
-            <a:off x="11" y="4750737"/>
-            <a:ext cx="9143989" cy="49863"/>
-          </a:xfrm>
-          <a:prstGeom prst="rect">
-            <a:avLst/>
-          </a:prstGeom>
-          <a:solidFill>
-            <a:schemeClr val="accent1"/>
-          </a:solidFill>
-          <a:ln>
-            <a:noFill/>
-          </a:ln>
-        </p:spPr>
-        <p:style>
-          <a:lnRef idx="2">
-            <a:schemeClr val="accent1">
-              <a:shade val="50000"/>
-            </a:schemeClr>
-          </a:lnRef>
-          <a:fillRef idx="1">
-            <a:schemeClr val="accent1"/>
-          </a:fillRef>
-          <a:effectRef idx="0">
-            <a:schemeClr val="accent1"/>
-          </a:effectRef>
-          <a:fontRef idx="minor">
-            <a:schemeClr val="lt1"/>
-          </a:fontRef>
-        </p:style>
-      </p:sp>
-      <p:sp>
-        <p:nvSpPr>
-          <p:cNvPr id="23" name="Rectangle 22">
-            <a:extLst>
-              <a:ext uri="{FF2B5EF4-FFF2-40B4-BE49-F238E27FC236}">
-                <a16:creationId xmlns:a16="http://schemas.microsoft.com/office/drawing/2014/main" id="{0D91DD17-237F-4811-BC0E-128EB1BD7CFE}"/>
-              </a:ext>
-              <a:ext uri="{C183D7F6-B498-43B3-948B-1728B52AA6E4}">
-                <adec:decorative xmlns:adec="http://schemas.microsoft.com/office/drawing/2017/decorative" val="1"/>
-              </a:ext>
-            </a:extLst>
-          </p:cNvPr>
-          <p:cNvSpPr>
-            <a:spLocks noGrp="1" noRot="1" noChangeAspect="1" noMove="1" noResize="1" noEditPoints="1" noAdjustHandles="1" noChangeArrowheads="1" noChangeShapeType="1" noTextEdit="1"/>
-          </p:cNvSpPr>
-          <p:nvPr>
-            <p:extLst>
-              <p:ext uri="{386F3935-93C4-4BCD-93E2-E3B085C9AB24}">
-                <p16:designElem xmlns:p16="http://schemas.microsoft.com/office/powerpoint/2015/main" val="1"/>
-              </p:ext>
-            </p:extLst>
-          </p:nvPr>
-        </p:nvSpPr>
-        <p:spPr>
-          <a:xfrm>
-            <a:off x="0" y="4800600"/>
-            <a:ext cx="9144000" cy="342900"/>
-          </a:xfrm>
-          <a:prstGeom prst="rect">
-            <a:avLst/>
-          </a:prstGeom>
-          <a:solidFill>
-            <a:schemeClr val="accent2"/>
-          </a:solidFill>
-          <a:ln>
-            <a:noFill/>
-          </a:ln>
-        </p:spPr>
-        <p:style>
-          <a:lnRef idx="2">
-            <a:schemeClr val="accent1">
-              <a:shade val="50000"/>
-            </a:schemeClr>
-          </a:lnRef>
-          <a:fillRef idx="1">
-            <a:schemeClr val="accent1"/>
-          </a:fillRef>
-          <a:effectRef idx="0">
-            <a:schemeClr val="accent1"/>
-          </a:effectRef>
-          <a:fontRef idx="minor">
-            <a:schemeClr val="lt1"/>
-          </a:fontRef>
-        </p:style>
-      </p:sp>
-    </p:spTree>
-    <p:extLst>
-      <p:ext uri="{BB962C8B-B14F-4D97-AF65-F5344CB8AC3E}">
-        <p14:creationId xmlns:p14="http://schemas.microsoft.com/office/powerpoint/2010/main" val="3869776215"/>
-      </p:ext>
-    </p:extLst>
-  </p:cSld>
-  <p:clrMapOvr>
-    <a:masterClrMapping/>
-  </p:clrMapOvr>
 </p:sld>
 </file>
 

--- a/AI presentation.pptx
+++ b/AI presentation.pptx
@@ -24812,7 +24812,7 @@
             </a:pPr>
             <a:r>
               <a:rPr lang="en-US" sz="1600" dirty="0"/>
-              <a:t>Use a content-based recommendation for initial recommendation in addition to collaborative filtering</a:t>
+              <a:t>Get the likings of the user initially as that data is learnt over time</a:t>
             </a:r>
           </a:p>
         </p:txBody>
